--- a/CONTROL INV.pptx
+++ b/CONTROL INV.pptx
@@ -3643,6 +3643,79 @@
           </a:prstGeom>
           <a:solidFill>
             <a:schemeClr val="accent4">
+              <a:lumMod val="75000"/>
+            </a:schemeClr>
+          </a:solidFill>
+          <a:ln>
+            <a:noFill/>
+          </a:ln>
+          <a:effectLst>
+            <a:glow rad="63500">
+              <a:schemeClr val="accent4">
+                <a:satMod val="175000"/>
+                <a:alpha val="40000"/>
+              </a:schemeClr>
+            </a:glow>
+          </a:effectLst>
+          <a:scene3d>
+            <a:camera prst="orthographicFront">
+              <a:rot lat="0" lon="0" rev="0"/>
+            </a:camera>
+            <a:lightRig rig="contrasting" dir="t">
+              <a:rot lat="0" lon="0" rev="7800000"/>
+            </a:lightRig>
+          </a:scene3d>
+          <a:sp3d>
+            <a:bevelT w="139700" h="139700"/>
+          </a:sp3d>
+        </p:spPr>
+        <p:style>
+          <a:lnRef idx="2">
+            <a:schemeClr val="accent1">
+              <a:shade val="50000"/>
+            </a:schemeClr>
+          </a:lnRef>
+          <a:fillRef idx="1">
+            <a:schemeClr val="accent1"/>
+          </a:fillRef>
+          <a:effectRef idx="0">
+            <a:schemeClr val="accent1"/>
+          </a:effectRef>
+          <a:fontRef idx="minor">
+            <a:schemeClr val="lt1"/>
+          </a:fontRef>
+        </p:style>
+        <p:txBody>
+          <a:bodyPr rtlCol="0" anchor="ctr"/>
+          <a:lstStyle/>
+          <a:p>
+            <a:pPr algn="ctr"/>
+            <a:endParaRPr lang="es-CO"/>
+          </a:p>
+        </p:txBody>
+      </p:sp>
+      <p:sp>
+        <p:nvSpPr>
+          <p:cNvPr id="14" name="Elipse 13">
+            <a:extLst>
+              <a:ext uri="{FF2B5EF4-FFF2-40B4-BE49-F238E27FC236}">
+                <a16:creationId xmlns:a16="http://schemas.microsoft.com/office/drawing/2014/main" id="{EFA34042-5CB2-45AF-8720-19F85B5E4034}"/>
+              </a:ext>
+            </a:extLst>
+          </p:cNvPr>
+          <p:cNvSpPr/>
+          <p:nvPr/>
+        </p:nvSpPr>
+        <p:spPr>
+          <a:xfrm>
+            <a:off x="4904230" y="4580622"/>
+            <a:ext cx="212651" cy="212652"/>
+          </a:xfrm>
+          <a:prstGeom prst="ellipse">
+            <a:avLst/>
+          </a:prstGeom>
+          <a:solidFill>
+            <a:schemeClr val="accent6">
               <a:lumMod val="50000"/>
             </a:schemeClr>
           </a:solidFill>
@@ -3689,72 +3762,6 @@
       </p:sp>
       <p:sp>
         <p:nvSpPr>
-          <p:cNvPr id="14" name="Elipse 13">
-            <a:extLst>
-              <a:ext uri="{FF2B5EF4-FFF2-40B4-BE49-F238E27FC236}">
-                <a16:creationId xmlns:a16="http://schemas.microsoft.com/office/drawing/2014/main" id="{EFA34042-5CB2-45AF-8720-19F85B5E4034}"/>
-              </a:ext>
-            </a:extLst>
-          </p:cNvPr>
-          <p:cNvSpPr/>
-          <p:nvPr/>
-        </p:nvSpPr>
-        <p:spPr>
-          <a:xfrm>
-            <a:off x="4904230" y="4580622"/>
-            <a:ext cx="212651" cy="212652"/>
-          </a:xfrm>
-          <a:prstGeom prst="ellipse">
-            <a:avLst/>
-          </a:prstGeom>
-          <a:solidFill>
-            <a:schemeClr val="accent6">
-              <a:lumMod val="50000"/>
-            </a:schemeClr>
-          </a:solidFill>
-          <a:ln>
-            <a:noFill/>
-          </a:ln>
-          <a:effectLst/>
-          <a:scene3d>
-            <a:camera prst="orthographicFront">
-              <a:rot lat="0" lon="0" rev="0"/>
-            </a:camera>
-            <a:lightRig rig="contrasting" dir="t">
-              <a:rot lat="0" lon="0" rev="7800000"/>
-            </a:lightRig>
-          </a:scene3d>
-          <a:sp3d>
-            <a:bevelT w="139700" h="139700"/>
-          </a:sp3d>
-        </p:spPr>
-        <p:style>
-          <a:lnRef idx="2">
-            <a:schemeClr val="accent1">
-              <a:shade val="50000"/>
-            </a:schemeClr>
-          </a:lnRef>
-          <a:fillRef idx="1">
-            <a:schemeClr val="accent1"/>
-          </a:fillRef>
-          <a:effectRef idx="0">
-            <a:schemeClr val="accent1"/>
-          </a:effectRef>
-          <a:fontRef idx="minor">
-            <a:schemeClr val="lt1"/>
-          </a:fontRef>
-        </p:style>
-        <p:txBody>
-          <a:bodyPr rtlCol="0" anchor="ctr"/>
-          <a:lstStyle/>
-          <a:p>
-            <a:pPr algn="ctr"/>
-            <a:endParaRPr lang="es-CO"/>
-          </a:p>
-        </p:txBody>
-      </p:sp>
-      <p:sp>
-        <p:nvSpPr>
           <p:cNvPr id="15" name="Elipse 14">
             <a:extLst>
               <a:ext uri="{FF2B5EF4-FFF2-40B4-BE49-F238E27FC236}">
@@ -3774,14 +3781,19 @@
             <a:avLst/>
           </a:prstGeom>
           <a:solidFill>
-            <a:schemeClr val="accent6">
-              <a:lumMod val="50000"/>
-            </a:schemeClr>
+            <a:srgbClr val="92D050"/>
           </a:solidFill>
           <a:ln>
             <a:noFill/>
           </a:ln>
-          <a:effectLst/>
+          <a:effectLst>
+            <a:glow rad="101600">
+              <a:schemeClr val="accent6">
+                <a:satMod val="175000"/>
+                <a:alpha val="40000"/>
+              </a:schemeClr>
+            </a:glow>
+          </a:effectLst>
           <a:scene3d>
             <a:camera prst="orthographicFront">
               <a:rot lat="0" lon="0" rev="0"/>
@@ -5526,7 +5538,7 @@
             <a:avLst/>
           </a:prstGeom>
           <a:solidFill>
-            <a:srgbClr val="970D0D"/>
+            <a:srgbClr val="550707"/>
           </a:solidFill>
           <a:ln>
             <a:noFill/>
@@ -6374,29 +6386,10 @@
                 </a:effectLst>
                 <a:latin typeface="Subway Ticker" panose="02000400000000000000" pitchFamily="2" charset="0"/>
               </a:rPr>
-              <a:t>MENU</a:t>
+              <a:t>MENU                  MANUAL</a:t>
             </a:r>
           </a:p>
           <a:p>
-            <a:r>
-              <a:rPr lang="es-ES" sz="1600" b="0" cap="none" spc="0" dirty="0">
-                <a:ln w="0"/>
-                <a:solidFill>
-                  <a:schemeClr val="accent6">
-                    <a:lumMod val="50000"/>
-                  </a:schemeClr>
-                </a:solidFill>
-                <a:effectLst>
-                  <a:outerShdw blurRad="38100" dist="19050" dir="2700000" algn="tl" rotWithShape="0">
-                    <a:schemeClr val="dk1">
-                      <a:alpha val="40000"/>
-                    </a:schemeClr>
-                  </a:outerShdw>
-                </a:effectLst>
-                <a:latin typeface="Subway Ticker" panose="02000400000000000000" pitchFamily="2" charset="0"/>
-              </a:rPr>
-              <a:t>1</a:t>
-            </a:r>
             <a:r>
               <a:rPr lang="es-ES" sz="1600" dirty="0">
                 <a:ln w="0"/>
@@ -6414,7 +6407,7 @@
                 </a:effectLst>
                 <a:latin typeface="Subway Ticker" panose="02000400000000000000" pitchFamily="2" charset="0"/>
               </a:rPr>
-              <a:t> ******</a:t>
+              <a:t>OUT 3 - ON</a:t>
             </a:r>
             <a:endParaRPr lang="es-ES" sz="1600" b="0" cap="none" spc="0" dirty="0">
               <a:ln w="0"/>

--- a/CONTROL INV.pptx
+++ b/CONTROL INV.pptx
@@ -6544,7 +6544,7 @@
         </p:nvSpPr>
         <p:spPr>
           <a:xfrm>
-            <a:off x="4566897" y="3537796"/>
+            <a:off x="4596170" y="3389785"/>
             <a:ext cx="3595619" cy="338554"/>
           </a:xfrm>
           <a:prstGeom prst="rect">
@@ -6573,7 +6573,7 @@
                   </a:outerShdw>
                 </a:effectLst>
               </a:rPr>
-              <a:t>_______ OUT _______</a:t>
+              <a:t>________ OUT ________</a:t>
             </a:r>
             <a:endParaRPr lang="es-ES" sz="1600" b="0" cap="none" spc="0" dirty="0">
               <a:ln w="0"/>
@@ -6605,8 +6605,8 @@
         </p:nvSpPr>
         <p:spPr>
           <a:xfrm>
-            <a:off x="3983622" y="3787993"/>
-            <a:ext cx="4278484" cy="307777"/>
+            <a:off x="4817849" y="3782866"/>
+            <a:ext cx="497677" cy="307777"/>
           </a:xfrm>
           <a:prstGeom prst="rect">
             <a:avLst/>
@@ -6619,7 +6619,6 @@
           </a:bodyPr>
           <a:lstStyle/>
           <a:p>
-            <a:pPr algn="ctr"/>
             <a:r>
               <a:rPr lang="es-ES" sz="1400" dirty="0">
                 <a:ln w="0"/>
@@ -6650,39 +6649,7 @@
                   </a:outerShdw>
                 </a:effectLst>
               </a:rPr>
-              <a:t>     </a:t>
-            </a:r>
-            <a:r>
-              <a:rPr lang="es-ES" sz="1200" b="0" cap="none" spc="0" dirty="0">
-                <a:ln w="0"/>
-                <a:solidFill>
-                  <a:schemeClr val="bg1"/>
-                </a:solidFill>
-                <a:effectLst>
-                  <a:outerShdw blurRad="38100" dist="19050" dir="2700000" algn="tl" rotWithShape="0">
-                    <a:schemeClr val="dk1">
-                      <a:alpha val="40000"/>
-                    </a:schemeClr>
-                  </a:outerShdw>
-                </a:effectLst>
-              </a:rPr>
-              <a:t>1     2</a:t>
-            </a:r>
-            <a:r>
-              <a:rPr lang="es-ES" sz="1200" dirty="0">
-                <a:ln w="0"/>
-                <a:solidFill>
-                  <a:schemeClr val="bg1"/>
-                </a:solidFill>
-                <a:effectLst>
-                  <a:outerShdw blurRad="38100" dist="19050" dir="2700000" algn="tl" rotWithShape="0">
-                    <a:schemeClr val="dk1">
-                      <a:alpha val="40000"/>
-                    </a:schemeClr>
-                  </a:outerShdw>
-                </a:effectLst>
-              </a:rPr>
-              <a:t>     3     4     5     6     7     8</a:t>
+              <a:t> </a:t>
             </a:r>
             <a:r>
               <a:rPr lang="es-ES" sz="1200" b="0" cap="none" spc="0" dirty="0">
@@ -11836,7 +11803,7 @@
         </p:nvCxnSpPr>
         <p:spPr>
           <a:xfrm>
-            <a:off x="3453481" y="3871571"/>
+            <a:off x="3453481" y="3843521"/>
             <a:ext cx="188320" cy="0"/>
           </a:xfrm>
           <a:prstGeom prst="line">
@@ -11879,7 +11846,7 @@
         </p:nvCxnSpPr>
         <p:spPr>
           <a:xfrm>
-            <a:off x="3636805" y="3871571"/>
+            <a:off x="3636805" y="3843521"/>
             <a:ext cx="0" cy="117423"/>
           </a:xfrm>
           <a:prstGeom prst="line">
@@ -11924,7 +11891,7 @@
         </p:nvCxnSpPr>
         <p:spPr>
           <a:xfrm>
-            <a:off x="3452459" y="3931532"/>
+            <a:off x="3452459" y="3903482"/>
             <a:ext cx="330148" cy="0"/>
           </a:xfrm>
           <a:prstGeom prst="line">
@@ -11967,7 +11934,7 @@
         </p:nvCxnSpPr>
         <p:spPr>
           <a:xfrm>
-            <a:off x="3300423" y="3931532"/>
+            <a:off x="3300423" y="3903482"/>
             <a:ext cx="102498" cy="0"/>
           </a:xfrm>
           <a:prstGeom prst="line">
@@ -12010,7 +11977,7 @@
         </p:nvCxnSpPr>
         <p:spPr>
           <a:xfrm>
-            <a:off x="3402921" y="3901554"/>
+            <a:off x="3402921" y="3873504"/>
             <a:ext cx="191408" cy="0"/>
           </a:xfrm>
           <a:prstGeom prst="line">
@@ -12053,7 +12020,7 @@
         </p:nvCxnSpPr>
         <p:spPr>
           <a:xfrm>
-            <a:off x="3402921" y="3901554"/>
+            <a:off x="3402921" y="3873504"/>
             <a:ext cx="0" cy="59960"/>
           </a:xfrm>
           <a:prstGeom prst="line">
@@ -12098,7 +12065,7 @@
         </p:nvCxnSpPr>
         <p:spPr>
           <a:xfrm>
-            <a:off x="3402921" y="3961514"/>
+            <a:off x="3402921" y="3933464"/>
             <a:ext cx="191408" cy="0"/>
           </a:xfrm>
           <a:prstGeom prst="line">
@@ -12141,7 +12108,7 @@
         </p:nvCxnSpPr>
         <p:spPr>
           <a:xfrm>
-            <a:off x="3453481" y="3988994"/>
+            <a:off x="3453481" y="3960944"/>
             <a:ext cx="188320" cy="0"/>
           </a:xfrm>
           <a:prstGeom prst="line">
@@ -12182,7 +12149,7 @@
         </p:nvSpPr>
         <p:spPr>
           <a:xfrm>
-            <a:off x="3904995" y="3895598"/>
+            <a:off x="3904995" y="3867548"/>
             <a:ext cx="293785" cy="89917"/>
           </a:xfrm>
           <a:prstGeom prst="rect">
@@ -12234,7 +12201,7 @@
         </p:nvCxnSpPr>
         <p:spPr>
           <a:xfrm>
-            <a:off x="3969313" y="3845329"/>
+            <a:off x="3969313" y="3817279"/>
             <a:ext cx="196049" cy="183227"/>
           </a:xfrm>
           <a:prstGeom prst="line">
@@ -12277,7 +12244,7 @@
         </p:nvCxnSpPr>
         <p:spPr>
           <a:xfrm>
-            <a:off x="4200334" y="3943122"/>
+            <a:off x="4200334" y="3915072"/>
             <a:ext cx="45919" cy="0"/>
           </a:xfrm>
           <a:prstGeom prst="line">
@@ -12320,7 +12287,7 @@
         </p:nvCxnSpPr>
         <p:spPr>
           <a:xfrm>
-            <a:off x="3859076" y="3943122"/>
+            <a:off x="3859076" y="3915072"/>
             <a:ext cx="45919" cy="0"/>
           </a:xfrm>
           <a:prstGeom prst="line">
@@ -14108,7 +14075,7 @@
         </p:nvSpPr>
         <p:spPr>
           <a:xfrm rot="18904337">
-            <a:off x="4517256" y="3894534"/>
+            <a:off x="4517256" y="3866484"/>
             <a:ext cx="112744" cy="113318"/>
           </a:xfrm>
           <a:prstGeom prst="teardrop">
@@ -14162,7 +14129,7 @@
         </p:nvSpPr>
         <p:spPr>
           <a:xfrm>
-            <a:off x="4515739" y="3905970"/>
+            <a:off x="4515739" y="3877920"/>
             <a:ext cx="112744" cy="100590"/>
           </a:xfrm>
           <a:prstGeom prst="chord">
@@ -14202,6 +14169,1254 @@
           <a:p>
             <a:pPr algn="ctr"/>
             <a:endParaRPr lang="es-CO"/>
+          </a:p>
+        </p:txBody>
+      </p:sp>
+      <p:sp>
+        <p:nvSpPr>
+          <p:cNvPr id="2" name="Rectángulo 1">
+            <a:extLst>
+              <a:ext uri="{FF2B5EF4-FFF2-40B4-BE49-F238E27FC236}">
+                <a16:creationId xmlns:a16="http://schemas.microsoft.com/office/drawing/2014/main" id="{6FCAB5E0-88A1-42CB-BE18-5EB35D842819}"/>
+              </a:ext>
+            </a:extLst>
+          </p:cNvPr>
+          <p:cNvSpPr/>
+          <p:nvPr/>
+        </p:nvSpPr>
+        <p:spPr>
+          <a:xfrm>
+            <a:off x="3280544" y="3727731"/>
+            <a:ext cx="510525" cy="382640"/>
+          </a:xfrm>
+          <a:prstGeom prst="rect">
+            <a:avLst/>
+          </a:prstGeom>
+          <a:noFill/>
+          <a:ln>
+            <a:solidFill>
+              <a:schemeClr val="bg1"/>
+            </a:solidFill>
+          </a:ln>
+        </p:spPr>
+        <p:style>
+          <a:lnRef idx="2">
+            <a:schemeClr val="accent1">
+              <a:shade val="50000"/>
+            </a:schemeClr>
+          </a:lnRef>
+          <a:fillRef idx="1">
+            <a:schemeClr val="accent1"/>
+          </a:fillRef>
+          <a:effectRef idx="0">
+            <a:schemeClr val="accent1"/>
+          </a:effectRef>
+          <a:fontRef idx="minor">
+            <a:schemeClr val="lt1"/>
+          </a:fontRef>
+        </p:style>
+        <p:txBody>
+          <a:bodyPr rtlCol="0" anchor="ctr"/>
+          <a:lstStyle/>
+          <a:p>
+            <a:pPr algn="ctr"/>
+            <a:endParaRPr lang="es-CO"/>
+          </a:p>
+        </p:txBody>
+      </p:sp>
+      <p:sp>
+        <p:nvSpPr>
+          <p:cNvPr id="147" name="Rectángulo 146">
+            <a:extLst>
+              <a:ext uri="{FF2B5EF4-FFF2-40B4-BE49-F238E27FC236}">
+                <a16:creationId xmlns:a16="http://schemas.microsoft.com/office/drawing/2014/main" id="{CA58A6AF-BFE0-4AEC-95BC-1C4B061CD1F4}"/>
+              </a:ext>
+            </a:extLst>
+          </p:cNvPr>
+          <p:cNvSpPr/>
+          <p:nvPr/>
+        </p:nvSpPr>
+        <p:spPr>
+          <a:xfrm>
+            <a:off x="3791666" y="3726531"/>
+            <a:ext cx="510525" cy="383840"/>
+          </a:xfrm>
+          <a:prstGeom prst="rect">
+            <a:avLst/>
+          </a:prstGeom>
+          <a:noFill/>
+          <a:ln>
+            <a:solidFill>
+              <a:schemeClr val="bg1"/>
+            </a:solidFill>
+          </a:ln>
+        </p:spPr>
+        <p:style>
+          <a:lnRef idx="2">
+            <a:schemeClr val="accent1">
+              <a:shade val="50000"/>
+            </a:schemeClr>
+          </a:lnRef>
+          <a:fillRef idx="1">
+            <a:schemeClr val="accent1"/>
+          </a:fillRef>
+          <a:effectRef idx="0">
+            <a:schemeClr val="accent1"/>
+          </a:effectRef>
+          <a:fontRef idx="minor">
+            <a:schemeClr val="lt1"/>
+          </a:fontRef>
+        </p:style>
+        <p:txBody>
+          <a:bodyPr rtlCol="0" anchor="ctr"/>
+          <a:lstStyle/>
+          <a:p>
+            <a:pPr algn="ctr"/>
+            <a:endParaRPr lang="es-CO"/>
+          </a:p>
+        </p:txBody>
+      </p:sp>
+      <p:sp>
+        <p:nvSpPr>
+          <p:cNvPr id="148" name="Rectángulo 147">
+            <a:extLst>
+              <a:ext uri="{FF2B5EF4-FFF2-40B4-BE49-F238E27FC236}">
+                <a16:creationId xmlns:a16="http://schemas.microsoft.com/office/drawing/2014/main" id="{0842ACCF-E4A2-4607-B943-7C1631B7D9B0}"/>
+              </a:ext>
+            </a:extLst>
+          </p:cNvPr>
+          <p:cNvSpPr/>
+          <p:nvPr/>
+        </p:nvSpPr>
+        <p:spPr>
+          <a:xfrm>
+            <a:off x="4302191" y="3726531"/>
+            <a:ext cx="510525" cy="383840"/>
+          </a:xfrm>
+          <a:prstGeom prst="rect">
+            <a:avLst/>
+          </a:prstGeom>
+          <a:noFill/>
+          <a:ln>
+            <a:solidFill>
+              <a:schemeClr val="bg1"/>
+            </a:solidFill>
+          </a:ln>
+        </p:spPr>
+        <p:style>
+          <a:lnRef idx="2">
+            <a:schemeClr val="accent1">
+              <a:shade val="50000"/>
+            </a:schemeClr>
+          </a:lnRef>
+          <a:fillRef idx="1">
+            <a:schemeClr val="accent1"/>
+          </a:fillRef>
+          <a:effectRef idx="0">
+            <a:schemeClr val="accent1"/>
+          </a:effectRef>
+          <a:fontRef idx="minor">
+            <a:schemeClr val="lt1"/>
+          </a:fontRef>
+        </p:style>
+        <p:txBody>
+          <a:bodyPr rtlCol="0" anchor="ctr"/>
+          <a:lstStyle/>
+          <a:p>
+            <a:pPr algn="ctr"/>
+            <a:endParaRPr lang="es-CO"/>
+          </a:p>
+        </p:txBody>
+      </p:sp>
+      <p:sp>
+        <p:nvSpPr>
+          <p:cNvPr id="149" name="Rectángulo 148">
+            <a:extLst>
+              <a:ext uri="{FF2B5EF4-FFF2-40B4-BE49-F238E27FC236}">
+                <a16:creationId xmlns:a16="http://schemas.microsoft.com/office/drawing/2014/main" id="{23047540-EBCB-4969-A5BE-B8DAFE05A465}"/>
+              </a:ext>
+            </a:extLst>
+          </p:cNvPr>
+          <p:cNvSpPr/>
+          <p:nvPr/>
+        </p:nvSpPr>
+        <p:spPr>
+          <a:xfrm>
+            <a:off x="4812716" y="3726531"/>
+            <a:ext cx="510525" cy="383840"/>
+          </a:xfrm>
+          <a:prstGeom prst="rect">
+            <a:avLst/>
+          </a:prstGeom>
+          <a:noFill/>
+          <a:ln>
+            <a:solidFill>
+              <a:schemeClr val="bg1"/>
+            </a:solidFill>
+          </a:ln>
+        </p:spPr>
+        <p:style>
+          <a:lnRef idx="2">
+            <a:schemeClr val="accent1">
+              <a:shade val="50000"/>
+            </a:schemeClr>
+          </a:lnRef>
+          <a:fillRef idx="1">
+            <a:schemeClr val="accent1"/>
+          </a:fillRef>
+          <a:effectRef idx="0">
+            <a:schemeClr val="accent1"/>
+          </a:effectRef>
+          <a:fontRef idx="minor">
+            <a:schemeClr val="lt1"/>
+          </a:fontRef>
+        </p:style>
+        <p:txBody>
+          <a:bodyPr rtlCol="0" anchor="ctr"/>
+          <a:lstStyle/>
+          <a:p>
+            <a:pPr algn="ctr"/>
+            <a:endParaRPr lang="es-CO"/>
+          </a:p>
+        </p:txBody>
+      </p:sp>
+      <p:sp>
+        <p:nvSpPr>
+          <p:cNvPr id="150" name="Rectángulo 149">
+            <a:extLst>
+              <a:ext uri="{FF2B5EF4-FFF2-40B4-BE49-F238E27FC236}">
+                <a16:creationId xmlns:a16="http://schemas.microsoft.com/office/drawing/2014/main" id="{2666187A-8BBF-4510-8283-C9F434D8BC8D}"/>
+              </a:ext>
+            </a:extLst>
+          </p:cNvPr>
+          <p:cNvSpPr/>
+          <p:nvPr/>
+        </p:nvSpPr>
+        <p:spPr>
+          <a:xfrm>
+            <a:off x="5334558" y="3726581"/>
+            <a:ext cx="262003" cy="383840"/>
+          </a:xfrm>
+          <a:prstGeom prst="rect">
+            <a:avLst/>
+          </a:prstGeom>
+          <a:noFill/>
+          <a:ln>
+            <a:solidFill>
+              <a:schemeClr val="bg1"/>
+            </a:solidFill>
+          </a:ln>
+        </p:spPr>
+        <p:style>
+          <a:lnRef idx="2">
+            <a:schemeClr val="accent1">
+              <a:shade val="50000"/>
+            </a:schemeClr>
+          </a:lnRef>
+          <a:fillRef idx="1">
+            <a:schemeClr val="accent1"/>
+          </a:fillRef>
+          <a:effectRef idx="0">
+            <a:schemeClr val="accent1"/>
+          </a:effectRef>
+          <a:fontRef idx="minor">
+            <a:schemeClr val="lt1"/>
+          </a:fontRef>
+        </p:style>
+        <p:txBody>
+          <a:bodyPr rtlCol="0" anchor="ctr"/>
+          <a:lstStyle/>
+          <a:p>
+            <a:pPr algn="ctr"/>
+            <a:endParaRPr lang="es-CO"/>
+          </a:p>
+        </p:txBody>
+      </p:sp>
+      <p:sp>
+        <p:nvSpPr>
+          <p:cNvPr id="157" name="Rectángulo 156">
+            <a:extLst>
+              <a:ext uri="{FF2B5EF4-FFF2-40B4-BE49-F238E27FC236}">
+                <a16:creationId xmlns:a16="http://schemas.microsoft.com/office/drawing/2014/main" id="{B5E15E06-7E02-4DD9-88A7-5FCBF16D94A1}"/>
+              </a:ext>
+            </a:extLst>
+          </p:cNvPr>
+          <p:cNvSpPr/>
+          <p:nvPr/>
+        </p:nvSpPr>
+        <p:spPr>
+          <a:xfrm>
+            <a:off x="5595735" y="3727563"/>
+            <a:ext cx="262003" cy="383840"/>
+          </a:xfrm>
+          <a:prstGeom prst="rect">
+            <a:avLst/>
+          </a:prstGeom>
+          <a:noFill/>
+          <a:ln>
+            <a:solidFill>
+              <a:schemeClr val="bg1"/>
+            </a:solidFill>
+          </a:ln>
+        </p:spPr>
+        <p:style>
+          <a:lnRef idx="2">
+            <a:schemeClr val="accent1">
+              <a:shade val="50000"/>
+            </a:schemeClr>
+          </a:lnRef>
+          <a:fillRef idx="1">
+            <a:schemeClr val="accent1"/>
+          </a:fillRef>
+          <a:effectRef idx="0">
+            <a:schemeClr val="accent1"/>
+          </a:effectRef>
+          <a:fontRef idx="minor">
+            <a:schemeClr val="lt1"/>
+          </a:fontRef>
+        </p:style>
+        <p:txBody>
+          <a:bodyPr rtlCol="0" anchor="ctr"/>
+          <a:lstStyle/>
+          <a:p>
+            <a:pPr algn="ctr"/>
+            <a:endParaRPr lang="es-CO"/>
+          </a:p>
+        </p:txBody>
+      </p:sp>
+      <p:sp>
+        <p:nvSpPr>
+          <p:cNvPr id="158" name="Rectángulo 157">
+            <a:extLst>
+              <a:ext uri="{FF2B5EF4-FFF2-40B4-BE49-F238E27FC236}">
+                <a16:creationId xmlns:a16="http://schemas.microsoft.com/office/drawing/2014/main" id="{4B02671C-2A92-472A-BE56-DD7782743BF8}"/>
+              </a:ext>
+            </a:extLst>
+          </p:cNvPr>
+          <p:cNvSpPr/>
+          <p:nvPr/>
+        </p:nvSpPr>
+        <p:spPr>
+          <a:xfrm>
+            <a:off x="5853222" y="3727563"/>
+            <a:ext cx="262003" cy="383840"/>
+          </a:xfrm>
+          <a:prstGeom prst="rect">
+            <a:avLst/>
+          </a:prstGeom>
+          <a:noFill/>
+          <a:ln>
+            <a:solidFill>
+              <a:schemeClr val="bg1"/>
+            </a:solidFill>
+          </a:ln>
+        </p:spPr>
+        <p:style>
+          <a:lnRef idx="2">
+            <a:schemeClr val="accent1">
+              <a:shade val="50000"/>
+            </a:schemeClr>
+          </a:lnRef>
+          <a:fillRef idx="1">
+            <a:schemeClr val="accent1"/>
+          </a:fillRef>
+          <a:effectRef idx="0">
+            <a:schemeClr val="accent1"/>
+          </a:effectRef>
+          <a:fontRef idx="minor">
+            <a:schemeClr val="lt1"/>
+          </a:fontRef>
+        </p:style>
+        <p:txBody>
+          <a:bodyPr rtlCol="0" anchor="ctr"/>
+          <a:lstStyle/>
+          <a:p>
+            <a:pPr algn="ctr"/>
+            <a:endParaRPr lang="es-CO"/>
+          </a:p>
+        </p:txBody>
+      </p:sp>
+      <p:sp>
+        <p:nvSpPr>
+          <p:cNvPr id="159" name="Rectángulo 158">
+            <a:extLst>
+              <a:ext uri="{FF2B5EF4-FFF2-40B4-BE49-F238E27FC236}">
+                <a16:creationId xmlns:a16="http://schemas.microsoft.com/office/drawing/2014/main" id="{AF8ABE11-5C0F-4D96-B5AF-50707993D8CA}"/>
+              </a:ext>
+            </a:extLst>
+          </p:cNvPr>
+          <p:cNvSpPr/>
+          <p:nvPr/>
+        </p:nvSpPr>
+        <p:spPr>
+          <a:xfrm>
+            <a:off x="6108818" y="3727563"/>
+            <a:ext cx="262003" cy="383840"/>
+          </a:xfrm>
+          <a:prstGeom prst="rect">
+            <a:avLst/>
+          </a:prstGeom>
+          <a:noFill/>
+          <a:ln>
+            <a:solidFill>
+              <a:schemeClr val="bg1"/>
+            </a:solidFill>
+          </a:ln>
+        </p:spPr>
+        <p:style>
+          <a:lnRef idx="2">
+            <a:schemeClr val="accent1">
+              <a:shade val="50000"/>
+            </a:schemeClr>
+          </a:lnRef>
+          <a:fillRef idx="1">
+            <a:schemeClr val="accent1"/>
+          </a:fillRef>
+          <a:effectRef idx="0">
+            <a:schemeClr val="accent1"/>
+          </a:effectRef>
+          <a:fontRef idx="minor">
+            <a:schemeClr val="lt1"/>
+          </a:fontRef>
+        </p:style>
+        <p:txBody>
+          <a:bodyPr rtlCol="0" anchor="ctr"/>
+          <a:lstStyle/>
+          <a:p>
+            <a:pPr algn="ctr"/>
+            <a:endParaRPr lang="es-CO"/>
+          </a:p>
+        </p:txBody>
+      </p:sp>
+      <p:sp>
+        <p:nvSpPr>
+          <p:cNvPr id="160" name="Rectángulo 159">
+            <a:extLst>
+              <a:ext uri="{FF2B5EF4-FFF2-40B4-BE49-F238E27FC236}">
+                <a16:creationId xmlns:a16="http://schemas.microsoft.com/office/drawing/2014/main" id="{FCDAA3A9-8E44-4B3A-BC8C-AF11F143E674}"/>
+              </a:ext>
+            </a:extLst>
+          </p:cNvPr>
+          <p:cNvSpPr/>
+          <p:nvPr/>
+        </p:nvSpPr>
+        <p:spPr>
+          <a:xfrm>
+            <a:off x="6376313" y="3727563"/>
+            <a:ext cx="262003" cy="383840"/>
+          </a:xfrm>
+          <a:prstGeom prst="rect">
+            <a:avLst/>
+          </a:prstGeom>
+          <a:noFill/>
+          <a:ln>
+            <a:solidFill>
+              <a:schemeClr val="bg1"/>
+            </a:solidFill>
+          </a:ln>
+        </p:spPr>
+        <p:style>
+          <a:lnRef idx="2">
+            <a:schemeClr val="accent1">
+              <a:shade val="50000"/>
+            </a:schemeClr>
+          </a:lnRef>
+          <a:fillRef idx="1">
+            <a:schemeClr val="accent1"/>
+          </a:fillRef>
+          <a:effectRef idx="0">
+            <a:schemeClr val="accent1"/>
+          </a:effectRef>
+          <a:fontRef idx="minor">
+            <a:schemeClr val="lt1"/>
+          </a:fontRef>
+        </p:style>
+        <p:txBody>
+          <a:bodyPr rtlCol="0" anchor="ctr"/>
+          <a:lstStyle/>
+          <a:p>
+            <a:pPr algn="ctr"/>
+            <a:endParaRPr lang="es-CO"/>
+          </a:p>
+        </p:txBody>
+      </p:sp>
+      <p:sp>
+        <p:nvSpPr>
+          <p:cNvPr id="161" name="Rectángulo 160">
+            <a:extLst>
+              <a:ext uri="{FF2B5EF4-FFF2-40B4-BE49-F238E27FC236}">
+                <a16:creationId xmlns:a16="http://schemas.microsoft.com/office/drawing/2014/main" id="{901E22DB-F5EF-4CF5-8CD3-2D7BE8CB6BE7}"/>
+              </a:ext>
+            </a:extLst>
+          </p:cNvPr>
+          <p:cNvSpPr/>
+          <p:nvPr/>
+        </p:nvSpPr>
+        <p:spPr>
+          <a:xfrm>
+            <a:off x="6640370" y="3727563"/>
+            <a:ext cx="262003" cy="383840"/>
+          </a:xfrm>
+          <a:prstGeom prst="rect">
+            <a:avLst/>
+          </a:prstGeom>
+          <a:noFill/>
+          <a:ln>
+            <a:solidFill>
+              <a:schemeClr val="bg1"/>
+            </a:solidFill>
+          </a:ln>
+        </p:spPr>
+        <p:style>
+          <a:lnRef idx="2">
+            <a:schemeClr val="accent1">
+              <a:shade val="50000"/>
+            </a:schemeClr>
+          </a:lnRef>
+          <a:fillRef idx="1">
+            <a:schemeClr val="accent1"/>
+          </a:fillRef>
+          <a:effectRef idx="0">
+            <a:schemeClr val="accent1"/>
+          </a:effectRef>
+          <a:fontRef idx="minor">
+            <a:schemeClr val="lt1"/>
+          </a:fontRef>
+        </p:style>
+        <p:txBody>
+          <a:bodyPr rtlCol="0" anchor="ctr"/>
+          <a:lstStyle/>
+          <a:p>
+            <a:pPr algn="ctr"/>
+            <a:endParaRPr lang="es-CO"/>
+          </a:p>
+        </p:txBody>
+      </p:sp>
+      <p:sp>
+        <p:nvSpPr>
+          <p:cNvPr id="162" name="Rectángulo 161">
+            <a:extLst>
+              <a:ext uri="{FF2B5EF4-FFF2-40B4-BE49-F238E27FC236}">
+                <a16:creationId xmlns:a16="http://schemas.microsoft.com/office/drawing/2014/main" id="{05581390-A80F-467B-AF82-28C3F964FB10}"/>
+              </a:ext>
+            </a:extLst>
+          </p:cNvPr>
+          <p:cNvSpPr/>
+          <p:nvPr/>
+        </p:nvSpPr>
+        <p:spPr>
+          <a:xfrm>
+            <a:off x="6900737" y="3727563"/>
+            <a:ext cx="262003" cy="383840"/>
+          </a:xfrm>
+          <a:prstGeom prst="rect">
+            <a:avLst/>
+          </a:prstGeom>
+          <a:noFill/>
+          <a:ln>
+            <a:solidFill>
+              <a:schemeClr val="bg1"/>
+            </a:solidFill>
+          </a:ln>
+        </p:spPr>
+        <p:style>
+          <a:lnRef idx="2">
+            <a:schemeClr val="accent1">
+              <a:shade val="50000"/>
+            </a:schemeClr>
+          </a:lnRef>
+          <a:fillRef idx="1">
+            <a:schemeClr val="accent1"/>
+          </a:fillRef>
+          <a:effectRef idx="0">
+            <a:schemeClr val="accent1"/>
+          </a:effectRef>
+          <a:fontRef idx="minor">
+            <a:schemeClr val="lt1"/>
+          </a:fontRef>
+        </p:style>
+        <p:txBody>
+          <a:bodyPr rtlCol="0" anchor="ctr"/>
+          <a:lstStyle/>
+          <a:p>
+            <a:pPr algn="ctr"/>
+            <a:endParaRPr lang="es-CO"/>
+          </a:p>
+        </p:txBody>
+      </p:sp>
+      <p:sp>
+        <p:nvSpPr>
+          <p:cNvPr id="163" name="Rectángulo 162">
+            <a:extLst>
+              <a:ext uri="{FF2B5EF4-FFF2-40B4-BE49-F238E27FC236}">
+                <a16:creationId xmlns:a16="http://schemas.microsoft.com/office/drawing/2014/main" id="{68A454FA-0B0D-4FB3-A52D-5987D2A4E798}"/>
+              </a:ext>
+            </a:extLst>
+          </p:cNvPr>
+          <p:cNvSpPr/>
+          <p:nvPr/>
+        </p:nvSpPr>
+        <p:spPr>
+          <a:xfrm>
+            <a:off x="7163806" y="3727563"/>
+            <a:ext cx="262003" cy="383840"/>
+          </a:xfrm>
+          <a:prstGeom prst="rect">
+            <a:avLst/>
+          </a:prstGeom>
+          <a:noFill/>
+          <a:ln>
+            <a:solidFill>
+              <a:schemeClr val="bg1"/>
+            </a:solidFill>
+          </a:ln>
+        </p:spPr>
+        <p:style>
+          <a:lnRef idx="2">
+            <a:schemeClr val="accent1">
+              <a:shade val="50000"/>
+            </a:schemeClr>
+          </a:lnRef>
+          <a:fillRef idx="1">
+            <a:schemeClr val="accent1"/>
+          </a:fillRef>
+          <a:effectRef idx="0">
+            <a:schemeClr val="accent1"/>
+          </a:effectRef>
+          <a:fontRef idx="minor">
+            <a:schemeClr val="lt1"/>
+          </a:fontRef>
+        </p:style>
+        <p:txBody>
+          <a:bodyPr rtlCol="0" anchor="ctr"/>
+          <a:lstStyle/>
+          <a:p>
+            <a:pPr algn="ctr"/>
+            <a:endParaRPr lang="es-CO"/>
+          </a:p>
+        </p:txBody>
+      </p:sp>
+      <p:sp>
+        <p:nvSpPr>
+          <p:cNvPr id="164" name="Rectángulo 163">
+            <a:extLst>
+              <a:ext uri="{FF2B5EF4-FFF2-40B4-BE49-F238E27FC236}">
+                <a16:creationId xmlns:a16="http://schemas.microsoft.com/office/drawing/2014/main" id="{2DAD1308-8AD0-4793-AFDF-44AD1882F107}"/>
+              </a:ext>
+            </a:extLst>
+          </p:cNvPr>
+          <p:cNvSpPr/>
+          <p:nvPr/>
+        </p:nvSpPr>
+        <p:spPr>
+          <a:xfrm>
+            <a:off x="5343228" y="3770350"/>
+            <a:ext cx="251172" cy="307777"/>
+          </a:xfrm>
+          <a:prstGeom prst="rect">
+            <a:avLst/>
+          </a:prstGeom>
+          <a:noFill/>
+        </p:spPr>
+        <p:txBody>
+          <a:bodyPr wrap="square" lIns="91440" tIns="45720" rIns="91440" bIns="45720">
+            <a:spAutoFit/>
+          </a:bodyPr>
+          <a:lstStyle/>
+          <a:p>
+            <a:pPr algn="ctr"/>
+            <a:r>
+              <a:rPr lang="es-ES" sz="1400" b="0" cap="none" spc="0" dirty="0">
+                <a:ln w="0"/>
+                <a:solidFill>
+                  <a:schemeClr val="bg1"/>
+                </a:solidFill>
+                <a:effectLst>
+                  <a:outerShdw blurRad="38100" dist="19050" dir="2700000" algn="tl" rotWithShape="0">
+                    <a:schemeClr val="dk1">
+                      <a:alpha val="40000"/>
+                    </a:schemeClr>
+                  </a:outerShdw>
+                </a:effectLst>
+              </a:rPr>
+              <a:t>1 </a:t>
+            </a:r>
+            <a:r>
+              <a:rPr lang="es-ES" sz="1200" b="0" cap="none" spc="0" dirty="0">
+                <a:ln w="0"/>
+                <a:solidFill>
+                  <a:schemeClr val="bg1"/>
+                </a:solidFill>
+                <a:effectLst>
+                  <a:outerShdw blurRad="38100" dist="19050" dir="2700000" algn="tl" rotWithShape="0">
+                    <a:schemeClr val="dk1">
+                      <a:alpha val="40000"/>
+                    </a:schemeClr>
+                  </a:outerShdw>
+                </a:effectLst>
+              </a:rPr>
+              <a:t>          </a:t>
+            </a:r>
+          </a:p>
+        </p:txBody>
+      </p:sp>
+      <p:sp>
+        <p:nvSpPr>
+          <p:cNvPr id="165" name="Rectángulo 164">
+            <a:extLst>
+              <a:ext uri="{FF2B5EF4-FFF2-40B4-BE49-F238E27FC236}">
+                <a16:creationId xmlns:a16="http://schemas.microsoft.com/office/drawing/2014/main" id="{D64E557B-B88B-41B8-B666-D799098C35C5}"/>
+              </a:ext>
+            </a:extLst>
+          </p:cNvPr>
+          <p:cNvSpPr/>
+          <p:nvPr/>
+        </p:nvSpPr>
+        <p:spPr>
+          <a:xfrm>
+            <a:off x="5601059" y="3767931"/>
+            <a:ext cx="251172" cy="307777"/>
+          </a:xfrm>
+          <a:prstGeom prst="rect">
+            <a:avLst/>
+          </a:prstGeom>
+          <a:noFill/>
+        </p:spPr>
+        <p:txBody>
+          <a:bodyPr wrap="square" lIns="91440" tIns="45720" rIns="91440" bIns="45720">
+            <a:spAutoFit/>
+          </a:bodyPr>
+          <a:lstStyle/>
+          <a:p>
+            <a:pPr algn="ctr"/>
+            <a:r>
+              <a:rPr lang="es-ES" sz="1400" dirty="0">
+                <a:ln w="0"/>
+                <a:solidFill>
+                  <a:schemeClr val="bg1"/>
+                </a:solidFill>
+                <a:effectLst>
+                  <a:outerShdw blurRad="38100" dist="19050" dir="2700000" algn="tl" rotWithShape="0">
+                    <a:schemeClr val="dk1">
+                      <a:alpha val="40000"/>
+                    </a:schemeClr>
+                  </a:outerShdw>
+                </a:effectLst>
+              </a:rPr>
+              <a:t>2</a:t>
+            </a:r>
+            <a:r>
+              <a:rPr lang="es-ES" sz="1400" b="0" cap="none" spc="0" dirty="0">
+                <a:ln w="0"/>
+                <a:solidFill>
+                  <a:schemeClr val="bg1"/>
+                </a:solidFill>
+                <a:effectLst>
+                  <a:outerShdw blurRad="38100" dist="19050" dir="2700000" algn="tl" rotWithShape="0">
+                    <a:schemeClr val="dk1">
+                      <a:alpha val="40000"/>
+                    </a:schemeClr>
+                  </a:outerShdw>
+                </a:effectLst>
+              </a:rPr>
+              <a:t> </a:t>
+            </a:r>
+            <a:r>
+              <a:rPr lang="es-ES" sz="1200" b="0" cap="none" spc="0" dirty="0">
+                <a:ln w="0"/>
+                <a:solidFill>
+                  <a:schemeClr val="bg1"/>
+                </a:solidFill>
+                <a:effectLst>
+                  <a:outerShdw blurRad="38100" dist="19050" dir="2700000" algn="tl" rotWithShape="0">
+                    <a:schemeClr val="dk1">
+                      <a:alpha val="40000"/>
+                    </a:schemeClr>
+                  </a:outerShdw>
+                </a:effectLst>
+              </a:rPr>
+              <a:t>          </a:t>
+            </a:r>
+          </a:p>
+        </p:txBody>
+      </p:sp>
+      <p:sp>
+        <p:nvSpPr>
+          <p:cNvPr id="166" name="Rectángulo 165">
+            <a:extLst>
+              <a:ext uri="{FF2B5EF4-FFF2-40B4-BE49-F238E27FC236}">
+                <a16:creationId xmlns:a16="http://schemas.microsoft.com/office/drawing/2014/main" id="{3E04B062-CC0C-4DDD-9E04-4D693520C85B}"/>
+              </a:ext>
+            </a:extLst>
+          </p:cNvPr>
+          <p:cNvSpPr/>
+          <p:nvPr/>
+        </p:nvSpPr>
+        <p:spPr>
+          <a:xfrm>
+            <a:off x="5857378" y="3769134"/>
+            <a:ext cx="251172" cy="307777"/>
+          </a:xfrm>
+          <a:prstGeom prst="rect">
+            <a:avLst/>
+          </a:prstGeom>
+          <a:noFill/>
+        </p:spPr>
+        <p:txBody>
+          <a:bodyPr wrap="square" lIns="91440" tIns="45720" rIns="91440" bIns="45720">
+            <a:spAutoFit/>
+          </a:bodyPr>
+          <a:lstStyle/>
+          <a:p>
+            <a:pPr algn="ctr"/>
+            <a:r>
+              <a:rPr lang="es-ES" sz="1400" dirty="0">
+                <a:ln w="0"/>
+                <a:solidFill>
+                  <a:schemeClr val="bg1"/>
+                </a:solidFill>
+                <a:effectLst>
+                  <a:outerShdw blurRad="38100" dist="19050" dir="2700000" algn="tl" rotWithShape="0">
+                    <a:schemeClr val="dk1">
+                      <a:alpha val="40000"/>
+                    </a:schemeClr>
+                  </a:outerShdw>
+                </a:effectLst>
+              </a:rPr>
+              <a:t>3</a:t>
+            </a:r>
+            <a:r>
+              <a:rPr lang="es-ES" sz="1400" b="0" cap="none" spc="0" dirty="0">
+                <a:ln w="0"/>
+                <a:solidFill>
+                  <a:schemeClr val="bg1"/>
+                </a:solidFill>
+                <a:effectLst>
+                  <a:outerShdw blurRad="38100" dist="19050" dir="2700000" algn="tl" rotWithShape="0">
+                    <a:schemeClr val="dk1">
+                      <a:alpha val="40000"/>
+                    </a:schemeClr>
+                  </a:outerShdw>
+                </a:effectLst>
+              </a:rPr>
+              <a:t> </a:t>
+            </a:r>
+            <a:r>
+              <a:rPr lang="es-ES" sz="1200" b="0" cap="none" spc="0" dirty="0">
+                <a:ln w="0"/>
+                <a:solidFill>
+                  <a:schemeClr val="bg1"/>
+                </a:solidFill>
+                <a:effectLst>
+                  <a:outerShdw blurRad="38100" dist="19050" dir="2700000" algn="tl" rotWithShape="0">
+                    <a:schemeClr val="dk1">
+                      <a:alpha val="40000"/>
+                    </a:schemeClr>
+                  </a:outerShdw>
+                </a:effectLst>
+              </a:rPr>
+              <a:t>          </a:t>
+            </a:r>
+          </a:p>
+        </p:txBody>
+      </p:sp>
+      <p:sp>
+        <p:nvSpPr>
+          <p:cNvPr id="167" name="Rectángulo 166">
+            <a:extLst>
+              <a:ext uri="{FF2B5EF4-FFF2-40B4-BE49-F238E27FC236}">
+                <a16:creationId xmlns:a16="http://schemas.microsoft.com/office/drawing/2014/main" id="{678C57F1-0AC8-412E-AD30-1DD390F0BAC6}"/>
+              </a:ext>
+            </a:extLst>
+          </p:cNvPr>
+          <p:cNvSpPr/>
+          <p:nvPr/>
+        </p:nvSpPr>
+        <p:spPr>
+          <a:xfrm>
+            <a:off x="6122376" y="3768962"/>
+            <a:ext cx="251172" cy="307777"/>
+          </a:xfrm>
+          <a:prstGeom prst="rect">
+            <a:avLst/>
+          </a:prstGeom>
+          <a:noFill/>
+        </p:spPr>
+        <p:txBody>
+          <a:bodyPr wrap="square" lIns="91440" tIns="45720" rIns="91440" bIns="45720">
+            <a:spAutoFit/>
+          </a:bodyPr>
+          <a:lstStyle/>
+          <a:p>
+            <a:pPr algn="ctr"/>
+            <a:r>
+              <a:rPr lang="es-ES" sz="1400" dirty="0">
+                <a:ln w="0"/>
+                <a:solidFill>
+                  <a:schemeClr val="bg1"/>
+                </a:solidFill>
+                <a:effectLst>
+                  <a:outerShdw blurRad="38100" dist="19050" dir="2700000" algn="tl" rotWithShape="0">
+                    <a:schemeClr val="dk1">
+                      <a:alpha val="40000"/>
+                    </a:schemeClr>
+                  </a:outerShdw>
+                </a:effectLst>
+              </a:rPr>
+              <a:t>4</a:t>
+            </a:r>
+            <a:r>
+              <a:rPr lang="es-ES" sz="1400" b="0" cap="none" spc="0" dirty="0">
+                <a:ln w="0"/>
+                <a:solidFill>
+                  <a:schemeClr val="bg1"/>
+                </a:solidFill>
+                <a:effectLst>
+                  <a:outerShdw blurRad="38100" dist="19050" dir="2700000" algn="tl" rotWithShape="0">
+                    <a:schemeClr val="dk1">
+                      <a:alpha val="40000"/>
+                    </a:schemeClr>
+                  </a:outerShdw>
+                </a:effectLst>
+              </a:rPr>
+              <a:t> </a:t>
+            </a:r>
+            <a:r>
+              <a:rPr lang="es-ES" sz="1200" b="0" cap="none" spc="0" dirty="0">
+                <a:ln w="0"/>
+                <a:solidFill>
+                  <a:schemeClr val="bg1"/>
+                </a:solidFill>
+                <a:effectLst>
+                  <a:outerShdw blurRad="38100" dist="19050" dir="2700000" algn="tl" rotWithShape="0">
+                    <a:schemeClr val="dk1">
+                      <a:alpha val="40000"/>
+                    </a:schemeClr>
+                  </a:outerShdw>
+                </a:effectLst>
+              </a:rPr>
+              <a:t>          </a:t>
+            </a:r>
+          </a:p>
+        </p:txBody>
+      </p:sp>
+      <p:sp>
+        <p:nvSpPr>
+          <p:cNvPr id="168" name="Rectángulo 167">
+            <a:extLst>
+              <a:ext uri="{FF2B5EF4-FFF2-40B4-BE49-F238E27FC236}">
+                <a16:creationId xmlns:a16="http://schemas.microsoft.com/office/drawing/2014/main" id="{C36A0AA0-9D5B-49B1-BFFF-C5F8676CB4F5}"/>
+              </a:ext>
+            </a:extLst>
+          </p:cNvPr>
+          <p:cNvSpPr/>
+          <p:nvPr/>
+        </p:nvSpPr>
+        <p:spPr>
+          <a:xfrm>
+            <a:off x="6388370" y="3768962"/>
+            <a:ext cx="251172" cy="307777"/>
+          </a:xfrm>
+          <a:prstGeom prst="rect">
+            <a:avLst/>
+          </a:prstGeom>
+          <a:noFill/>
+        </p:spPr>
+        <p:txBody>
+          <a:bodyPr wrap="square" lIns="91440" tIns="45720" rIns="91440" bIns="45720">
+            <a:spAutoFit/>
+          </a:bodyPr>
+          <a:lstStyle/>
+          <a:p>
+            <a:pPr algn="ctr"/>
+            <a:r>
+              <a:rPr lang="es-ES" sz="1400" dirty="0">
+                <a:ln w="0"/>
+                <a:solidFill>
+                  <a:schemeClr val="bg1"/>
+                </a:solidFill>
+                <a:effectLst>
+                  <a:outerShdw blurRad="38100" dist="19050" dir="2700000" algn="tl" rotWithShape="0">
+                    <a:schemeClr val="dk1">
+                      <a:alpha val="40000"/>
+                    </a:schemeClr>
+                  </a:outerShdw>
+                </a:effectLst>
+              </a:rPr>
+              <a:t>5</a:t>
+            </a:r>
+            <a:r>
+              <a:rPr lang="es-ES" sz="1400" b="0" cap="none" spc="0" dirty="0">
+                <a:ln w="0"/>
+                <a:solidFill>
+                  <a:schemeClr val="bg1"/>
+                </a:solidFill>
+                <a:effectLst>
+                  <a:outerShdw blurRad="38100" dist="19050" dir="2700000" algn="tl" rotWithShape="0">
+                    <a:schemeClr val="dk1">
+                      <a:alpha val="40000"/>
+                    </a:schemeClr>
+                  </a:outerShdw>
+                </a:effectLst>
+              </a:rPr>
+              <a:t> </a:t>
+            </a:r>
+            <a:r>
+              <a:rPr lang="es-ES" sz="1200" b="0" cap="none" spc="0" dirty="0">
+                <a:ln w="0"/>
+                <a:solidFill>
+                  <a:schemeClr val="bg1"/>
+                </a:solidFill>
+                <a:effectLst>
+                  <a:outerShdw blurRad="38100" dist="19050" dir="2700000" algn="tl" rotWithShape="0">
+                    <a:schemeClr val="dk1">
+                      <a:alpha val="40000"/>
+                    </a:schemeClr>
+                  </a:outerShdw>
+                </a:effectLst>
+              </a:rPr>
+              <a:t>          </a:t>
+            </a:r>
+          </a:p>
+        </p:txBody>
+      </p:sp>
+      <p:sp>
+        <p:nvSpPr>
+          <p:cNvPr id="169" name="Rectángulo 168">
+            <a:extLst>
+              <a:ext uri="{FF2B5EF4-FFF2-40B4-BE49-F238E27FC236}">
+                <a16:creationId xmlns:a16="http://schemas.microsoft.com/office/drawing/2014/main" id="{1CD27997-D068-4567-90E3-24C8CBDBC9AA}"/>
+              </a:ext>
+            </a:extLst>
+          </p:cNvPr>
+          <p:cNvSpPr/>
+          <p:nvPr/>
+        </p:nvSpPr>
+        <p:spPr>
+          <a:xfrm>
+            <a:off x="6644725" y="3767937"/>
+            <a:ext cx="251172" cy="307777"/>
+          </a:xfrm>
+          <a:prstGeom prst="rect">
+            <a:avLst/>
+          </a:prstGeom>
+          <a:noFill/>
+        </p:spPr>
+        <p:txBody>
+          <a:bodyPr wrap="square" lIns="91440" tIns="45720" rIns="91440" bIns="45720">
+            <a:spAutoFit/>
+          </a:bodyPr>
+          <a:lstStyle/>
+          <a:p>
+            <a:pPr algn="ctr"/>
+            <a:r>
+              <a:rPr lang="es-ES" sz="1400" dirty="0">
+                <a:ln w="0"/>
+                <a:solidFill>
+                  <a:schemeClr val="bg1"/>
+                </a:solidFill>
+                <a:effectLst>
+                  <a:outerShdw blurRad="38100" dist="19050" dir="2700000" algn="tl" rotWithShape="0">
+                    <a:schemeClr val="dk1">
+                      <a:alpha val="40000"/>
+                    </a:schemeClr>
+                  </a:outerShdw>
+                </a:effectLst>
+              </a:rPr>
+              <a:t>6</a:t>
+            </a:r>
+            <a:r>
+              <a:rPr lang="es-ES" sz="1400" b="0" cap="none" spc="0" dirty="0">
+                <a:ln w="0"/>
+                <a:solidFill>
+                  <a:schemeClr val="bg1"/>
+                </a:solidFill>
+                <a:effectLst>
+                  <a:outerShdw blurRad="38100" dist="19050" dir="2700000" algn="tl" rotWithShape="0">
+                    <a:schemeClr val="dk1">
+                      <a:alpha val="40000"/>
+                    </a:schemeClr>
+                  </a:outerShdw>
+                </a:effectLst>
+              </a:rPr>
+              <a:t> </a:t>
+            </a:r>
+            <a:r>
+              <a:rPr lang="es-ES" sz="1200" b="0" cap="none" spc="0" dirty="0">
+                <a:ln w="0"/>
+                <a:solidFill>
+                  <a:schemeClr val="bg1"/>
+                </a:solidFill>
+                <a:effectLst>
+                  <a:outerShdw blurRad="38100" dist="19050" dir="2700000" algn="tl" rotWithShape="0">
+                    <a:schemeClr val="dk1">
+                      <a:alpha val="40000"/>
+                    </a:schemeClr>
+                  </a:outerShdw>
+                </a:effectLst>
+              </a:rPr>
+              <a:t>          </a:t>
+            </a:r>
+          </a:p>
+        </p:txBody>
+      </p:sp>
+      <p:sp>
+        <p:nvSpPr>
+          <p:cNvPr id="172" name="Rectángulo 171">
+            <a:extLst>
+              <a:ext uri="{FF2B5EF4-FFF2-40B4-BE49-F238E27FC236}">
+                <a16:creationId xmlns:a16="http://schemas.microsoft.com/office/drawing/2014/main" id="{3E9FFE70-A970-4F4E-B541-CF935591C369}"/>
+              </a:ext>
+            </a:extLst>
+          </p:cNvPr>
+          <p:cNvSpPr/>
+          <p:nvPr/>
+        </p:nvSpPr>
+        <p:spPr>
+          <a:xfrm>
+            <a:off x="6908136" y="3767931"/>
+            <a:ext cx="251172" cy="307777"/>
+          </a:xfrm>
+          <a:prstGeom prst="rect">
+            <a:avLst/>
+          </a:prstGeom>
+          <a:noFill/>
+        </p:spPr>
+        <p:txBody>
+          <a:bodyPr wrap="square" lIns="91440" tIns="45720" rIns="91440" bIns="45720">
+            <a:spAutoFit/>
+          </a:bodyPr>
+          <a:lstStyle/>
+          <a:p>
+            <a:pPr algn="ctr"/>
+            <a:r>
+              <a:rPr lang="es-ES" sz="1400" dirty="0">
+                <a:ln w="0"/>
+                <a:solidFill>
+                  <a:schemeClr val="bg1"/>
+                </a:solidFill>
+                <a:effectLst>
+                  <a:outerShdw blurRad="38100" dist="19050" dir="2700000" algn="tl" rotWithShape="0">
+                    <a:schemeClr val="dk1">
+                      <a:alpha val="40000"/>
+                    </a:schemeClr>
+                  </a:outerShdw>
+                </a:effectLst>
+              </a:rPr>
+              <a:t>7</a:t>
+            </a:r>
+            <a:r>
+              <a:rPr lang="es-ES" sz="1400" b="0" cap="none" spc="0" dirty="0">
+                <a:ln w="0"/>
+                <a:solidFill>
+                  <a:schemeClr val="bg1"/>
+                </a:solidFill>
+                <a:effectLst>
+                  <a:outerShdw blurRad="38100" dist="19050" dir="2700000" algn="tl" rotWithShape="0">
+                    <a:schemeClr val="dk1">
+                      <a:alpha val="40000"/>
+                    </a:schemeClr>
+                  </a:outerShdw>
+                </a:effectLst>
+              </a:rPr>
+              <a:t> </a:t>
+            </a:r>
+            <a:r>
+              <a:rPr lang="es-ES" sz="1200" b="0" cap="none" spc="0" dirty="0">
+                <a:ln w="0"/>
+                <a:solidFill>
+                  <a:schemeClr val="bg1"/>
+                </a:solidFill>
+                <a:effectLst>
+                  <a:outerShdw blurRad="38100" dist="19050" dir="2700000" algn="tl" rotWithShape="0">
+                    <a:schemeClr val="dk1">
+                      <a:alpha val="40000"/>
+                    </a:schemeClr>
+                  </a:outerShdw>
+                </a:effectLst>
+              </a:rPr>
+              <a:t>          </a:t>
+            </a:r>
+          </a:p>
+        </p:txBody>
+      </p:sp>
+      <p:sp>
+        <p:nvSpPr>
+          <p:cNvPr id="173" name="Rectángulo 172">
+            <a:extLst>
+              <a:ext uri="{FF2B5EF4-FFF2-40B4-BE49-F238E27FC236}">
+                <a16:creationId xmlns:a16="http://schemas.microsoft.com/office/drawing/2014/main" id="{32C5255A-6F33-4D57-A0F3-3E27C0D71B8A}"/>
+              </a:ext>
+            </a:extLst>
+          </p:cNvPr>
+          <p:cNvSpPr/>
+          <p:nvPr/>
+        </p:nvSpPr>
+        <p:spPr>
+          <a:xfrm>
+            <a:off x="7160915" y="3768023"/>
+            <a:ext cx="251172" cy="307777"/>
+          </a:xfrm>
+          <a:prstGeom prst="rect">
+            <a:avLst/>
+          </a:prstGeom>
+          <a:noFill/>
+        </p:spPr>
+        <p:txBody>
+          <a:bodyPr wrap="square" lIns="91440" tIns="45720" rIns="91440" bIns="45720">
+            <a:spAutoFit/>
+          </a:bodyPr>
+          <a:lstStyle/>
+          <a:p>
+            <a:pPr algn="ctr"/>
+            <a:r>
+              <a:rPr lang="es-ES" sz="1400" dirty="0">
+                <a:ln w="0"/>
+                <a:solidFill>
+                  <a:schemeClr val="bg1"/>
+                </a:solidFill>
+                <a:effectLst>
+                  <a:outerShdw blurRad="38100" dist="19050" dir="2700000" algn="tl" rotWithShape="0">
+                    <a:schemeClr val="dk1">
+                      <a:alpha val="40000"/>
+                    </a:schemeClr>
+                  </a:outerShdw>
+                </a:effectLst>
+              </a:rPr>
+              <a:t>8</a:t>
+            </a:r>
+            <a:r>
+              <a:rPr lang="es-ES" sz="1400" b="0" cap="none" spc="0" dirty="0">
+                <a:ln w="0"/>
+                <a:solidFill>
+                  <a:schemeClr val="bg1"/>
+                </a:solidFill>
+                <a:effectLst>
+                  <a:outerShdw blurRad="38100" dist="19050" dir="2700000" algn="tl" rotWithShape="0">
+                    <a:schemeClr val="dk1">
+                      <a:alpha val="40000"/>
+                    </a:schemeClr>
+                  </a:outerShdw>
+                </a:effectLst>
+              </a:rPr>
+              <a:t> </a:t>
+            </a:r>
+            <a:r>
+              <a:rPr lang="es-ES" sz="1200" b="0" cap="none" spc="0" dirty="0">
+                <a:ln w="0"/>
+                <a:solidFill>
+                  <a:schemeClr val="bg1"/>
+                </a:solidFill>
+                <a:effectLst>
+                  <a:outerShdw blurRad="38100" dist="19050" dir="2700000" algn="tl" rotWithShape="0">
+                    <a:schemeClr val="dk1">
+                      <a:alpha val="40000"/>
+                    </a:schemeClr>
+                  </a:outerShdw>
+                </a:effectLst>
+              </a:rPr>
+              <a:t>          </a:t>
+            </a:r>
           </a:p>
         </p:txBody>
       </p:sp>

--- a/CONTROL INV.pptx
+++ b/CONTROL INV.pptx
@@ -7,6 +7,7 @@
   <p:sldIdLst>
     <p:sldId id="256" r:id="rId2"/>
     <p:sldId id="257" r:id="rId3"/>
+    <p:sldId id="258" r:id="rId4"/>
   </p:sldIdLst>
   <p:sldSz cx="12192000" cy="6858000"/>
   <p:notesSz cx="6858000" cy="9144000"/>
@@ -262,7 +263,7 @@
           <a:p>
             <a:fld id="{FD2E03ED-9E76-4CE6-93DC-3D9652C6A756}" type="datetimeFigureOut">
               <a:rPr lang="es-CO" smtClean="0"/>
-              <a:t>14/01/2020</a:t>
+              <a:t>15/01/2020</a:t>
             </a:fld>
             <a:endParaRPr lang="es-CO"/>
           </a:p>
@@ -462,7 +463,7 @@
           <a:p>
             <a:fld id="{FD2E03ED-9E76-4CE6-93DC-3D9652C6A756}" type="datetimeFigureOut">
               <a:rPr lang="es-CO" smtClean="0"/>
-              <a:t>14/01/2020</a:t>
+              <a:t>15/01/2020</a:t>
             </a:fld>
             <a:endParaRPr lang="es-CO"/>
           </a:p>
@@ -672,7 +673,7 @@
           <a:p>
             <a:fld id="{FD2E03ED-9E76-4CE6-93DC-3D9652C6A756}" type="datetimeFigureOut">
               <a:rPr lang="es-CO" smtClean="0"/>
-              <a:t>14/01/2020</a:t>
+              <a:t>15/01/2020</a:t>
             </a:fld>
             <a:endParaRPr lang="es-CO"/>
           </a:p>
@@ -872,7 +873,7 @@
           <a:p>
             <a:fld id="{FD2E03ED-9E76-4CE6-93DC-3D9652C6A756}" type="datetimeFigureOut">
               <a:rPr lang="es-CO" smtClean="0"/>
-              <a:t>14/01/2020</a:t>
+              <a:t>15/01/2020</a:t>
             </a:fld>
             <a:endParaRPr lang="es-CO"/>
           </a:p>
@@ -1148,7 +1149,7 @@
           <a:p>
             <a:fld id="{FD2E03ED-9E76-4CE6-93DC-3D9652C6A756}" type="datetimeFigureOut">
               <a:rPr lang="es-CO" smtClean="0"/>
-              <a:t>14/01/2020</a:t>
+              <a:t>15/01/2020</a:t>
             </a:fld>
             <a:endParaRPr lang="es-CO"/>
           </a:p>
@@ -1416,7 +1417,7 @@
           <a:p>
             <a:fld id="{FD2E03ED-9E76-4CE6-93DC-3D9652C6A756}" type="datetimeFigureOut">
               <a:rPr lang="es-CO" smtClean="0"/>
-              <a:t>14/01/2020</a:t>
+              <a:t>15/01/2020</a:t>
             </a:fld>
             <a:endParaRPr lang="es-CO"/>
           </a:p>
@@ -1831,7 +1832,7 @@
           <a:p>
             <a:fld id="{FD2E03ED-9E76-4CE6-93DC-3D9652C6A756}" type="datetimeFigureOut">
               <a:rPr lang="es-CO" smtClean="0"/>
-              <a:t>14/01/2020</a:t>
+              <a:t>15/01/2020</a:t>
             </a:fld>
             <a:endParaRPr lang="es-CO"/>
           </a:p>
@@ -1973,7 +1974,7 @@
           <a:p>
             <a:fld id="{FD2E03ED-9E76-4CE6-93DC-3D9652C6A756}" type="datetimeFigureOut">
               <a:rPr lang="es-CO" smtClean="0"/>
-              <a:t>14/01/2020</a:t>
+              <a:t>15/01/2020</a:t>
             </a:fld>
             <a:endParaRPr lang="es-CO"/>
           </a:p>
@@ -2086,7 +2087,7 @@
           <a:p>
             <a:fld id="{FD2E03ED-9E76-4CE6-93DC-3D9652C6A756}" type="datetimeFigureOut">
               <a:rPr lang="es-CO" smtClean="0"/>
-              <a:t>14/01/2020</a:t>
+              <a:t>15/01/2020</a:t>
             </a:fld>
             <a:endParaRPr lang="es-CO"/>
           </a:p>
@@ -2399,7 +2400,7 @@
           <a:p>
             <a:fld id="{FD2E03ED-9E76-4CE6-93DC-3D9652C6A756}" type="datetimeFigureOut">
               <a:rPr lang="es-CO" smtClean="0"/>
-              <a:t>14/01/2020</a:t>
+              <a:t>15/01/2020</a:t>
             </a:fld>
             <a:endParaRPr lang="es-CO"/>
           </a:p>
@@ -2688,7 +2689,7 @@
           <a:p>
             <a:fld id="{FD2E03ED-9E76-4CE6-93DC-3D9652C6A756}" type="datetimeFigureOut">
               <a:rPr lang="es-CO" smtClean="0"/>
-              <a:t>14/01/2020</a:t>
+              <a:t>15/01/2020</a:t>
             </a:fld>
             <a:endParaRPr lang="es-CO"/>
           </a:p>
@@ -2931,7 +2932,7 @@
           <a:p>
             <a:fld id="{FD2E03ED-9E76-4CE6-93DC-3D9652C6A756}" type="datetimeFigureOut">
               <a:rPr lang="es-CO" smtClean="0"/>
-              <a:t>14/01/2020</a:t>
+              <a:t>15/01/2020</a:t>
             </a:fld>
             <a:endParaRPr lang="es-CO"/>
           </a:p>
@@ -4236,7 +4237,7 @@
         </p:nvSpPr>
         <p:spPr>
           <a:xfrm>
-            <a:off x="7380591" y="1973625"/>
+            <a:off x="7146679" y="1984258"/>
             <a:ext cx="67753" cy="74428"/>
           </a:xfrm>
           <a:prstGeom prst="ellipse">
@@ -4290,7 +4291,7 @@
         </p:nvSpPr>
         <p:spPr>
           <a:xfrm>
-            <a:off x="7593242" y="1973625"/>
+            <a:off x="7359330" y="1984258"/>
             <a:ext cx="67753" cy="74428"/>
           </a:xfrm>
           <a:prstGeom prst="ellipse">
@@ -4344,7 +4345,7 @@
         </p:nvSpPr>
         <p:spPr>
           <a:xfrm>
-            <a:off x="7173018" y="1973625"/>
+            <a:off x="6939106" y="1984258"/>
             <a:ext cx="67753" cy="74428"/>
           </a:xfrm>
           <a:prstGeom prst="ellipse">
@@ -4398,7 +4399,7 @@
         </p:nvSpPr>
         <p:spPr>
           <a:xfrm>
-            <a:off x="6960367" y="1973625"/>
+            <a:off x="6726455" y="1984258"/>
             <a:ext cx="67753" cy="74428"/>
           </a:xfrm>
           <a:prstGeom prst="ellipse">
@@ -4452,7 +4453,7 @@
         </p:nvSpPr>
         <p:spPr>
           <a:xfrm>
-            <a:off x="7805893" y="1973625"/>
+            <a:off x="7571981" y="1984258"/>
             <a:ext cx="67753" cy="74428"/>
           </a:xfrm>
           <a:prstGeom prst="ellipse">
@@ -4506,7 +4507,7 @@
         </p:nvSpPr>
         <p:spPr>
           <a:xfrm>
-            <a:off x="7380591" y="2159094"/>
+            <a:off x="7146679" y="2169727"/>
             <a:ext cx="67753" cy="74428"/>
           </a:xfrm>
           <a:prstGeom prst="ellipse">
@@ -4560,7 +4561,7 @@
         </p:nvSpPr>
         <p:spPr>
           <a:xfrm>
-            <a:off x="7593242" y="2159094"/>
+            <a:off x="7359330" y="2169727"/>
             <a:ext cx="67753" cy="74428"/>
           </a:xfrm>
           <a:prstGeom prst="ellipse">
@@ -4614,7 +4615,7 @@
         </p:nvSpPr>
         <p:spPr>
           <a:xfrm>
-            <a:off x="7173018" y="2159094"/>
+            <a:off x="6939106" y="2169727"/>
             <a:ext cx="67753" cy="74428"/>
           </a:xfrm>
           <a:prstGeom prst="ellipse">
@@ -4668,7 +4669,7 @@
         </p:nvSpPr>
         <p:spPr>
           <a:xfrm>
-            <a:off x="6960367" y="2159094"/>
+            <a:off x="6726455" y="2169727"/>
             <a:ext cx="67753" cy="74428"/>
           </a:xfrm>
           <a:prstGeom prst="ellipse">
@@ -4722,7 +4723,7 @@
         </p:nvSpPr>
         <p:spPr>
           <a:xfrm>
-            <a:off x="7805893" y="2159094"/>
+            <a:off x="7571981" y="2169727"/>
             <a:ext cx="67753" cy="74428"/>
           </a:xfrm>
           <a:prstGeom prst="ellipse">
@@ -4776,7 +4777,7 @@
         </p:nvSpPr>
         <p:spPr>
           <a:xfrm>
-            <a:off x="7380591" y="1781958"/>
+            <a:off x="7146679" y="1792591"/>
             <a:ext cx="67753" cy="74428"/>
           </a:xfrm>
           <a:prstGeom prst="ellipse">
@@ -4830,7 +4831,7 @@
         </p:nvSpPr>
         <p:spPr>
           <a:xfrm>
-            <a:off x="7593242" y="1781958"/>
+            <a:off x="7359330" y="1792591"/>
             <a:ext cx="67753" cy="74428"/>
           </a:xfrm>
           <a:prstGeom prst="ellipse">
@@ -4884,7 +4885,7 @@
         </p:nvSpPr>
         <p:spPr>
           <a:xfrm>
-            <a:off x="7173018" y="1781958"/>
+            <a:off x="6939106" y="1792591"/>
             <a:ext cx="67753" cy="74428"/>
           </a:xfrm>
           <a:prstGeom prst="ellipse">
@@ -4938,7 +4939,7 @@
         </p:nvSpPr>
         <p:spPr>
           <a:xfrm>
-            <a:off x="6960367" y="1781958"/>
+            <a:off x="6726455" y="1792591"/>
             <a:ext cx="67753" cy="74428"/>
           </a:xfrm>
           <a:prstGeom prst="ellipse">
@@ -4992,7 +4993,7 @@
         </p:nvSpPr>
         <p:spPr>
           <a:xfrm>
-            <a:off x="7805893" y="1781958"/>
+            <a:off x="7571981" y="1792591"/>
             <a:ext cx="67753" cy="74428"/>
           </a:xfrm>
           <a:prstGeom prst="ellipse">
@@ -5046,7 +5047,7 @@
         </p:nvSpPr>
         <p:spPr>
           <a:xfrm>
-            <a:off x="7380591" y="1599654"/>
+            <a:off x="7146679" y="1610287"/>
             <a:ext cx="67753" cy="74428"/>
           </a:xfrm>
           <a:prstGeom prst="ellipse">
@@ -5100,7 +5101,7 @@
         </p:nvSpPr>
         <p:spPr>
           <a:xfrm>
-            <a:off x="7593242" y="1599654"/>
+            <a:off x="7359330" y="1610287"/>
             <a:ext cx="67753" cy="74428"/>
           </a:xfrm>
           <a:prstGeom prst="ellipse">
@@ -5154,7 +5155,7 @@
         </p:nvSpPr>
         <p:spPr>
           <a:xfrm>
-            <a:off x="7173018" y="1599654"/>
+            <a:off x="6939106" y="1610287"/>
             <a:ext cx="67753" cy="74428"/>
           </a:xfrm>
           <a:prstGeom prst="ellipse">
@@ -5208,7 +5209,7 @@
         </p:nvSpPr>
         <p:spPr>
           <a:xfrm>
-            <a:off x="7380591" y="2337605"/>
+            <a:off x="7146679" y="2348238"/>
             <a:ext cx="67753" cy="74428"/>
           </a:xfrm>
           <a:prstGeom prst="ellipse">
@@ -5262,7 +5263,7 @@
         </p:nvSpPr>
         <p:spPr>
           <a:xfrm>
-            <a:off x="7593242" y="2337605"/>
+            <a:off x="7359330" y="2348238"/>
             <a:ext cx="67753" cy="74428"/>
           </a:xfrm>
           <a:prstGeom prst="ellipse">
@@ -5316,7 +5317,7 @@
         </p:nvSpPr>
         <p:spPr>
           <a:xfrm>
-            <a:off x="7173018" y="2337605"/>
+            <a:off x="6939106" y="2348238"/>
             <a:ext cx="67753" cy="74428"/>
           </a:xfrm>
           <a:prstGeom prst="ellipse">
@@ -6407,7 +6408,7 @@
                 </a:effectLst>
                 <a:latin typeface="Subway Ticker" panose="02000400000000000000" pitchFamily="2" charset="0"/>
               </a:rPr>
-              <a:t>OUT 3 - ON</a:t>
+              <a:t>OUT 3 –ON            AL. 001</a:t>
             </a:r>
             <a:endParaRPr lang="es-ES" sz="1600" b="0" cap="none" spc="0" dirty="0">
               <a:ln w="0"/>
@@ -6428,6 +6429,155 @@
           </a:p>
         </p:txBody>
       </p:sp>
+      <p:sp>
+        <p:nvSpPr>
+          <p:cNvPr id="61" name="Rectángulo 60">
+            <a:extLst>
+              <a:ext uri="{FF2B5EF4-FFF2-40B4-BE49-F238E27FC236}">
+                <a16:creationId xmlns:a16="http://schemas.microsoft.com/office/drawing/2014/main" id="{CCA61C9B-80CE-410F-B68D-A23B4DBC294A}"/>
+              </a:ext>
+            </a:extLst>
+          </p:cNvPr>
+          <p:cNvSpPr/>
+          <p:nvPr/>
+        </p:nvSpPr>
+        <p:spPr>
+          <a:xfrm>
+            <a:off x="3237211" y="1134900"/>
+            <a:ext cx="2536119" cy="338554"/>
+          </a:xfrm>
+          <a:prstGeom prst="rect">
+            <a:avLst/>
+          </a:prstGeom>
+          <a:noFill/>
+        </p:spPr>
+        <p:txBody>
+          <a:bodyPr wrap="square" lIns="91440" tIns="45720" rIns="91440" bIns="45720">
+            <a:spAutoFit/>
+          </a:bodyPr>
+          <a:lstStyle/>
+          <a:p>
+            <a:pPr algn="ctr"/>
+            <a:r>
+              <a:rPr lang="es-ES" sz="1600" b="0" cap="none" spc="0" dirty="0">
+                <a:ln w="0"/>
+                <a:solidFill>
+                  <a:schemeClr val="bg1"/>
+                </a:solidFill>
+                <a:effectLst>
+                  <a:outerShdw blurRad="38100" dist="19050" dir="2700000" algn="tl" rotWithShape="0">
+                    <a:schemeClr val="dk1">
+                      <a:alpha val="40000"/>
+                    </a:schemeClr>
+                  </a:outerShdw>
+                </a:effectLst>
+              </a:rPr>
+              <a:t>CONTROL </a:t>
+            </a:r>
+            <a:r>
+              <a:rPr lang="es-ES" sz="1600" dirty="0">
+                <a:ln w="0"/>
+                <a:solidFill>
+                  <a:schemeClr val="bg1"/>
+                </a:solidFill>
+                <a:effectLst>
+                  <a:outerShdw blurRad="38100" dist="19050" dir="2700000" algn="tl" rotWithShape="0">
+                    <a:schemeClr val="dk1">
+                      <a:alpha val="40000"/>
+                    </a:schemeClr>
+                  </a:outerShdw>
+                </a:effectLst>
+              </a:rPr>
+              <a:t> PROGRAMABLE</a:t>
+            </a:r>
+            <a:endParaRPr lang="es-ES" sz="1600" b="0" cap="none" spc="0" dirty="0">
+              <a:ln w="0"/>
+              <a:solidFill>
+                <a:schemeClr val="bg1"/>
+              </a:solidFill>
+              <a:effectLst>
+                <a:outerShdw blurRad="38100" dist="19050" dir="2700000" algn="tl" rotWithShape="0">
+                  <a:schemeClr val="dk1">
+                    <a:alpha val="40000"/>
+                  </a:schemeClr>
+                </a:outerShdw>
+              </a:effectLst>
+            </a:endParaRPr>
+          </a:p>
+        </p:txBody>
+      </p:sp>
+      <p:pic>
+        <p:nvPicPr>
+          <p:cNvPr id="22" name="Imagen 21">
+            <a:extLst>
+              <a:ext uri="{FF2B5EF4-FFF2-40B4-BE49-F238E27FC236}">
+                <a16:creationId xmlns:a16="http://schemas.microsoft.com/office/drawing/2014/main" id="{6BF62ED4-A257-4100-BD4A-8C84D7D4B8CD}"/>
+              </a:ext>
+            </a:extLst>
+          </p:cNvPr>
+          <p:cNvPicPr>
+            <a:picLocks noChangeAspect="1"/>
+          </p:cNvPicPr>
+          <p:nvPr/>
+        </p:nvPicPr>
+        <p:blipFill>
+          <a:blip r:embed="rId2">
+            <a:extLst>
+              <a:ext uri="{28A0092B-C50C-407E-A947-70E740481C1C}">
+                <a14:useLocalDpi xmlns:a14="http://schemas.microsoft.com/office/drawing/2010/main" val="0"/>
+              </a:ext>
+            </a:extLst>
+          </a:blip>
+          <a:stretch>
+            <a:fillRect/>
+          </a:stretch>
+        </p:blipFill>
+        <p:spPr>
+          <a:xfrm>
+            <a:off x="3059456" y="1171751"/>
+            <a:ext cx="355509" cy="264852"/>
+          </a:xfrm>
+          <a:prstGeom prst="rect">
+            <a:avLst/>
+          </a:prstGeom>
+        </p:spPr>
+      </p:pic>
+      <p:pic>
+        <p:nvPicPr>
+          <p:cNvPr id="44" name="Imagen 43">
+            <a:extLst>
+              <a:ext uri="{FF2B5EF4-FFF2-40B4-BE49-F238E27FC236}">
+                <a16:creationId xmlns:a16="http://schemas.microsoft.com/office/drawing/2014/main" id="{92A347E7-FA63-43B1-AA13-E5A84AACCE2F}"/>
+              </a:ext>
+            </a:extLst>
+          </p:cNvPr>
+          <p:cNvPicPr>
+            <a:picLocks noChangeAspect="1"/>
+          </p:cNvPicPr>
+          <p:nvPr/>
+        </p:nvPicPr>
+        <p:blipFill>
+          <a:blip r:embed="rId3">
+            <a:extLst>
+              <a:ext uri="{28A0092B-C50C-407E-A947-70E740481C1C}">
+                <a14:useLocalDpi xmlns:a14="http://schemas.microsoft.com/office/drawing/2010/main" val="0"/>
+              </a:ext>
+            </a:extLst>
+          </a:blip>
+          <a:stretch>
+            <a:fillRect/>
+          </a:stretch>
+        </p:blipFill>
+        <p:spPr>
+          <a:xfrm>
+            <a:off x="2661214" y="1130081"/>
+            <a:ext cx="563831" cy="317155"/>
+          </a:xfrm>
+          <a:prstGeom prst="rect">
+            <a:avLst/>
+          </a:prstGeom>
+        </p:spPr>
+      </p:pic>
     </p:spTree>
     <p:extLst>
       <p:ext uri="{BB962C8B-B14F-4D97-AF65-F5344CB8AC3E}">
@@ -6605,7 +6755,7 @@
         </p:nvSpPr>
         <p:spPr>
           <a:xfrm>
-            <a:off x="4817849" y="3782866"/>
+            <a:off x="4817849" y="3772233"/>
             <a:ext cx="497677" cy="307777"/>
           </a:xfrm>
           <a:prstGeom prst="rect">
@@ -15420,10 +15570,3491 @@
           </a:p>
         </p:txBody>
       </p:sp>
+      <p:sp>
+        <p:nvSpPr>
+          <p:cNvPr id="151" name="Elipse 150">
+            <a:extLst>
+              <a:ext uri="{FF2B5EF4-FFF2-40B4-BE49-F238E27FC236}">
+                <a16:creationId xmlns:a16="http://schemas.microsoft.com/office/drawing/2014/main" id="{174B66F0-67CC-421F-B335-189B88A0A2C3}"/>
+              </a:ext>
+            </a:extLst>
+          </p:cNvPr>
+          <p:cNvSpPr/>
+          <p:nvPr/>
+        </p:nvSpPr>
+        <p:spPr>
+          <a:xfrm>
+            <a:off x="7969054" y="4073690"/>
+            <a:ext cx="279855" cy="261760"/>
+          </a:xfrm>
+          <a:prstGeom prst="ellipse">
+            <a:avLst/>
+          </a:prstGeom>
+          <a:solidFill>
+            <a:schemeClr val="bg2">
+              <a:lumMod val="10000"/>
+            </a:schemeClr>
+          </a:solidFill>
+          <a:ln>
+            <a:noFill/>
+          </a:ln>
+          <a:effectLst/>
+          <a:scene3d>
+            <a:camera prst="orthographicFront">
+              <a:rot lat="0" lon="0" rev="0"/>
+            </a:camera>
+            <a:lightRig rig="contrasting" dir="t">
+              <a:rot lat="0" lon="0" rev="7800000"/>
+            </a:lightRig>
+          </a:scene3d>
+          <a:sp3d>
+            <a:bevelT w="139700" h="139700"/>
+          </a:sp3d>
+        </p:spPr>
+        <p:style>
+          <a:lnRef idx="2">
+            <a:schemeClr val="accent1">
+              <a:shade val="50000"/>
+            </a:schemeClr>
+          </a:lnRef>
+          <a:fillRef idx="1">
+            <a:schemeClr val="accent1"/>
+          </a:fillRef>
+          <a:effectRef idx="0">
+            <a:schemeClr val="accent1"/>
+          </a:effectRef>
+          <a:fontRef idx="minor">
+            <a:schemeClr val="lt1"/>
+          </a:fontRef>
+        </p:style>
+        <p:txBody>
+          <a:bodyPr rtlCol="0" anchor="ctr"/>
+          <a:lstStyle/>
+          <a:p>
+            <a:pPr algn="ctr"/>
+            <a:endParaRPr lang="es-CO"/>
+          </a:p>
+        </p:txBody>
+      </p:sp>
+      <p:sp>
+        <p:nvSpPr>
+          <p:cNvPr id="152" name="Elipse 151">
+            <a:extLst>
+              <a:ext uri="{FF2B5EF4-FFF2-40B4-BE49-F238E27FC236}">
+                <a16:creationId xmlns:a16="http://schemas.microsoft.com/office/drawing/2014/main" id="{7562AD2C-8A43-4646-A122-3B3C21D5DC5F}"/>
+              </a:ext>
+            </a:extLst>
+          </p:cNvPr>
+          <p:cNvSpPr/>
+          <p:nvPr/>
+        </p:nvSpPr>
+        <p:spPr>
+          <a:xfrm>
+            <a:off x="8004643" y="4101511"/>
+            <a:ext cx="217533" cy="201997"/>
+          </a:xfrm>
+          <a:prstGeom prst="ellipse">
+            <a:avLst/>
+          </a:prstGeom>
+          <a:solidFill>
+            <a:schemeClr val="tx1"/>
+          </a:solidFill>
+          <a:ln>
+            <a:noFill/>
+          </a:ln>
+          <a:effectLst/>
+          <a:scene3d>
+            <a:camera prst="orthographicFront">
+              <a:rot lat="0" lon="0" rev="0"/>
+            </a:camera>
+            <a:lightRig rig="contrasting" dir="t">
+              <a:rot lat="0" lon="0" rev="7800000"/>
+            </a:lightRig>
+          </a:scene3d>
+          <a:sp3d>
+            <a:bevelT w="139700" h="139700"/>
+          </a:sp3d>
+        </p:spPr>
+        <p:style>
+          <a:lnRef idx="2">
+            <a:schemeClr val="accent1">
+              <a:shade val="50000"/>
+            </a:schemeClr>
+          </a:lnRef>
+          <a:fillRef idx="1">
+            <a:schemeClr val="accent1"/>
+          </a:fillRef>
+          <a:effectRef idx="0">
+            <a:schemeClr val="accent1"/>
+          </a:effectRef>
+          <a:fontRef idx="minor">
+            <a:schemeClr val="lt1"/>
+          </a:fontRef>
+        </p:style>
+        <p:txBody>
+          <a:bodyPr rtlCol="0" anchor="ctr"/>
+          <a:lstStyle/>
+          <a:p>
+            <a:pPr algn="ctr"/>
+            <a:endParaRPr lang="es-CO"/>
+          </a:p>
+        </p:txBody>
+      </p:sp>
+      <p:sp>
+        <p:nvSpPr>
+          <p:cNvPr id="153" name="Elipse 152">
+            <a:extLst>
+              <a:ext uri="{FF2B5EF4-FFF2-40B4-BE49-F238E27FC236}">
+                <a16:creationId xmlns:a16="http://schemas.microsoft.com/office/drawing/2014/main" id="{110D01AB-9FDC-4329-9365-DAC830467355}"/>
+              </a:ext>
+            </a:extLst>
+          </p:cNvPr>
+          <p:cNvSpPr/>
+          <p:nvPr/>
+        </p:nvSpPr>
+        <p:spPr>
+          <a:xfrm>
+            <a:off x="8042584" y="4125611"/>
+            <a:ext cx="144185" cy="142422"/>
+          </a:xfrm>
+          <a:prstGeom prst="ellipse">
+            <a:avLst/>
+          </a:prstGeom>
+          <a:solidFill>
+            <a:schemeClr val="bg1">
+              <a:lumMod val="50000"/>
+            </a:schemeClr>
+          </a:solidFill>
+          <a:ln>
+            <a:noFill/>
+          </a:ln>
+          <a:effectLst/>
+          <a:scene3d>
+            <a:camera prst="orthographicFront">
+              <a:rot lat="0" lon="0" rev="0"/>
+            </a:camera>
+            <a:lightRig rig="contrasting" dir="t">
+              <a:rot lat="0" lon="0" rev="7800000"/>
+            </a:lightRig>
+          </a:scene3d>
+          <a:sp3d>
+            <a:bevelT w="139700" h="139700"/>
+          </a:sp3d>
+        </p:spPr>
+        <p:style>
+          <a:lnRef idx="2">
+            <a:schemeClr val="accent1">
+              <a:shade val="50000"/>
+            </a:schemeClr>
+          </a:lnRef>
+          <a:fillRef idx="1">
+            <a:schemeClr val="accent1"/>
+          </a:fillRef>
+          <a:effectRef idx="0">
+            <a:schemeClr val="accent1"/>
+          </a:effectRef>
+          <a:fontRef idx="minor">
+            <a:schemeClr val="lt1"/>
+          </a:fontRef>
+        </p:style>
+        <p:txBody>
+          <a:bodyPr rtlCol="0" anchor="ctr"/>
+          <a:lstStyle/>
+          <a:p>
+            <a:pPr algn="ctr"/>
+            <a:endParaRPr lang="es-CO"/>
+          </a:p>
+        </p:txBody>
+      </p:sp>
+      <p:sp>
+        <p:nvSpPr>
+          <p:cNvPr id="154" name="Elipse 153">
+            <a:extLst>
+              <a:ext uri="{FF2B5EF4-FFF2-40B4-BE49-F238E27FC236}">
+                <a16:creationId xmlns:a16="http://schemas.microsoft.com/office/drawing/2014/main" id="{DD836608-6A4F-4F7B-961B-1C6401058B75}"/>
+              </a:ext>
+            </a:extLst>
+          </p:cNvPr>
+          <p:cNvSpPr/>
+          <p:nvPr/>
+        </p:nvSpPr>
+        <p:spPr>
+          <a:xfrm>
+            <a:off x="8050987" y="4140359"/>
+            <a:ext cx="128635" cy="112382"/>
+          </a:xfrm>
+          <a:prstGeom prst="ellipse">
+            <a:avLst/>
+          </a:prstGeom>
+          <a:solidFill>
+            <a:schemeClr val="bg1">
+              <a:lumMod val="85000"/>
+            </a:schemeClr>
+          </a:solidFill>
+          <a:ln>
+            <a:noFill/>
+          </a:ln>
+          <a:effectLst/>
+          <a:scene3d>
+            <a:camera prst="orthographicFront">
+              <a:rot lat="0" lon="0" rev="0"/>
+            </a:camera>
+            <a:lightRig rig="contrasting" dir="t">
+              <a:rot lat="0" lon="0" rev="7800000"/>
+            </a:lightRig>
+          </a:scene3d>
+          <a:sp3d>
+            <a:bevelT w="139700" h="139700"/>
+          </a:sp3d>
+        </p:spPr>
+        <p:style>
+          <a:lnRef idx="2">
+            <a:schemeClr val="accent1">
+              <a:shade val="50000"/>
+            </a:schemeClr>
+          </a:lnRef>
+          <a:fillRef idx="1">
+            <a:schemeClr val="accent1"/>
+          </a:fillRef>
+          <a:effectRef idx="0">
+            <a:schemeClr val="accent1"/>
+          </a:effectRef>
+          <a:fontRef idx="minor">
+            <a:schemeClr val="lt1"/>
+          </a:fontRef>
+        </p:style>
+        <p:txBody>
+          <a:bodyPr rtlCol="0" anchor="ctr"/>
+          <a:lstStyle/>
+          <a:p>
+            <a:pPr algn="ctr"/>
+            <a:endParaRPr lang="es-CO"/>
+          </a:p>
+        </p:txBody>
+      </p:sp>
+      <p:sp>
+        <p:nvSpPr>
+          <p:cNvPr id="155" name="Signo más 154">
+            <a:extLst>
+              <a:ext uri="{FF2B5EF4-FFF2-40B4-BE49-F238E27FC236}">
+                <a16:creationId xmlns:a16="http://schemas.microsoft.com/office/drawing/2014/main" id="{F5E951F6-8225-4E28-8BF1-2BFCC43565DD}"/>
+              </a:ext>
+            </a:extLst>
+          </p:cNvPr>
+          <p:cNvSpPr/>
+          <p:nvPr/>
+        </p:nvSpPr>
+        <p:spPr>
+          <a:xfrm>
+            <a:off x="8046144" y="4140359"/>
+            <a:ext cx="138320" cy="122777"/>
+          </a:xfrm>
+          <a:prstGeom prst="mathPlus">
+            <a:avLst/>
+          </a:prstGeom>
+          <a:solidFill>
+            <a:schemeClr val="bg1">
+              <a:lumMod val="50000"/>
+            </a:schemeClr>
+          </a:solidFill>
+          <a:ln>
+            <a:noFill/>
+          </a:ln>
+          <a:effectLst>
+            <a:outerShdw blurRad="44450" dist="27940" dir="5400000" algn="ctr">
+              <a:srgbClr val="000000">
+                <a:alpha val="32000"/>
+              </a:srgbClr>
+            </a:outerShdw>
+          </a:effectLst>
+          <a:scene3d>
+            <a:camera prst="orthographicFront">
+              <a:rot lat="0" lon="0" rev="0"/>
+            </a:camera>
+            <a:lightRig rig="balanced" dir="t">
+              <a:rot lat="0" lon="0" rev="8700000"/>
+            </a:lightRig>
+          </a:scene3d>
+          <a:sp3d>
+            <a:bevelT w="190500" h="38100"/>
+          </a:sp3d>
+        </p:spPr>
+        <p:style>
+          <a:lnRef idx="2">
+            <a:schemeClr val="accent1">
+              <a:shade val="50000"/>
+            </a:schemeClr>
+          </a:lnRef>
+          <a:fillRef idx="1">
+            <a:schemeClr val="accent1"/>
+          </a:fillRef>
+          <a:effectRef idx="0">
+            <a:schemeClr val="accent1"/>
+          </a:effectRef>
+          <a:fontRef idx="minor">
+            <a:schemeClr val="lt1"/>
+          </a:fontRef>
+        </p:style>
+        <p:txBody>
+          <a:bodyPr rtlCol="0" anchor="ctr"/>
+          <a:lstStyle/>
+          <a:p>
+            <a:pPr algn="ctr"/>
+            <a:endParaRPr lang="es-CO"/>
+          </a:p>
+        </p:txBody>
+      </p:sp>
+      <p:sp>
+        <p:nvSpPr>
+          <p:cNvPr id="156" name="Elipse 155">
+            <a:extLst>
+              <a:ext uri="{FF2B5EF4-FFF2-40B4-BE49-F238E27FC236}">
+                <a16:creationId xmlns:a16="http://schemas.microsoft.com/office/drawing/2014/main" id="{D4826ECA-993F-4708-9C45-47DC67C6E179}"/>
+              </a:ext>
+            </a:extLst>
+          </p:cNvPr>
+          <p:cNvSpPr/>
+          <p:nvPr/>
+        </p:nvSpPr>
+        <p:spPr>
+          <a:xfrm>
+            <a:off x="7964212" y="1203812"/>
+            <a:ext cx="279855" cy="261760"/>
+          </a:xfrm>
+          <a:prstGeom prst="ellipse">
+            <a:avLst/>
+          </a:prstGeom>
+          <a:solidFill>
+            <a:schemeClr val="bg2">
+              <a:lumMod val="10000"/>
+            </a:schemeClr>
+          </a:solidFill>
+          <a:ln>
+            <a:noFill/>
+          </a:ln>
+          <a:effectLst/>
+          <a:scene3d>
+            <a:camera prst="orthographicFront">
+              <a:rot lat="0" lon="0" rev="0"/>
+            </a:camera>
+            <a:lightRig rig="contrasting" dir="t">
+              <a:rot lat="0" lon="0" rev="7800000"/>
+            </a:lightRig>
+          </a:scene3d>
+          <a:sp3d>
+            <a:bevelT w="139700" h="139700"/>
+          </a:sp3d>
+        </p:spPr>
+        <p:style>
+          <a:lnRef idx="2">
+            <a:schemeClr val="accent1">
+              <a:shade val="50000"/>
+            </a:schemeClr>
+          </a:lnRef>
+          <a:fillRef idx="1">
+            <a:schemeClr val="accent1"/>
+          </a:fillRef>
+          <a:effectRef idx="0">
+            <a:schemeClr val="accent1"/>
+          </a:effectRef>
+          <a:fontRef idx="minor">
+            <a:schemeClr val="lt1"/>
+          </a:fontRef>
+        </p:style>
+        <p:txBody>
+          <a:bodyPr rtlCol="0" anchor="ctr"/>
+          <a:lstStyle/>
+          <a:p>
+            <a:pPr algn="ctr"/>
+            <a:endParaRPr lang="es-CO"/>
+          </a:p>
+        </p:txBody>
+      </p:sp>
+      <p:sp>
+        <p:nvSpPr>
+          <p:cNvPr id="170" name="Elipse 169">
+            <a:extLst>
+              <a:ext uri="{FF2B5EF4-FFF2-40B4-BE49-F238E27FC236}">
+                <a16:creationId xmlns:a16="http://schemas.microsoft.com/office/drawing/2014/main" id="{AECAEDE9-2F21-4F09-8337-67A75E18EE09}"/>
+              </a:ext>
+            </a:extLst>
+          </p:cNvPr>
+          <p:cNvSpPr/>
+          <p:nvPr/>
+        </p:nvSpPr>
+        <p:spPr>
+          <a:xfrm>
+            <a:off x="7999801" y="1231633"/>
+            <a:ext cx="217533" cy="201997"/>
+          </a:xfrm>
+          <a:prstGeom prst="ellipse">
+            <a:avLst/>
+          </a:prstGeom>
+          <a:solidFill>
+            <a:schemeClr val="tx1"/>
+          </a:solidFill>
+          <a:ln>
+            <a:noFill/>
+          </a:ln>
+          <a:effectLst/>
+          <a:scene3d>
+            <a:camera prst="orthographicFront">
+              <a:rot lat="0" lon="0" rev="0"/>
+            </a:camera>
+            <a:lightRig rig="contrasting" dir="t">
+              <a:rot lat="0" lon="0" rev="7800000"/>
+            </a:lightRig>
+          </a:scene3d>
+          <a:sp3d>
+            <a:bevelT w="139700" h="139700"/>
+          </a:sp3d>
+        </p:spPr>
+        <p:style>
+          <a:lnRef idx="2">
+            <a:schemeClr val="accent1">
+              <a:shade val="50000"/>
+            </a:schemeClr>
+          </a:lnRef>
+          <a:fillRef idx="1">
+            <a:schemeClr val="accent1"/>
+          </a:fillRef>
+          <a:effectRef idx="0">
+            <a:schemeClr val="accent1"/>
+          </a:effectRef>
+          <a:fontRef idx="minor">
+            <a:schemeClr val="lt1"/>
+          </a:fontRef>
+        </p:style>
+        <p:txBody>
+          <a:bodyPr rtlCol="0" anchor="ctr"/>
+          <a:lstStyle/>
+          <a:p>
+            <a:pPr algn="ctr"/>
+            <a:endParaRPr lang="es-CO"/>
+          </a:p>
+        </p:txBody>
+      </p:sp>
+      <p:sp>
+        <p:nvSpPr>
+          <p:cNvPr id="175" name="Elipse 174">
+            <a:extLst>
+              <a:ext uri="{FF2B5EF4-FFF2-40B4-BE49-F238E27FC236}">
+                <a16:creationId xmlns:a16="http://schemas.microsoft.com/office/drawing/2014/main" id="{25397833-B9AE-44B0-943B-763A58AF1936}"/>
+              </a:ext>
+            </a:extLst>
+          </p:cNvPr>
+          <p:cNvSpPr/>
+          <p:nvPr/>
+        </p:nvSpPr>
+        <p:spPr>
+          <a:xfrm>
+            <a:off x="8037742" y="1255733"/>
+            <a:ext cx="144185" cy="142422"/>
+          </a:xfrm>
+          <a:prstGeom prst="ellipse">
+            <a:avLst/>
+          </a:prstGeom>
+          <a:solidFill>
+            <a:schemeClr val="bg1">
+              <a:lumMod val="50000"/>
+            </a:schemeClr>
+          </a:solidFill>
+          <a:ln>
+            <a:noFill/>
+          </a:ln>
+          <a:effectLst/>
+          <a:scene3d>
+            <a:camera prst="orthographicFront">
+              <a:rot lat="0" lon="0" rev="0"/>
+            </a:camera>
+            <a:lightRig rig="contrasting" dir="t">
+              <a:rot lat="0" lon="0" rev="7800000"/>
+            </a:lightRig>
+          </a:scene3d>
+          <a:sp3d>
+            <a:bevelT w="139700" h="139700"/>
+          </a:sp3d>
+        </p:spPr>
+        <p:style>
+          <a:lnRef idx="2">
+            <a:schemeClr val="accent1">
+              <a:shade val="50000"/>
+            </a:schemeClr>
+          </a:lnRef>
+          <a:fillRef idx="1">
+            <a:schemeClr val="accent1"/>
+          </a:fillRef>
+          <a:effectRef idx="0">
+            <a:schemeClr val="accent1"/>
+          </a:effectRef>
+          <a:fontRef idx="minor">
+            <a:schemeClr val="lt1"/>
+          </a:fontRef>
+        </p:style>
+        <p:txBody>
+          <a:bodyPr rtlCol="0" anchor="ctr"/>
+          <a:lstStyle/>
+          <a:p>
+            <a:pPr algn="ctr"/>
+            <a:endParaRPr lang="es-CO"/>
+          </a:p>
+        </p:txBody>
+      </p:sp>
+      <p:sp>
+        <p:nvSpPr>
+          <p:cNvPr id="176" name="Elipse 175">
+            <a:extLst>
+              <a:ext uri="{FF2B5EF4-FFF2-40B4-BE49-F238E27FC236}">
+                <a16:creationId xmlns:a16="http://schemas.microsoft.com/office/drawing/2014/main" id="{F4B5D44D-2293-4F03-9455-0B46777DC90B}"/>
+              </a:ext>
+            </a:extLst>
+          </p:cNvPr>
+          <p:cNvSpPr/>
+          <p:nvPr/>
+        </p:nvSpPr>
+        <p:spPr>
+          <a:xfrm>
+            <a:off x="8046145" y="1270481"/>
+            <a:ext cx="128635" cy="112382"/>
+          </a:xfrm>
+          <a:prstGeom prst="ellipse">
+            <a:avLst/>
+          </a:prstGeom>
+          <a:solidFill>
+            <a:schemeClr val="bg1">
+              <a:lumMod val="85000"/>
+            </a:schemeClr>
+          </a:solidFill>
+          <a:ln>
+            <a:noFill/>
+          </a:ln>
+          <a:effectLst/>
+          <a:scene3d>
+            <a:camera prst="orthographicFront">
+              <a:rot lat="0" lon="0" rev="0"/>
+            </a:camera>
+            <a:lightRig rig="contrasting" dir="t">
+              <a:rot lat="0" lon="0" rev="7800000"/>
+            </a:lightRig>
+          </a:scene3d>
+          <a:sp3d>
+            <a:bevelT w="139700" h="139700"/>
+          </a:sp3d>
+        </p:spPr>
+        <p:style>
+          <a:lnRef idx="2">
+            <a:schemeClr val="accent1">
+              <a:shade val="50000"/>
+            </a:schemeClr>
+          </a:lnRef>
+          <a:fillRef idx="1">
+            <a:schemeClr val="accent1"/>
+          </a:fillRef>
+          <a:effectRef idx="0">
+            <a:schemeClr val="accent1"/>
+          </a:effectRef>
+          <a:fontRef idx="minor">
+            <a:schemeClr val="lt1"/>
+          </a:fontRef>
+        </p:style>
+        <p:txBody>
+          <a:bodyPr rtlCol="0" anchor="ctr"/>
+          <a:lstStyle/>
+          <a:p>
+            <a:pPr algn="ctr"/>
+            <a:endParaRPr lang="es-CO"/>
+          </a:p>
+        </p:txBody>
+      </p:sp>
+      <p:sp>
+        <p:nvSpPr>
+          <p:cNvPr id="178" name="Signo más 177">
+            <a:extLst>
+              <a:ext uri="{FF2B5EF4-FFF2-40B4-BE49-F238E27FC236}">
+                <a16:creationId xmlns:a16="http://schemas.microsoft.com/office/drawing/2014/main" id="{5F679180-B1A3-42E6-80BD-D5DC3881D4D4}"/>
+              </a:ext>
+            </a:extLst>
+          </p:cNvPr>
+          <p:cNvSpPr/>
+          <p:nvPr/>
+        </p:nvSpPr>
+        <p:spPr>
+          <a:xfrm>
+            <a:off x="8041302" y="1270481"/>
+            <a:ext cx="138320" cy="122777"/>
+          </a:xfrm>
+          <a:prstGeom prst="mathPlus">
+            <a:avLst/>
+          </a:prstGeom>
+          <a:solidFill>
+            <a:schemeClr val="bg1">
+              <a:lumMod val="50000"/>
+            </a:schemeClr>
+          </a:solidFill>
+          <a:ln>
+            <a:noFill/>
+          </a:ln>
+          <a:effectLst>
+            <a:outerShdw blurRad="44450" dist="27940" dir="5400000" algn="ctr">
+              <a:srgbClr val="000000">
+                <a:alpha val="32000"/>
+              </a:srgbClr>
+            </a:outerShdw>
+          </a:effectLst>
+          <a:scene3d>
+            <a:camera prst="orthographicFront">
+              <a:rot lat="0" lon="0" rev="0"/>
+            </a:camera>
+            <a:lightRig rig="balanced" dir="t">
+              <a:rot lat="0" lon="0" rev="8700000"/>
+            </a:lightRig>
+          </a:scene3d>
+          <a:sp3d>
+            <a:bevelT w="190500" h="38100"/>
+          </a:sp3d>
+        </p:spPr>
+        <p:style>
+          <a:lnRef idx="2">
+            <a:schemeClr val="accent1">
+              <a:shade val="50000"/>
+            </a:schemeClr>
+          </a:lnRef>
+          <a:fillRef idx="1">
+            <a:schemeClr val="accent1"/>
+          </a:fillRef>
+          <a:effectRef idx="0">
+            <a:schemeClr val="accent1"/>
+          </a:effectRef>
+          <a:fontRef idx="minor">
+            <a:schemeClr val="lt1"/>
+          </a:fontRef>
+        </p:style>
+        <p:txBody>
+          <a:bodyPr rtlCol="0" anchor="ctr"/>
+          <a:lstStyle/>
+          <a:p>
+            <a:pPr algn="ctr"/>
+            <a:endParaRPr lang="es-CO"/>
+          </a:p>
+        </p:txBody>
+      </p:sp>
+      <p:sp>
+        <p:nvSpPr>
+          <p:cNvPr id="180" name="Elipse 179">
+            <a:extLst>
+              <a:ext uri="{FF2B5EF4-FFF2-40B4-BE49-F238E27FC236}">
+                <a16:creationId xmlns:a16="http://schemas.microsoft.com/office/drawing/2014/main" id="{E1DF391C-96C2-426B-9020-005E310798E8}"/>
+              </a:ext>
+            </a:extLst>
+          </p:cNvPr>
+          <p:cNvSpPr/>
+          <p:nvPr/>
+        </p:nvSpPr>
+        <p:spPr>
+          <a:xfrm>
+            <a:off x="2602639" y="4046548"/>
+            <a:ext cx="279855" cy="261760"/>
+          </a:xfrm>
+          <a:prstGeom prst="ellipse">
+            <a:avLst/>
+          </a:prstGeom>
+          <a:solidFill>
+            <a:schemeClr val="bg2">
+              <a:lumMod val="10000"/>
+            </a:schemeClr>
+          </a:solidFill>
+          <a:ln>
+            <a:noFill/>
+          </a:ln>
+          <a:effectLst/>
+          <a:scene3d>
+            <a:camera prst="orthographicFront">
+              <a:rot lat="0" lon="0" rev="0"/>
+            </a:camera>
+            <a:lightRig rig="contrasting" dir="t">
+              <a:rot lat="0" lon="0" rev="7800000"/>
+            </a:lightRig>
+          </a:scene3d>
+          <a:sp3d>
+            <a:bevelT w="139700" h="139700"/>
+          </a:sp3d>
+        </p:spPr>
+        <p:style>
+          <a:lnRef idx="2">
+            <a:schemeClr val="accent1">
+              <a:shade val="50000"/>
+            </a:schemeClr>
+          </a:lnRef>
+          <a:fillRef idx="1">
+            <a:schemeClr val="accent1"/>
+          </a:fillRef>
+          <a:effectRef idx="0">
+            <a:schemeClr val="accent1"/>
+          </a:effectRef>
+          <a:fontRef idx="minor">
+            <a:schemeClr val="lt1"/>
+          </a:fontRef>
+        </p:style>
+        <p:txBody>
+          <a:bodyPr rtlCol="0" anchor="ctr"/>
+          <a:lstStyle/>
+          <a:p>
+            <a:pPr algn="ctr"/>
+            <a:endParaRPr lang="es-CO"/>
+          </a:p>
+        </p:txBody>
+      </p:sp>
+      <p:sp>
+        <p:nvSpPr>
+          <p:cNvPr id="181" name="Elipse 180">
+            <a:extLst>
+              <a:ext uri="{FF2B5EF4-FFF2-40B4-BE49-F238E27FC236}">
+                <a16:creationId xmlns:a16="http://schemas.microsoft.com/office/drawing/2014/main" id="{CC0AC63B-E905-4241-8989-BE933C043BAC}"/>
+              </a:ext>
+            </a:extLst>
+          </p:cNvPr>
+          <p:cNvSpPr/>
+          <p:nvPr/>
+        </p:nvSpPr>
+        <p:spPr>
+          <a:xfrm>
+            <a:off x="2638228" y="4074369"/>
+            <a:ext cx="217533" cy="201997"/>
+          </a:xfrm>
+          <a:prstGeom prst="ellipse">
+            <a:avLst/>
+          </a:prstGeom>
+          <a:solidFill>
+            <a:schemeClr val="tx1"/>
+          </a:solidFill>
+          <a:ln>
+            <a:noFill/>
+          </a:ln>
+          <a:effectLst/>
+          <a:scene3d>
+            <a:camera prst="orthographicFront">
+              <a:rot lat="0" lon="0" rev="0"/>
+            </a:camera>
+            <a:lightRig rig="contrasting" dir="t">
+              <a:rot lat="0" lon="0" rev="7800000"/>
+            </a:lightRig>
+          </a:scene3d>
+          <a:sp3d>
+            <a:bevelT w="139700" h="139700"/>
+          </a:sp3d>
+        </p:spPr>
+        <p:style>
+          <a:lnRef idx="2">
+            <a:schemeClr val="accent1">
+              <a:shade val="50000"/>
+            </a:schemeClr>
+          </a:lnRef>
+          <a:fillRef idx="1">
+            <a:schemeClr val="accent1"/>
+          </a:fillRef>
+          <a:effectRef idx="0">
+            <a:schemeClr val="accent1"/>
+          </a:effectRef>
+          <a:fontRef idx="minor">
+            <a:schemeClr val="lt1"/>
+          </a:fontRef>
+        </p:style>
+        <p:txBody>
+          <a:bodyPr rtlCol="0" anchor="ctr"/>
+          <a:lstStyle/>
+          <a:p>
+            <a:pPr algn="ctr"/>
+            <a:endParaRPr lang="es-CO"/>
+          </a:p>
+        </p:txBody>
+      </p:sp>
+      <p:sp>
+        <p:nvSpPr>
+          <p:cNvPr id="183" name="Elipse 182">
+            <a:extLst>
+              <a:ext uri="{FF2B5EF4-FFF2-40B4-BE49-F238E27FC236}">
+                <a16:creationId xmlns:a16="http://schemas.microsoft.com/office/drawing/2014/main" id="{C042F827-3130-48D5-A18F-803A4EB25107}"/>
+              </a:ext>
+            </a:extLst>
+          </p:cNvPr>
+          <p:cNvSpPr/>
+          <p:nvPr/>
+        </p:nvSpPr>
+        <p:spPr>
+          <a:xfrm>
+            <a:off x="2676169" y="4098469"/>
+            <a:ext cx="144185" cy="142422"/>
+          </a:xfrm>
+          <a:prstGeom prst="ellipse">
+            <a:avLst/>
+          </a:prstGeom>
+          <a:solidFill>
+            <a:schemeClr val="bg1">
+              <a:lumMod val="50000"/>
+            </a:schemeClr>
+          </a:solidFill>
+          <a:ln>
+            <a:noFill/>
+          </a:ln>
+          <a:effectLst/>
+          <a:scene3d>
+            <a:camera prst="orthographicFront">
+              <a:rot lat="0" lon="0" rev="0"/>
+            </a:camera>
+            <a:lightRig rig="contrasting" dir="t">
+              <a:rot lat="0" lon="0" rev="7800000"/>
+            </a:lightRig>
+          </a:scene3d>
+          <a:sp3d>
+            <a:bevelT w="139700" h="139700"/>
+          </a:sp3d>
+        </p:spPr>
+        <p:style>
+          <a:lnRef idx="2">
+            <a:schemeClr val="accent1">
+              <a:shade val="50000"/>
+            </a:schemeClr>
+          </a:lnRef>
+          <a:fillRef idx="1">
+            <a:schemeClr val="accent1"/>
+          </a:fillRef>
+          <a:effectRef idx="0">
+            <a:schemeClr val="accent1"/>
+          </a:effectRef>
+          <a:fontRef idx="minor">
+            <a:schemeClr val="lt1"/>
+          </a:fontRef>
+        </p:style>
+        <p:txBody>
+          <a:bodyPr rtlCol="0" anchor="ctr"/>
+          <a:lstStyle/>
+          <a:p>
+            <a:pPr algn="ctr"/>
+            <a:endParaRPr lang="es-CO"/>
+          </a:p>
+        </p:txBody>
+      </p:sp>
+      <p:sp>
+        <p:nvSpPr>
+          <p:cNvPr id="184" name="Elipse 183">
+            <a:extLst>
+              <a:ext uri="{FF2B5EF4-FFF2-40B4-BE49-F238E27FC236}">
+                <a16:creationId xmlns:a16="http://schemas.microsoft.com/office/drawing/2014/main" id="{458B1891-3779-4CC1-982D-6366EC2CA9FD}"/>
+              </a:ext>
+            </a:extLst>
+          </p:cNvPr>
+          <p:cNvSpPr/>
+          <p:nvPr/>
+        </p:nvSpPr>
+        <p:spPr>
+          <a:xfrm>
+            <a:off x="2684572" y="4113217"/>
+            <a:ext cx="128635" cy="112382"/>
+          </a:xfrm>
+          <a:prstGeom prst="ellipse">
+            <a:avLst/>
+          </a:prstGeom>
+          <a:solidFill>
+            <a:schemeClr val="bg1">
+              <a:lumMod val="85000"/>
+            </a:schemeClr>
+          </a:solidFill>
+          <a:ln>
+            <a:noFill/>
+          </a:ln>
+          <a:effectLst/>
+          <a:scene3d>
+            <a:camera prst="orthographicFront">
+              <a:rot lat="0" lon="0" rev="0"/>
+            </a:camera>
+            <a:lightRig rig="contrasting" dir="t">
+              <a:rot lat="0" lon="0" rev="7800000"/>
+            </a:lightRig>
+          </a:scene3d>
+          <a:sp3d>
+            <a:bevelT w="139700" h="139700"/>
+          </a:sp3d>
+        </p:spPr>
+        <p:style>
+          <a:lnRef idx="2">
+            <a:schemeClr val="accent1">
+              <a:shade val="50000"/>
+            </a:schemeClr>
+          </a:lnRef>
+          <a:fillRef idx="1">
+            <a:schemeClr val="accent1"/>
+          </a:fillRef>
+          <a:effectRef idx="0">
+            <a:schemeClr val="accent1"/>
+          </a:effectRef>
+          <a:fontRef idx="minor">
+            <a:schemeClr val="lt1"/>
+          </a:fontRef>
+        </p:style>
+        <p:txBody>
+          <a:bodyPr rtlCol="0" anchor="ctr"/>
+          <a:lstStyle/>
+          <a:p>
+            <a:pPr algn="ctr"/>
+            <a:endParaRPr lang="es-CO"/>
+          </a:p>
+        </p:txBody>
+      </p:sp>
+      <p:sp>
+        <p:nvSpPr>
+          <p:cNvPr id="186" name="Signo más 185">
+            <a:extLst>
+              <a:ext uri="{FF2B5EF4-FFF2-40B4-BE49-F238E27FC236}">
+                <a16:creationId xmlns:a16="http://schemas.microsoft.com/office/drawing/2014/main" id="{5AE47508-059C-4D39-86C1-20616CB59DE3}"/>
+              </a:ext>
+            </a:extLst>
+          </p:cNvPr>
+          <p:cNvSpPr/>
+          <p:nvPr/>
+        </p:nvSpPr>
+        <p:spPr>
+          <a:xfrm>
+            <a:off x="2679729" y="4113217"/>
+            <a:ext cx="138320" cy="122777"/>
+          </a:xfrm>
+          <a:prstGeom prst="mathPlus">
+            <a:avLst/>
+          </a:prstGeom>
+          <a:solidFill>
+            <a:schemeClr val="bg1">
+              <a:lumMod val="50000"/>
+            </a:schemeClr>
+          </a:solidFill>
+          <a:ln>
+            <a:noFill/>
+          </a:ln>
+          <a:effectLst>
+            <a:outerShdw blurRad="44450" dist="27940" dir="5400000" algn="ctr">
+              <a:srgbClr val="000000">
+                <a:alpha val="32000"/>
+              </a:srgbClr>
+            </a:outerShdw>
+          </a:effectLst>
+          <a:scene3d>
+            <a:camera prst="orthographicFront">
+              <a:rot lat="0" lon="0" rev="0"/>
+            </a:camera>
+            <a:lightRig rig="balanced" dir="t">
+              <a:rot lat="0" lon="0" rev="8700000"/>
+            </a:lightRig>
+          </a:scene3d>
+          <a:sp3d>
+            <a:bevelT w="190500" h="38100"/>
+          </a:sp3d>
+        </p:spPr>
+        <p:style>
+          <a:lnRef idx="2">
+            <a:schemeClr val="accent1">
+              <a:shade val="50000"/>
+            </a:schemeClr>
+          </a:lnRef>
+          <a:fillRef idx="1">
+            <a:schemeClr val="accent1"/>
+          </a:fillRef>
+          <a:effectRef idx="0">
+            <a:schemeClr val="accent1"/>
+          </a:effectRef>
+          <a:fontRef idx="minor">
+            <a:schemeClr val="lt1"/>
+          </a:fontRef>
+        </p:style>
+        <p:txBody>
+          <a:bodyPr rtlCol="0" anchor="ctr"/>
+          <a:lstStyle/>
+          <a:p>
+            <a:pPr algn="ctr"/>
+            <a:endParaRPr lang="es-CO"/>
+          </a:p>
+        </p:txBody>
+      </p:sp>
+      <p:sp>
+        <p:nvSpPr>
+          <p:cNvPr id="187" name="Elipse 186">
+            <a:extLst>
+              <a:ext uri="{FF2B5EF4-FFF2-40B4-BE49-F238E27FC236}">
+                <a16:creationId xmlns:a16="http://schemas.microsoft.com/office/drawing/2014/main" id="{28925997-104F-47FF-B3CD-434A209D4D5B}"/>
+              </a:ext>
+            </a:extLst>
+          </p:cNvPr>
+          <p:cNvSpPr/>
+          <p:nvPr/>
+        </p:nvSpPr>
+        <p:spPr>
+          <a:xfrm>
+            <a:off x="2604944" y="1204028"/>
+            <a:ext cx="279855" cy="261760"/>
+          </a:xfrm>
+          <a:prstGeom prst="ellipse">
+            <a:avLst/>
+          </a:prstGeom>
+          <a:solidFill>
+            <a:schemeClr val="bg2">
+              <a:lumMod val="10000"/>
+            </a:schemeClr>
+          </a:solidFill>
+          <a:ln>
+            <a:noFill/>
+          </a:ln>
+          <a:effectLst/>
+          <a:scene3d>
+            <a:camera prst="orthographicFront">
+              <a:rot lat="0" lon="0" rev="0"/>
+            </a:camera>
+            <a:lightRig rig="contrasting" dir="t">
+              <a:rot lat="0" lon="0" rev="7800000"/>
+            </a:lightRig>
+          </a:scene3d>
+          <a:sp3d>
+            <a:bevelT w="139700" h="139700"/>
+          </a:sp3d>
+        </p:spPr>
+        <p:style>
+          <a:lnRef idx="2">
+            <a:schemeClr val="accent1">
+              <a:shade val="50000"/>
+            </a:schemeClr>
+          </a:lnRef>
+          <a:fillRef idx="1">
+            <a:schemeClr val="accent1"/>
+          </a:fillRef>
+          <a:effectRef idx="0">
+            <a:schemeClr val="accent1"/>
+          </a:effectRef>
+          <a:fontRef idx="minor">
+            <a:schemeClr val="lt1"/>
+          </a:fontRef>
+        </p:style>
+        <p:txBody>
+          <a:bodyPr rtlCol="0" anchor="ctr"/>
+          <a:lstStyle/>
+          <a:p>
+            <a:pPr algn="ctr"/>
+            <a:endParaRPr lang="es-CO"/>
+          </a:p>
+        </p:txBody>
+      </p:sp>
+      <p:sp>
+        <p:nvSpPr>
+          <p:cNvPr id="188" name="Elipse 187">
+            <a:extLst>
+              <a:ext uri="{FF2B5EF4-FFF2-40B4-BE49-F238E27FC236}">
+                <a16:creationId xmlns:a16="http://schemas.microsoft.com/office/drawing/2014/main" id="{7D41382F-9890-4985-B6DB-8B5E0A140F6F}"/>
+              </a:ext>
+            </a:extLst>
+          </p:cNvPr>
+          <p:cNvSpPr/>
+          <p:nvPr/>
+        </p:nvSpPr>
+        <p:spPr>
+          <a:xfrm>
+            <a:off x="2640533" y="1231849"/>
+            <a:ext cx="217533" cy="201997"/>
+          </a:xfrm>
+          <a:prstGeom prst="ellipse">
+            <a:avLst/>
+          </a:prstGeom>
+          <a:solidFill>
+            <a:schemeClr val="tx1"/>
+          </a:solidFill>
+          <a:ln>
+            <a:noFill/>
+          </a:ln>
+          <a:effectLst/>
+          <a:scene3d>
+            <a:camera prst="orthographicFront">
+              <a:rot lat="0" lon="0" rev="0"/>
+            </a:camera>
+            <a:lightRig rig="contrasting" dir="t">
+              <a:rot lat="0" lon="0" rev="7800000"/>
+            </a:lightRig>
+          </a:scene3d>
+          <a:sp3d>
+            <a:bevelT w="139700" h="139700"/>
+          </a:sp3d>
+        </p:spPr>
+        <p:style>
+          <a:lnRef idx="2">
+            <a:schemeClr val="accent1">
+              <a:shade val="50000"/>
+            </a:schemeClr>
+          </a:lnRef>
+          <a:fillRef idx="1">
+            <a:schemeClr val="accent1"/>
+          </a:fillRef>
+          <a:effectRef idx="0">
+            <a:schemeClr val="accent1"/>
+          </a:effectRef>
+          <a:fontRef idx="minor">
+            <a:schemeClr val="lt1"/>
+          </a:fontRef>
+        </p:style>
+        <p:txBody>
+          <a:bodyPr rtlCol="0" anchor="ctr"/>
+          <a:lstStyle/>
+          <a:p>
+            <a:pPr algn="ctr"/>
+            <a:endParaRPr lang="es-CO"/>
+          </a:p>
+        </p:txBody>
+      </p:sp>
+      <p:sp>
+        <p:nvSpPr>
+          <p:cNvPr id="189" name="Elipse 188">
+            <a:extLst>
+              <a:ext uri="{FF2B5EF4-FFF2-40B4-BE49-F238E27FC236}">
+                <a16:creationId xmlns:a16="http://schemas.microsoft.com/office/drawing/2014/main" id="{BA83D826-2BA3-4EAB-A4E8-577D8C369FE3}"/>
+              </a:ext>
+            </a:extLst>
+          </p:cNvPr>
+          <p:cNvSpPr/>
+          <p:nvPr/>
+        </p:nvSpPr>
+        <p:spPr>
+          <a:xfrm>
+            <a:off x="2678474" y="1255949"/>
+            <a:ext cx="144185" cy="142422"/>
+          </a:xfrm>
+          <a:prstGeom prst="ellipse">
+            <a:avLst/>
+          </a:prstGeom>
+          <a:solidFill>
+            <a:schemeClr val="bg1">
+              <a:lumMod val="50000"/>
+            </a:schemeClr>
+          </a:solidFill>
+          <a:ln>
+            <a:noFill/>
+          </a:ln>
+          <a:effectLst/>
+          <a:scene3d>
+            <a:camera prst="orthographicFront">
+              <a:rot lat="0" lon="0" rev="0"/>
+            </a:camera>
+            <a:lightRig rig="contrasting" dir="t">
+              <a:rot lat="0" lon="0" rev="7800000"/>
+            </a:lightRig>
+          </a:scene3d>
+          <a:sp3d>
+            <a:bevelT w="139700" h="139700"/>
+          </a:sp3d>
+        </p:spPr>
+        <p:style>
+          <a:lnRef idx="2">
+            <a:schemeClr val="accent1">
+              <a:shade val="50000"/>
+            </a:schemeClr>
+          </a:lnRef>
+          <a:fillRef idx="1">
+            <a:schemeClr val="accent1"/>
+          </a:fillRef>
+          <a:effectRef idx="0">
+            <a:schemeClr val="accent1"/>
+          </a:effectRef>
+          <a:fontRef idx="minor">
+            <a:schemeClr val="lt1"/>
+          </a:fontRef>
+        </p:style>
+        <p:txBody>
+          <a:bodyPr rtlCol="0" anchor="ctr"/>
+          <a:lstStyle/>
+          <a:p>
+            <a:pPr algn="ctr"/>
+            <a:endParaRPr lang="es-CO"/>
+          </a:p>
+        </p:txBody>
+      </p:sp>
+      <p:sp>
+        <p:nvSpPr>
+          <p:cNvPr id="190" name="Elipse 189">
+            <a:extLst>
+              <a:ext uri="{FF2B5EF4-FFF2-40B4-BE49-F238E27FC236}">
+                <a16:creationId xmlns:a16="http://schemas.microsoft.com/office/drawing/2014/main" id="{BE157BD8-5AD0-4AA1-A75C-3EF588C52DD6}"/>
+              </a:ext>
+            </a:extLst>
+          </p:cNvPr>
+          <p:cNvSpPr/>
+          <p:nvPr/>
+        </p:nvSpPr>
+        <p:spPr>
+          <a:xfrm>
+            <a:off x="2686877" y="1270697"/>
+            <a:ext cx="128635" cy="112382"/>
+          </a:xfrm>
+          <a:prstGeom prst="ellipse">
+            <a:avLst/>
+          </a:prstGeom>
+          <a:solidFill>
+            <a:schemeClr val="bg1">
+              <a:lumMod val="85000"/>
+            </a:schemeClr>
+          </a:solidFill>
+          <a:ln>
+            <a:noFill/>
+          </a:ln>
+          <a:effectLst/>
+          <a:scene3d>
+            <a:camera prst="orthographicFront">
+              <a:rot lat="0" lon="0" rev="0"/>
+            </a:camera>
+            <a:lightRig rig="contrasting" dir="t">
+              <a:rot lat="0" lon="0" rev="7800000"/>
+            </a:lightRig>
+          </a:scene3d>
+          <a:sp3d>
+            <a:bevelT w="139700" h="139700"/>
+          </a:sp3d>
+        </p:spPr>
+        <p:style>
+          <a:lnRef idx="2">
+            <a:schemeClr val="accent1">
+              <a:shade val="50000"/>
+            </a:schemeClr>
+          </a:lnRef>
+          <a:fillRef idx="1">
+            <a:schemeClr val="accent1"/>
+          </a:fillRef>
+          <a:effectRef idx="0">
+            <a:schemeClr val="accent1"/>
+          </a:effectRef>
+          <a:fontRef idx="minor">
+            <a:schemeClr val="lt1"/>
+          </a:fontRef>
+        </p:style>
+        <p:txBody>
+          <a:bodyPr rtlCol="0" anchor="ctr"/>
+          <a:lstStyle/>
+          <a:p>
+            <a:pPr algn="ctr"/>
+            <a:endParaRPr lang="es-CO"/>
+          </a:p>
+        </p:txBody>
+      </p:sp>
+      <p:sp>
+        <p:nvSpPr>
+          <p:cNvPr id="191" name="Signo más 190">
+            <a:extLst>
+              <a:ext uri="{FF2B5EF4-FFF2-40B4-BE49-F238E27FC236}">
+                <a16:creationId xmlns:a16="http://schemas.microsoft.com/office/drawing/2014/main" id="{AD135D17-2E63-4F07-BB32-73FEC6E6587C}"/>
+              </a:ext>
+            </a:extLst>
+          </p:cNvPr>
+          <p:cNvSpPr/>
+          <p:nvPr/>
+        </p:nvSpPr>
+        <p:spPr>
+          <a:xfrm>
+            <a:off x="2682034" y="1270697"/>
+            <a:ext cx="138320" cy="122777"/>
+          </a:xfrm>
+          <a:prstGeom prst="mathPlus">
+            <a:avLst/>
+          </a:prstGeom>
+          <a:solidFill>
+            <a:schemeClr val="bg1">
+              <a:lumMod val="50000"/>
+            </a:schemeClr>
+          </a:solidFill>
+          <a:ln>
+            <a:noFill/>
+          </a:ln>
+          <a:effectLst>
+            <a:outerShdw blurRad="44450" dist="27940" dir="5400000" algn="ctr">
+              <a:srgbClr val="000000">
+                <a:alpha val="32000"/>
+              </a:srgbClr>
+            </a:outerShdw>
+          </a:effectLst>
+          <a:scene3d>
+            <a:camera prst="orthographicFront">
+              <a:rot lat="0" lon="0" rev="0"/>
+            </a:camera>
+            <a:lightRig rig="balanced" dir="t">
+              <a:rot lat="0" lon="0" rev="8700000"/>
+            </a:lightRig>
+          </a:scene3d>
+          <a:sp3d>
+            <a:bevelT w="190500" h="38100"/>
+          </a:sp3d>
+        </p:spPr>
+        <p:style>
+          <a:lnRef idx="2">
+            <a:schemeClr val="accent1">
+              <a:shade val="50000"/>
+            </a:schemeClr>
+          </a:lnRef>
+          <a:fillRef idx="1">
+            <a:schemeClr val="accent1"/>
+          </a:fillRef>
+          <a:effectRef idx="0">
+            <a:schemeClr val="accent1"/>
+          </a:effectRef>
+          <a:fontRef idx="minor">
+            <a:schemeClr val="lt1"/>
+          </a:fontRef>
+        </p:style>
+        <p:txBody>
+          <a:bodyPr rtlCol="0" anchor="ctr"/>
+          <a:lstStyle/>
+          <a:p>
+            <a:pPr algn="ctr"/>
+            <a:endParaRPr lang="es-CO"/>
+          </a:p>
+        </p:txBody>
+      </p:sp>
+      <p:sp>
+        <p:nvSpPr>
+          <p:cNvPr id="265" name="Rectángulo: esquinas redondeadas 264">
+            <a:extLst>
+              <a:ext uri="{FF2B5EF4-FFF2-40B4-BE49-F238E27FC236}">
+                <a16:creationId xmlns:a16="http://schemas.microsoft.com/office/drawing/2014/main" id="{D3285C25-6DF7-4C04-8872-49D9C54A1BCF}"/>
+              </a:ext>
+            </a:extLst>
+          </p:cNvPr>
+          <p:cNvSpPr/>
+          <p:nvPr/>
+        </p:nvSpPr>
+        <p:spPr>
+          <a:xfrm>
+            <a:off x="3732405" y="2422129"/>
+            <a:ext cx="3220027" cy="103219"/>
+          </a:xfrm>
+          <a:prstGeom prst="roundRect">
+            <a:avLst/>
+          </a:prstGeom>
+          <a:solidFill>
+            <a:schemeClr val="bg2">
+              <a:lumMod val="10000"/>
+            </a:schemeClr>
+          </a:solidFill>
+          <a:ln>
+            <a:noFill/>
+          </a:ln>
+          <a:effectLst/>
+          <a:scene3d>
+            <a:camera prst="orthographicFront">
+              <a:rot lat="0" lon="0" rev="0"/>
+            </a:camera>
+            <a:lightRig rig="contrasting" dir="t">
+              <a:rot lat="0" lon="0" rev="7800000"/>
+            </a:lightRig>
+          </a:scene3d>
+          <a:sp3d>
+            <a:bevelT w="139700" h="139700"/>
+          </a:sp3d>
+        </p:spPr>
+        <p:style>
+          <a:lnRef idx="2">
+            <a:schemeClr val="accent1">
+              <a:shade val="50000"/>
+            </a:schemeClr>
+          </a:lnRef>
+          <a:fillRef idx="1">
+            <a:schemeClr val="accent1"/>
+          </a:fillRef>
+          <a:effectRef idx="0">
+            <a:schemeClr val="accent1"/>
+          </a:effectRef>
+          <a:fontRef idx="minor">
+            <a:schemeClr val="lt1"/>
+          </a:fontRef>
+        </p:style>
+        <p:txBody>
+          <a:bodyPr rtlCol="0" anchor="ctr"/>
+          <a:lstStyle/>
+          <a:p>
+            <a:pPr algn="ctr"/>
+            <a:endParaRPr lang="es-CO"/>
+          </a:p>
+        </p:txBody>
+      </p:sp>
+      <p:sp>
+        <p:nvSpPr>
+          <p:cNvPr id="266" name="Rectángulo: esquinas redondeadas 265">
+            <a:extLst>
+              <a:ext uri="{FF2B5EF4-FFF2-40B4-BE49-F238E27FC236}">
+                <a16:creationId xmlns:a16="http://schemas.microsoft.com/office/drawing/2014/main" id="{FDAF69F2-DA8C-47AE-9B0C-D078E740034A}"/>
+              </a:ext>
+            </a:extLst>
+          </p:cNvPr>
+          <p:cNvSpPr/>
+          <p:nvPr/>
+        </p:nvSpPr>
+        <p:spPr>
+          <a:xfrm>
+            <a:off x="3752487" y="2444686"/>
+            <a:ext cx="3190420" cy="45719"/>
+          </a:xfrm>
+          <a:prstGeom prst="roundRect">
+            <a:avLst/>
+          </a:prstGeom>
+          <a:solidFill>
+            <a:schemeClr val="tx1"/>
+          </a:solidFill>
+          <a:ln>
+            <a:noFill/>
+          </a:ln>
+          <a:effectLst/>
+        </p:spPr>
+        <p:style>
+          <a:lnRef idx="2">
+            <a:schemeClr val="accent1">
+              <a:shade val="50000"/>
+            </a:schemeClr>
+          </a:lnRef>
+          <a:fillRef idx="1">
+            <a:schemeClr val="accent1"/>
+          </a:fillRef>
+          <a:effectRef idx="0">
+            <a:schemeClr val="accent1"/>
+          </a:effectRef>
+          <a:fontRef idx="minor">
+            <a:schemeClr val="lt1"/>
+          </a:fontRef>
+        </p:style>
+        <p:txBody>
+          <a:bodyPr rtlCol="0" anchor="ctr"/>
+          <a:lstStyle/>
+          <a:p>
+            <a:pPr algn="ctr"/>
+            <a:endParaRPr lang="es-CO"/>
+          </a:p>
+        </p:txBody>
+      </p:sp>
+      <p:sp>
+        <p:nvSpPr>
+          <p:cNvPr id="267" name="Rectángulo: esquinas redondeadas 266">
+            <a:extLst>
+              <a:ext uri="{FF2B5EF4-FFF2-40B4-BE49-F238E27FC236}">
+                <a16:creationId xmlns:a16="http://schemas.microsoft.com/office/drawing/2014/main" id="{B9D70F2E-A3D4-48E3-849A-90D0CCCA416A}"/>
+              </a:ext>
+            </a:extLst>
+          </p:cNvPr>
+          <p:cNvSpPr/>
+          <p:nvPr/>
+        </p:nvSpPr>
+        <p:spPr>
+          <a:xfrm>
+            <a:off x="3721908" y="2555172"/>
+            <a:ext cx="3220027" cy="103219"/>
+          </a:xfrm>
+          <a:prstGeom prst="roundRect">
+            <a:avLst/>
+          </a:prstGeom>
+          <a:solidFill>
+            <a:schemeClr val="bg2">
+              <a:lumMod val="10000"/>
+            </a:schemeClr>
+          </a:solidFill>
+          <a:ln>
+            <a:noFill/>
+          </a:ln>
+          <a:effectLst/>
+          <a:scene3d>
+            <a:camera prst="orthographicFront">
+              <a:rot lat="0" lon="0" rev="0"/>
+            </a:camera>
+            <a:lightRig rig="contrasting" dir="t">
+              <a:rot lat="0" lon="0" rev="7800000"/>
+            </a:lightRig>
+          </a:scene3d>
+          <a:sp3d>
+            <a:bevelT w="139700" h="139700"/>
+          </a:sp3d>
+        </p:spPr>
+        <p:style>
+          <a:lnRef idx="2">
+            <a:schemeClr val="accent1">
+              <a:shade val="50000"/>
+            </a:schemeClr>
+          </a:lnRef>
+          <a:fillRef idx="1">
+            <a:schemeClr val="accent1"/>
+          </a:fillRef>
+          <a:effectRef idx="0">
+            <a:schemeClr val="accent1"/>
+          </a:effectRef>
+          <a:fontRef idx="minor">
+            <a:schemeClr val="lt1"/>
+          </a:fontRef>
+        </p:style>
+        <p:txBody>
+          <a:bodyPr rtlCol="0" anchor="ctr"/>
+          <a:lstStyle/>
+          <a:p>
+            <a:pPr algn="ctr"/>
+            <a:endParaRPr lang="es-CO"/>
+          </a:p>
+        </p:txBody>
+      </p:sp>
+      <p:sp>
+        <p:nvSpPr>
+          <p:cNvPr id="268" name="Rectángulo: esquinas redondeadas 267">
+            <a:extLst>
+              <a:ext uri="{FF2B5EF4-FFF2-40B4-BE49-F238E27FC236}">
+                <a16:creationId xmlns:a16="http://schemas.microsoft.com/office/drawing/2014/main" id="{52EE674D-60F1-4B85-9523-FD60A0691687}"/>
+              </a:ext>
+            </a:extLst>
+          </p:cNvPr>
+          <p:cNvSpPr/>
+          <p:nvPr/>
+        </p:nvSpPr>
+        <p:spPr>
+          <a:xfrm>
+            <a:off x="3741990" y="2577729"/>
+            <a:ext cx="3190420" cy="45719"/>
+          </a:xfrm>
+          <a:prstGeom prst="roundRect">
+            <a:avLst/>
+          </a:prstGeom>
+          <a:solidFill>
+            <a:schemeClr val="tx1"/>
+          </a:solidFill>
+          <a:ln>
+            <a:noFill/>
+          </a:ln>
+          <a:effectLst/>
+        </p:spPr>
+        <p:style>
+          <a:lnRef idx="2">
+            <a:schemeClr val="accent1">
+              <a:shade val="50000"/>
+            </a:schemeClr>
+          </a:lnRef>
+          <a:fillRef idx="1">
+            <a:schemeClr val="accent1"/>
+          </a:fillRef>
+          <a:effectRef idx="0">
+            <a:schemeClr val="accent1"/>
+          </a:effectRef>
+          <a:fontRef idx="minor">
+            <a:schemeClr val="lt1"/>
+          </a:fontRef>
+        </p:style>
+        <p:txBody>
+          <a:bodyPr rtlCol="0" anchor="ctr"/>
+          <a:lstStyle/>
+          <a:p>
+            <a:pPr algn="ctr"/>
+            <a:endParaRPr lang="es-CO"/>
+          </a:p>
+        </p:txBody>
+      </p:sp>
+      <p:sp>
+        <p:nvSpPr>
+          <p:cNvPr id="269" name="Rectángulo: esquinas redondeadas 268">
+            <a:extLst>
+              <a:ext uri="{FF2B5EF4-FFF2-40B4-BE49-F238E27FC236}">
+                <a16:creationId xmlns:a16="http://schemas.microsoft.com/office/drawing/2014/main" id="{E9EC839A-9039-4AB0-A4AD-41169A2E39F8}"/>
+              </a:ext>
+            </a:extLst>
+          </p:cNvPr>
+          <p:cNvSpPr/>
+          <p:nvPr/>
+        </p:nvSpPr>
+        <p:spPr>
+          <a:xfrm>
+            <a:off x="3732405" y="2697998"/>
+            <a:ext cx="3220027" cy="103219"/>
+          </a:xfrm>
+          <a:prstGeom prst="roundRect">
+            <a:avLst/>
+          </a:prstGeom>
+          <a:solidFill>
+            <a:schemeClr val="bg2">
+              <a:lumMod val="10000"/>
+            </a:schemeClr>
+          </a:solidFill>
+          <a:ln>
+            <a:noFill/>
+          </a:ln>
+          <a:effectLst/>
+          <a:scene3d>
+            <a:camera prst="orthographicFront">
+              <a:rot lat="0" lon="0" rev="0"/>
+            </a:camera>
+            <a:lightRig rig="contrasting" dir="t">
+              <a:rot lat="0" lon="0" rev="7800000"/>
+            </a:lightRig>
+          </a:scene3d>
+          <a:sp3d>
+            <a:bevelT w="139700" h="139700"/>
+          </a:sp3d>
+        </p:spPr>
+        <p:style>
+          <a:lnRef idx="2">
+            <a:schemeClr val="accent1">
+              <a:shade val="50000"/>
+            </a:schemeClr>
+          </a:lnRef>
+          <a:fillRef idx="1">
+            <a:schemeClr val="accent1"/>
+          </a:fillRef>
+          <a:effectRef idx="0">
+            <a:schemeClr val="accent1"/>
+          </a:effectRef>
+          <a:fontRef idx="minor">
+            <a:schemeClr val="lt1"/>
+          </a:fontRef>
+        </p:style>
+        <p:txBody>
+          <a:bodyPr rtlCol="0" anchor="ctr"/>
+          <a:lstStyle/>
+          <a:p>
+            <a:pPr algn="ctr"/>
+            <a:endParaRPr lang="es-CO"/>
+          </a:p>
+        </p:txBody>
+      </p:sp>
+      <p:sp>
+        <p:nvSpPr>
+          <p:cNvPr id="280" name="Rectángulo: esquinas redondeadas 279">
+            <a:extLst>
+              <a:ext uri="{FF2B5EF4-FFF2-40B4-BE49-F238E27FC236}">
+                <a16:creationId xmlns:a16="http://schemas.microsoft.com/office/drawing/2014/main" id="{106B2326-FD88-4FD1-94F9-EB62AC606D8C}"/>
+              </a:ext>
+            </a:extLst>
+          </p:cNvPr>
+          <p:cNvSpPr/>
+          <p:nvPr/>
+        </p:nvSpPr>
+        <p:spPr>
+          <a:xfrm>
+            <a:off x="3752487" y="2720555"/>
+            <a:ext cx="3190420" cy="45719"/>
+          </a:xfrm>
+          <a:prstGeom prst="roundRect">
+            <a:avLst/>
+          </a:prstGeom>
+          <a:solidFill>
+            <a:schemeClr val="tx1"/>
+          </a:solidFill>
+          <a:ln>
+            <a:noFill/>
+          </a:ln>
+          <a:effectLst/>
+        </p:spPr>
+        <p:style>
+          <a:lnRef idx="2">
+            <a:schemeClr val="accent1">
+              <a:shade val="50000"/>
+            </a:schemeClr>
+          </a:lnRef>
+          <a:fillRef idx="1">
+            <a:schemeClr val="accent1"/>
+          </a:fillRef>
+          <a:effectRef idx="0">
+            <a:schemeClr val="accent1"/>
+          </a:effectRef>
+          <a:fontRef idx="minor">
+            <a:schemeClr val="lt1"/>
+          </a:fontRef>
+        </p:style>
+        <p:txBody>
+          <a:bodyPr rtlCol="0" anchor="ctr"/>
+          <a:lstStyle/>
+          <a:p>
+            <a:pPr algn="ctr"/>
+            <a:endParaRPr lang="es-CO"/>
+          </a:p>
+        </p:txBody>
+      </p:sp>
+      <p:sp>
+        <p:nvSpPr>
+          <p:cNvPr id="281" name="Rectángulo: esquinas redondeadas 280">
+            <a:extLst>
+              <a:ext uri="{FF2B5EF4-FFF2-40B4-BE49-F238E27FC236}">
+                <a16:creationId xmlns:a16="http://schemas.microsoft.com/office/drawing/2014/main" id="{2E730ADD-62F0-4B45-B986-9A53BD15C6DD}"/>
+              </a:ext>
+            </a:extLst>
+          </p:cNvPr>
+          <p:cNvSpPr/>
+          <p:nvPr/>
+        </p:nvSpPr>
+        <p:spPr>
+          <a:xfrm>
+            <a:off x="3732405" y="2831133"/>
+            <a:ext cx="3220027" cy="103219"/>
+          </a:xfrm>
+          <a:prstGeom prst="roundRect">
+            <a:avLst/>
+          </a:prstGeom>
+          <a:solidFill>
+            <a:schemeClr val="bg2">
+              <a:lumMod val="10000"/>
+            </a:schemeClr>
+          </a:solidFill>
+          <a:ln>
+            <a:noFill/>
+          </a:ln>
+          <a:effectLst/>
+          <a:scene3d>
+            <a:camera prst="orthographicFront">
+              <a:rot lat="0" lon="0" rev="0"/>
+            </a:camera>
+            <a:lightRig rig="contrasting" dir="t">
+              <a:rot lat="0" lon="0" rev="7800000"/>
+            </a:lightRig>
+          </a:scene3d>
+          <a:sp3d>
+            <a:bevelT w="139700" h="139700"/>
+          </a:sp3d>
+        </p:spPr>
+        <p:style>
+          <a:lnRef idx="2">
+            <a:schemeClr val="accent1">
+              <a:shade val="50000"/>
+            </a:schemeClr>
+          </a:lnRef>
+          <a:fillRef idx="1">
+            <a:schemeClr val="accent1"/>
+          </a:fillRef>
+          <a:effectRef idx="0">
+            <a:schemeClr val="accent1"/>
+          </a:effectRef>
+          <a:fontRef idx="minor">
+            <a:schemeClr val="lt1"/>
+          </a:fontRef>
+        </p:style>
+        <p:txBody>
+          <a:bodyPr rtlCol="0" anchor="ctr"/>
+          <a:lstStyle/>
+          <a:p>
+            <a:pPr algn="ctr"/>
+            <a:endParaRPr lang="es-CO"/>
+          </a:p>
+        </p:txBody>
+      </p:sp>
+      <p:sp>
+        <p:nvSpPr>
+          <p:cNvPr id="282" name="Rectángulo: esquinas redondeadas 281">
+            <a:extLst>
+              <a:ext uri="{FF2B5EF4-FFF2-40B4-BE49-F238E27FC236}">
+                <a16:creationId xmlns:a16="http://schemas.microsoft.com/office/drawing/2014/main" id="{96B5DEE7-BCDB-40AE-8C58-2BC94FF3DF73}"/>
+              </a:ext>
+            </a:extLst>
+          </p:cNvPr>
+          <p:cNvSpPr/>
+          <p:nvPr/>
+        </p:nvSpPr>
+        <p:spPr>
+          <a:xfrm>
+            <a:off x="3752487" y="2853690"/>
+            <a:ext cx="3190420" cy="45719"/>
+          </a:xfrm>
+          <a:prstGeom prst="roundRect">
+            <a:avLst/>
+          </a:prstGeom>
+          <a:solidFill>
+            <a:schemeClr val="tx1"/>
+          </a:solidFill>
+          <a:ln>
+            <a:noFill/>
+          </a:ln>
+          <a:effectLst/>
+        </p:spPr>
+        <p:style>
+          <a:lnRef idx="2">
+            <a:schemeClr val="accent1">
+              <a:shade val="50000"/>
+            </a:schemeClr>
+          </a:lnRef>
+          <a:fillRef idx="1">
+            <a:schemeClr val="accent1"/>
+          </a:fillRef>
+          <a:effectRef idx="0">
+            <a:schemeClr val="accent1"/>
+          </a:effectRef>
+          <a:fontRef idx="minor">
+            <a:schemeClr val="lt1"/>
+          </a:fontRef>
+        </p:style>
+        <p:txBody>
+          <a:bodyPr rtlCol="0" anchor="ctr"/>
+          <a:lstStyle/>
+          <a:p>
+            <a:pPr algn="ctr"/>
+            <a:endParaRPr lang="es-CO"/>
+          </a:p>
+        </p:txBody>
+      </p:sp>
+      <p:sp>
+        <p:nvSpPr>
+          <p:cNvPr id="285" name="Rectángulo: esquinas redondeadas 284">
+            <a:extLst>
+              <a:ext uri="{FF2B5EF4-FFF2-40B4-BE49-F238E27FC236}">
+                <a16:creationId xmlns:a16="http://schemas.microsoft.com/office/drawing/2014/main" id="{2606352E-DC0F-49C5-BDFB-067C6E03BCF8}"/>
+              </a:ext>
+            </a:extLst>
+          </p:cNvPr>
+          <p:cNvSpPr/>
+          <p:nvPr/>
+        </p:nvSpPr>
+        <p:spPr>
+          <a:xfrm>
+            <a:off x="3732405" y="2973612"/>
+            <a:ext cx="3220027" cy="103219"/>
+          </a:xfrm>
+          <a:prstGeom prst="roundRect">
+            <a:avLst/>
+          </a:prstGeom>
+          <a:solidFill>
+            <a:schemeClr val="bg2">
+              <a:lumMod val="10000"/>
+            </a:schemeClr>
+          </a:solidFill>
+          <a:ln>
+            <a:noFill/>
+          </a:ln>
+          <a:effectLst/>
+          <a:scene3d>
+            <a:camera prst="orthographicFront">
+              <a:rot lat="0" lon="0" rev="0"/>
+            </a:camera>
+            <a:lightRig rig="contrasting" dir="t">
+              <a:rot lat="0" lon="0" rev="7800000"/>
+            </a:lightRig>
+          </a:scene3d>
+          <a:sp3d>
+            <a:bevelT w="139700" h="139700"/>
+          </a:sp3d>
+        </p:spPr>
+        <p:style>
+          <a:lnRef idx="2">
+            <a:schemeClr val="accent1">
+              <a:shade val="50000"/>
+            </a:schemeClr>
+          </a:lnRef>
+          <a:fillRef idx="1">
+            <a:schemeClr val="accent1"/>
+          </a:fillRef>
+          <a:effectRef idx="0">
+            <a:schemeClr val="accent1"/>
+          </a:effectRef>
+          <a:fontRef idx="minor">
+            <a:schemeClr val="lt1"/>
+          </a:fontRef>
+        </p:style>
+        <p:txBody>
+          <a:bodyPr rtlCol="0" anchor="ctr"/>
+          <a:lstStyle/>
+          <a:p>
+            <a:pPr algn="ctr"/>
+            <a:endParaRPr lang="es-CO"/>
+          </a:p>
+        </p:txBody>
+      </p:sp>
+      <p:sp>
+        <p:nvSpPr>
+          <p:cNvPr id="286" name="Rectángulo: esquinas redondeadas 285">
+            <a:extLst>
+              <a:ext uri="{FF2B5EF4-FFF2-40B4-BE49-F238E27FC236}">
+                <a16:creationId xmlns:a16="http://schemas.microsoft.com/office/drawing/2014/main" id="{9BBEF56F-E7E1-4419-9E79-C0199D6209C6}"/>
+              </a:ext>
+            </a:extLst>
+          </p:cNvPr>
+          <p:cNvSpPr/>
+          <p:nvPr/>
+        </p:nvSpPr>
+        <p:spPr>
+          <a:xfrm>
+            <a:off x="3752487" y="2996169"/>
+            <a:ext cx="3190420" cy="45719"/>
+          </a:xfrm>
+          <a:prstGeom prst="roundRect">
+            <a:avLst/>
+          </a:prstGeom>
+          <a:solidFill>
+            <a:schemeClr val="tx1"/>
+          </a:solidFill>
+          <a:ln>
+            <a:noFill/>
+          </a:ln>
+          <a:effectLst/>
+        </p:spPr>
+        <p:style>
+          <a:lnRef idx="2">
+            <a:schemeClr val="accent1">
+              <a:shade val="50000"/>
+            </a:schemeClr>
+          </a:lnRef>
+          <a:fillRef idx="1">
+            <a:schemeClr val="accent1"/>
+          </a:fillRef>
+          <a:effectRef idx="0">
+            <a:schemeClr val="accent1"/>
+          </a:effectRef>
+          <a:fontRef idx="minor">
+            <a:schemeClr val="lt1"/>
+          </a:fontRef>
+        </p:style>
+        <p:txBody>
+          <a:bodyPr rtlCol="0" anchor="ctr"/>
+          <a:lstStyle/>
+          <a:p>
+            <a:pPr algn="ctr"/>
+            <a:endParaRPr lang="es-CO"/>
+          </a:p>
+        </p:txBody>
+      </p:sp>
+      <p:sp>
+        <p:nvSpPr>
+          <p:cNvPr id="287" name="Rectángulo: esquinas redondeadas 286">
+            <a:extLst>
+              <a:ext uri="{FF2B5EF4-FFF2-40B4-BE49-F238E27FC236}">
+                <a16:creationId xmlns:a16="http://schemas.microsoft.com/office/drawing/2014/main" id="{444B92CB-B612-4651-9E51-EE506A67A0C6}"/>
+              </a:ext>
+            </a:extLst>
+          </p:cNvPr>
+          <p:cNvSpPr/>
+          <p:nvPr/>
+        </p:nvSpPr>
+        <p:spPr>
+          <a:xfrm>
+            <a:off x="3722128" y="3098590"/>
+            <a:ext cx="3220027" cy="103219"/>
+          </a:xfrm>
+          <a:prstGeom prst="roundRect">
+            <a:avLst/>
+          </a:prstGeom>
+          <a:solidFill>
+            <a:schemeClr val="bg2">
+              <a:lumMod val="10000"/>
+            </a:schemeClr>
+          </a:solidFill>
+          <a:ln>
+            <a:noFill/>
+          </a:ln>
+          <a:effectLst/>
+          <a:scene3d>
+            <a:camera prst="orthographicFront">
+              <a:rot lat="0" lon="0" rev="0"/>
+            </a:camera>
+            <a:lightRig rig="contrasting" dir="t">
+              <a:rot lat="0" lon="0" rev="7800000"/>
+            </a:lightRig>
+          </a:scene3d>
+          <a:sp3d>
+            <a:bevelT w="139700" h="139700"/>
+          </a:sp3d>
+        </p:spPr>
+        <p:style>
+          <a:lnRef idx="2">
+            <a:schemeClr val="accent1">
+              <a:shade val="50000"/>
+            </a:schemeClr>
+          </a:lnRef>
+          <a:fillRef idx="1">
+            <a:schemeClr val="accent1"/>
+          </a:fillRef>
+          <a:effectRef idx="0">
+            <a:schemeClr val="accent1"/>
+          </a:effectRef>
+          <a:fontRef idx="minor">
+            <a:schemeClr val="lt1"/>
+          </a:fontRef>
+        </p:style>
+        <p:txBody>
+          <a:bodyPr rtlCol="0" anchor="ctr"/>
+          <a:lstStyle/>
+          <a:p>
+            <a:pPr algn="ctr"/>
+            <a:endParaRPr lang="es-CO"/>
+          </a:p>
+        </p:txBody>
+      </p:sp>
+      <p:sp>
+        <p:nvSpPr>
+          <p:cNvPr id="288" name="Rectángulo: esquinas redondeadas 287">
+            <a:extLst>
+              <a:ext uri="{FF2B5EF4-FFF2-40B4-BE49-F238E27FC236}">
+                <a16:creationId xmlns:a16="http://schemas.microsoft.com/office/drawing/2014/main" id="{2CA1F8D5-5E4B-4433-A17A-ECA9E023CF5D}"/>
+              </a:ext>
+            </a:extLst>
+          </p:cNvPr>
+          <p:cNvSpPr/>
+          <p:nvPr/>
+        </p:nvSpPr>
+        <p:spPr>
+          <a:xfrm>
+            <a:off x="3742210" y="3121147"/>
+            <a:ext cx="3190420" cy="45719"/>
+          </a:xfrm>
+          <a:prstGeom prst="roundRect">
+            <a:avLst/>
+          </a:prstGeom>
+          <a:solidFill>
+            <a:schemeClr val="tx1"/>
+          </a:solidFill>
+          <a:ln>
+            <a:noFill/>
+          </a:ln>
+          <a:effectLst/>
+        </p:spPr>
+        <p:style>
+          <a:lnRef idx="2">
+            <a:schemeClr val="accent1">
+              <a:shade val="50000"/>
+            </a:schemeClr>
+          </a:lnRef>
+          <a:fillRef idx="1">
+            <a:schemeClr val="accent1"/>
+          </a:fillRef>
+          <a:effectRef idx="0">
+            <a:schemeClr val="accent1"/>
+          </a:effectRef>
+          <a:fontRef idx="minor">
+            <a:schemeClr val="lt1"/>
+          </a:fontRef>
+        </p:style>
+        <p:txBody>
+          <a:bodyPr rtlCol="0" anchor="ctr"/>
+          <a:lstStyle/>
+          <a:p>
+            <a:pPr algn="ctr"/>
+            <a:endParaRPr lang="es-CO"/>
+          </a:p>
+        </p:txBody>
+      </p:sp>
     </p:spTree>
     <p:extLst>
       <p:ext uri="{BB962C8B-B14F-4D97-AF65-F5344CB8AC3E}">
         <p14:creationId xmlns:p14="http://schemas.microsoft.com/office/powerpoint/2010/main" val="2907180430"/>
+      </p:ext>
+    </p:extLst>
+  </p:cSld>
+  <p:clrMapOvr>
+    <a:masterClrMapping/>
+  </p:clrMapOvr>
+</p:sld>
+</file>
+
+<file path=ppt/slides/slide3.xml><?xml version="1.0" encoding="utf-8"?>
+<p:sld xmlns:a="http://schemas.openxmlformats.org/drawingml/2006/main" xmlns:r="http://schemas.openxmlformats.org/officeDocument/2006/relationships" xmlns:p="http://schemas.openxmlformats.org/presentationml/2006/main">
+  <p:cSld>
+    <p:spTree>
+      <p:nvGrpSpPr>
+        <p:cNvPr id="1" name=""/>
+        <p:cNvGrpSpPr/>
+        <p:nvPr/>
+      </p:nvGrpSpPr>
+      <p:grpSpPr>
+        <a:xfrm>
+          <a:off x="0" y="0"/>
+          <a:ext cx="0" cy="0"/>
+          <a:chOff x="0" y="0"/>
+          <a:chExt cx="0" cy="0"/>
+        </a:xfrm>
+      </p:grpSpPr>
+      <p:sp>
+        <p:nvSpPr>
+          <p:cNvPr id="12" name="Rectángulo 11">
+            <a:extLst>
+              <a:ext uri="{FF2B5EF4-FFF2-40B4-BE49-F238E27FC236}">
+                <a16:creationId xmlns:a16="http://schemas.microsoft.com/office/drawing/2014/main" id="{4DE6F12B-BD38-4145-AF20-08B693FCAC89}"/>
+              </a:ext>
+            </a:extLst>
+          </p:cNvPr>
+          <p:cNvSpPr/>
+          <p:nvPr/>
+        </p:nvSpPr>
+        <p:spPr>
+          <a:xfrm>
+            <a:off x="5828810" y="839206"/>
+            <a:ext cx="209550" cy="2600325"/>
+          </a:xfrm>
+          <a:prstGeom prst="rect">
+            <a:avLst/>
+          </a:prstGeom>
+          <a:solidFill>
+            <a:schemeClr val="tx1">
+              <a:lumMod val="85000"/>
+              <a:lumOff val="15000"/>
+            </a:schemeClr>
+          </a:solidFill>
+          <a:ln>
+            <a:noFill/>
+          </a:ln>
+          <a:effectLst>
+            <a:outerShdw blurRad="44450" dist="27940" dir="5400000" algn="ctr">
+              <a:srgbClr val="000000">
+                <a:alpha val="32000"/>
+              </a:srgbClr>
+            </a:outerShdw>
+          </a:effectLst>
+          <a:scene3d>
+            <a:camera prst="orthographicFront">
+              <a:rot lat="0" lon="0" rev="0"/>
+            </a:camera>
+            <a:lightRig rig="balanced" dir="t">
+              <a:rot lat="0" lon="0" rev="8700000"/>
+            </a:lightRig>
+          </a:scene3d>
+          <a:sp3d>
+            <a:bevelT w="190500" h="38100"/>
+          </a:sp3d>
+        </p:spPr>
+        <p:style>
+          <a:lnRef idx="2">
+            <a:schemeClr val="accent1">
+              <a:shade val="50000"/>
+            </a:schemeClr>
+          </a:lnRef>
+          <a:fillRef idx="1">
+            <a:schemeClr val="accent1"/>
+          </a:fillRef>
+          <a:effectRef idx="0">
+            <a:schemeClr val="accent1"/>
+          </a:effectRef>
+          <a:fontRef idx="minor">
+            <a:schemeClr val="lt1"/>
+          </a:fontRef>
+        </p:style>
+        <p:txBody>
+          <a:bodyPr rtlCol="0" anchor="ctr"/>
+          <a:lstStyle/>
+          <a:p>
+            <a:pPr algn="ctr"/>
+            <a:endParaRPr lang="es-CO"/>
+          </a:p>
+        </p:txBody>
+      </p:sp>
+      <p:sp>
+        <p:nvSpPr>
+          <p:cNvPr id="25" name="Rectángulo 24">
+            <a:extLst>
+              <a:ext uri="{FF2B5EF4-FFF2-40B4-BE49-F238E27FC236}">
+                <a16:creationId xmlns:a16="http://schemas.microsoft.com/office/drawing/2014/main" id="{EE715E1B-361A-447E-A311-74B7E2ADD0ED}"/>
+              </a:ext>
+            </a:extLst>
+          </p:cNvPr>
+          <p:cNvSpPr/>
+          <p:nvPr/>
+        </p:nvSpPr>
+        <p:spPr>
+          <a:xfrm>
+            <a:off x="6755656" y="2154865"/>
+            <a:ext cx="45719" cy="921710"/>
+          </a:xfrm>
+          <a:prstGeom prst="rect">
+            <a:avLst/>
+          </a:prstGeom>
+          <a:solidFill>
+            <a:schemeClr val="bg2">
+              <a:lumMod val="25000"/>
+            </a:schemeClr>
+          </a:solidFill>
+          <a:ln>
+            <a:solidFill>
+              <a:schemeClr val="tx1">
+                <a:lumMod val="95000"/>
+                <a:lumOff val="5000"/>
+              </a:schemeClr>
+            </a:solidFill>
+          </a:ln>
+          <a:effectLst>
+            <a:softEdge rad="31750"/>
+          </a:effectLst>
+          <a:scene3d>
+            <a:camera prst="orthographicFront"/>
+            <a:lightRig rig="threePt" dir="t"/>
+          </a:scene3d>
+          <a:sp3d>
+            <a:bevelT w="114300" prst="hardEdge"/>
+          </a:sp3d>
+        </p:spPr>
+        <p:style>
+          <a:lnRef idx="2">
+            <a:schemeClr val="accent1">
+              <a:shade val="50000"/>
+            </a:schemeClr>
+          </a:lnRef>
+          <a:fillRef idx="1">
+            <a:schemeClr val="accent1"/>
+          </a:fillRef>
+          <a:effectRef idx="0">
+            <a:schemeClr val="accent1"/>
+          </a:effectRef>
+          <a:fontRef idx="minor">
+            <a:schemeClr val="lt1"/>
+          </a:fontRef>
+        </p:style>
+        <p:txBody>
+          <a:bodyPr rtlCol="0" anchor="ctr"/>
+          <a:lstStyle/>
+          <a:p>
+            <a:pPr algn="ctr"/>
+            <a:endParaRPr lang="es-CO"/>
+          </a:p>
+        </p:txBody>
+      </p:sp>
+      <p:sp>
+        <p:nvSpPr>
+          <p:cNvPr id="26" name="Rectángulo: esquinas redondeadas 25">
+            <a:extLst>
+              <a:ext uri="{FF2B5EF4-FFF2-40B4-BE49-F238E27FC236}">
+                <a16:creationId xmlns:a16="http://schemas.microsoft.com/office/drawing/2014/main" id="{348B8A0B-1C1D-4262-81B7-8D635E53E1A0}"/>
+              </a:ext>
+            </a:extLst>
+          </p:cNvPr>
+          <p:cNvSpPr/>
+          <p:nvPr/>
+        </p:nvSpPr>
+        <p:spPr>
+          <a:xfrm>
+            <a:off x="6784231" y="3401753"/>
+            <a:ext cx="45719" cy="219075"/>
+          </a:xfrm>
+          <a:prstGeom prst="roundRect">
+            <a:avLst/>
+          </a:prstGeom>
+          <a:solidFill>
+            <a:schemeClr val="accent1">
+              <a:lumMod val="50000"/>
+            </a:schemeClr>
+          </a:solidFill>
+          <a:ln>
+            <a:noFill/>
+          </a:ln>
+          <a:effectLst>
+            <a:outerShdw blurRad="44450" dist="27940" dir="5400000" algn="ctr">
+              <a:srgbClr val="000000">
+                <a:alpha val="32000"/>
+              </a:srgbClr>
+            </a:outerShdw>
+          </a:effectLst>
+          <a:scene3d>
+            <a:camera prst="orthographicFront">
+              <a:rot lat="0" lon="0" rev="0"/>
+            </a:camera>
+            <a:lightRig rig="balanced" dir="t">
+              <a:rot lat="0" lon="0" rev="8700000"/>
+            </a:lightRig>
+          </a:scene3d>
+          <a:sp3d>
+            <a:bevelT w="190500" h="38100" prst="hardEdge"/>
+          </a:sp3d>
+        </p:spPr>
+        <p:style>
+          <a:lnRef idx="2">
+            <a:schemeClr val="accent1">
+              <a:shade val="50000"/>
+            </a:schemeClr>
+          </a:lnRef>
+          <a:fillRef idx="1">
+            <a:schemeClr val="accent1"/>
+          </a:fillRef>
+          <a:effectRef idx="0">
+            <a:schemeClr val="accent1"/>
+          </a:effectRef>
+          <a:fontRef idx="minor">
+            <a:schemeClr val="lt1"/>
+          </a:fontRef>
+        </p:style>
+        <p:txBody>
+          <a:bodyPr rtlCol="0" anchor="ctr"/>
+          <a:lstStyle/>
+          <a:p>
+            <a:pPr algn="ctr"/>
+            <a:endParaRPr lang="es-CO"/>
+          </a:p>
+        </p:txBody>
+      </p:sp>
+      <p:sp>
+        <p:nvSpPr>
+          <p:cNvPr id="27" name="Cuerda 26">
+            <a:extLst>
+              <a:ext uri="{FF2B5EF4-FFF2-40B4-BE49-F238E27FC236}">
+                <a16:creationId xmlns:a16="http://schemas.microsoft.com/office/drawing/2014/main" id="{FACB51E3-6295-4DE8-ABBC-56C89F8088A4}"/>
+              </a:ext>
+            </a:extLst>
+          </p:cNvPr>
+          <p:cNvSpPr/>
+          <p:nvPr/>
+        </p:nvSpPr>
+        <p:spPr>
+          <a:xfrm rot="5400000">
+            <a:off x="6445736" y="5390176"/>
+            <a:ext cx="691122" cy="45719"/>
+          </a:xfrm>
+          <a:prstGeom prst="chord">
+            <a:avLst>
+              <a:gd name="adj1" fmla="val 5423028"/>
+              <a:gd name="adj2" fmla="val 16079857"/>
+            </a:avLst>
+          </a:prstGeom>
+          <a:solidFill>
+            <a:schemeClr val="accent1">
+              <a:lumMod val="50000"/>
+            </a:schemeClr>
+          </a:solidFill>
+          <a:ln>
+            <a:noFill/>
+          </a:ln>
+          <a:effectLst>
+            <a:outerShdw blurRad="44450" dist="27940" dir="5400000" algn="ctr">
+              <a:srgbClr val="000000">
+                <a:alpha val="32000"/>
+              </a:srgbClr>
+            </a:outerShdw>
+          </a:effectLst>
+          <a:scene3d>
+            <a:camera prst="orthographicFront">
+              <a:rot lat="0" lon="0" rev="0"/>
+            </a:camera>
+            <a:lightRig rig="balanced" dir="t">
+              <a:rot lat="0" lon="0" rev="8700000"/>
+            </a:lightRig>
+          </a:scene3d>
+          <a:sp3d>
+            <a:bevelT w="190500" h="38100" prst="hardEdge"/>
+          </a:sp3d>
+        </p:spPr>
+        <p:style>
+          <a:lnRef idx="2">
+            <a:schemeClr val="accent1">
+              <a:shade val="50000"/>
+            </a:schemeClr>
+          </a:lnRef>
+          <a:fillRef idx="1">
+            <a:schemeClr val="accent1"/>
+          </a:fillRef>
+          <a:effectRef idx="0">
+            <a:schemeClr val="accent1"/>
+          </a:effectRef>
+          <a:fontRef idx="minor">
+            <a:schemeClr val="lt1"/>
+          </a:fontRef>
+        </p:style>
+        <p:txBody>
+          <a:bodyPr rtlCol="0" anchor="ctr"/>
+          <a:lstStyle/>
+          <a:p>
+            <a:pPr algn="ctr"/>
+            <a:endParaRPr lang="es-CO"/>
+          </a:p>
+        </p:txBody>
+      </p:sp>
+      <p:sp>
+        <p:nvSpPr>
+          <p:cNvPr id="28" name="Cuerda 27">
+            <a:extLst>
+              <a:ext uri="{FF2B5EF4-FFF2-40B4-BE49-F238E27FC236}">
+                <a16:creationId xmlns:a16="http://schemas.microsoft.com/office/drawing/2014/main" id="{B2295FAC-7C5F-4BB2-BFBA-4F07A2C8C34A}"/>
+              </a:ext>
+            </a:extLst>
+          </p:cNvPr>
+          <p:cNvSpPr/>
+          <p:nvPr/>
+        </p:nvSpPr>
+        <p:spPr>
+          <a:xfrm rot="16200000" flipV="1">
+            <a:off x="6445736" y="4016992"/>
+            <a:ext cx="691122" cy="45719"/>
+          </a:xfrm>
+          <a:prstGeom prst="chord">
+            <a:avLst>
+              <a:gd name="adj1" fmla="val 5423028"/>
+              <a:gd name="adj2" fmla="val 16079857"/>
+            </a:avLst>
+          </a:prstGeom>
+          <a:solidFill>
+            <a:schemeClr val="accent1">
+              <a:lumMod val="50000"/>
+            </a:schemeClr>
+          </a:solidFill>
+          <a:ln>
+            <a:noFill/>
+          </a:ln>
+          <a:effectLst>
+            <a:outerShdw blurRad="44450" dist="27940" dir="5400000" algn="ctr">
+              <a:srgbClr val="000000">
+                <a:alpha val="32000"/>
+              </a:srgbClr>
+            </a:outerShdw>
+          </a:effectLst>
+          <a:scene3d>
+            <a:camera prst="orthographicFront">
+              <a:rot lat="0" lon="0" rev="0"/>
+            </a:camera>
+            <a:lightRig rig="balanced" dir="t">
+              <a:rot lat="0" lon="0" rev="8700000"/>
+            </a:lightRig>
+          </a:scene3d>
+          <a:sp3d>
+            <a:bevelT w="190500" h="38100" prst="hardEdge"/>
+          </a:sp3d>
+        </p:spPr>
+        <p:style>
+          <a:lnRef idx="2">
+            <a:schemeClr val="accent1">
+              <a:shade val="50000"/>
+            </a:schemeClr>
+          </a:lnRef>
+          <a:fillRef idx="1">
+            <a:schemeClr val="accent1"/>
+          </a:fillRef>
+          <a:effectRef idx="0">
+            <a:schemeClr val="accent1"/>
+          </a:effectRef>
+          <a:fontRef idx="minor">
+            <a:schemeClr val="lt1"/>
+          </a:fontRef>
+        </p:style>
+        <p:txBody>
+          <a:bodyPr rtlCol="0" anchor="ctr"/>
+          <a:lstStyle/>
+          <a:p>
+            <a:pPr algn="ctr"/>
+            <a:endParaRPr lang="es-CO"/>
+          </a:p>
+        </p:txBody>
+      </p:sp>
+      <p:sp>
+        <p:nvSpPr>
+          <p:cNvPr id="29" name="Cuerda 28">
+            <a:extLst>
+              <a:ext uri="{FF2B5EF4-FFF2-40B4-BE49-F238E27FC236}">
+                <a16:creationId xmlns:a16="http://schemas.microsoft.com/office/drawing/2014/main" id="{3B68CE17-BC8D-4439-B8B7-B06C1C658E57}"/>
+              </a:ext>
+            </a:extLst>
+          </p:cNvPr>
+          <p:cNvSpPr/>
+          <p:nvPr/>
+        </p:nvSpPr>
+        <p:spPr>
+          <a:xfrm flipH="1">
+            <a:off x="6679527" y="4385413"/>
+            <a:ext cx="186964" cy="682061"/>
+          </a:xfrm>
+          <a:prstGeom prst="chord">
+            <a:avLst>
+              <a:gd name="adj1" fmla="val 5423028"/>
+              <a:gd name="adj2" fmla="val 16079857"/>
+            </a:avLst>
+          </a:prstGeom>
+          <a:solidFill>
+            <a:schemeClr val="accent1">
+              <a:lumMod val="50000"/>
+            </a:schemeClr>
+          </a:solidFill>
+          <a:ln>
+            <a:noFill/>
+          </a:ln>
+          <a:effectLst>
+            <a:outerShdw blurRad="44450" dist="27940" dir="5400000" algn="ctr">
+              <a:srgbClr val="000000">
+                <a:alpha val="32000"/>
+              </a:srgbClr>
+            </a:outerShdw>
+          </a:effectLst>
+          <a:scene3d>
+            <a:camera prst="orthographicFront">
+              <a:rot lat="0" lon="0" rev="0"/>
+            </a:camera>
+            <a:lightRig rig="balanced" dir="t">
+              <a:rot lat="0" lon="0" rev="8700000"/>
+            </a:lightRig>
+          </a:scene3d>
+          <a:sp3d>
+            <a:bevelT w="190500" h="38100" prst="hardEdge"/>
+          </a:sp3d>
+        </p:spPr>
+        <p:style>
+          <a:lnRef idx="2">
+            <a:schemeClr val="accent1">
+              <a:shade val="50000"/>
+            </a:schemeClr>
+          </a:lnRef>
+          <a:fillRef idx="1">
+            <a:schemeClr val="accent1"/>
+          </a:fillRef>
+          <a:effectRef idx="0">
+            <a:schemeClr val="accent1"/>
+          </a:effectRef>
+          <a:fontRef idx="minor">
+            <a:schemeClr val="lt1"/>
+          </a:fontRef>
+        </p:style>
+        <p:txBody>
+          <a:bodyPr rtlCol="0" anchor="ctr"/>
+          <a:lstStyle/>
+          <a:p>
+            <a:pPr algn="ctr"/>
+            <a:endParaRPr lang="es-CO"/>
+          </a:p>
+        </p:txBody>
+      </p:sp>
+      <p:sp>
+        <p:nvSpPr>
+          <p:cNvPr id="4" name="Rectángulo: esquinas redondeadas 3">
+            <a:extLst>
+              <a:ext uri="{FF2B5EF4-FFF2-40B4-BE49-F238E27FC236}">
+                <a16:creationId xmlns:a16="http://schemas.microsoft.com/office/drawing/2014/main" id="{7B58DBB6-1C18-4AE1-9AB7-D3D5C87F7CB1}"/>
+              </a:ext>
+            </a:extLst>
+          </p:cNvPr>
+          <p:cNvSpPr/>
+          <p:nvPr/>
+        </p:nvSpPr>
+        <p:spPr>
+          <a:xfrm>
+            <a:off x="5147543" y="1510267"/>
+            <a:ext cx="1627235" cy="4455042"/>
+          </a:xfrm>
+          <a:prstGeom prst="roundRect">
+            <a:avLst/>
+          </a:prstGeom>
+          <a:solidFill>
+            <a:schemeClr val="bg2">
+              <a:lumMod val="10000"/>
+            </a:schemeClr>
+          </a:solidFill>
+          <a:ln>
+            <a:noFill/>
+          </a:ln>
+          <a:effectLst/>
+          <a:scene3d>
+            <a:camera prst="orthographicFront">
+              <a:rot lat="0" lon="0" rev="0"/>
+            </a:camera>
+            <a:lightRig rig="contrasting" dir="t">
+              <a:rot lat="0" lon="0" rev="7800000"/>
+            </a:lightRig>
+          </a:scene3d>
+          <a:sp3d>
+            <a:bevelT w="139700" h="139700" prst="relaxedInset"/>
+          </a:sp3d>
+        </p:spPr>
+        <p:style>
+          <a:lnRef idx="2">
+            <a:schemeClr val="accent1">
+              <a:shade val="50000"/>
+            </a:schemeClr>
+          </a:lnRef>
+          <a:fillRef idx="1">
+            <a:schemeClr val="accent1"/>
+          </a:fillRef>
+          <a:effectRef idx="0">
+            <a:schemeClr val="accent1"/>
+          </a:effectRef>
+          <a:fontRef idx="minor">
+            <a:schemeClr val="lt1"/>
+          </a:fontRef>
+        </p:style>
+        <p:txBody>
+          <a:bodyPr rtlCol="0" anchor="ctr"/>
+          <a:lstStyle/>
+          <a:p>
+            <a:pPr algn="ctr"/>
+            <a:endParaRPr lang="es-CO"/>
+          </a:p>
+        </p:txBody>
+      </p:sp>
+      <p:sp>
+        <p:nvSpPr>
+          <p:cNvPr id="5" name="Rectángulo 4">
+            <a:extLst>
+              <a:ext uri="{FF2B5EF4-FFF2-40B4-BE49-F238E27FC236}">
+                <a16:creationId xmlns:a16="http://schemas.microsoft.com/office/drawing/2014/main" id="{A57B96C6-FAB6-4355-B50C-0134D0D1ED2C}"/>
+              </a:ext>
+            </a:extLst>
+          </p:cNvPr>
+          <p:cNvSpPr/>
+          <p:nvPr/>
+        </p:nvSpPr>
+        <p:spPr>
+          <a:xfrm rot="5400000">
+            <a:off x="5373526" y="2738516"/>
+            <a:ext cx="442700" cy="436800"/>
+          </a:xfrm>
+          <a:prstGeom prst="rect">
+            <a:avLst/>
+          </a:prstGeom>
+          <a:solidFill>
+            <a:schemeClr val="tx1">
+              <a:lumMod val="85000"/>
+              <a:lumOff val="15000"/>
+            </a:schemeClr>
+          </a:solidFill>
+          <a:ln>
+            <a:noFill/>
+          </a:ln>
+          <a:effectLst/>
+          <a:scene3d>
+            <a:camera prst="orthographicFront">
+              <a:rot lat="0" lon="0" rev="0"/>
+            </a:camera>
+            <a:lightRig rig="contrasting" dir="t">
+              <a:rot lat="0" lon="0" rev="7800000"/>
+            </a:lightRig>
+          </a:scene3d>
+          <a:sp3d>
+            <a:bevelT w="139700" h="139700"/>
+          </a:sp3d>
+        </p:spPr>
+        <p:style>
+          <a:lnRef idx="2">
+            <a:schemeClr val="accent1">
+              <a:shade val="50000"/>
+            </a:schemeClr>
+          </a:lnRef>
+          <a:fillRef idx="1">
+            <a:schemeClr val="accent1"/>
+          </a:fillRef>
+          <a:effectRef idx="0">
+            <a:schemeClr val="accent1"/>
+          </a:effectRef>
+          <a:fontRef idx="minor">
+            <a:schemeClr val="lt1"/>
+          </a:fontRef>
+        </p:style>
+        <p:txBody>
+          <a:bodyPr rtlCol="0" anchor="ctr"/>
+          <a:lstStyle/>
+          <a:p>
+            <a:pPr algn="ctr"/>
+            <a:endParaRPr lang="es-CO"/>
+          </a:p>
+        </p:txBody>
+      </p:sp>
+      <p:sp>
+        <p:nvSpPr>
+          <p:cNvPr id="6" name="Rectángulo: esquinas superiores cortadas 5">
+            <a:extLst>
+              <a:ext uri="{FF2B5EF4-FFF2-40B4-BE49-F238E27FC236}">
+                <a16:creationId xmlns:a16="http://schemas.microsoft.com/office/drawing/2014/main" id="{3CBC2ABC-4B60-4F87-9512-5382061BD9D3}"/>
+              </a:ext>
+            </a:extLst>
+          </p:cNvPr>
+          <p:cNvSpPr/>
+          <p:nvPr/>
+        </p:nvSpPr>
+        <p:spPr>
+          <a:xfrm rot="5400000">
+            <a:off x="5426957" y="2813909"/>
+            <a:ext cx="335839" cy="286015"/>
+          </a:xfrm>
+          <a:prstGeom prst="snip2SameRect">
+            <a:avLst/>
+          </a:prstGeom>
+          <a:solidFill>
+            <a:schemeClr val="tx1"/>
+          </a:solidFill>
+          <a:ln>
+            <a:solidFill>
+              <a:schemeClr val="tx1">
+                <a:lumMod val="65000"/>
+                <a:lumOff val="35000"/>
+              </a:schemeClr>
+            </a:solidFill>
+          </a:ln>
+        </p:spPr>
+        <p:style>
+          <a:lnRef idx="2">
+            <a:schemeClr val="accent1">
+              <a:shade val="50000"/>
+            </a:schemeClr>
+          </a:lnRef>
+          <a:fillRef idx="1">
+            <a:schemeClr val="accent1"/>
+          </a:fillRef>
+          <a:effectRef idx="0">
+            <a:schemeClr val="accent1"/>
+          </a:effectRef>
+          <a:fontRef idx="minor">
+            <a:schemeClr val="lt1"/>
+          </a:fontRef>
+        </p:style>
+        <p:txBody>
+          <a:bodyPr rtlCol="0" anchor="ctr"/>
+          <a:lstStyle/>
+          <a:p>
+            <a:pPr algn="ctr"/>
+            <a:endParaRPr lang="es-CO"/>
+          </a:p>
+        </p:txBody>
+      </p:sp>
+      <p:sp>
+        <p:nvSpPr>
+          <p:cNvPr id="8" name="Rectángulo 7">
+            <a:extLst>
+              <a:ext uri="{FF2B5EF4-FFF2-40B4-BE49-F238E27FC236}">
+                <a16:creationId xmlns:a16="http://schemas.microsoft.com/office/drawing/2014/main" id="{1A50F002-E0C5-4D13-BD45-A8972CF08B40}"/>
+              </a:ext>
+            </a:extLst>
+          </p:cNvPr>
+          <p:cNvSpPr/>
+          <p:nvPr/>
+        </p:nvSpPr>
+        <p:spPr>
+          <a:xfrm rot="5400000">
+            <a:off x="5481709" y="2865890"/>
+            <a:ext cx="47864" cy="45719"/>
+          </a:xfrm>
+          <a:prstGeom prst="rect">
+            <a:avLst/>
+          </a:prstGeom>
+          <a:solidFill>
+            <a:schemeClr val="accent4">
+              <a:lumMod val="50000"/>
+            </a:schemeClr>
+          </a:solidFill>
+          <a:ln>
+            <a:noFill/>
+          </a:ln>
+          <a:effectLst/>
+          <a:scene3d>
+            <a:camera prst="orthographicFront">
+              <a:rot lat="0" lon="0" rev="0"/>
+            </a:camera>
+            <a:lightRig rig="glow" dir="t">
+              <a:rot lat="0" lon="0" rev="14100000"/>
+            </a:lightRig>
+          </a:scene3d>
+          <a:sp3d prstMaterial="softEdge">
+            <a:bevelT w="127000" prst="artDeco"/>
+          </a:sp3d>
+        </p:spPr>
+        <p:style>
+          <a:lnRef idx="2">
+            <a:schemeClr val="accent1">
+              <a:shade val="50000"/>
+            </a:schemeClr>
+          </a:lnRef>
+          <a:fillRef idx="1">
+            <a:schemeClr val="accent1"/>
+          </a:fillRef>
+          <a:effectRef idx="0">
+            <a:schemeClr val="accent1"/>
+          </a:effectRef>
+          <a:fontRef idx="minor">
+            <a:schemeClr val="lt1"/>
+          </a:fontRef>
+        </p:style>
+        <p:txBody>
+          <a:bodyPr rtlCol="0" anchor="ctr"/>
+          <a:lstStyle/>
+          <a:p>
+            <a:pPr algn="ctr"/>
+            <a:endParaRPr lang="es-CO"/>
+          </a:p>
+        </p:txBody>
+      </p:sp>
+      <p:sp>
+        <p:nvSpPr>
+          <p:cNvPr id="9" name="Rectángulo 8">
+            <a:extLst>
+              <a:ext uri="{FF2B5EF4-FFF2-40B4-BE49-F238E27FC236}">
+                <a16:creationId xmlns:a16="http://schemas.microsoft.com/office/drawing/2014/main" id="{37283CD1-AEC1-4BA0-8BBE-B24EF2A94338}"/>
+              </a:ext>
+            </a:extLst>
+          </p:cNvPr>
+          <p:cNvSpPr/>
+          <p:nvPr/>
+        </p:nvSpPr>
+        <p:spPr>
+          <a:xfrm rot="5400000">
+            <a:off x="5622002" y="2861422"/>
+            <a:ext cx="47864" cy="45719"/>
+          </a:xfrm>
+          <a:prstGeom prst="rect">
+            <a:avLst/>
+          </a:prstGeom>
+          <a:solidFill>
+            <a:schemeClr val="accent4">
+              <a:lumMod val="50000"/>
+            </a:schemeClr>
+          </a:solidFill>
+          <a:ln>
+            <a:noFill/>
+          </a:ln>
+          <a:effectLst/>
+          <a:scene3d>
+            <a:camera prst="orthographicFront">
+              <a:rot lat="0" lon="0" rev="0"/>
+            </a:camera>
+            <a:lightRig rig="glow" dir="t">
+              <a:rot lat="0" lon="0" rev="14100000"/>
+            </a:lightRig>
+          </a:scene3d>
+          <a:sp3d prstMaterial="softEdge">
+            <a:bevelT w="127000" prst="artDeco"/>
+          </a:sp3d>
+        </p:spPr>
+        <p:style>
+          <a:lnRef idx="2">
+            <a:schemeClr val="accent1">
+              <a:shade val="50000"/>
+            </a:schemeClr>
+          </a:lnRef>
+          <a:fillRef idx="1">
+            <a:schemeClr val="accent1"/>
+          </a:fillRef>
+          <a:effectRef idx="0">
+            <a:schemeClr val="accent1"/>
+          </a:effectRef>
+          <a:fontRef idx="minor">
+            <a:schemeClr val="lt1"/>
+          </a:fontRef>
+        </p:style>
+        <p:txBody>
+          <a:bodyPr rtlCol="0" anchor="ctr"/>
+          <a:lstStyle/>
+          <a:p>
+            <a:pPr algn="ctr"/>
+            <a:endParaRPr lang="es-CO"/>
+          </a:p>
+        </p:txBody>
+      </p:sp>
+      <p:sp>
+        <p:nvSpPr>
+          <p:cNvPr id="10" name="Rectángulo 9">
+            <a:extLst>
+              <a:ext uri="{FF2B5EF4-FFF2-40B4-BE49-F238E27FC236}">
+                <a16:creationId xmlns:a16="http://schemas.microsoft.com/office/drawing/2014/main" id="{46582DAD-50AE-49DB-A744-1716D7A195DF}"/>
+              </a:ext>
+            </a:extLst>
+          </p:cNvPr>
+          <p:cNvSpPr/>
+          <p:nvPr/>
+        </p:nvSpPr>
+        <p:spPr>
+          <a:xfrm rot="5400000">
+            <a:off x="5487055" y="2996389"/>
+            <a:ext cx="47864" cy="45719"/>
+          </a:xfrm>
+          <a:prstGeom prst="rect">
+            <a:avLst/>
+          </a:prstGeom>
+          <a:solidFill>
+            <a:schemeClr val="accent4">
+              <a:lumMod val="50000"/>
+            </a:schemeClr>
+          </a:solidFill>
+          <a:ln>
+            <a:noFill/>
+          </a:ln>
+          <a:effectLst/>
+          <a:scene3d>
+            <a:camera prst="orthographicFront">
+              <a:rot lat="0" lon="0" rev="0"/>
+            </a:camera>
+            <a:lightRig rig="glow" dir="t">
+              <a:rot lat="0" lon="0" rev="14100000"/>
+            </a:lightRig>
+          </a:scene3d>
+          <a:sp3d prstMaterial="softEdge">
+            <a:bevelT w="127000" prst="artDeco"/>
+          </a:sp3d>
+        </p:spPr>
+        <p:style>
+          <a:lnRef idx="2">
+            <a:schemeClr val="accent1">
+              <a:shade val="50000"/>
+            </a:schemeClr>
+          </a:lnRef>
+          <a:fillRef idx="1">
+            <a:schemeClr val="accent1"/>
+          </a:fillRef>
+          <a:effectRef idx="0">
+            <a:schemeClr val="accent1"/>
+          </a:effectRef>
+          <a:fontRef idx="minor">
+            <a:schemeClr val="lt1"/>
+          </a:fontRef>
+        </p:style>
+        <p:txBody>
+          <a:bodyPr rtlCol="0" anchor="ctr"/>
+          <a:lstStyle/>
+          <a:p>
+            <a:pPr algn="ctr"/>
+            <a:endParaRPr lang="es-CO"/>
+          </a:p>
+        </p:txBody>
+      </p:sp>
+      <p:sp>
+        <p:nvSpPr>
+          <p:cNvPr id="11" name="Rectángulo 10">
+            <a:extLst>
+              <a:ext uri="{FF2B5EF4-FFF2-40B4-BE49-F238E27FC236}">
+                <a16:creationId xmlns:a16="http://schemas.microsoft.com/office/drawing/2014/main" id="{98C51BDF-A37D-45B4-A9D0-BFC7F8256B97}"/>
+              </a:ext>
+            </a:extLst>
+          </p:cNvPr>
+          <p:cNvSpPr/>
+          <p:nvPr/>
+        </p:nvSpPr>
+        <p:spPr>
+          <a:xfrm rot="5400000">
+            <a:off x="5628189" y="2990820"/>
+            <a:ext cx="47864" cy="45719"/>
+          </a:xfrm>
+          <a:prstGeom prst="rect">
+            <a:avLst/>
+          </a:prstGeom>
+          <a:solidFill>
+            <a:schemeClr val="accent4">
+              <a:lumMod val="50000"/>
+            </a:schemeClr>
+          </a:solidFill>
+          <a:ln>
+            <a:noFill/>
+          </a:ln>
+          <a:effectLst/>
+          <a:scene3d>
+            <a:camera prst="orthographicFront">
+              <a:rot lat="0" lon="0" rev="0"/>
+            </a:camera>
+            <a:lightRig rig="glow" dir="t">
+              <a:rot lat="0" lon="0" rev="14100000"/>
+            </a:lightRig>
+          </a:scene3d>
+          <a:sp3d prstMaterial="softEdge">
+            <a:bevelT w="127000" prst="artDeco"/>
+          </a:sp3d>
+        </p:spPr>
+        <p:style>
+          <a:lnRef idx="2">
+            <a:schemeClr val="accent1">
+              <a:shade val="50000"/>
+            </a:schemeClr>
+          </a:lnRef>
+          <a:fillRef idx="1">
+            <a:schemeClr val="accent1"/>
+          </a:fillRef>
+          <a:effectRef idx="0">
+            <a:schemeClr val="accent1"/>
+          </a:effectRef>
+          <a:fontRef idx="minor">
+            <a:schemeClr val="lt1"/>
+          </a:fontRef>
+        </p:style>
+        <p:txBody>
+          <a:bodyPr rtlCol="0" anchor="ctr"/>
+          <a:lstStyle/>
+          <a:p>
+            <a:pPr algn="ctr"/>
+            <a:endParaRPr lang="es-CO"/>
+          </a:p>
+        </p:txBody>
+      </p:sp>
+      <p:sp>
+        <p:nvSpPr>
+          <p:cNvPr id="7" name="Rectángulo 6">
+            <a:extLst>
+              <a:ext uri="{FF2B5EF4-FFF2-40B4-BE49-F238E27FC236}">
+                <a16:creationId xmlns:a16="http://schemas.microsoft.com/office/drawing/2014/main" id="{BAFCFC6D-FB6F-4553-B5D9-E2B87F9739AB}"/>
+              </a:ext>
+            </a:extLst>
+          </p:cNvPr>
+          <p:cNvSpPr/>
+          <p:nvPr/>
+        </p:nvSpPr>
+        <p:spPr>
+          <a:xfrm rot="5400000">
+            <a:off x="5455465" y="2891173"/>
+            <a:ext cx="239317" cy="131488"/>
+          </a:xfrm>
+          <a:prstGeom prst="rect">
+            <a:avLst/>
+          </a:prstGeom>
+          <a:solidFill>
+            <a:schemeClr val="bg1"/>
+          </a:solidFill>
+          <a:ln>
+            <a:noFill/>
+          </a:ln>
+          <a:effectLst>
+            <a:outerShdw blurRad="44450" dist="27940" dir="5400000" algn="ctr">
+              <a:srgbClr val="000000">
+                <a:alpha val="32000"/>
+              </a:srgbClr>
+            </a:outerShdw>
+          </a:effectLst>
+          <a:scene3d>
+            <a:camera prst="orthographicFront">
+              <a:rot lat="0" lon="0" rev="0"/>
+            </a:camera>
+            <a:lightRig rig="balanced" dir="t">
+              <a:rot lat="0" lon="0" rev="8700000"/>
+            </a:lightRig>
+          </a:scene3d>
+          <a:sp3d>
+            <a:bevelT w="190500" h="38100"/>
+          </a:sp3d>
+        </p:spPr>
+        <p:style>
+          <a:lnRef idx="2">
+            <a:schemeClr val="accent1">
+              <a:shade val="50000"/>
+            </a:schemeClr>
+          </a:lnRef>
+          <a:fillRef idx="1">
+            <a:schemeClr val="accent1"/>
+          </a:fillRef>
+          <a:effectRef idx="0">
+            <a:schemeClr val="accent1"/>
+          </a:effectRef>
+          <a:fontRef idx="minor">
+            <a:schemeClr val="lt1"/>
+          </a:fontRef>
+        </p:style>
+        <p:txBody>
+          <a:bodyPr rtlCol="0" anchor="ctr"/>
+          <a:lstStyle/>
+          <a:p>
+            <a:pPr algn="ctr"/>
+            <a:endParaRPr lang="es-CO"/>
+          </a:p>
+        </p:txBody>
+      </p:sp>
+      <p:sp>
+        <p:nvSpPr>
+          <p:cNvPr id="13" name="Rectángulo 12">
+            <a:extLst>
+              <a:ext uri="{FF2B5EF4-FFF2-40B4-BE49-F238E27FC236}">
+                <a16:creationId xmlns:a16="http://schemas.microsoft.com/office/drawing/2014/main" id="{131A4C84-909B-4C10-BB6A-8312820B8AE3}"/>
+              </a:ext>
+            </a:extLst>
+          </p:cNvPr>
+          <p:cNvSpPr/>
+          <p:nvPr/>
+        </p:nvSpPr>
+        <p:spPr>
+          <a:xfrm rot="5400000">
+            <a:off x="5373235" y="4047213"/>
+            <a:ext cx="368331" cy="353607"/>
+          </a:xfrm>
+          <a:prstGeom prst="rect">
+            <a:avLst/>
+          </a:prstGeom>
+          <a:solidFill>
+            <a:schemeClr val="tx1">
+              <a:lumMod val="85000"/>
+              <a:lumOff val="15000"/>
+            </a:schemeClr>
+          </a:solidFill>
+          <a:ln>
+            <a:noFill/>
+          </a:ln>
+          <a:effectLst/>
+          <a:scene3d>
+            <a:camera prst="orthographicFront">
+              <a:rot lat="0" lon="0" rev="0"/>
+            </a:camera>
+            <a:lightRig rig="contrasting" dir="t">
+              <a:rot lat="0" lon="0" rev="7800000"/>
+            </a:lightRig>
+          </a:scene3d>
+          <a:sp3d>
+            <a:bevelT w="139700" h="139700"/>
+          </a:sp3d>
+        </p:spPr>
+        <p:style>
+          <a:lnRef idx="2">
+            <a:schemeClr val="accent1">
+              <a:shade val="50000"/>
+            </a:schemeClr>
+          </a:lnRef>
+          <a:fillRef idx="1">
+            <a:schemeClr val="accent1"/>
+          </a:fillRef>
+          <a:effectRef idx="0">
+            <a:schemeClr val="accent1"/>
+          </a:effectRef>
+          <a:fontRef idx="minor">
+            <a:schemeClr val="lt1"/>
+          </a:fontRef>
+        </p:style>
+        <p:txBody>
+          <a:bodyPr rtlCol="0" anchor="ctr"/>
+          <a:lstStyle/>
+          <a:p>
+            <a:pPr algn="ctr"/>
+            <a:endParaRPr lang="es-CO"/>
+          </a:p>
+        </p:txBody>
+      </p:sp>
+      <p:sp>
+        <p:nvSpPr>
+          <p:cNvPr id="20" name="Elipse 19">
+            <a:extLst>
+              <a:ext uri="{FF2B5EF4-FFF2-40B4-BE49-F238E27FC236}">
+                <a16:creationId xmlns:a16="http://schemas.microsoft.com/office/drawing/2014/main" id="{32DEB439-EC36-4736-8DC3-3D810244B990}"/>
+              </a:ext>
+            </a:extLst>
+          </p:cNvPr>
+          <p:cNvSpPr/>
+          <p:nvPr/>
+        </p:nvSpPr>
+        <p:spPr>
+          <a:xfrm>
+            <a:off x="5433736" y="4108181"/>
+            <a:ext cx="228897" cy="229958"/>
+          </a:xfrm>
+          <a:prstGeom prst="ellipse">
+            <a:avLst/>
+          </a:prstGeom>
+          <a:solidFill>
+            <a:schemeClr val="tx1">
+              <a:lumMod val="85000"/>
+              <a:lumOff val="15000"/>
+            </a:schemeClr>
+          </a:solidFill>
+          <a:ln>
+            <a:solidFill>
+              <a:schemeClr val="tx1">
+                <a:lumMod val="75000"/>
+                <a:lumOff val="25000"/>
+              </a:schemeClr>
+            </a:solidFill>
+          </a:ln>
+        </p:spPr>
+        <p:style>
+          <a:lnRef idx="2">
+            <a:schemeClr val="accent1">
+              <a:shade val="50000"/>
+            </a:schemeClr>
+          </a:lnRef>
+          <a:fillRef idx="1">
+            <a:schemeClr val="accent1"/>
+          </a:fillRef>
+          <a:effectRef idx="0">
+            <a:schemeClr val="accent1"/>
+          </a:effectRef>
+          <a:fontRef idx="minor">
+            <a:schemeClr val="lt1"/>
+          </a:fontRef>
+        </p:style>
+        <p:txBody>
+          <a:bodyPr rtlCol="0" anchor="ctr"/>
+          <a:lstStyle/>
+          <a:p>
+            <a:pPr algn="ctr"/>
+            <a:endParaRPr lang="es-CO"/>
+          </a:p>
+        </p:txBody>
+      </p:sp>
+      <p:sp>
+        <p:nvSpPr>
+          <p:cNvPr id="21" name="Elipse 20">
+            <a:extLst>
+              <a:ext uri="{FF2B5EF4-FFF2-40B4-BE49-F238E27FC236}">
+                <a16:creationId xmlns:a16="http://schemas.microsoft.com/office/drawing/2014/main" id="{6E2FF87B-BA2F-47B4-A3F6-FB939A25DDAC}"/>
+              </a:ext>
+            </a:extLst>
+          </p:cNvPr>
+          <p:cNvSpPr/>
+          <p:nvPr/>
+        </p:nvSpPr>
+        <p:spPr>
+          <a:xfrm>
+            <a:off x="5451869" y="4123823"/>
+            <a:ext cx="198168" cy="198675"/>
+          </a:xfrm>
+          <a:prstGeom prst="ellipse">
+            <a:avLst/>
+          </a:prstGeom>
+          <a:solidFill>
+            <a:schemeClr val="tx1"/>
+          </a:solidFill>
+          <a:ln>
+            <a:solidFill>
+              <a:schemeClr val="tx1"/>
+            </a:solidFill>
+          </a:ln>
+        </p:spPr>
+        <p:style>
+          <a:lnRef idx="2">
+            <a:schemeClr val="accent1">
+              <a:shade val="50000"/>
+            </a:schemeClr>
+          </a:lnRef>
+          <a:fillRef idx="1">
+            <a:schemeClr val="accent1"/>
+          </a:fillRef>
+          <a:effectRef idx="0">
+            <a:schemeClr val="accent1"/>
+          </a:effectRef>
+          <a:fontRef idx="minor">
+            <a:schemeClr val="lt1"/>
+          </a:fontRef>
+        </p:style>
+        <p:txBody>
+          <a:bodyPr rtlCol="0" anchor="ctr"/>
+          <a:lstStyle/>
+          <a:p>
+            <a:pPr algn="ctr"/>
+            <a:endParaRPr lang="es-CO"/>
+          </a:p>
+        </p:txBody>
+      </p:sp>
+      <p:sp>
+        <p:nvSpPr>
+          <p:cNvPr id="22" name="Elipse 21">
+            <a:extLst>
+              <a:ext uri="{FF2B5EF4-FFF2-40B4-BE49-F238E27FC236}">
+                <a16:creationId xmlns:a16="http://schemas.microsoft.com/office/drawing/2014/main" id="{E24D51C9-EEC2-4682-A578-82C17AB90197}"/>
+              </a:ext>
+            </a:extLst>
+          </p:cNvPr>
+          <p:cNvSpPr/>
+          <p:nvPr/>
+        </p:nvSpPr>
+        <p:spPr>
+          <a:xfrm>
+            <a:off x="5521822" y="4199228"/>
+            <a:ext cx="52724" cy="52448"/>
+          </a:xfrm>
+          <a:prstGeom prst="ellipse">
+            <a:avLst/>
+          </a:prstGeom>
+          <a:solidFill>
+            <a:schemeClr val="accent4">
+              <a:lumMod val="50000"/>
+            </a:schemeClr>
+          </a:solidFill>
+          <a:ln>
+            <a:noFill/>
+          </a:ln>
+          <a:effectLst>
+            <a:outerShdw blurRad="44450" dist="27940" dir="5400000" algn="ctr">
+              <a:srgbClr val="000000">
+                <a:alpha val="32000"/>
+              </a:srgbClr>
+            </a:outerShdw>
+          </a:effectLst>
+          <a:scene3d>
+            <a:camera prst="orthographicFront">
+              <a:rot lat="0" lon="0" rev="0"/>
+            </a:camera>
+            <a:lightRig rig="balanced" dir="t">
+              <a:rot lat="0" lon="0" rev="8700000"/>
+            </a:lightRig>
+          </a:scene3d>
+          <a:sp3d>
+            <a:bevelT w="190500" h="38100"/>
+          </a:sp3d>
+        </p:spPr>
+        <p:style>
+          <a:lnRef idx="2">
+            <a:schemeClr val="accent1">
+              <a:shade val="50000"/>
+            </a:schemeClr>
+          </a:lnRef>
+          <a:fillRef idx="1">
+            <a:schemeClr val="accent1"/>
+          </a:fillRef>
+          <a:effectRef idx="0">
+            <a:schemeClr val="accent1"/>
+          </a:effectRef>
+          <a:fontRef idx="minor">
+            <a:schemeClr val="lt1"/>
+          </a:fontRef>
+        </p:style>
+        <p:txBody>
+          <a:bodyPr rtlCol="0" anchor="ctr"/>
+          <a:lstStyle/>
+          <a:p>
+            <a:pPr algn="ctr"/>
+            <a:endParaRPr lang="es-CO"/>
+          </a:p>
+        </p:txBody>
+      </p:sp>
+      <p:sp>
+        <p:nvSpPr>
+          <p:cNvPr id="23" name="Rectángulo 22">
+            <a:extLst>
+              <a:ext uri="{FF2B5EF4-FFF2-40B4-BE49-F238E27FC236}">
+                <a16:creationId xmlns:a16="http://schemas.microsoft.com/office/drawing/2014/main" id="{97FECB9A-4308-4194-9101-7A4424F0562F}"/>
+              </a:ext>
+            </a:extLst>
+          </p:cNvPr>
+          <p:cNvSpPr/>
+          <p:nvPr/>
+        </p:nvSpPr>
+        <p:spPr>
+          <a:xfrm rot="5400000">
+            <a:off x="5608288" y="4200301"/>
+            <a:ext cx="47864" cy="45719"/>
+          </a:xfrm>
+          <a:prstGeom prst="rect">
+            <a:avLst/>
+          </a:prstGeom>
+          <a:solidFill>
+            <a:schemeClr val="accent4">
+              <a:lumMod val="50000"/>
+            </a:schemeClr>
+          </a:solidFill>
+          <a:ln>
+            <a:noFill/>
+          </a:ln>
+          <a:effectLst/>
+          <a:scene3d>
+            <a:camera prst="orthographicFront">
+              <a:rot lat="0" lon="0" rev="0"/>
+            </a:camera>
+            <a:lightRig rig="glow" dir="t">
+              <a:rot lat="0" lon="0" rev="14100000"/>
+            </a:lightRig>
+          </a:scene3d>
+          <a:sp3d prstMaterial="softEdge">
+            <a:bevelT w="127000" prst="artDeco"/>
+          </a:sp3d>
+        </p:spPr>
+        <p:style>
+          <a:lnRef idx="2">
+            <a:schemeClr val="accent1">
+              <a:shade val="50000"/>
+            </a:schemeClr>
+          </a:lnRef>
+          <a:fillRef idx="1">
+            <a:schemeClr val="accent1"/>
+          </a:fillRef>
+          <a:effectRef idx="0">
+            <a:schemeClr val="accent1"/>
+          </a:effectRef>
+          <a:fontRef idx="minor">
+            <a:schemeClr val="lt1"/>
+          </a:fontRef>
+        </p:style>
+        <p:txBody>
+          <a:bodyPr rtlCol="0" anchor="ctr"/>
+          <a:lstStyle/>
+          <a:p>
+            <a:pPr algn="ctr"/>
+            <a:endParaRPr lang="es-CO"/>
+          </a:p>
+        </p:txBody>
+      </p:sp>
+      <p:pic>
+        <p:nvPicPr>
+          <p:cNvPr id="31" name="Imagen 30">
+            <a:extLst>
+              <a:ext uri="{FF2B5EF4-FFF2-40B4-BE49-F238E27FC236}">
+                <a16:creationId xmlns:a16="http://schemas.microsoft.com/office/drawing/2014/main" id="{6481ECAB-7936-4DA9-B884-1278874B3B3A}"/>
+              </a:ext>
+            </a:extLst>
+          </p:cNvPr>
+          <p:cNvPicPr>
+            <a:picLocks noChangeAspect="1"/>
+          </p:cNvPicPr>
+          <p:nvPr/>
+        </p:nvPicPr>
+        <p:blipFill>
+          <a:blip r:embed="rId2">
+            <a:extLst>
+              <a:ext uri="{28A0092B-C50C-407E-A947-70E740481C1C}">
+                <a14:useLocalDpi xmlns:a14="http://schemas.microsoft.com/office/drawing/2010/main" val="0"/>
+              </a:ext>
+            </a:extLst>
+          </a:blip>
+          <a:stretch>
+            <a:fillRect/>
+          </a:stretch>
+        </p:blipFill>
+        <p:spPr>
+          <a:xfrm>
+            <a:off x="5931650" y="2804515"/>
+            <a:ext cx="304802" cy="304802"/>
+          </a:xfrm>
+          <a:prstGeom prst="rect">
+            <a:avLst/>
+          </a:prstGeom>
+        </p:spPr>
+      </p:pic>
+      <p:sp>
+        <p:nvSpPr>
+          <p:cNvPr id="32" name="Rectángulo 31">
+            <a:extLst>
+              <a:ext uri="{FF2B5EF4-FFF2-40B4-BE49-F238E27FC236}">
+                <a16:creationId xmlns:a16="http://schemas.microsoft.com/office/drawing/2014/main" id="{CE87B4B5-266A-4402-94DE-A9994FDC5282}"/>
+              </a:ext>
+            </a:extLst>
+          </p:cNvPr>
+          <p:cNvSpPr/>
+          <p:nvPr/>
+        </p:nvSpPr>
+        <p:spPr>
+          <a:xfrm>
+            <a:off x="4298190" y="4022090"/>
+            <a:ext cx="3595619" cy="430887"/>
+          </a:xfrm>
+          <a:prstGeom prst="rect">
+            <a:avLst/>
+          </a:prstGeom>
+          <a:noFill/>
+        </p:spPr>
+        <p:txBody>
+          <a:bodyPr wrap="square" lIns="91440" tIns="45720" rIns="91440" bIns="45720">
+            <a:spAutoFit/>
+          </a:bodyPr>
+          <a:lstStyle/>
+          <a:p>
+            <a:pPr algn="ctr"/>
+            <a:r>
+              <a:rPr lang="es-ES" sz="1100" dirty="0">
+                <a:ln w="0"/>
+                <a:solidFill>
+                  <a:schemeClr val="bg1"/>
+                </a:solidFill>
+                <a:effectLst>
+                  <a:outerShdw blurRad="38100" dist="19050" dir="2700000" algn="tl" rotWithShape="0">
+                    <a:schemeClr val="dk1">
+                      <a:alpha val="40000"/>
+                    </a:schemeClr>
+                  </a:outerShdw>
+                </a:effectLst>
+              </a:rPr>
+              <a:t>7-12</a:t>
+            </a:r>
+            <a:r>
+              <a:rPr lang="es-ES" sz="1100" b="0" cap="none" spc="0" dirty="0">
+                <a:ln w="0"/>
+                <a:solidFill>
+                  <a:schemeClr val="bg1"/>
+                </a:solidFill>
+                <a:effectLst>
+                  <a:outerShdw blurRad="38100" dist="19050" dir="2700000" algn="tl" rotWithShape="0">
+                    <a:schemeClr val="dk1">
+                      <a:alpha val="40000"/>
+                    </a:schemeClr>
+                  </a:outerShdw>
+                </a:effectLst>
+              </a:rPr>
+              <a:t>VCD</a:t>
+            </a:r>
+          </a:p>
+          <a:p>
+            <a:pPr algn="ctr"/>
+            <a:r>
+              <a:rPr lang="es-ES" sz="1100" b="0" cap="none" spc="0" dirty="0">
+                <a:ln w="0"/>
+                <a:solidFill>
+                  <a:schemeClr val="bg1"/>
+                </a:solidFill>
+                <a:effectLst>
+                  <a:outerShdw blurRad="38100" dist="19050" dir="2700000" algn="tl" rotWithShape="0">
+                    <a:schemeClr val="dk1">
+                      <a:alpha val="40000"/>
+                    </a:schemeClr>
+                  </a:outerShdw>
+                </a:effectLst>
+              </a:rPr>
+              <a:t>Input</a:t>
+            </a:r>
+          </a:p>
+        </p:txBody>
+      </p:sp>
+    </p:spTree>
+    <p:extLst>
+      <p:ext uri="{BB962C8B-B14F-4D97-AF65-F5344CB8AC3E}">
+        <p14:creationId xmlns:p14="http://schemas.microsoft.com/office/powerpoint/2010/main" val="599560499"/>
       </p:ext>
     </p:extLst>
   </p:cSld>

--- a/CONTROL INV.pptx
+++ b/CONTROL INV.pptx
@@ -3351,10 +3351,10 @@
       </p:grpSpPr>
       <p:sp>
         <p:nvSpPr>
-          <p:cNvPr id="4" name="Rectángulo: esquinas redondeadas 3">
-            <a:extLst>
-              <a:ext uri="{FF2B5EF4-FFF2-40B4-BE49-F238E27FC236}">
-                <a16:creationId xmlns:a16="http://schemas.microsoft.com/office/drawing/2014/main" id="{2F63BD52-E8F0-40DA-B7EB-4EB2345E180D}"/>
+          <p:cNvPr id="62" name="Rectángulo: esquinas redondeadas 61">
+            <a:extLst>
+              <a:ext uri="{FF2B5EF4-FFF2-40B4-BE49-F238E27FC236}">
+                <a16:creationId xmlns:a16="http://schemas.microsoft.com/office/drawing/2014/main" id="{6785FA39-3F69-42DD-9729-A3A4994D0D64}"/>
               </a:ext>
             </a:extLst>
           </p:cNvPr>
@@ -3423,10 +3423,10 @@
       </p:sp>
       <p:sp>
         <p:nvSpPr>
-          <p:cNvPr id="5" name="Rectángulo 4">
-            <a:extLst>
-              <a:ext uri="{FF2B5EF4-FFF2-40B4-BE49-F238E27FC236}">
-                <a16:creationId xmlns:a16="http://schemas.microsoft.com/office/drawing/2014/main" id="{EE502A9E-920B-4966-9305-33B35A4EAB48}"/>
+          <p:cNvPr id="63" name="Rectángulo 62">
+            <a:extLst>
+              <a:ext uri="{FF2B5EF4-FFF2-40B4-BE49-F238E27FC236}">
+                <a16:creationId xmlns:a16="http://schemas.microsoft.com/office/drawing/2014/main" id="{4665FE12-D050-48FC-996E-2555F1D1775B}"/>
               </a:ext>
             </a:extLst>
           </p:cNvPr>
@@ -3486,82 +3486,10 @@
       </p:sp>
       <p:sp>
         <p:nvSpPr>
-          <p:cNvPr id="11" name="Elipse 10">
-            <a:extLst>
-              <a:ext uri="{FF2B5EF4-FFF2-40B4-BE49-F238E27FC236}">
-                <a16:creationId xmlns:a16="http://schemas.microsoft.com/office/drawing/2014/main" id="{608ACFB9-8E35-4C44-997D-78AB3DA0FADD}"/>
-              </a:ext>
-            </a:extLst>
-          </p:cNvPr>
-          <p:cNvSpPr/>
-          <p:nvPr/>
-        </p:nvSpPr>
-        <p:spPr>
-          <a:xfrm>
-            <a:off x="3176901" y="3882315"/>
-            <a:ext cx="478465" cy="469282"/>
-          </a:xfrm>
-          <a:prstGeom prst="ellipse">
-            <a:avLst/>
-          </a:prstGeom>
-          <a:solidFill>
-            <a:schemeClr val="accent1">
-              <a:lumMod val="50000"/>
-            </a:schemeClr>
-          </a:solidFill>
-          <a:ln>
-            <a:noFill/>
-          </a:ln>
-          <a:effectLst>
-            <a:outerShdw blurRad="50800" dist="38100" dir="5400000" algn="t" rotWithShape="0">
-              <a:prstClr val="black">
-                <a:alpha val="40000"/>
-              </a:prstClr>
-            </a:outerShdw>
-          </a:effectLst>
-          <a:scene3d>
-            <a:camera prst="orthographicFront">
-              <a:rot lat="0" lon="0" rev="0"/>
-            </a:camera>
-            <a:lightRig rig="balanced" dir="t">
-              <a:rot lat="0" lon="0" rev="8700000"/>
-            </a:lightRig>
-          </a:scene3d>
-          <a:sp3d>
-            <a:bevelT w="190500" h="38100" prst="hardEdge"/>
-          </a:sp3d>
-        </p:spPr>
-        <p:style>
-          <a:lnRef idx="2">
-            <a:schemeClr val="accent1">
-              <a:shade val="50000"/>
-            </a:schemeClr>
-          </a:lnRef>
-          <a:fillRef idx="1">
-            <a:schemeClr val="accent1"/>
-          </a:fillRef>
-          <a:effectRef idx="0">
-            <a:schemeClr val="accent1"/>
-          </a:effectRef>
-          <a:fontRef idx="minor">
-            <a:schemeClr val="lt1"/>
-          </a:fontRef>
-        </p:style>
-        <p:txBody>
-          <a:bodyPr rtlCol="0" anchor="ctr"/>
-          <a:lstStyle/>
-          <a:p>
-            <a:pPr algn="ctr"/>
-            <a:endParaRPr lang="es-CO"/>
-          </a:p>
-        </p:txBody>
-      </p:sp>
-      <p:sp>
-        <p:nvSpPr>
-          <p:cNvPr id="12" name="Elipse 11">
-            <a:extLst>
-              <a:ext uri="{FF2B5EF4-FFF2-40B4-BE49-F238E27FC236}">
-                <a16:creationId xmlns:a16="http://schemas.microsoft.com/office/drawing/2014/main" id="{D45250B7-B9A0-4545-A226-722E033BAB7A}"/>
+          <p:cNvPr id="68" name="Elipse 67">
+            <a:extLst>
+              <a:ext uri="{FF2B5EF4-FFF2-40B4-BE49-F238E27FC236}">
+                <a16:creationId xmlns:a16="http://schemas.microsoft.com/office/drawing/2014/main" id="{85A6C7C5-2E2B-4593-ABF7-5564DF95FA5A}"/>
               </a:ext>
             </a:extLst>
           </p:cNvPr>
@@ -3624,10 +3552,10 @@
       </p:sp>
       <p:sp>
         <p:nvSpPr>
-          <p:cNvPr id="13" name="Elipse 12">
-            <a:extLst>
-              <a:ext uri="{FF2B5EF4-FFF2-40B4-BE49-F238E27FC236}">
-                <a16:creationId xmlns:a16="http://schemas.microsoft.com/office/drawing/2014/main" id="{1916A400-1D44-4448-AD4C-F940FBFF1E1B}"/>
+          <p:cNvPr id="71" name="Elipse 70">
+            <a:extLst>
+              <a:ext uri="{FF2B5EF4-FFF2-40B4-BE49-F238E27FC236}">
+                <a16:creationId xmlns:a16="http://schemas.microsoft.com/office/drawing/2014/main" id="{BF7F836A-5E4A-4E6E-A018-7E29FC25AF61}"/>
               </a:ext>
             </a:extLst>
           </p:cNvPr>
@@ -3651,7 +3579,7 @@
             <a:noFill/>
           </a:ln>
           <a:effectLst>
-            <a:glow rad="63500">
+            <a:glow rad="101600">
               <a:schemeClr val="accent4">
                 <a:satMod val="175000"/>
                 <a:alpha val="40000"/>
@@ -3697,10 +3625,10 @@
       </p:sp>
       <p:sp>
         <p:nvSpPr>
-          <p:cNvPr id="14" name="Elipse 13">
-            <a:extLst>
-              <a:ext uri="{FF2B5EF4-FFF2-40B4-BE49-F238E27FC236}">
-                <a16:creationId xmlns:a16="http://schemas.microsoft.com/office/drawing/2014/main" id="{EFA34042-5CB2-45AF-8720-19F85B5E4034}"/>
+          <p:cNvPr id="72" name="Elipse 71">
+            <a:extLst>
+              <a:ext uri="{FF2B5EF4-FFF2-40B4-BE49-F238E27FC236}">
+                <a16:creationId xmlns:a16="http://schemas.microsoft.com/office/drawing/2014/main" id="{DA310E9B-390C-4901-A244-A145A2C7BFCA}"/>
               </a:ext>
             </a:extLst>
           </p:cNvPr>
@@ -3763,10 +3691,10 @@
       </p:sp>
       <p:sp>
         <p:nvSpPr>
-          <p:cNvPr id="15" name="Elipse 14">
-            <a:extLst>
-              <a:ext uri="{FF2B5EF4-FFF2-40B4-BE49-F238E27FC236}">
-                <a16:creationId xmlns:a16="http://schemas.microsoft.com/office/drawing/2014/main" id="{4FA9CF2D-C6C2-43F0-A399-4CB79D3E6BB0}"/>
+          <p:cNvPr id="73" name="Elipse 72">
+            <a:extLst>
+              <a:ext uri="{FF2B5EF4-FFF2-40B4-BE49-F238E27FC236}">
+                <a16:creationId xmlns:a16="http://schemas.microsoft.com/office/drawing/2014/main" id="{53F80529-79F8-47F9-8807-CC87E286153F}"/>
               </a:ext>
             </a:extLst>
           </p:cNvPr>
@@ -3834,10 +3762,10 @@
       </p:sp>
       <p:sp>
         <p:nvSpPr>
-          <p:cNvPr id="16" name="Elipse 15">
-            <a:extLst>
-              <a:ext uri="{FF2B5EF4-FFF2-40B4-BE49-F238E27FC236}">
-                <a16:creationId xmlns:a16="http://schemas.microsoft.com/office/drawing/2014/main" id="{A16798ED-28D6-4669-ABAA-B4A377F94FFE}"/>
+          <p:cNvPr id="74" name="Elipse 73">
+            <a:extLst>
+              <a:ext uri="{FF2B5EF4-FFF2-40B4-BE49-F238E27FC236}">
+                <a16:creationId xmlns:a16="http://schemas.microsoft.com/office/drawing/2014/main" id="{2E0BB7FA-A835-4FCD-8550-7EA8901EEAD5}"/>
               </a:ext>
             </a:extLst>
           </p:cNvPr>
@@ -3900,10 +3828,10 @@
       </p:sp>
       <p:sp>
         <p:nvSpPr>
-          <p:cNvPr id="17" name="Elipse 16">
-            <a:extLst>
-              <a:ext uri="{FF2B5EF4-FFF2-40B4-BE49-F238E27FC236}">
-                <a16:creationId xmlns:a16="http://schemas.microsoft.com/office/drawing/2014/main" id="{CDCFEFDF-6697-4FD7-9CFD-48BF2C0C14AB}"/>
+          <p:cNvPr id="75" name="Elipse 74">
+            <a:extLst>
+              <a:ext uri="{FF2B5EF4-FFF2-40B4-BE49-F238E27FC236}">
+                <a16:creationId xmlns:a16="http://schemas.microsoft.com/office/drawing/2014/main" id="{FBC6A271-3DF8-45DB-8D09-D92ABA4A24B8}"/>
               </a:ext>
             </a:extLst>
           </p:cNvPr>
@@ -3966,10 +3894,10 @@
       </p:sp>
       <p:sp>
         <p:nvSpPr>
-          <p:cNvPr id="18" name="Elipse 17">
-            <a:extLst>
-              <a:ext uri="{FF2B5EF4-FFF2-40B4-BE49-F238E27FC236}">
-                <a16:creationId xmlns:a16="http://schemas.microsoft.com/office/drawing/2014/main" id="{59D0F608-BD77-4410-B304-FAB43B5CE8FE}"/>
+          <p:cNvPr id="76" name="Elipse 75">
+            <a:extLst>
+              <a:ext uri="{FF2B5EF4-FFF2-40B4-BE49-F238E27FC236}">
+                <a16:creationId xmlns:a16="http://schemas.microsoft.com/office/drawing/2014/main" id="{C77559C2-1FA2-44AF-9B25-323B7E3414B6}"/>
               </a:ext>
             </a:extLst>
           </p:cNvPr>
@@ -4032,10 +3960,10 @@
       </p:sp>
       <p:sp>
         <p:nvSpPr>
-          <p:cNvPr id="19" name="Elipse 18">
-            <a:extLst>
-              <a:ext uri="{FF2B5EF4-FFF2-40B4-BE49-F238E27FC236}">
-                <a16:creationId xmlns:a16="http://schemas.microsoft.com/office/drawing/2014/main" id="{A9C2AD8A-CA6E-4A56-94FC-81F890877173}"/>
+          <p:cNvPr id="77" name="Elipse 76">
+            <a:extLst>
+              <a:ext uri="{FF2B5EF4-FFF2-40B4-BE49-F238E27FC236}">
+                <a16:creationId xmlns:a16="http://schemas.microsoft.com/office/drawing/2014/main" id="{2FF01A07-7C23-4ABC-AF36-030999F6E701}"/>
               </a:ext>
             </a:extLst>
           </p:cNvPr>
@@ -4098,10 +4026,10 @@
       </p:sp>
       <p:sp>
         <p:nvSpPr>
-          <p:cNvPr id="20" name="Elipse 19">
-            <a:extLst>
-              <a:ext uri="{FF2B5EF4-FFF2-40B4-BE49-F238E27FC236}">
-                <a16:creationId xmlns:a16="http://schemas.microsoft.com/office/drawing/2014/main" id="{7DF271E6-76A5-4CD7-878B-83F5AC772D68}"/>
+          <p:cNvPr id="78" name="Elipse 77">
+            <a:extLst>
+              <a:ext uri="{FF2B5EF4-FFF2-40B4-BE49-F238E27FC236}">
+                <a16:creationId xmlns:a16="http://schemas.microsoft.com/office/drawing/2014/main" id="{684E1697-7AEF-4B17-B9DF-823C9F041706}"/>
               </a:ext>
             </a:extLst>
           </p:cNvPr>
@@ -4164,10 +4092,10 @@
       </p:sp>
       <p:sp>
         <p:nvSpPr>
-          <p:cNvPr id="21" name="Rectángulo 20">
-            <a:extLst>
-              <a:ext uri="{FF2B5EF4-FFF2-40B4-BE49-F238E27FC236}">
-                <a16:creationId xmlns:a16="http://schemas.microsoft.com/office/drawing/2014/main" id="{F2165EED-83D0-48ED-943B-64607EC49756}"/>
+          <p:cNvPr id="79" name="Rectángulo 78">
+            <a:extLst>
+              <a:ext uri="{FF2B5EF4-FFF2-40B4-BE49-F238E27FC236}">
+                <a16:creationId xmlns:a16="http://schemas.microsoft.com/office/drawing/2014/main" id="{D4DB8C36-9069-4D43-BC6B-39B1B2465C8E}"/>
               </a:ext>
             </a:extLst>
           </p:cNvPr>
@@ -4225,10 +4153,10 @@
       </p:sp>
       <p:sp>
         <p:nvSpPr>
-          <p:cNvPr id="26" name="Elipse 25">
-            <a:extLst>
-              <a:ext uri="{FF2B5EF4-FFF2-40B4-BE49-F238E27FC236}">
-                <a16:creationId xmlns:a16="http://schemas.microsoft.com/office/drawing/2014/main" id="{9204D3C6-FE9A-4880-8F49-B03CF682F945}"/>
+          <p:cNvPr id="80" name="Elipse 79">
+            <a:extLst>
+              <a:ext uri="{FF2B5EF4-FFF2-40B4-BE49-F238E27FC236}">
+                <a16:creationId xmlns:a16="http://schemas.microsoft.com/office/drawing/2014/main" id="{DE6EB1D1-F0F4-436B-A09D-64FC23502591}"/>
               </a:ext>
             </a:extLst>
           </p:cNvPr>
@@ -4279,10 +4207,10 @@
       </p:sp>
       <p:sp>
         <p:nvSpPr>
-          <p:cNvPr id="27" name="Elipse 26">
-            <a:extLst>
-              <a:ext uri="{FF2B5EF4-FFF2-40B4-BE49-F238E27FC236}">
-                <a16:creationId xmlns:a16="http://schemas.microsoft.com/office/drawing/2014/main" id="{C3544732-5267-47A9-B71A-92B0B13D3DED}"/>
+          <p:cNvPr id="81" name="Elipse 80">
+            <a:extLst>
+              <a:ext uri="{FF2B5EF4-FFF2-40B4-BE49-F238E27FC236}">
+                <a16:creationId xmlns:a16="http://schemas.microsoft.com/office/drawing/2014/main" id="{DE213F74-81FC-4FF3-AD55-4F051AF387CD}"/>
               </a:ext>
             </a:extLst>
           </p:cNvPr>
@@ -4333,10 +4261,10 @@
       </p:sp>
       <p:sp>
         <p:nvSpPr>
-          <p:cNvPr id="28" name="Elipse 27">
-            <a:extLst>
-              <a:ext uri="{FF2B5EF4-FFF2-40B4-BE49-F238E27FC236}">
-                <a16:creationId xmlns:a16="http://schemas.microsoft.com/office/drawing/2014/main" id="{42E9EB48-26C6-45B4-8E03-1945E647092C}"/>
+          <p:cNvPr id="82" name="Elipse 81">
+            <a:extLst>
+              <a:ext uri="{FF2B5EF4-FFF2-40B4-BE49-F238E27FC236}">
+                <a16:creationId xmlns:a16="http://schemas.microsoft.com/office/drawing/2014/main" id="{CC5D6097-D272-4CD8-B43D-CEC25689A373}"/>
               </a:ext>
             </a:extLst>
           </p:cNvPr>
@@ -4387,10 +4315,10 @@
       </p:sp>
       <p:sp>
         <p:nvSpPr>
-          <p:cNvPr id="29" name="Elipse 28">
-            <a:extLst>
-              <a:ext uri="{FF2B5EF4-FFF2-40B4-BE49-F238E27FC236}">
-                <a16:creationId xmlns:a16="http://schemas.microsoft.com/office/drawing/2014/main" id="{9F8F6028-46BC-4CA0-8FE1-C15E8DF8DCF8}"/>
+          <p:cNvPr id="83" name="Elipse 82">
+            <a:extLst>
+              <a:ext uri="{FF2B5EF4-FFF2-40B4-BE49-F238E27FC236}">
+                <a16:creationId xmlns:a16="http://schemas.microsoft.com/office/drawing/2014/main" id="{0411EE04-B7B3-44AC-B467-340B7D1C8F11}"/>
               </a:ext>
             </a:extLst>
           </p:cNvPr>
@@ -4441,10 +4369,10 @@
       </p:sp>
       <p:sp>
         <p:nvSpPr>
-          <p:cNvPr id="30" name="Elipse 29">
-            <a:extLst>
-              <a:ext uri="{FF2B5EF4-FFF2-40B4-BE49-F238E27FC236}">
-                <a16:creationId xmlns:a16="http://schemas.microsoft.com/office/drawing/2014/main" id="{5EEB89C3-BCD7-4B09-9494-5ABC75935377}"/>
+          <p:cNvPr id="84" name="Elipse 83">
+            <a:extLst>
+              <a:ext uri="{FF2B5EF4-FFF2-40B4-BE49-F238E27FC236}">
+                <a16:creationId xmlns:a16="http://schemas.microsoft.com/office/drawing/2014/main" id="{FF8EFA55-08DF-40D4-A3F3-7A0C877069AF}"/>
               </a:ext>
             </a:extLst>
           </p:cNvPr>
@@ -4495,10 +4423,10 @@
       </p:sp>
       <p:sp>
         <p:nvSpPr>
-          <p:cNvPr id="31" name="Elipse 30">
-            <a:extLst>
-              <a:ext uri="{FF2B5EF4-FFF2-40B4-BE49-F238E27FC236}">
-                <a16:creationId xmlns:a16="http://schemas.microsoft.com/office/drawing/2014/main" id="{563A995D-E2FD-4A33-82D2-D5013B1F34FC}"/>
+          <p:cNvPr id="85" name="Elipse 84">
+            <a:extLst>
+              <a:ext uri="{FF2B5EF4-FFF2-40B4-BE49-F238E27FC236}">
+                <a16:creationId xmlns:a16="http://schemas.microsoft.com/office/drawing/2014/main" id="{1AE99A49-FCD8-483E-B173-83D2509459B8}"/>
               </a:ext>
             </a:extLst>
           </p:cNvPr>
@@ -4549,10 +4477,10 @@
       </p:sp>
       <p:sp>
         <p:nvSpPr>
-          <p:cNvPr id="32" name="Elipse 31">
-            <a:extLst>
-              <a:ext uri="{FF2B5EF4-FFF2-40B4-BE49-F238E27FC236}">
-                <a16:creationId xmlns:a16="http://schemas.microsoft.com/office/drawing/2014/main" id="{51C2E29C-6950-4A44-989A-7812772671D9}"/>
+          <p:cNvPr id="86" name="Elipse 85">
+            <a:extLst>
+              <a:ext uri="{FF2B5EF4-FFF2-40B4-BE49-F238E27FC236}">
+                <a16:creationId xmlns:a16="http://schemas.microsoft.com/office/drawing/2014/main" id="{B70CD591-5DB9-4EAD-8929-6898A6130B49}"/>
               </a:ext>
             </a:extLst>
           </p:cNvPr>
@@ -4603,10 +4531,10 @@
       </p:sp>
       <p:sp>
         <p:nvSpPr>
-          <p:cNvPr id="33" name="Elipse 32">
-            <a:extLst>
-              <a:ext uri="{FF2B5EF4-FFF2-40B4-BE49-F238E27FC236}">
-                <a16:creationId xmlns:a16="http://schemas.microsoft.com/office/drawing/2014/main" id="{A47672D6-A433-45FA-A8C9-B7BF3348262C}"/>
+          <p:cNvPr id="87" name="Elipse 86">
+            <a:extLst>
+              <a:ext uri="{FF2B5EF4-FFF2-40B4-BE49-F238E27FC236}">
+                <a16:creationId xmlns:a16="http://schemas.microsoft.com/office/drawing/2014/main" id="{141E4D47-3598-4A3C-8361-F57FE9FE5A9B}"/>
               </a:ext>
             </a:extLst>
           </p:cNvPr>
@@ -4657,10 +4585,10 @@
       </p:sp>
       <p:sp>
         <p:nvSpPr>
-          <p:cNvPr id="34" name="Elipse 33">
-            <a:extLst>
-              <a:ext uri="{FF2B5EF4-FFF2-40B4-BE49-F238E27FC236}">
-                <a16:creationId xmlns:a16="http://schemas.microsoft.com/office/drawing/2014/main" id="{FB2359CB-EC51-4070-BB59-5FE052897C26}"/>
+          <p:cNvPr id="88" name="Elipse 87">
+            <a:extLst>
+              <a:ext uri="{FF2B5EF4-FFF2-40B4-BE49-F238E27FC236}">
+                <a16:creationId xmlns:a16="http://schemas.microsoft.com/office/drawing/2014/main" id="{BB7DC605-4D94-4326-8674-65D3E576A0C6}"/>
               </a:ext>
             </a:extLst>
           </p:cNvPr>
@@ -4711,10 +4639,10 @@
       </p:sp>
       <p:sp>
         <p:nvSpPr>
-          <p:cNvPr id="35" name="Elipse 34">
-            <a:extLst>
-              <a:ext uri="{FF2B5EF4-FFF2-40B4-BE49-F238E27FC236}">
-                <a16:creationId xmlns:a16="http://schemas.microsoft.com/office/drawing/2014/main" id="{917859F5-5AB3-4FD9-82C0-356FE4F9FF52}"/>
+          <p:cNvPr id="89" name="Elipse 88">
+            <a:extLst>
+              <a:ext uri="{FF2B5EF4-FFF2-40B4-BE49-F238E27FC236}">
+                <a16:creationId xmlns:a16="http://schemas.microsoft.com/office/drawing/2014/main" id="{F681957F-4A60-4472-BB09-8F27CCF728D2}"/>
               </a:ext>
             </a:extLst>
           </p:cNvPr>
@@ -4765,10 +4693,10 @@
       </p:sp>
       <p:sp>
         <p:nvSpPr>
-          <p:cNvPr id="36" name="Elipse 35">
-            <a:extLst>
-              <a:ext uri="{FF2B5EF4-FFF2-40B4-BE49-F238E27FC236}">
-                <a16:creationId xmlns:a16="http://schemas.microsoft.com/office/drawing/2014/main" id="{215F852C-B9C1-44A7-8FA3-CD5F847EAD2D}"/>
+          <p:cNvPr id="90" name="Elipse 89">
+            <a:extLst>
+              <a:ext uri="{FF2B5EF4-FFF2-40B4-BE49-F238E27FC236}">
+                <a16:creationId xmlns:a16="http://schemas.microsoft.com/office/drawing/2014/main" id="{C467D464-1271-4D44-9260-89E9EB6AAF83}"/>
               </a:ext>
             </a:extLst>
           </p:cNvPr>
@@ -4819,10 +4747,10 @@
       </p:sp>
       <p:sp>
         <p:nvSpPr>
-          <p:cNvPr id="37" name="Elipse 36">
-            <a:extLst>
-              <a:ext uri="{FF2B5EF4-FFF2-40B4-BE49-F238E27FC236}">
-                <a16:creationId xmlns:a16="http://schemas.microsoft.com/office/drawing/2014/main" id="{086A4181-A33D-442D-96F9-507442F9A13D}"/>
+          <p:cNvPr id="91" name="Elipse 90">
+            <a:extLst>
+              <a:ext uri="{FF2B5EF4-FFF2-40B4-BE49-F238E27FC236}">
+                <a16:creationId xmlns:a16="http://schemas.microsoft.com/office/drawing/2014/main" id="{D5BE3637-DFB6-4174-B095-BE4754CFE23A}"/>
               </a:ext>
             </a:extLst>
           </p:cNvPr>
@@ -4873,10 +4801,10 @@
       </p:sp>
       <p:sp>
         <p:nvSpPr>
-          <p:cNvPr id="38" name="Elipse 37">
-            <a:extLst>
-              <a:ext uri="{FF2B5EF4-FFF2-40B4-BE49-F238E27FC236}">
-                <a16:creationId xmlns:a16="http://schemas.microsoft.com/office/drawing/2014/main" id="{F1F290B6-1F86-45B1-8CD6-83AA8A085EBA}"/>
+          <p:cNvPr id="92" name="Elipse 91">
+            <a:extLst>
+              <a:ext uri="{FF2B5EF4-FFF2-40B4-BE49-F238E27FC236}">
+                <a16:creationId xmlns:a16="http://schemas.microsoft.com/office/drawing/2014/main" id="{E011269F-90B2-4E8D-A659-97884BC0F016}"/>
               </a:ext>
             </a:extLst>
           </p:cNvPr>
@@ -4927,10 +4855,10 @@
       </p:sp>
       <p:sp>
         <p:nvSpPr>
-          <p:cNvPr id="39" name="Elipse 38">
-            <a:extLst>
-              <a:ext uri="{FF2B5EF4-FFF2-40B4-BE49-F238E27FC236}">
-                <a16:creationId xmlns:a16="http://schemas.microsoft.com/office/drawing/2014/main" id="{B5070440-EBF0-45BF-AE33-21ACC027F9D6}"/>
+          <p:cNvPr id="93" name="Elipse 92">
+            <a:extLst>
+              <a:ext uri="{FF2B5EF4-FFF2-40B4-BE49-F238E27FC236}">
+                <a16:creationId xmlns:a16="http://schemas.microsoft.com/office/drawing/2014/main" id="{FBC568A8-716A-4260-828E-EEE7FDCE6F76}"/>
               </a:ext>
             </a:extLst>
           </p:cNvPr>
@@ -4981,10 +4909,10 @@
       </p:sp>
       <p:sp>
         <p:nvSpPr>
-          <p:cNvPr id="40" name="Elipse 39">
-            <a:extLst>
-              <a:ext uri="{FF2B5EF4-FFF2-40B4-BE49-F238E27FC236}">
-                <a16:creationId xmlns:a16="http://schemas.microsoft.com/office/drawing/2014/main" id="{5B46B0D9-C63B-4B83-B592-14806542DDFB}"/>
+          <p:cNvPr id="94" name="Elipse 93">
+            <a:extLst>
+              <a:ext uri="{FF2B5EF4-FFF2-40B4-BE49-F238E27FC236}">
+                <a16:creationId xmlns:a16="http://schemas.microsoft.com/office/drawing/2014/main" id="{B9C7CB63-815D-4E1B-BF0F-93E5EC213BF2}"/>
               </a:ext>
             </a:extLst>
           </p:cNvPr>
@@ -5035,10 +4963,10 @@
       </p:sp>
       <p:sp>
         <p:nvSpPr>
-          <p:cNvPr id="41" name="Elipse 40">
-            <a:extLst>
-              <a:ext uri="{FF2B5EF4-FFF2-40B4-BE49-F238E27FC236}">
-                <a16:creationId xmlns:a16="http://schemas.microsoft.com/office/drawing/2014/main" id="{9CFB2FD3-15B1-4A62-9144-B0100FADD872}"/>
+          <p:cNvPr id="95" name="Elipse 94">
+            <a:extLst>
+              <a:ext uri="{FF2B5EF4-FFF2-40B4-BE49-F238E27FC236}">
+                <a16:creationId xmlns:a16="http://schemas.microsoft.com/office/drawing/2014/main" id="{1810E022-6868-4B5E-8CFC-6F4A95FA8726}"/>
               </a:ext>
             </a:extLst>
           </p:cNvPr>
@@ -5089,10 +5017,10 @@
       </p:sp>
       <p:sp>
         <p:nvSpPr>
-          <p:cNvPr id="42" name="Elipse 41">
-            <a:extLst>
-              <a:ext uri="{FF2B5EF4-FFF2-40B4-BE49-F238E27FC236}">
-                <a16:creationId xmlns:a16="http://schemas.microsoft.com/office/drawing/2014/main" id="{45BCF7FD-30F1-4F92-A926-6597CFE3A7D2}"/>
+          <p:cNvPr id="96" name="Elipse 95">
+            <a:extLst>
+              <a:ext uri="{FF2B5EF4-FFF2-40B4-BE49-F238E27FC236}">
+                <a16:creationId xmlns:a16="http://schemas.microsoft.com/office/drawing/2014/main" id="{AA4D274A-8776-4550-9FA9-236B2E46B780}"/>
               </a:ext>
             </a:extLst>
           </p:cNvPr>
@@ -5143,10 +5071,10 @@
       </p:sp>
       <p:sp>
         <p:nvSpPr>
-          <p:cNvPr id="43" name="Elipse 42">
-            <a:extLst>
-              <a:ext uri="{FF2B5EF4-FFF2-40B4-BE49-F238E27FC236}">
-                <a16:creationId xmlns:a16="http://schemas.microsoft.com/office/drawing/2014/main" id="{D45E03D0-3422-4FA0-A969-60F11A6A7127}"/>
+          <p:cNvPr id="97" name="Elipse 96">
+            <a:extLst>
+              <a:ext uri="{FF2B5EF4-FFF2-40B4-BE49-F238E27FC236}">
+                <a16:creationId xmlns:a16="http://schemas.microsoft.com/office/drawing/2014/main" id="{02781926-45AB-4FD3-9E5E-C7A69AE9291D}"/>
               </a:ext>
             </a:extLst>
           </p:cNvPr>
@@ -5197,10 +5125,10 @@
       </p:sp>
       <p:sp>
         <p:nvSpPr>
-          <p:cNvPr id="46" name="Elipse 45">
-            <a:extLst>
-              <a:ext uri="{FF2B5EF4-FFF2-40B4-BE49-F238E27FC236}">
-                <a16:creationId xmlns:a16="http://schemas.microsoft.com/office/drawing/2014/main" id="{40E8B90C-285B-4E4F-AEB6-98B6334D7819}"/>
+          <p:cNvPr id="98" name="Elipse 97">
+            <a:extLst>
+              <a:ext uri="{FF2B5EF4-FFF2-40B4-BE49-F238E27FC236}">
+                <a16:creationId xmlns:a16="http://schemas.microsoft.com/office/drawing/2014/main" id="{27EEEF92-DB15-4F2A-8F02-300F3673B245}"/>
               </a:ext>
             </a:extLst>
           </p:cNvPr>
@@ -5251,10 +5179,10 @@
       </p:sp>
       <p:sp>
         <p:nvSpPr>
-          <p:cNvPr id="47" name="Elipse 46">
-            <a:extLst>
-              <a:ext uri="{FF2B5EF4-FFF2-40B4-BE49-F238E27FC236}">
-                <a16:creationId xmlns:a16="http://schemas.microsoft.com/office/drawing/2014/main" id="{DE47029E-B1E7-4D10-A40F-B76A4D7682A9}"/>
+          <p:cNvPr id="99" name="Elipse 98">
+            <a:extLst>
+              <a:ext uri="{FF2B5EF4-FFF2-40B4-BE49-F238E27FC236}">
+                <a16:creationId xmlns:a16="http://schemas.microsoft.com/office/drawing/2014/main" id="{6C8C5189-E5B8-455C-8C82-5D1E5B673D54}"/>
               </a:ext>
             </a:extLst>
           </p:cNvPr>
@@ -5305,10 +5233,10 @@
       </p:sp>
       <p:sp>
         <p:nvSpPr>
-          <p:cNvPr id="48" name="Elipse 47">
-            <a:extLst>
-              <a:ext uri="{FF2B5EF4-FFF2-40B4-BE49-F238E27FC236}">
-                <a16:creationId xmlns:a16="http://schemas.microsoft.com/office/drawing/2014/main" id="{B51D14B1-28C0-4B10-960E-B550F64F46D9}"/>
+          <p:cNvPr id="100" name="Elipse 99">
+            <a:extLst>
+              <a:ext uri="{FF2B5EF4-FFF2-40B4-BE49-F238E27FC236}">
+                <a16:creationId xmlns:a16="http://schemas.microsoft.com/office/drawing/2014/main" id="{D0A5C035-038E-408B-B067-FBEA7C4B9CEA}"/>
               </a:ext>
             </a:extLst>
           </p:cNvPr>
@@ -5359,10 +5287,10 @@
       </p:sp>
       <p:sp>
         <p:nvSpPr>
-          <p:cNvPr id="51" name="Rectángulo 50">
-            <a:extLst>
-              <a:ext uri="{FF2B5EF4-FFF2-40B4-BE49-F238E27FC236}">
-                <a16:creationId xmlns:a16="http://schemas.microsoft.com/office/drawing/2014/main" id="{DFFC981E-C168-4F62-9FC3-F3CB6345EFCE}"/>
+          <p:cNvPr id="101" name="Rectángulo 100">
+            <a:extLst>
+              <a:ext uri="{FF2B5EF4-FFF2-40B4-BE49-F238E27FC236}">
+                <a16:creationId xmlns:a16="http://schemas.microsoft.com/office/drawing/2014/main" id="{2B6220E8-E59C-449E-9566-66A436FD0CA7}"/>
               </a:ext>
             </a:extLst>
           </p:cNvPr>
@@ -5407,10 +5335,10 @@
       </p:sp>
       <p:sp>
         <p:nvSpPr>
-          <p:cNvPr id="52" name="Rectángulo 51">
-            <a:extLst>
-              <a:ext uri="{FF2B5EF4-FFF2-40B4-BE49-F238E27FC236}">
-                <a16:creationId xmlns:a16="http://schemas.microsoft.com/office/drawing/2014/main" id="{5A386B38-626E-4920-831A-2144292A6803}"/>
+          <p:cNvPr id="102" name="Rectángulo 101">
+            <a:extLst>
+              <a:ext uri="{FF2B5EF4-FFF2-40B4-BE49-F238E27FC236}">
+                <a16:creationId xmlns:a16="http://schemas.microsoft.com/office/drawing/2014/main" id="{3F058EA6-0BB0-436C-96C3-5C2B35487D73}"/>
               </a:ext>
             </a:extLst>
           </p:cNvPr>
@@ -5472,10 +5400,10 @@
       </p:sp>
       <p:sp>
         <p:nvSpPr>
-          <p:cNvPr id="53" name="Rectángulo 52">
-            <a:extLst>
-              <a:ext uri="{FF2B5EF4-FFF2-40B4-BE49-F238E27FC236}">
-                <a16:creationId xmlns:a16="http://schemas.microsoft.com/office/drawing/2014/main" id="{2994D440-8724-4CC3-A61A-83C61C0EA412}"/>
+          <p:cNvPr id="103" name="Rectángulo 102">
+            <a:extLst>
+              <a:ext uri="{FF2B5EF4-FFF2-40B4-BE49-F238E27FC236}">
+                <a16:creationId xmlns:a16="http://schemas.microsoft.com/office/drawing/2014/main" id="{80AB20C7-023C-459E-8D43-310C7BF7BB08}"/>
               </a:ext>
             </a:extLst>
           </p:cNvPr>
@@ -5520,10 +5448,10 @@
       </p:sp>
       <p:sp>
         <p:nvSpPr>
-          <p:cNvPr id="54" name="Elipse 53">
-            <a:extLst>
-              <a:ext uri="{FF2B5EF4-FFF2-40B4-BE49-F238E27FC236}">
-                <a16:creationId xmlns:a16="http://schemas.microsoft.com/office/drawing/2014/main" id="{B49760FA-5492-4A00-9F22-6FA6A44C5845}"/>
+          <p:cNvPr id="104" name="Elipse 103">
+            <a:extLst>
+              <a:ext uri="{FF2B5EF4-FFF2-40B4-BE49-F238E27FC236}">
+                <a16:creationId xmlns:a16="http://schemas.microsoft.com/office/drawing/2014/main" id="{51FD81B5-A880-4E3C-A732-2D5760D7E336}"/>
               </a:ext>
             </a:extLst>
           </p:cNvPr>
@@ -5584,10 +5512,10 @@
       </p:sp>
       <p:sp>
         <p:nvSpPr>
-          <p:cNvPr id="55" name="Rectángulo 54">
-            <a:extLst>
-              <a:ext uri="{FF2B5EF4-FFF2-40B4-BE49-F238E27FC236}">
-                <a16:creationId xmlns:a16="http://schemas.microsoft.com/office/drawing/2014/main" id="{243CF127-778C-4688-8CFF-0DBB2FC9015D}"/>
+          <p:cNvPr id="105" name="Rectángulo 104">
+            <a:extLst>
+              <a:ext uri="{FF2B5EF4-FFF2-40B4-BE49-F238E27FC236}">
+                <a16:creationId xmlns:a16="http://schemas.microsoft.com/office/drawing/2014/main" id="{BE89290F-9524-4E87-B0FE-B01EEE2894C6}"/>
               </a:ext>
             </a:extLst>
           </p:cNvPr>
@@ -5657,10 +5585,10 @@
       </p:sp>
       <p:sp>
         <p:nvSpPr>
-          <p:cNvPr id="56" name="Rectángulo 55">
-            <a:extLst>
-              <a:ext uri="{FF2B5EF4-FFF2-40B4-BE49-F238E27FC236}">
-                <a16:creationId xmlns:a16="http://schemas.microsoft.com/office/drawing/2014/main" id="{A449C555-8C3E-4776-9E1B-84348330F105}"/>
+          <p:cNvPr id="106" name="Rectángulo 105">
+            <a:extLst>
+              <a:ext uri="{FF2B5EF4-FFF2-40B4-BE49-F238E27FC236}">
+                <a16:creationId xmlns:a16="http://schemas.microsoft.com/office/drawing/2014/main" id="{28EE5AA7-854A-48C6-827D-FAC24A937DFB}"/>
               </a:ext>
             </a:extLst>
           </p:cNvPr>
@@ -5730,10 +5658,10 @@
       </p:sp>
       <p:sp>
         <p:nvSpPr>
-          <p:cNvPr id="58" name="Rectángulo: esquinas redondeadas 57">
-            <a:extLst>
-              <a:ext uri="{FF2B5EF4-FFF2-40B4-BE49-F238E27FC236}">
-                <a16:creationId xmlns:a16="http://schemas.microsoft.com/office/drawing/2014/main" id="{8D333213-3DD7-4831-8115-0C5A027B4E70}"/>
+          <p:cNvPr id="107" name="Rectángulo: esquinas redondeadas 106">
+            <a:extLst>
+              <a:ext uri="{FF2B5EF4-FFF2-40B4-BE49-F238E27FC236}">
+                <a16:creationId xmlns:a16="http://schemas.microsoft.com/office/drawing/2014/main" id="{BF551374-1110-4AC5-AD21-CA076F06023E}"/>
               </a:ext>
             </a:extLst>
           </p:cNvPr>
@@ -5802,10 +5730,10 @@
       </p:sp>
       <p:sp>
         <p:nvSpPr>
-          <p:cNvPr id="59" name="Rectángulo: esquinas redondeadas 58">
-            <a:extLst>
-              <a:ext uri="{FF2B5EF4-FFF2-40B4-BE49-F238E27FC236}">
-                <a16:creationId xmlns:a16="http://schemas.microsoft.com/office/drawing/2014/main" id="{57222ECB-9BE9-411B-A02B-D03DBC4C277E}"/>
+          <p:cNvPr id="108" name="Rectángulo: esquinas redondeadas 107">
+            <a:extLst>
+              <a:ext uri="{FF2B5EF4-FFF2-40B4-BE49-F238E27FC236}">
+                <a16:creationId xmlns:a16="http://schemas.microsoft.com/office/drawing/2014/main" id="{751A443B-7799-4BFD-84A5-493E3F64DE82}"/>
               </a:ext>
             </a:extLst>
           </p:cNvPr>
@@ -5874,58 +5802,10 @@
       </p:sp>
       <p:sp>
         <p:nvSpPr>
-          <p:cNvPr id="60" name="Rectángulo 59">
-            <a:extLst>
-              <a:ext uri="{FF2B5EF4-FFF2-40B4-BE49-F238E27FC236}">
-                <a16:creationId xmlns:a16="http://schemas.microsoft.com/office/drawing/2014/main" id="{4B188137-7F07-4109-BF6F-71522553EECE}"/>
-              </a:ext>
-            </a:extLst>
-          </p:cNvPr>
-          <p:cNvSpPr/>
-          <p:nvPr/>
-        </p:nvSpPr>
-        <p:spPr>
-          <a:xfrm>
-            <a:off x="3181159" y="3945929"/>
-            <a:ext cx="474207" cy="338554"/>
-          </a:xfrm>
-          <a:prstGeom prst="rect">
-            <a:avLst/>
-          </a:prstGeom>
-          <a:noFill/>
-        </p:spPr>
-        <p:txBody>
-          <a:bodyPr wrap="square" lIns="91440" tIns="45720" rIns="91440" bIns="45720">
-            <a:spAutoFit/>
-          </a:bodyPr>
-          <a:lstStyle/>
-          <a:p>
-            <a:pPr algn="ctr"/>
-            <a:r>
-              <a:rPr lang="es-ES" sz="1600" b="0" cap="none" spc="0" dirty="0">
-                <a:ln w="0"/>
-                <a:solidFill>
-                  <a:schemeClr val="bg1"/>
-                </a:solidFill>
-                <a:effectLst>
-                  <a:outerShdw blurRad="38100" dist="19050" dir="2700000" algn="tl" rotWithShape="0">
-                    <a:schemeClr val="dk1">
-                      <a:alpha val="40000"/>
-                    </a:schemeClr>
-                  </a:outerShdw>
-                </a:effectLst>
-              </a:rPr>
-              <a:t>OK</a:t>
-            </a:r>
-          </a:p>
-        </p:txBody>
-      </p:sp>
-      <p:sp>
-        <p:nvSpPr>
-          <p:cNvPr id="64" name="Cuerda 63">
-            <a:extLst>
-              <a:ext uri="{FF2B5EF4-FFF2-40B4-BE49-F238E27FC236}">
-                <a16:creationId xmlns:a16="http://schemas.microsoft.com/office/drawing/2014/main" id="{CFD2E30A-D2C3-4879-A464-9B801ACFF3E3}"/>
+          <p:cNvPr id="109" name="Cuerda 108">
+            <a:extLst>
+              <a:ext uri="{FF2B5EF4-FFF2-40B4-BE49-F238E27FC236}">
+                <a16:creationId xmlns:a16="http://schemas.microsoft.com/office/drawing/2014/main" id="{B25D2C5E-BB32-47CC-B88D-3F1F4BD768BD}"/>
               </a:ext>
             </a:extLst>
           </p:cNvPr>
@@ -5997,19 +5877,19 @@
       </p:sp>
       <p:sp>
         <p:nvSpPr>
-          <p:cNvPr id="65" name="Cuerda 64">
-            <a:extLst>
-              <a:ext uri="{FF2B5EF4-FFF2-40B4-BE49-F238E27FC236}">
-                <a16:creationId xmlns:a16="http://schemas.microsoft.com/office/drawing/2014/main" id="{0395FF6E-DC4D-48C1-A487-8DD0F1B82801}"/>
-              </a:ext>
-            </a:extLst>
-          </p:cNvPr>
-          <p:cNvSpPr/>
-          <p:nvPr/>
-        </p:nvSpPr>
-        <p:spPr>
-          <a:xfrm rot="5400000">
-            <a:off x="3078016" y="3414359"/>
+          <p:cNvPr id="110" name="Cuerda 109">
+            <a:extLst>
+              <a:ext uri="{FF2B5EF4-FFF2-40B4-BE49-F238E27FC236}">
+                <a16:creationId xmlns:a16="http://schemas.microsoft.com/office/drawing/2014/main" id="{A30E80AB-1C34-430E-870A-F28A2A4FB0E3}"/>
+              </a:ext>
+            </a:extLst>
+          </p:cNvPr>
+          <p:cNvSpPr/>
+          <p:nvPr/>
+        </p:nvSpPr>
+        <p:spPr>
+          <a:xfrm>
+            <a:off x="2688221" y="3793535"/>
             <a:ext cx="691122" cy="682061"/>
           </a:xfrm>
           <a:prstGeom prst="chord">
@@ -6072,160 +5952,10 @@
       </p:sp>
       <p:sp>
         <p:nvSpPr>
-          <p:cNvPr id="66" name="Cuerda 65">
-            <a:extLst>
-              <a:ext uri="{FF2B5EF4-FFF2-40B4-BE49-F238E27FC236}">
-                <a16:creationId xmlns:a16="http://schemas.microsoft.com/office/drawing/2014/main" id="{926C460B-3235-49D4-9FE2-43F798CBB8C9}"/>
-              </a:ext>
-            </a:extLst>
-          </p:cNvPr>
-          <p:cNvSpPr/>
-          <p:nvPr/>
-        </p:nvSpPr>
-        <p:spPr>
-          <a:xfrm rot="16200000">
-            <a:off x="3083951" y="4180894"/>
-            <a:ext cx="691122" cy="682061"/>
-          </a:xfrm>
-          <a:prstGeom prst="chord">
-            <a:avLst>
-              <a:gd name="adj1" fmla="val 5423028"/>
-              <a:gd name="adj2" fmla="val 16079857"/>
-            </a:avLst>
-          </a:prstGeom>
-          <a:solidFill>
-            <a:schemeClr val="accent1">
-              <a:lumMod val="50000"/>
-            </a:schemeClr>
-          </a:solidFill>
-          <a:ln>
-            <a:noFill/>
-          </a:ln>
-          <a:effectLst>
-            <a:outerShdw blurRad="44450" dist="27940" dir="5400000" algn="ctr">
-              <a:srgbClr val="000000">
-                <a:alpha val="32000"/>
-              </a:srgbClr>
-            </a:outerShdw>
-          </a:effectLst>
-          <a:scene3d>
-            <a:camera prst="orthographicFront">
-              <a:rot lat="0" lon="0" rev="0"/>
-            </a:camera>
-            <a:lightRig rig="balanced" dir="t">
-              <a:rot lat="0" lon="0" rev="8700000"/>
-            </a:lightRig>
-          </a:scene3d>
-          <a:sp3d>
-            <a:bevelT w="190500" h="38100" prst="hardEdge"/>
-          </a:sp3d>
-        </p:spPr>
-        <p:style>
-          <a:lnRef idx="2">
-            <a:schemeClr val="accent1">
-              <a:shade val="50000"/>
-            </a:schemeClr>
-          </a:lnRef>
-          <a:fillRef idx="1">
-            <a:schemeClr val="accent1"/>
-          </a:fillRef>
-          <a:effectRef idx="0">
-            <a:schemeClr val="accent1"/>
-          </a:effectRef>
-          <a:fontRef idx="minor">
-            <a:schemeClr val="lt1"/>
-          </a:fontRef>
-        </p:style>
-        <p:txBody>
-          <a:bodyPr rtlCol="0" anchor="ctr"/>
-          <a:lstStyle/>
-          <a:p>
-            <a:pPr algn="ctr"/>
-            <a:endParaRPr lang="es-CO"/>
-          </a:p>
-        </p:txBody>
-      </p:sp>
-      <p:sp>
-        <p:nvSpPr>
-          <p:cNvPr id="67" name="Cuerda 66">
-            <a:extLst>
-              <a:ext uri="{FF2B5EF4-FFF2-40B4-BE49-F238E27FC236}">
-                <a16:creationId xmlns:a16="http://schemas.microsoft.com/office/drawing/2014/main" id="{1883097D-D15C-4657-BF94-162A9EC5E63B}"/>
-              </a:ext>
-            </a:extLst>
-          </p:cNvPr>
-          <p:cNvSpPr/>
-          <p:nvPr/>
-        </p:nvSpPr>
-        <p:spPr>
-          <a:xfrm>
-            <a:off x="2688221" y="3793535"/>
-            <a:ext cx="691122" cy="682061"/>
-          </a:xfrm>
-          <a:prstGeom prst="chord">
-            <a:avLst>
-              <a:gd name="adj1" fmla="val 5423028"/>
-              <a:gd name="adj2" fmla="val 16079857"/>
-            </a:avLst>
-          </a:prstGeom>
-          <a:solidFill>
-            <a:schemeClr val="accent1">
-              <a:lumMod val="50000"/>
-            </a:schemeClr>
-          </a:solidFill>
-          <a:ln>
-            <a:noFill/>
-          </a:ln>
-          <a:effectLst>
-            <a:outerShdw blurRad="44450" dist="27940" dir="5400000" algn="ctr">
-              <a:srgbClr val="000000">
-                <a:alpha val="32000"/>
-              </a:srgbClr>
-            </a:outerShdw>
-          </a:effectLst>
-          <a:scene3d>
-            <a:camera prst="orthographicFront">
-              <a:rot lat="0" lon="0" rev="0"/>
-            </a:camera>
-            <a:lightRig rig="balanced" dir="t">
-              <a:rot lat="0" lon="0" rev="8700000"/>
-            </a:lightRig>
-          </a:scene3d>
-          <a:sp3d>
-            <a:bevelT w="190500" h="38100" prst="hardEdge"/>
-          </a:sp3d>
-        </p:spPr>
-        <p:style>
-          <a:lnRef idx="2">
-            <a:schemeClr val="accent1">
-              <a:shade val="50000"/>
-            </a:schemeClr>
-          </a:lnRef>
-          <a:fillRef idx="1">
-            <a:schemeClr val="accent1"/>
-          </a:fillRef>
-          <a:effectRef idx="0">
-            <a:schemeClr val="accent1"/>
-          </a:effectRef>
-          <a:fontRef idx="minor">
-            <a:schemeClr val="lt1"/>
-          </a:fontRef>
-        </p:style>
-        <p:txBody>
-          <a:bodyPr rtlCol="0" anchor="ctr"/>
-          <a:lstStyle/>
-          <a:p>
-            <a:pPr algn="ctr"/>
-            <a:endParaRPr lang="es-CO"/>
-          </a:p>
-        </p:txBody>
-      </p:sp>
-      <p:sp>
-        <p:nvSpPr>
-          <p:cNvPr id="69" name="Rectángulo 68">
-            <a:extLst>
-              <a:ext uri="{FF2B5EF4-FFF2-40B4-BE49-F238E27FC236}">
-                <a16:creationId xmlns:a16="http://schemas.microsoft.com/office/drawing/2014/main" id="{8482C8DC-2A69-4A0E-BF16-ADBE92835B66}"/>
+          <p:cNvPr id="111" name="Rectángulo 110">
+            <a:extLst>
+              <a:ext uri="{FF2B5EF4-FFF2-40B4-BE49-F238E27FC236}">
+                <a16:creationId xmlns:a16="http://schemas.microsoft.com/office/drawing/2014/main" id="{B169D104-805B-4E64-863E-5AB49A66F744}"/>
               </a:ext>
             </a:extLst>
           </p:cNvPr>
@@ -6283,10 +6013,10 @@
       </p:sp>
       <p:sp>
         <p:nvSpPr>
-          <p:cNvPr id="70" name="Rectángulo 69">
-            <a:extLst>
-              <a:ext uri="{FF2B5EF4-FFF2-40B4-BE49-F238E27FC236}">
-                <a16:creationId xmlns:a16="http://schemas.microsoft.com/office/drawing/2014/main" id="{8AD88496-FC55-4479-9EC1-4D90A1CFCB95}"/>
+          <p:cNvPr id="112" name="Rectángulo 111">
+            <a:extLst>
+              <a:ext uri="{FF2B5EF4-FFF2-40B4-BE49-F238E27FC236}">
+                <a16:creationId xmlns:a16="http://schemas.microsoft.com/office/drawing/2014/main" id="{A5C9E382-91F1-46AE-A96D-14EAEE8FCCF7}"/>
               </a:ext>
             </a:extLst>
           </p:cNvPr>
@@ -6344,10 +6074,10 @@
       </p:sp>
       <p:sp>
         <p:nvSpPr>
-          <p:cNvPr id="57" name="Rectángulo 56">
-            <a:extLst>
-              <a:ext uri="{FF2B5EF4-FFF2-40B4-BE49-F238E27FC236}">
-                <a16:creationId xmlns:a16="http://schemas.microsoft.com/office/drawing/2014/main" id="{B728C3BC-5ECC-4B97-81A9-5C3EBD8FA860}"/>
+          <p:cNvPr id="113" name="Rectángulo 112">
+            <a:extLst>
+              <a:ext uri="{FF2B5EF4-FFF2-40B4-BE49-F238E27FC236}">
+                <a16:creationId xmlns:a16="http://schemas.microsoft.com/office/drawing/2014/main" id="{78C3964F-899E-44E5-B064-D1EF61CAE45D}"/>
               </a:ext>
             </a:extLst>
           </p:cNvPr>
@@ -6431,10 +6161,10 @@
       </p:sp>
       <p:sp>
         <p:nvSpPr>
-          <p:cNvPr id="61" name="Rectángulo 60">
-            <a:extLst>
-              <a:ext uri="{FF2B5EF4-FFF2-40B4-BE49-F238E27FC236}">
-                <a16:creationId xmlns:a16="http://schemas.microsoft.com/office/drawing/2014/main" id="{CCA61C9B-80CE-410F-B68D-A23B4DBC294A}"/>
+          <p:cNvPr id="114" name="Rectángulo 113">
+            <a:extLst>
+              <a:ext uri="{FF2B5EF4-FFF2-40B4-BE49-F238E27FC236}">
+                <a16:creationId xmlns:a16="http://schemas.microsoft.com/office/drawing/2014/main" id="{5E208736-6E0C-4CD8-B03D-08A1FE59F53A}"/>
               </a:ext>
             </a:extLst>
           </p:cNvPr>
@@ -6508,10 +6238,10 @@
       </p:sp>
       <p:pic>
         <p:nvPicPr>
-          <p:cNvPr id="22" name="Imagen 21">
-            <a:extLst>
-              <a:ext uri="{FF2B5EF4-FFF2-40B4-BE49-F238E27FC236}">
-                <a16:creationId xmlns:a16="http://schemas.microsoft.com/office/drawing/2014/main" id="{6BF62ED4-A257-4100-BD4A-8C84D7D4B8CD}"/>
+          <p:cNvPr id="115" name="Imagen 114">
+            <a:extLst>
+              <a:ext uri="{FF2B5EF4-FFF2-40B4-BE49-F238E27FC236}">
+                <a16:creationId xmlns:a16="http://schemas.microsoft.com/office/drawing/2014/main" id="{4FCF13D0-36EB-4A92-98EE-19C8C3A42469}"/>
               </a:ext>
             </a:extLst>
           </p:cNvPr>
@@ -6544,10 +6274,10 @@
       </p:pic>
       <p:pic>
         <p:nvPicPr>
-          <p:cNvPr id="44" name="Imagen 43">
-            <a:extLst>
-              <a:ext uri="{FF2B5EF4-FFF2-40B4-BE49-F238E27FC236}">
-                <a16:creationId xmlns:a16="http://schemas.microsoft.com/office/drawing/2014/main" id="{92A347E7-FA63-43B1-AA13-E5A84AACCE2F}"/>
+          <p:cNvPr id="116" name="Imagen 115">
+            <a:extLst>
+              <a:ext uri="{FF2B5EF4-FFF2-40B4-BE49-F238E27FC236}">
+                <a16:creationId xmlns:a16="http://schemas.microsoft.com/office/drawing/2014/main" id="{FD8DAC4E-0D21-4164-ADA8-CC48AF58D05B}"/>
               </a:ext>
             </a:extLst>
           </p:cNvPr>
@@ -6578,6 +6308,337 @@
           </a:prstGeom>
         </p:spPr>
       </p:pic>
+      <p:sp>
+        <p:nvSpPr>
+          <p:cNvPr id="117" name="Rectángulo: esquinas superiores redondeadas 116">
+            <a:extLst>
+              <a:ext uri="{FF2B5EF4-FFF2-40B4-BE49-F238E27FC236}">
+                <a16:creationId xmlns:a16="http://schemas.microsoft.com/office/drawing/2014/main" id="{60A71584-02FE-4493-93A4-65C4C408ED75}"/>
+              </a:ext>
+            </a:extLst>
+          </p:cNvPr>
+          <p:cNvSpPr/>
+          <p:nvPr/>
+        </p:nvSpPr>
+        <p:spPr>
+          <a:xfrm>
+            <a:off x="3083077" y="3767367"/>
+            <a:ext cx="691122" cy="338554"/>
+          </a:xfrm>
+          <a:prstGeom prst="round2SameRect">
+            <a:avLst>
+              <a:gd name="adj1" fmla="val 37394"/>
+              <a:gd name="adj2" fmla="val 0"/>
+            </a:avLst>
+          </a:prstGeom>
+          <a:solidFill>
+            <a:schemeClr val="accent1">
+              <a:lumMod val="50000"/>
+            </a:schemeClr>
+          </a:solidFill>
+          <a:ln>
+            <a:noFill/>
+          </a:ln>
+          <a:effectLst>
+            <a:outerShdw blurRad="44450" dist="27940" dir="5400000" algn="ctr">
+              <a:srgbClr val="000000">
+                <a:alpha val="32000"/>
+              </a:srgbClr>
+            </a:outerShdw>
+          </a:effectLst>
+          <a:scene3d>
+            <a:camera prst="orthographicFront">
+              <a:rot lat="0" lon="0" rev="0"/>
+            </a:camera>
+            <a:lightRig rig="balanced" dir="t">
+              <a:rot lat="0" lon="0" rev="8700000"/>
+            </a:lightRig>
+          </a:scene3d>
+          <a:sp3d>
+            <a:bevelT w="190500" h="38100" prst="hardEdge"/>
+          </a:sp3d>
+        </p:spPr>
+        <p:style>
+          <a:lnRef idx="2">
+            <a:schemeClr val="accent1">
+              <a:shade val="50000"/>
+            </a:schemeClr>
+          </a:lnRef>
+          <a:fillRef idx="1">
+            <a:schemeClr val="accent1"/>
+          </a:fillRef>
+          <a:effectRef idx="0">
+            <a:schemeClr val="accent1"/>
+          </a:effectRef>
+          <a:fontRef idx="minor">
+            <a:schemeClr val="lt1"/>
+          </a:fontRef>
+        </p:style>
+        <p:txBody>
+          <a:bodyPr rtlCol="0" anchor="ctr"/>
+          <a:lstStyle/>
+          <a:p>
+            <a:pPr algn="ctr"/>
+            <a:endParaRPr lang="es-CO"/>
+          </a:p>
+        </p:txBody>
+      </p:sp>
+      <p:sp>
+        <p:nvSpPr>
+          <p:cNvPr id="118" name="Rectángulo: esquinas redondeadas 117">
+            <a:extLst>
+              <a:ext uri="{FF2B5EF4-FFF2-40B4-BE49-F238E27FC236}">
+                <a16:creationId xmlns:a16="http://schemas.microsoft.com/office/drawing/2014/main" id="{072B1C41-88A7-43BB-9DA0-8310E76258B8}"/>
+              </a:ext>
+            </a:extLst>
+          </p:cNvPr>
+          <p:cNvSpPr/>
+          <p:nvPr/>
+        </p:nvSpPr>
+        <p:spPr>
+          <a:xfrm>
+            <a:off x="4190435" y="2818655"/>
+            <a:ext cx="573494" cy="219075"/>
+          </a:xfrm>
+          <a:prstGeom prst="roundRect">
+            <a:avLst/>
+          </a:prstGeom>
+          <a:solidFill>
+            <a:schemeClr val="accent1">
+              <a:lumMod val="50000"/>
+            </a:schemeClr>
+          </a:solidFill>
+          <a:ln>
+            <a:noFill/>
+          </a:ln>
+          <a:effectLst>
+            <a:outerShdw blurRad="44450" dist="27940" dir="5400000" algn="ctr">
+              <a:srgbClr val="000000">
+                <a:alpha val="32000"/>
+              </a:srgbClr>
+            </a:outerShdw>
+          </a:effectLst>
+          <a:scene3d>
+            <a:camera prst="orthographicFront">
+              <a:rot lat="0" lon="0" rev="0"/>
+            </a:camera>
+            <a:lightRig rig="balanced" dir="t">
+              <a:rot lat="0" lon="0" rev="8700000"/>
+            </a:lightRig>
+          </a:scene3d>
+          <a:sp3d>
+            <a:bevelT w="190500" h="38100" prst="hardEdge"/>
+          </a:sp3d>
+        </p:spPr>
+        <p:style>
+          <a:lnRef idx="2">
+            <a:schemeClr val="accent1">
+              <a:shade val="50000"/>
+            </a:schemeClr>
+          </a:lnRef>
+          <a:fillRef idx="1">
+            <a:schemeClr val="accent1"/>
+          </a:fillRef>
+          <a:effectRef idx="0">
+            <a:schemeClr val="accent1"/>
+          </a:effectRef>
+          <a:fontRef idx="minor">
+            <a:schemeClr val="lt1"/>
+          </a:fontRef>
+        </p:style>
+        <p:txBody>
+          <a:bodyPr rtlCol="0" anchor="ctr"/>
+          <a:lstStyle/>
+          <a:p>
+            <a:pPr algn="ctr"/>
+            <a:endParaRPr lang="es-CO"/>
+          </a:p>
+        </p:txBody>
+      </p:sp>
+      <p:sp>
+        <p:nvSpPr>
+          <p:cNvPr id="119" name="Rectángulo 118">
+            <a:extLst>
+              <a:ext uri="{FF2B5EF4-FFF2-40B4-BE49-F238E27FC236}">
+                <a16:creationId xmlns:a16="http://schemas.microsoft.com/office/drawing/2014/main" id="{B77B8CE9-2479-478C-BD32-59B2562AC336}"/>
+              </a:ext>
+            </a:extLst>
+          </p:cNvPr>
+          <p:cNvSpPr/>
+          <p:nvPr/>
+        </p:nvSpPr>
+        <p:spPr>
+          <a:xfrm>
+            <a:off x="4096784" y="2498612"/>
+            <a:ext cx="760796" cy="338554"/>
+          </a:xfrm>
+          <a:prstGeom prst="rect">
+            <a:avLst/>
+          </a:prstGeom>
+          <a:noFill/>
+        </p:spPr>
+        <p:txBody>
+          <a:bodyPr wrap="square" lIns="91440" tIns="45720" rIns="91440" bIns="45720">
+            <a:spAutoFit/>
+          </a:bodyPr>
+          <a:lstStyle/>
+          <a:p>
+            <a:pPr algn="ctr"/>
+            <a:r>
+              <a:rPr lang="es-ES" sz="1600" b="0" cap="none" spc="0" dirty="0">
+                <a:ln w="0"/>
+                <a:solidFill>
+                  <a:schemeClr val="bg1"/>
+                </a:solidFill>
+                <a:effectLst>
+                  <a:outerShdw blurRad="38100" dist="19050" dir="2700000" algn="tl" rotWithShape="0">
+                    <a:schemeClr val="dk1">
+                      <a:alpha val="40000"/>
+                    </a:schemeClr>
+                  </a:outerShdw>
+                </a:effectLst>
+              </a:rPr>
+              <a:t>OK</a:t>
+            </a:r>
+          </a:p>
+        </p:txBody>
+      </p:sp>
+      <p:sp>
+        <p:nvSpPr>
+          <p:cNvPr id="120" name="Rectángulo: esquinas superiores redondeadas 119">
+            <a:extLst>
+              <a:ext uri="{FF2B5EF4-FFF2-40B4-BE49-F238E27FC236}">
+                <a16:creationId xmlns:a16="http://schemas.microsoft.com/office/drawing/2014/main" id="{EA2C7BB5-096D-4E5F-A312-7C5837AA6D86}"/>
+              </a:ext>
+            </a:extLst>
+          </p:cNvPr>
+          <p:cNvSpPr/>
+          <p:nvPr/>
+        </p:nvSpPr>
+        <p:spPr>
+          <a:xfrm rot="10800000">
+            <a:off x="3076234" y="4163210"/>
+            <a:ext cx="691122" cy="338554"/>
+          </a:xfrm>
+          <a:prstGeom prst="round2SameRect">
+            <a:avLst>
+              <a:gd name="adj1" fmla="val 37394"/>
+              <a:gd name="adj2" fmla="val 0"/>
+            </a:avLst>
+          </a:prstGeom>
+          <a:solidFill>
+            <a:schemeClr val="accent1">
+              <a:lumMod val="50000"/>
+            </a:schemeClr>
+          </a:solidFill>
+          <a:ln>
+            <a:noFill/>
+          </a:ln>
+          <a:effectLst>
+            <a:outerShdw blurRad="44450" dist="27940" dir="5400000" algn="ctr">
+              <a:srgbClr val="000000">
+                <a:alpha val="32000"/>
+              </a:srgbClr>
+            </a:outerShdw>
+          </a:effectLst>
+          <a:scene3d>
+            <a:camera prst="orthographicFront">
+              <a:rot lat="0" lon="0" rev="0"/>
+            </a:camera>
+            <a:lightRig rig="balanced" dir="t">
+              <a:rot lat="0" lon="0" rev="8700000"/>
+            </a:lightRig>
+          </a:scene3d>
+          <a:sp3d>
+            <a:bevelT w="190500" h="38100" prst="hardEdge"/>
+          </a:sp3d>
+        </p:spPr>
+        <p:style>
+          <a:lnRef idx="2">
+            <a:schemeClr val="accent1">
+              <a:shade val="50000"/>
+            </a:schemeClr>
+          </a:lnRef>
+          <a:fillRef idx="1">
+            <a:schemeClr val="accent1"/>
+          </a:fillRef>
+          <a:effectRef idx="0">
+            <a:schemeClr val="accent1"/>
+          </a:effectRef>
+          <a:fontRef idx="minor">
+            <a:schemeClr val="lt1"/>
+          </a:fontRef>
+        </p:style>
+        <p:txBody>
+          <a:bodyPr rtlCol="0" anchor="ctr"/>
+          <a:lstStyle/>
+          <a:p>
+            <a:pPr algn="ctr"/>
+            <a:endParaRPr lang="es-CO"/>
+          </a:p>
+        </p:txBody>
+      </p:sp>
+      <p:sp>
+        <p:nvSpPr>
+          <p:cNvPr id="121" name="Rectángulo: esquinas redondeadas 120">
+            <a:extLst>
+              <a:ext uri="{FF2B5EF4-FFF2-40B4-BE49-F238E27FC236}">
+                <a16:creationId xmlns:a16="http://schemas.microsoft.com/office/drawing/2014/main" id="{362358BA-8D55-457A-97A0-815B4992634C}"/>
+              </a:ext>
+            </a:extLst>
+          </p:cNvPr>
+          <p:cNvSpPr/>
+          <p:nvPr/>
+        </p:nvSpPr>
+        <p:spPr>
+          <a:xfrm>
+            <a:off x="2606722" y="3705367"/>
+            <a:ext cx="1633724" cy="869057"/>
+          </a:xfrm>
+          <a:prstGeom prst="roundRect">
+            <a:avLst>
+              <a:gd name="adj" fmla="val 47290"/>
+            </a:avLst>
+          </a:prstGeom>
+          <a:noFill/>
+          <a:ln>
+            <a:solidFill>
+              <a:schemeClr val="tx1"/>
+            </a:solidFill>
+          </a:ln>
+          <a:scene3d>
+            <a:camera prst="orthographicFront"/>
+            <a:lightRig rig="threePt" dir="t"/>
+          </a:scene3d>
+          <a:sp3d>
+            <a:bevelT prst="slope"/>
+          </a:sp3d>
+        </p:spPr>
+        <p:style>
+          <a:lnRef idx="2">
+            <a:schemeClr val="accent1">
+              <a:shade val="50000"/>
+            </a:schemeClr>
+          </a:lnRef>
+          <a:fillRef idx="1">
+            <a:schemeClr val="accent1"/>
+          </a:fillRef>
+          <a:effectRef idx="0">
+            <a:schemeClr val="accent1"/>
+          </a:effectRef>
+          <a:fontRef idx="minor">
+            <a:schemeClr val="lt1"/>
+          </a:fontRef>
+        </p:style>
+        <p:txBody>
+          <a:bodyPr rtlCol="0" anchor="ctr"/>
+          <a:lstStyle/>
+          <a:p>
+            <a:pPr algn="ctr"/>
+            <a:endParaRPr lang="es-CO"/>
+          </a:p>
+        </p:txBody>
+      </p:sp>
     </p:spTree>
     <p:extLst>
       <p:ext uri="{BB962C8B-B14F-4D97-AF65-F5344CB8AC3E}">
@@ -6610,10 +6671,10 @@
       </p:grpSpPr>
       <p:sp>
         <p:nvSpPr>
-          <p:cNvPr id="4" name="Rectángulo: esquinas redondeadas 3">
-            <a:extLst>
-              <a:ext uri="{FF2B5EF4-FFF2-40B4-BE49-F238E27FC236}">
-                <a16:creationId xmlns:a16="http://schemas.microsoft.com/office/drawing/2014/main" id="{CA31E9D4-624E-4346-A125-C61C6211BA65}"/>
+          <p:cNvPr id="192" name="Rectángulo: esquinas redondeadas 191">
+            <a:extLst>
+              <a:ext uri="{FF2B5EF4-FFF2-40B4-BE49-F238E27FC236}">
+                <a16:creationId xmlns:a16="http://schemas.microsoft.com/office/drawing/2014/main" id="{F2907150-786A-400D-BF18-177DCD76CFD2}"/>
               </a:ext>
             </a:extLst>
           </p:cNvPr>
@@ -6682,20 +6743,20 @@
       </p:sp>
       <p:sp>
         <p:nvSpPr>
-          <p:cNvPr id="20" name="Rectángulo 19">
-            <a:extLst>
-              <a:ext uri="{FF2B5EF4-FFF2-40B4-BE49-F238E27FC236}">
-                <a16:creationId xmlns:a16="http://schemas.microsoft.com/office/drawing/2014/main" id="{BEDCDCC6-5C7B-43C6-869D-A61D5DC8AA8F}"/>
-              </a:ext>
-            </a:extLst>
-          </p:cNvPr>
-          <p:cNvSpPr/>
-          <p:nvPr/>
-        </p:nvSpPr>
-        <p:spPr>
-          <a:xfrm>
-            <a:off x="4596170" y="3389785"/>
-            <a:ext cx="3595619" cy="338554"/>
+          <p:cNvPr id="193" name="Rectángulo 192">
+            <a:extLst>
+              <a:ext uri="{FF2B5EF4-FFF2-40B4-BE49-F238E27FC236}">
+                <a16:creationId xmlns:a16="http://schemas.microsoft.com/office/drawing/2014/main" id="{E88467A2-6EDC-4D66-A97B-542E227B80D1}"/>
+              </a:ext>
+            </a:extLst>
+          </p:cNvPr>
+          <p:cNvSpPr/>
+          <p:nvPr/>
+        </p:nvSpPr>
+        <p:spPr>
+          <a:xfrm>
+            <a:off x="4829720" y="3685973"/>
+            <a:ext cx="497677" cy="492443"/>
           </a:xfrm>
           <a:prstGeom prst="rect">
             <a:avLst/>
@@ -6710,7 +6771,7 @@
           <a:p>
             <a:pPr algn="ctr"/>
             <a:r>
-              <a:rPr lang="es-ES" sz="1600" dirty="0">
+              <a:rPr lang="es-ES" sz="1200" dirty="0">
                 <a:ln w="0"/>
                 <a:solidFill>
                   <a:schemeClr val="bg1"/>
@@ -6723,67 +6784,7 @@
                   </a:outerShdw>
                 </a:effectLst>
               </a:rPr>
-              <a:t>________ OUT ________</a:t>
-            </a:r>
-            <a:endParaRPr lang="es-ES" sz="1600" b="0" cap="none" spc="0" dirty="0">
-              <a:ln w="0"/>
-              <a:solidFill>
-                <a:schemeClr val="bg1"/>
-              </a:solidFill>
-              <a:effectLst>
-                <a:outerShdw blurRad="38100" dist="19050" dir="2700000" algn="tl" rotWithShape="0">
-                  <a:schemeClr val="dk1">
-                    <a:alpha val="40000"/>
-                  </a:schemeClr>
-                </a:outerShdw>
-              </a:effectLst>
-            </a:endParaRPr>
-          </a:p>
-        </p:txBody>
-      </p:sp>
-      <p:sp>
-        <p:nvSpPr>
-          <p:cNvPr id="42" name="Rectángulo 41">
-            <a:extLst>
-              <a:ext uri="{FF2B5EF4-FFF2-40B4-BE49-F238E27FC236}">
-                <a16:creationId xmlns:a16="http://schemas.microsoft.com/office/drawing/2014/main" id="{53CE9C0F-55F3-4035-89C1-EA6C131ABCEA}"/>
-              </a:ext>
-            </a:extLst>
-          </p:cNvPr>
-          <p:cNvSpPr/>
-          <p:nvPr/>
-        </p:nvSpPr>
-        <p:spPr>
-          <a:xfrm>
-            <a:off x="4817849" y="3772233"/>
-            <a:ext cx="497677" cy="307777"/>
-          </a:xfrm>
-          <a:prstGeom prst="rect">
-            <a:avLst/>
-          </a:prstGeom>
-          <a:noFill/>
-        </p:spPr>
-        <p:txBody>
-          <a:bodyPr wrap="square" lIns="91440" tIns="45720" rIns="91440" bIns="45720">
-            <a:spAutoFit/>
-          </a:bodyPr>
-          <a:lstStyle/>
-          <a:p>
-            <a:r>
-              <a:rPr lang="es-ES" sz="1400" dirty="0">
-                <a:ln w="0"/>
-                <a:solidFill>
-                  <a:schemeClr val="bg1"/>
-                </a:solidFill>
-                <a:effectLst>
-                  <a:outerShdw blurRad="38100" dist="19050" dir="2700000" algn="tl" rotWithShape="0">
-                    <a:schemeClr val="dk1">
-                      <a:alpha val="40000"/>
-                    </a:schemeClr>
-                  </a:outerShdw>
-                </a:effectLst>
-              </a:rPr>
-              <a:t>24V</a:t>
+              <a:t>24VAC</a:t>
             </a:r>
             <a:r>
               <a:rPr lang="es-ES" sz="1400" b="0" cap="none" spc="0" dirty="0">
@@ -6822,10 +6823,10 @@
       </p:sp>
       <p:sp>
         <p:nvSpPr>
-          <p:cNvPr id="43" name="Rectángulo 42">
-            <a:extLst>
-              <a:ext uri="{FF2B5EF4-FFF2-40B4-BE49-F238E27FC236}">
-                <a16:creationId xmlns:a16="http://schemas.microsoft.com/office/drawing/2014/main" id="{FB0F649C-97CA-4491-ADA2-FE35570E507C}"/>
+          <p:cNvPr id="194" name="Rectángulo 193">
+            <a:extLst>
+              <a:ext uri="{FF2B5EF4-FFF2-40B4-BE49-F238E27FC236}">
+                <a16:creationId xmlns:a16="http://schemas.microsoft.com/office/drawing/2014/main" id="{0E2842AB-8FDB-4148-A0AB-B1881DCA2C2E}"/>
               </a:ext>
             </a:extLst>
           </p:cNvPr>
@@ -6892,10 +6893,10 @@
       </p:sp>
       <p:sp>
         <p:nvSpPr>
-          <p:cNvPr id="46" name="Rectángulo 45">
-            <a:extLst>
-              <a:ext uri="{FF2B5EF4-FFF2-40B4-BE49-F238E27FC236}">
-                <a16:creationId xmlns:a16="http://schemas.microsoft.com/office/drawing/2014/main" id="{CFBFEB93-42AC-4C50-B24B-78021DEA9F1E}"/>
+          <p:cNvPr id="195" name="Rectángulo 194">
+            <a:extLst>
+              <a:ext uri="{FF2B5EF4-FFF2-40B4-BE49-F238E27FC236}">
+                <a16:creationId xmlns:a16="http://schemas.microsoft.com/office/drawing/2014/main" id="{3DEB81A1-8DF4-4A11-BD98-D597FF5BD71A}"/>
               </a:ext>
             </a:extLst>
           </p:cNvPr>
@@ -6965,10 +6966,10 @@
       </p:sp>
       <p:sp>
         <p:nvSpPr>
-          <p:cNvPr id="47" name="Rectángulo 46">
-            <a:extLst>
-              <a:ext uri="{FF2B5EF4-FFF2-40B4-BE49-F238E27FC236}">
-                <a16:creationId xmlns:a16="http://schemas.microsoft.com/office/drawing/2014/main" id="{9FC239EC-A02C-4D3F-A1DE-CC1A0C5310C2}"/>
+          <p:cNvPr id="196" name="Rectángulo 195">
+            <a:extLst>
+              <a:ext uri="{FF2B5EF4-FFF2-40B4-BE49-F238E27FC236}">
+                <a16:creationId xmlns:a16="http://schemas.microsoft.com/office/drawing/2014/main" id="{DBC5759E-4F78-4FC6-A6F1-8472EB8E5117}"/>
               </a:ext>
             </a:extLst>
           </p:cNvPr>
@@ -7038,10 +7039,10 @@
       </p:sp>
       <p:sp>
         <p:nvSpPr>
-          <p:cNvPr id="50" name="Rectángulo 49">
-            <a:extLst>
-              <a:ext uri="{FF2B5EF4-FFF2-40B4-BE49-F238E27FC236}">
-                <a16:creationId xmlns:a16="http://schemas.microsoft.com/office/drawing/2014/main" id="{C2E870EB-01CA-4225-937A-32F37CD35872}"/>
+          <p:cNvPr id="197" name="Rectángulo 196">
+            <a:extLst>
+              <a:ext uri="{FF2B5EF4-FFF2-40B4-BE49-F238E27FC236}">
+                <a16:creationId xmlns:a16="http://schemas.microsoft.com/office/drawing/2014/main" id="{6D5ED924-6AC7-4DD1-B5B7-3A450C1D2934}"/>
               </a:ext>
             </a:extLst>
           </p:cNvPr>
@@ -7105,10 +7106,10 @@
       </p:sp>
       <p:sp>
         <p:nvSpPr>
-          <p:cNvPr id="51" name="Rectángulo 50">
-            <a:extLst>
-              <a:ext uri="{FF2B5EF4-FFF2-40B4-BE49-F238E27FC236}">
-                <a16:creationId xmlns:a16="http://schemas.microsoft.com/office/drawing/2014/main" id="{0D7CACDD-EB86-4052-BEB9-58BA14A6C9DB}"/>
+          <p:cNvPr id="198" name="Rectángulo 197">
+            <a:extLst>
+              <a:ext uri="{FF2B5EF4-FFF2-40B4-BE49-F238E27FC236}">
+                <a16:creationId xmlns:a16="http://schemas.microsoft.com/office/drawing/2014/main" id="{A6B1B9A3-1417-4A30-8583-29ADFEF1F8D9}"/>
               </a:ext>
             </a:extLst>
           </p:cNvPr>
@@ -7172,10 +7173,10 @@
       </p:sp>
       <p:sp>
         <p:nvSpPr>
-          <p:cNvPr id="52" name="Rectángulo: esquinas superiores cortadas 51">
-            <a:extLst>
-              <a:ext uri="{FF2B5EF4-FFF2-40B4-BE49-F238E27FC236}">
-                <a16:creationId xmlns:a16="http://schemas.microsoft.com/office/drawing/2014/main" id="{046F03B5-E242-40E1-9CE2-39605969BA13}"/>
+          <p:cNvPr id="199" name="Rectángulo: esquinas superiores cortadas 198">
+            <a:extLst>
+              <a:ext uri="{FF2B5EF4-FFF2-40B4-BE49-F238E27FC236}">
+                <a16:creationId xmlns:a16="http://schemas.microsoft.com/office/drawing/2014/main" id="{AD6F66D4-857B-4B7B-9381-41ABCA46EAFE}"/>
               </a:ext>
             </a:extLst>
           </p:cNvPr>
@@ -7228,10 +7229,10 @@
       </p:sp>
       <p:sp>
         <p:nvSpPr>
-          <p:cNvPr id="53" name="Elipse 52">
-            <a:extLst>
-              <a:ext uri="{FF2B5EF4-FFF2-40B4-BE49-F238E27FC236}">
-                <a16:creationId xmlns:a16="http://schemas.microsoft.com/office/drawing/2014/main" id="{804C16EF-35FE-4951-8771-41A1489FDFA0}"/>
+          <p:cNvPr id="200" name="Elipse 199">
+            <a:extLst>
+              <a:ext uri="{FF2B5EF4-FFF2-40B4-BE49-F238E27FC236}">
+                <a16:creationId xmlns:a16="http://schemas.microsoft.com/office/drawing/2014/main" id="{51EB3B7E-1B38-4888-A271-A2BC5EC36C92}"/>
               </a:ext>
             </a:extLst>
           </p:cNvPr>
@@ -7277,10 +7278,10 @@
       </p:sp>
       <p:sp>
         <p:nvSpPr>
-          <p:cNvPr id="55" name="Elipse 54">
-            <a:extLst>
-              <a:ext uri="{FF2B5EF4-FFF2-40B4-BE49-F238E27FC236}">
-                <a16:creationId xmlns:a16="http://schemas.microsoft.com/office/drawing/2014/main" id="{FBC581F1-B902-4F04-BCA8-8D8816AC78A1}"/>
+          <p:cNvPr id="203" name="Elipse 202">
+            <a:extLst>
+              <a:ext uri="{FF2B5EF4-FFF2-40B4-BE49-F238E27FC236}">
+                <a16:creationId xmlns:a16="http://schemas.microsoft.com/office/drawing/2014/main" id="{88A45683-EFCD-4A94-B64F-78C3C8647BC7}"/>
               </a:ext>
             </a:extLst>
           </p:cNvPr>
@@ -7343,10 +7344,10 @@
       </p:sp>
       <p:sp>
         <p:nvSpPr>
-          <p:cNvPr id="56" name="Signo más 55">
-            <a:extLst>
-              <a:ext uri="{FF2B5EF4-FFF2-40B4-BE49-F238E27FC236}">
-                <a16:creationId xmlns:a16="http://schemas.microsoft.com/office/drawing/2014/main" id="{354083CF-8B19-48D6-BD23-2B0B368058E6}"/>
+          <p:cNvPr id="204" name="Signo más 203">
+            <a:extLst>
+              <a:ext uri="{FF2B5EF4-FFF2-40B4-BE49-F238E27FC236}">
+                <a16:creationId xmlns:a16="http://schemas.microsoft.com/office/drawing/2014/main" id="{9BF83600-A03F-4B48-B725-BC60D007B808}"/>
               </a:ext>
             </a:extLst>
           </p:cNvPr>
@@ -7415,10 +7416,10 @@
       </p:sp>
       <p:sp>
         <p:nvSpPr>
-          <p:cNvPr id="75" name="Rectángulo 74">
-            <a:extLst>
-              <a:ext uri="{FF2B5EF4-FFF2-40B4-BE49-F238E27FC236}">
-                <a16:creationId xmlns:a16="http://schemas.microsoft.com/office/drawing/2014/main" id="{956EFBE8-D19A-4568-B663-DFB3090F5C89}"/>
+          <p:cNvPr id="205" name="Rectángulo 204">
+            <a:extLst>
+              <a:ext uri="{FF2B5EF4-FFF2-40B4-BE49-F238E27FC236}">
+                <a16:creationId xmlns:a16="http://schemas.microsoft.com/office/drawing/2014/main" id="{C060A43F-920F-454B-ADE9-7DD9E75B03ED}"/>
               </a:ext>
             </a:extLst>
           </p:cNvPr>
@@ -7482,10 +7483,10 @@
       </p:sp>
       <p:sp>
         <p:nvSpPr>
-          <p:cNvPr id="76" name="Rectángulo 75">
-            <a:extLst>
-              <a:ext uri="{FF2B5EF4-FFF2-40B4-BE49-F238E27FC236}">
-                <a16:creationId xmlns:a16="http://schemas.microsoft.com/office/drawing/2014/main" id="{E30947BA-1546-4904-A6A9-009FAF1EB6C9}"/>
+          <p:cNvPr id="206" name="Rectángulo 205">
+            <a:extLst>
+              <a:ext uri="{FF2B5EF4-FFF2-40B4-BE49-F238E27FC236}">
+                <a16:creationId xmlns:a16="http://schemas.microsoft.com/office/drawing/2014/main" id="{05EDB893-DCC2-451A-B712-53F20F3F78C4}"/>
               </a:ext>
             </a:extLst>
           </p:cNvPr>
@@ -7549,10 +7550,10 @@
       </p:sp>
       <p:sp>
         <p:nvSpPr>
-          <p:cNvPr id="77" name="Rectángulo: esquinas superiores cortadas 76">
-            <a:extLst>
-              <a:ext uri="{FF2B5EF4-FFF2-40B4-BE49-F238E27FC236}">
-                <a16:creationId xmlns:a16="http://schemas.microsoft.com/office/drawing/2014/main" id="{6E8E4032-730D-4901-8B06-D19463C90E3B}"/>
+          <p:cNvPr id="208" name="Rectángulo: esquinas superiores cortadas 207">
+            <a:extLst>
+              <a:ext uri="{FF2B5EF4-FFF2-40B4-BE49-F238E27FC236}">
+                <a16:creationId xmlns:a16="http://schemas.microsoft.com/office/drawing/2014/main" id="{7AF78227-383F-4DF1-83EE-80AD2E8C5449}"/>
               </a:ext>
             </a:extLst>
           </p:cNvPr>
@@ -7605,10 +7606,10 @@
       </p:sp>
       <p:sp>
         <p:nvSpPr>
-          <p:cNvPr id="78" name="Elipse 77">
-            <a:extLst>
-              <a:ext uri="{FF2B5EF4-FFF2-40B4-BE49-F238E27FC236}">
-                <a16:creationId xmlns:a16="http://schemas.microsoft.com/office/drawing/2014/main" id="{CA9BC4CB-3887-4A15-BB48-E7FE49EE2D9E}"/>
+          <p:cNvPr id="210" name="Elipse 209">
+            <a:extLst>
+              <a:ext uri="{FF2B5EF4-FFF2-40B4-BE49-F238E27FC236}">
+                <a16:creationId xmlns:a16="http://schemas.microsoft.com/office/drawing/2014/main" id="{A8FCE90E-323D-4814-BD6C-20B886FFEA19}"/>
               </a:ext>
             </a:extLst>
           </p:cNvPr>
@@ -7654,10 +7655,10 @@
       </p:sp>
       <p:sp>
         <p:nvSpPr>
-          <p:cNvPr id="79" name="Elipse 78">
-            <a:extLst>
-              <a:ext uri="{FF2B5EF4-FFF2-40B4-BE49-F238E27FC236}">
-                <a16:creationId xmlns:a16="http://schemas.microsoft.com/office/drawing/2014/main" id="{C6C3E5A0-98B9-42E6-9FCF-C2DE36B4DD8D}"/>
+          <p:cNvPr id="212" name="Elipse 211">
+            <a:extLst>
+              <a:ext uri="{FF2B5EF4-FFF2-40B4-BE49-F238E27FC236}">
+                <a16:creationId xmlns:a16="http://schemas.microsoft.com/office/drawing/2014/main" id="{575032BD-D714-4FDA-9069-5F0B841D9DA4}"/>
               </a:ext>
             </a:extLst>
           </p:cNvPr>
@@ -7720,10 +7721,10 @@
       </p:sp>
       <p:sp>
         <p:nvSpPr>
-          <p:cNvPr id="80" name="Signo más 79">
-            <a:extLst>
-              <a:ext uri="{FF2B5EF4-FFF2-40B4-BE49-F238E27FC236}">
-                <a16:creationId xmlns:a16="http://schemas.microsoft.com/office/drawing/2014/main" id="{875C974B-7DE8-439A-BF04-6D04ACBA7008}"/>
+          <p:cNvPr id="214" name="Signo más 213">
+            <a:extLst>
+              <a:ext uri="{FF2B5EF4-FFF2-40B4-BE49-F238E27FC236}">
+                <a16:creationId xmlns:a16="http://schemas.microsoft.com/office/drawing/2014/main" id="{64F63C47-B352-4CEA-9A3F-60B00F755352}"/>
               </a:ext>
             </a:extLst>
           </p:cNvPr>
@@ -7792,10 +7793,10 @@
       </p:sp>
       <p:sp>
         <p:nvSpPr>
-          <p:cNvPr id="81" name="Rectángulo 80">
-            <a:extLst>
-              <a:ext uri="{FF2B5EF4-FFF2-40B4-BE49-F238E27FC236}">
-                <a16:creationId xmlns:a16="http://schemas.microsoft.com/office/drawing/2014/main" id="{CD014210-AB5E-444F-B070-A1969E9D0E33}"/>
+          <p:cNvPr id="233" name="Rectángulo 232">
+            <a:extLst>
+              <a:ext uri="{FF2B5EF4-FFF2-40B4-BE49-F238E27FC236}">
+                <a16:creationId xmlns:a16="http://schemas.microsoft.com/office/drawing/2014/main" id="{08543963-859D-4454-93AA-14637394487A}"/>
               </a:ext>
             </a:extLst>
           </p:cNvPr>
@@ -7859,10 +7860,10 @@
       </p:sp>
       <p:sp>
         <p:nvSpPr>
-          <p:cNvPr id="82" name="Rectángulo 81">
-            <a:extLst>
-              <a:ext uri="{FF2B5EF4-FFF2-40B4-BE49-F238E27FC236}">
-                <a16:creationId xmlns:a16="http://schemas.microsoft.com/office/drawing/2014/main" id="{67D01705-558F-4C35-B641-921AC61F1ACE}"/>
+          <p:cNvPr id="234" name="Rectángulo 233">
+            <a:extLst>
+              <a:ext uri="{FF2B5EF4-FFF2-40B4-BE49-F238E27FC236}">
+                <a16:creationId xmlns:a16="http://schemas.microsoft.com/office/drawing/2014/main" id="{D58293E1-5351-4A04-8981-F43E0FFE8912}"/>
               </a:ext>
             </a:extLst>
           </p:cNvPr>
@@ -7926,10 +7927,10 @@
       </p:sp>
       <p:sp>
         <p:nvSpPr>
-          <p:cNvPr id="83" name="Rectángulo: esquinas superiores cortadas 82">
-            <a:extLst>
-              <a:ext uri="{FF2B5EF4-FFF2-40B4-BE49-F238E27FC236}">
-                <a16:creationId xmlns:a16="http://schemas.microsoft.com/office/drawing/2014/main" id="{4416712A-AE07-4246-B2C0-D5613F174B7F}"/>
+          <p:cNvPr id="235" name="Rectángulo: esquinas superiores cortadas 234">
+            <a:extLst>
+              <a:ext uri="{FF2B5EF4-FFF2-40B4-BE49-F238E27FC236}">
+                <a16:creationId xmlns:a16="http://schemas.microsoft.com/office/drawing/2014/main" id="{18EC32EB-51C4-4F50-B442-B5AD1640EFFA}"/>
               </a:ext>
             </a:extLst>
           </p:cNvPr>
@@ -7982,10 +7983,10 @@
       </p:sp>
       <p:sp>
         <p:nvSpPr>
-          <p:cNvPr id="84" name="Elipse 83">
-            <a:extLst>
-              <a:ext uri="{FF2B5EF4-FFF2-40B4-BE49-F238E27FC236}">
-                <a16:creationId xmlns:a16="http://schemas.microsoft.com/office/drawing/2014/main" id="{51F92929-EFA4-4C04-8D6D-2D016C880BAF}"/>
+          <p:cNvPr id="236" name="Elipse 235">
+            <a:extLst>
+              <a:ext uri="{FF2B5EF4-FFF2-40B4-BE49-F238E27FC236}">
+                <a16:creationId xmlns:a16="http://schemas.microsoft.com/office/drawing/2014/main" id="{9507B308-FC5E-41E1-8684-5A919FA2E53B}"/>
               </a:ext>
             </a:extLst>
           </p:cNvPr>
@@ -8031,10 +8032,10 @@
       </p:sp>
       <p:sp>
         <p:nvSpPr>
-          <p:cNvPr id="85" name="Elipse 84">
-            <a:extLst>
-              <a:ext uri="{FF2B5EF4-FFF2-40B4-BE49-F238E27FC236}">
-                <a16:creationId xmlns:a16="http://schemas.microsoft.com/office/drawing/2014/main" id="{5E0B513B-2BB6-4278-84D1-0291FF7E0F0E}"/>
+          <p:cNvPr id="237" name="Elipse 236">
+            <a:extLst>
+              <a:ext uri="{FF2B5EF4-FFF2-40B4-BE49-F238E27FC236}">
+                <a16:creationId xmlns:a16="http://schemas.microsoft.com/office/drawing/2014/main" id="{748EF6FB-D07D-46F6-858D-9CFFD313B770}"/>
               </a:ext>
             </a:extLst>
           </p:cNvPr>
@@ -8097,10 +8098,10 @@
       </p:sp>
       <p:sp>
         <p:nvSpPr>
-          <p:cNvPr id="86" name="Signo más 85">
-            <a:extLst>
-              <a:ext uri="{FF2B5EF4-FFF2-40B4-BE49-F238E27FC236}">
-                <a16:creationId xmlns:a16="http://schemas.microsoft.com/office/drawing/2014/main" id="{9B9621A5-5C7C-478F-B2ED-CB8CFEDCD217}"/>
+          <p:cNvPr id="238" name="Signo más 237">
+            <a:extLst>
+              <a:ext uri="{FF2B5EF4-FFF2-40B4-BE49-F238E27FC236}">
+                <a16:creationId xmlns:a16="http://schemas.microsoft.com/office/drawing/2014/main" id="{E744B877-6B24-4247-8941-AC476A93AB13}"/>
               </a:ext>
             </a:extLst>
           </p:cNvPr>
@@ -8169,10 +8170,10 @@
       </p:sp>
       <p:sp>
         <p:nvSpPr>
-          <p:cNvPr id="87" name="Rectángulo 86">
-            <a:extLst>
-              <a:ext uri="{FF2B5EF4-FFF2-40B4-BE49-F238E27FC236}">
-                <a16:creationId xmlns:a16="http://schemas.microsoft.com/office/drawing/2014/main" id="{73654D10-A9E2-4AA5-9484-1C218936CFBD}"/>
+          <p:cNvPr id="239" name="Rectángulo 238">
+            <a:extLst>
+              <a:ext uri="{FF2B5EF4-FFF2-40B4-BE49-F238E27FC236}">
+                <a16:creationId xmlns:a16="http://schemas.microsoft.com/office/drawing/2014/main" id="{ED6D20B2-6876-4C59-B700-9A6B15A5B080}"/>
               </a:ext>
             </a:extLst>
           </p:cNvPr>
@@ -8236,10 +8237,10 @@
       </p:sp>
       <p:sp>
         <p:nvSpPr>
-          <p:cNvPr id="88" name="Rectángulo 87">
-            <a:extLst>
-              <a:ext uri="{FF2B5EF4-FFF2-40B4-BE49-F238E27FC236}">
-                <a16:creationId xmlns:a16="http://schemas.microsoft.com/office/drawing/2014/main" id="{B03BFB54-AE73-4064-9393-4FFE7B95B2F1}"/>
+          <p:cNvPr id="240" name="Rectángulo 239">
+            <a:extLst>
+              <a:ext uri="{FF2B5EF4-FFF2-40B4-BE49-F238E27FC236}">
+                <a16:creationId xmlns:a16="http://schemas.microsoft.com/office/drawing/2014/main" id="{DD94FE0E-1422-4B80-A6AC-810FCAD54AF4}"/>
               </a:ext>
             </a:extLst>
           </p:cNvPr>
@@ -8303,10 +8304,10 @@
       </p:sp>
       <p:sp>
         <p:nvSpPr>
-          <p:cNvPr id="89" name="Rectángulo: esquinas superiores cortadas 88">
-            <a:extLst>
-              <a:ext uri="{FF2B5EF4-FFF2-40B4-BE49-F238E27FC236}">
-                <a16:creationId xmlns:a16="http://schemas.microsoft.com/office/drawing/2014/main" id="{7B29720B-5CF9-4F11-8857-164725D0A0CA}"/>
+          <p:cNvPr id="241" name="Rectángulo: esquinas superiores cortadas 240">
+            <a:extLst>
+              <a:ext uri="{FF2B5EF4-FFF2-40B4-BE49-F238E27FC236}">
+                <a16:creationId xmlns:a16="http://schemas.microsoft.com/office/drawing/2014/main" id="{A2BE486B-F82C-44E6-A221-5EB1CCAC4737}"/>
               </a:ext>
             </a:extLst>
           </p:cNvPr>
@@ -8359,10 +8360,10 @@
       </p:sp>
       <p:sp>
         <p:nvSpPr>
-          <p:cNvPr id="90" name="Elipse 89">
-            <a:extLst>
-              <a:ext uri="{FF2B5EF4-FFF2-40B4-BE49-F238E27FC236}">
-                <a16:creationId xmlns:a16="http://schemas.microsoft.com/office/drawing/2014/main" id="{8E261EB6-993E-4E55-A492-7D177EA1D384}"/>
+          <p:cNvPr id="242" name="Elipse 241">
+            <a:extLst>
+              <a:ext uri="{FF2B5EF4-FFF2-40B4-BE49-F238E27FC236}">
+                <a16:creationId xmlns:a16="http://schemas.microsoft.com/office/drawing/2014/main" id="{7E27DB1B-EFD9-4F1B-B5AB-ABF4B8FB0EE0}"/>
               </a:ext>
             </a:extLst>
           </p:cNvPr>
@@ -8408,10 +8409,10 @@
       </p:sp>
       <p:sp>
         <p:nvSpPr>
-          <p:cNvPr id="91" name="Elipse 90">
-            <a:extLst>
-              <a:ext uri="{FF2B5EF4-FFF2-40B4-BE49-F238E27FC236}">
-                <a16:creationId xmlns:a16="http://schemas.microsoft.com/office/drawing/2014/main" id="{B20E4887-4B87-45AD-BD76-5E2A3CBA91FC}"/>
+          <p:cNvPr id="243" name="Elipse 242">
+            <a:extLst>
+              <a:ext uri="{FF2B5EF4-FFF2-40B4-BE49-F238E27FC236}">
+                <a16:creationId xmlns:a16="http://schemas.microsoft.com/office/drawing/2014/main" id="{B1DF4D54-558D-4A67-997A-3E93198D732B}"/>
               </a:ext>
             </a:extLst>
           </p:cNvPr>
@@ -8474,10 +8475,10 @@
       </p:sp>
       <p:sp>
         <p:nvSpPr>
-          <p:cNvPr id="92" name="Signo más 91">
-            <a:extLst>
-              <a:ext uri="{FF2B5EF4-FFF2-40B4-BE49-F238E27FC236}">
-                <a16:creationId xmlns:a16="http://schemas.microsoft.com/office/drawing/2014/main" id="{181C2416-037C-4356-9851-EDEF5877B4A1}"/>
+          <p:cNvPr id="244" name="Signo más 243">
+            <a:extLst>
+              <a:ext uri="{FF2B5EF4-FFF2-40B4-BE49-F238E27FC236}">
+                <a16:creationId xmlns:a16="http://schemas.microsoft.com/office/drawing/2014/main" id="{05CF67BD-D7A1-407A-A595-CF15CD5BD7C8}"/>
               </a:ext>
             </a:extLst>
           </p:cNvPr>
@@ -8546,10 +8547,10 @@
       </p:sp>
       <p:sp>
         <p:nvSpPr>
-          <p:cNvPr id="93" name="Rectángulo 92">
-            <a:extLst>
-              <a:ext uri="{FF2B5EF4-FFF2-40B4-BE49-F238E27FC236}">
-                <a16:creationId xmlns:a16="http://schemas.microsoft.com/office/drawing/2014/main" id="{B8249E59-A6D0-41A0-B730-3C41E68F8F09}"/>
+          <p:cNvPr id="245" name="Rectángulo 244">
+            <a:extLst>
+              <a:ext uri="{FF2B5EF4-FFF2-40B4-BE49-F238E27FC236}">
+                <a16:creationId xmlns:a16="http://schemas.microsoft.com/office/drawing/2014/main" id="{0A971992-7F27-420D-99C9-2ED48B1B8FFF}"/>
               </a:ext>
             </a:extLst>
           </p:cNvPr>
@@ -8613,10 +8614,10 @@
       </p:sp>
       <p:sp>
         <p:nvSpPr>
-          <p:cNvPr id="94" name="Rectángulo 93">
-            <a:extLst>
-              <a:ext uri="{FF2B5EF4-FFF2-40B4-BE49-F238E27FC236}">
-                <a16:creationId xmlns:a16="http://schemas.microsoft.com/office/drawing/2014/main" id="{628F8148-7AE3-4E3A-83F1-D9F9B1E4E88D}"/>
+          <p:cNvPr id="246" name="Rectángulo 245">
+            <a:extLst>
+              <a:ext uri="{FF2B5EF4-FFF2-40B4-BE49-F238E27FC236}">
+                <a16:creationId xmlns:a16="http://schemas.microsoft.com/office/drawing/2014/main" id="{981A4149-5D8A-4F77-8E64-F6A91428585D}"/>
               </a:ext>
             </a:extLst>
           </p:cNvPr>
@@ -8680,10 +8681,10 @@
       </p:sp>
       <p:sp>
         <p:nvSpPr>
-          <p:cNvPr id="95" name="Rectángulo: esquinas superiores cortadas 94">
-            <a:extLst>
-              <a:ext uri="{FF2B5EF4-FFF2-40B4-BE49-F238E27FC236}">
-                <a16:creationId xmlns:a16="http://schemas.microsoft.com/office/drawing/2014/main" id="{44C6EFB4-CE91-4322-BE70-B73AE1E6E7E4}"/>
+          <p:cNvPr id="247" name="Rectángulo: esquinas superiores cortadas 246">
+            <a:extLst>
+              <a:ext uri="{FF2B5EF4-FFF2-40B4-BE49-F238E27FC236}">
+                <a16:creationId xmlns:a16="http://schemas.microsoft.com/office/drawing/2014/main" id="{C160B050-F392-47D0-98C0-A36AD025079A}"/>
               </a:ext>
             </a:extLst>
           </p:cNvPr>
@@ -8736,10 +8737,10 @@
       </p:sp>
       <p:sp>
         <p:nvSpPr>
-          <p:cNvPr id="96" name="Elipse 95">
-            <a:extLst>
-              <a:ext uri="{FF2B5EF4-FFF2-40B4-BE49-F238E27FC236}">
-                <a16:creationId xmlns:a16="http://schemas.microsoft.com/office/drawing/2014/main" id="{F2B9F9ED-105C-4977-9D0F-6BC2231A6244}"/>
+          <p:cNvPr id="248" name="Elipse 247">
+            <a:extLst>
+              <a:ext uri="{FF2B5EF4-FFF2-40B4-BE49-F238E27FC236}">
+                <a16:creationId xmlns:a16="http://schemas.microsoft.com/office/drawing/2014/main" id="{72820AC4-A0D4-4885-8F32-052E11827A38}"/>
               </a:ext>
             </a:extLst>
           </p:cNvPr>
@@ -8785,10 +8786,10 @@
       </p:sp>
       <p:sp>
         <p:nvSpPr>
-          <p:cNvPr id="97" name="Elipse 96">
-            <a:extLst>
-              <a:ext uri="{FF2B5EF4-FFF2-40B4-BE49-F238E27FC236}">
-                <a16:creationId xmlns:a16="http://schemas.microsoft.com/office/drawing/2014/main" id="{24D0177D-78F4-47AF-8D20-EBDD655C266D}"/>
+          <p:cNvPr id="249" name="Elipse 248">
+            <a:extLst>
+              <a:ext uri="{FF2B5EF4-FFF2-40B4-BE49-F238E27FC236}">
+                <a16:creationId xmlns:a16="http://schemas.microsoft.com/office/drawing/2014/main" id="{E790C73E-6C05-4478-8C51-DF2673940D4C}"/>
               </a:ext>
             </a:extLst>
           </p:cNvPr>
@@ -8851,10 +8852,10 @@
       </p:sp>
       <p:sp>
         <p:nvSpPr>
-          <p:cNvPr id="98" name="Signo más 97">
-            <a:extLst>
-              <a:ext uri="{FF2B5EF4-FFF2-40B4-BE49-F238E27FC236}">
-                <a16:creationId xmlns:a16="http://schemas.microsoft.com/office/drawing/2014/main" id="{ACBC03D9-B65B-4C31-AE3F-1B7A6D3A7E99}"/>
+          <p:cNvPr id="250" name="Signo más 249">
+            <a:extLst>
+              <a:ext uri="{FF2B5EF4-FFF2-40B4-BE49-F238E27FC236}">
+                <a16:creationId xmlns:a16="http://schemas.microsoft.com/office/drawing/2014/main" id="{C1232D74-6151-44D1-9E61-BFC95437B3D8}"/>
               </a:ext>
             </a:extLst>
           </p:cNvPr>
@@ -8923,10 +8924,10 @@
       </p:sp>
       <p:sp>
         <p:nvSpPr>
-          <p:cNvPr id="99" name="Rectángulo 98">
-            <a:extLst>
-              <a:ext uri="{FF2B5EF4-FFF2-40B4-BE49-F238E27FC236}">
-                <a16:creationId xmlns:a16="http://schemas.microsoft.com/office/drawing/2014/main" id="{5ED59814-B685-41D1-9AE5-B89B5885BA91}"/>
+          <p:cNvPr id="251" name="Rectángulo 250">
+            <a:extLst>
+              <a:ext uri="{FF2B5EF4-FFF2-40B4-BE49-F238E27FC236}">
+                <a16:creationId xmlns:a16="http://schemas.microsoft.com/office/drawing/2014/main" id="{6565D995-3B76-4401-BF42-72D036A26BE0}"/>
               </a:ext>
             </a:extLst>
           </p:cNvPr>
@@ -8990,10 +8991,10 @@
       </p:sp>
       <p:sp>
         <p:nvSpPr>
-          <p:cNvPr id="100" name="Rectángulo 99">
-            <a:extLst>
-              <a:ext uri="{FF2B5EF4-FFF2-40B4-BE49-F238E27FC236}">
-                <a16:creationId xmlns:a16="http://schemas.microsoft.com/office/drawing/2014/main" id="{75AE5F89-7514-4479-B73C-D264842F6FE4}"/>
+          <p:cNvPr id="252" name="Rectángulo 251">
+            <a:extLst>
+              <a:ext uri="{FF2B5EF4-FFF2-40B4-BE49-F238E27FC236}">
+                <a16:creationId xmlns:a16="http://schemas.microsoft.com/office/drawing/2014/main" id="{765ECD95-EAC0-41C9-ACB6-4F30C3ADA8F7}"/>
               </a:ext>
             </a:extLst>
           </p:cNvPr>
@@ -9057,10 +9058,10 @@
       </p:sp>
       <p:sp>
         <p:nvSpPr>
-          <p:cNvPr id="101" name="Rectángulo: esquinas superiores cortadas 100">
-            <a:extLst>
-              <a:ext uri="{FF2B5EF4-FFF2-40B4-BE49-F238E27FC236}">
-                <a16:creationId xmlns:a16="http://schemas.microsoft.com/office/drawing/2014/main" id="{A1B17A22-8B6A-4390-83B7-47F65C63AB82}"/>
+          <p:cNvPr id="253" name="Rectángulo: esquinas superiores cortadas 252">
+            <a:extLst>
+              <a:ext uri="{FF2B5EF4-FFF2-40B4-BE49-F238E27FC236}">
+                <a16:creationId xmlns:a16="http://schemas.microsoft.com/office/drawing/2014/main" id="{D1EB1CF9-692F-47B1-95D9-502FD8374F9A}"/>
               </a:ext>
             </a:extLst>
           </p:cNvPr>
@@ -9113,10 +9114,10 @@
       </p:sp>
       <p:sp>
         <p:nvSpPr>
-          <p:cNvPr id="102" name="Elipse 101">
-            <a:extLst>
-              <a:ext uri="{FF2B5EF4-FFF2-40B4-BE49-F238E27FC236}">
-                <a16:creationId xmlns:a16="http://schemas.microsoft.com/office/drawing/2014/main" id="{F595B678-AA61-4FEC-9F80-AB1695F68F9D}"/>
+          <p:cNvPr id="254" name="Elipse 253">
+            <a:extLst>
+              <a:ext uri="{FF2B5EF4-FFF2-40B4-BE49-F238E27FC236}">
+                <a16:creationId xmlns:a16="http://schemas.microsoft.com/office/drawing/2014/main" id="{87C8DBE6-AFF2-4114-8C5B-A8A9EB88047A}"/>
               </a:ext>
             </a:extLst>
           </p:cNvPr>
@@ -9162,10 +9163,10 @@
       </p:sp>
       <p:sp>
         <p:nvSpPr>
-          <p:cNvPr id="103" name="Elipse 102">
-            <a:extLst>
-              <a:ext uri="{FF2B5EF4-FFF2-40B4-BE49-F238E27FC236}">
-                <a16:creationId xmlns:a16="http://schemas.microsoft.com/office/drawing/2014/main" id="{CB66C930-A8C0-45B7-BDD6-2F6B09BDDAAF}"/>
+          <p:cNvPr id="255" name="Elipse 254">
+            <a:extLst>
+              <a:ext uri="{FF2B5EF4-FFF2-40B4-BE49-F238E27FC236}">
+                <a16:creationId xmlns:a16="http://schemas.microsoft.com/office/drawing/2014/main" id="{15983B5A-22BA-461C-8E51-0CDF969FF845}"/>
               </a:ext>
             </a:extLst>
           </p:cNvPr>
@@ -9228,10 +9229,10 @@
       </p:sp>
       <p:sp>
         <p:nvSpPr>
-          <p:cNvPr id="104" name="Signo más 103">
-            <a:extLst>
-              <a:ext uri="{FF2B5EF4-FFF2-40B4-BE49-F238E27FC236}">
-                <a16:creationId xmlns:a16="http://schemas.microsoft.com/office/drawing/2014/main" id="{3ABDFFE1-2648-442E-84FC-E897C7400CA8}"/>
+          <p:cNvPr id="256" name="Signo más 255">
+            <a:extLst>
+              <a:ext uri="{FF2B5EF4-FFF2-40B4-BE49-F238E27FC236}">
+                <a16:creationId xmlns:a16="http://schemas.microsoft.com/office/drawing/2014/main" id="{30ED0DC8-5C90-44F7-BCDF-2C72B652E104}"/>
               </a:ext>
             </a:extLst>
           </p:cNvPr>
@@ -9300,10 +9301,10 @@
       </p:sp>
       <p:sp>
         <p:nvSpPr>
-          <p:cNvPr id="105" name="Rectángulo 104">
-            <a:extLst>
-              <a:ext uri="{FF2B5EF4-FFF2-40B4-BE49-F238E27FC236}">
-                <a16:creationId xmlns:a16="http://schemas.microsoft.com/office/drawing/2014/main" id="{EBCA86A8-2F60-4E2F-B462-DDDE76623383}"/>
+          <p:cNvPr id="257" name="Rectángulo 256">
+            <a:extLst>
+              <a:ext uri="{FF2B5EF4-FFF2-40B4-BE49-F238E27FC236}">
+                <a16:creationId xmlns:a16="http://schemas.microsoft.com/office/drawing/2014/main" id="{EC7070C4-5D69-4AE1-823F-7881B7BE814B}"/>
               </a:ext>
             </a:extLst>
           </p:cNvPr>
@@ -9367,10 +9368,10 @@
       </p:sp>
       <p:sp>
         <p:nvSpPr>
-          <p:cNvPr id="106" name="Rectángulo 105">
-            <a:extLst>
-              <a:ext uri="{FF2B5EF4-FFF2-40B4-BE49-F238E27FC236}">
-                <a16:creationId xmlns:a16="http://schemas.microsoft.com/office/drawing/2014/main" id="{354AE63A-8B9B-4D85-8678-C2DD6978FB8A}"/>
+          <p:cNvPr id="258" name="Rectángulo 257">
+            <a:extLst>
+              <a:ext uri="{FF2B5EF4-FFF2-40B4-BE49-F238E27FC236}">
+                <a16:creationId xmlns:a16="http://schemas.microsoft.com/office/drawing/2014/main" id="{99B6AB04-1FA6-4849-AACE-0161D7E42737}"/>
               </a:ext>
             </a:extLst>
           </p:cNvPr>
@@ -9434,10 +9435,10 @@
       </p:sp>
       <p:sp>
         <p:nvSpPr>
-          <p:cNvPr id="107" name="Rectángulo: esquinas superiores cortadas 106">
-            <a:extLst>
-              <a:ext uri="{FF2B5EF4-FFF2-40B4-BE49-F238E27FC236}">
-                <a16:creationId xmlns:a16="http://schemas.microsoft.com/office/drawing/2014/main" id="{ADF7CD64-BD9D-432C-B228-C04B7A93C0B7}"/>
+          <p:cNvPr id="259" name="Rectángulo: esquinas superiores cortadas 258">
+            <a:extLst>
+              <a:ext uri="{FF2B5EF4-FFF2-40B4-BE49-F238E27FC236}">
+                <a16:creationId xmlns:a16="http://schemas.microsoft.com/office/drawing/2014/main" id="{D609FA83-24D9-4006-9E5B-04FC8E58C951}"/>
               </a:ext>
             </a:extLst>
           </p:cNvPr>
@@ -9490,10 +9491,10 @@
       </p:sp>
       <p:sp>
         <p:nvSpPr>
-          <p:cNvPr id="108" name="Elipse 107">
-            <a:extLst>
-              <a:ext uri="{FF2B5EF4-FFF2-40B4-BE49-F238E27FC236}">
-                <a16:creationId xmlns:a16="http://schemas.microsoft.com/office/drawing/2014/main" id="{68089763-5F8E-461B-9647-4F5BC9B7510F}"/>
+          <p:cNvPr id="260" name="Elipse 259">
+            <a:extLst>
+              <a:ext uri="{FF2B5EF4-FFF2-40B4-BE49-F238E27FC236}">
+                <a16:creationId xmlns:a16="http://schemas.microsoft.com/office/drawing/2014/main" id="{858C46F2-AD12-462E-9031-E497E4D7F697}"/>
               </a:ext>
             </a:extLst>
           </p:cNvPr>
@@ -9539,10 +9540,10 @@
       </p:sp>
       <p:sp>
         <p:nvSpPr>
-          <p:cNvPr id="109" name="Elipse 108">
-            <a:extLst>
-              <a:ext uri="{FF2B5EF4-FFF2-40B4-BE49-F238E27FC236}">
-                <a16:creationId xmlns:a16="http://schemas.microsoft.com/office/drawing/2014/main" id="{91FF618E-7082-406F-87D5-A73DBF4A38FC}"/>
+          <p:cNvPr id="261" name="Elipse 260">
+            <a:extLst>
+              <a:ext uri="{FF2B5EF4-FFF2-40B4-BE49-F238E27FC236}">
+                <a16:creationId xmlns:a16="http://schemas.microsoft.com/office/drawing/2014/main" id="{4C2B79A0-A928-440F-980A-26310E2DD578}"/>
               </a:ext>
             </a:extLst>
           </p:cNvPr>
@@ -9605,10 +9606,10 @@
       </p:sp>
       <p:sp>
         <p:nvSpPr>
-          <p:cNvPr id="110" name="Signo más 109">
-            <a:extLst>
-              <a:ext uri="{FF2B5EF4-FFF2-40B4-BE49-F238E27FC236}">
-                <a16:creationId xmlns:a16="http://schemas.microsoft.com/office/drawing/2014/main" id="{A8A73CD0-BEA3-4A6C-857A-7A8312501548}"/>
+          <p:cNvPr id="262" name="Signo más 261">
+            <a:extLst>
+              <a:ext uri="{FF2B5EF4-FFF2-40B4-BE49-F238E27FC236}">
+                <a16:creationId xmlns:a16="http://schemas.microsoft.com/office/drawing/2014/main" id="{86AEFEC5-6403-4FD5-99CE-C8026F0F5962}"/>
               </a:ext>
             </a:extLst>
           </p:cNvPr>
@@ -9677,10 +9678,10 @@
       </p:sp>
       <p:sp>
         <p:nvSpPr>
-          <p:cNvPr id="111" name="Rectángulo 110">
-            <a:extLst>
-              <a:ext uri="{FF2B5EF4-FFF2-40B4-BE49-F238E27FC236}">
-                <a16:creationId xmlns:a16="http://schemas.microsoft.com/office/drawing/2014/main" id="{2AD429E2-5C95-4E71-A7B1-DFEF70AD193B}"/>
+          <p:cNvPr id="263" name="Rectángulo 262">
+            <a:extLst>
+              <a:ext uri="{FF2B5EF4-FFF2-40B4-BE49-F238E27FC236}">
+                <a16:creationId xmlns:a16="http://schemas.microsoft.com/office/drawing/2014/main" id="{8FD220FC-6B77-48F5-ADE2-33DF5B11F2BC}"/>
               </a:ext>
             </a:extLst>
           </p:cNvPr>
@@ -9744,10 +9745,10 @@
       </p:sp>
       <p:sp>
         <p:nvSpPr>
-          <p:cNvPr id="112" name="Rectángulo 111">
-            <a:extLst>
-              <a:ext uri="{FF2B5EF4-FFF2-40B4-BE49-F238E27FC236}">
-                <a16:creationId xmlns:a16="http://schemas.microsoft.com/office/drawing/2014/main" id="{04F95917-02ED-433B-925F-9C8F061E5B3D}"/>
+          <p:cNvPr id="264" name="Rectángulo 263">
+            <a:extLst>
+              <a:ext uri="{FF2B5EF4-FFF2-40B4-BE49-F238E27FC236}">
+                <a16:creationId xmlns:a16="http://schemas.microsoft.com/office/drawing/2014/main" id="{28FA5DF1-75C9-40EF-9567-E5B14D343046}"/>
               </a:ext>
             </a:extLst>
           </p:cNvPr>
@@ -9811,10 +9812,10 @@
       </p:sp>
       <p:sp>
         <p:nvSpPr>
-          <p:cNvPr id="113" name="Rectángulo: esquinas superiores cortadas 112">
-            <a:extLst>
-              <a:ext uri="{FF2B5EF4-FFF2-40B4-BE49-F238E27FC236}">
-                <a16:creationId xmlns:a16="http://schemas.microsoft.com/office/drawing/2014/main" id="{0871B1FE-B1B5-4319-9FFA-8CBBA2E82F99}"/>
+          <p:cNvPr id="289" name="Rectángulo: esquinas superiores cortadas 288">
+            <a:extLst>
+              <a:ext uri="{FF2B5EF4-FFF2-40B4-BE49-F238E27FC236}">
+                <a16:creationId xmlns:a16="http://schemas.microsoft.com/office/drawing/2014/main" id="{FF19AEB2-A5F1-491E-90BA-5FE0CF1A6ACE}"/>
               </a:ext>
             </a:extLst>
           </p:cNvPr>
@@ -9867,10 +9868,10 @@
       </p:sp>
       <p:sp>
         <p:nvSpPr>
-          <p:cNvPr id="114" name="Elipse 113">
-            <a:extLst>
-              <a:ext uri="{FF2B5EF4-FFF2-40B4-BE49-F238E27FC236}">
-                <a16:creationId xmlns:a16="http://schemas.microsoft.com/office/drawing/2014/main" id="{3F6E4D95-E34F-4F3B-AE40-8B5EAADC97D6}"/>
+          <p:cNvPr id="290" name="Elipse 289">
+            <a:extLst>
+              <a:ext uri="{FF2B5EF4-FFF2-40B4-BE49-F238E27FC236}">
+                <a16:creationId xmlns:a16="http://schemas.microsoft.com/office/drawing/2014/main" id="{D3B1AF48-C8FD-4FF9-AFAD-3C9FAA19FC1D}"/>
               </a:ext>
             </a:extLst>
           </p:cNvPr>
@@ -9916,10 +9917,10 @@
       </p:sp>
       <p:sp>
         <p:nvSpPr>
-          <p:cNvPr id="115" name="Elipse 114">
-            <a:extLst>
-              <a:ext uri="{FF2B5EF4-FFF2-40B4-BE49-F238E27FC236}">
-                <a16:creationId xmlns:a16="http://schemas.microsoft.com/office/drawing/2014/main" id="{0AA046D6-EEF2-4E45-8E26-868DEB79D0D3}"/>
+          <p:cNvPr id="291" name="Elipse 290">
+            <a:extLst>
+              <a:ext uri="{FF2B5EF4-FFF2-40B4-BE49-F238E27FC236}">
+                <a16:creationId xmlns:a16="http://schemas.microsoft.com/office/drawing/2014/main" id="{A64C3809-D89F-40DF-BE75-F38297926B0C}"/>
               </a:ext>
             </a:extLst>
           </p:cNvPr>
@@ -9982,10 +9983,10 @@
       </p:sp>
       <p:sp>
         <p:nvSpPr>
-          <p:cNvPr id="116" name="Signo más 115">
-            <a:extLst>
-              <a:ext uri="{FF2B5EF4-FFF2-40B4-BE49-F238E27FC236}">
-                <a16:creationId xmlns:a16="http://schemas.microsoft.com/office/drawing/2014/main" id="{A004F2A2-C1A0-4568-894C-0D4B3572FEA2}"/>
+          <p:cNvPr id="292" name="Signo más 291">
+            <a:extLst>
+              <a:ext uri="{FF2B5EF4-FFF2-40B4-BE49-F238E27FC236}">
+                <a16:creationId xmlns:a16="http://schemas.microsoft.com/office/drawing/2014/main" id="{E912CE08-7E26-47D2-96F7-9FCF44B194EF}"/>
               </a:ext>
             </a:extLst>
           </p:cNvPr>
@@ -10054,10 +10055,10 @@
       </p:sp>
       <p:sp>
         <p:nvSpPr>
-          <p:cNvPr id="117" name="Rectángulo 116">
-            <a:extLst>
-              <a:ext uri="{FF2B5EF4-FFF2-40B4-BE49-F238E27FC236}">
-                <a16:creationId xmlns:a16="http://schemas.microsoft.com/office/drawing/2014/main" id="{C0730E96-D9FB-4356-AB97-8F8DFC2907C8}"/>
+          <p:cNvPr id="293" name="Rectángulo 292">
+            <a:extLst>
+              <a:ext uri="{FF2B5EF4-FFF2-40B4-BE49-F238E27FC236}">
+                <a16:creationId xmlns:a16="http://schemas.microsoft.com/office/drawing/2014/main" id="{5E22DD1A-7239-44F9-9DC4-0082E47BBFE8}"/>
               </a:ext>
             </a:extLst>
           </p:cNvPr>
@@ -10121,10 +10122,10 @@
       </p:sp>
       <p:sp>
         <p:nvSpPr>
-          <p:cNvPr id="118" name="Rectángulo 117">
-            <a:extLst>
-              <a:ext uri="{FF2B5EF4-FFF2-40B4-BE49-F238E27FC236}">
-                <a16:creationId xmlns:a16="http://schemas.microsoft.com/office/drawing/2014/main" id="{80F651BE-E043-4ABA-A196-F710720BAAFA}"/>
+          <p:cNvPr id="294" name="Rectángulo 293">
+            <a:extLst>
+              <a:ext uri="{FF2B5EF4-FFF2-40B4-BE49-F238E27FC236}">
+                <a16:creationId xmlns:a16="http://schemas.microsoft.com/office/drawing/2014/main" id="{FD23DC75-9536-4ABC-A348-746C499B8E07}"/>
               </a:ext>
             </a:extLst>
           </p:cNvPr>
@@ -10188,10 +10189,10 @@
       </p:sp>
       <p:sp>
         <p:nvSpPr>
-          <p:cNvPr id="119" name="Rectángulo: esquinas superiores cortadas 118">
-            <a:extLst>
-              <a:ext uri="{FF2B5EF4-FFF2-40B4-BE49-F238E27FC236}">
-                <a16:creationId xmlns:a16="http://schemas.microsoft.com/office/drawing/2014/main" id="{A3CE89F4-E0F2-4D70-B53F-F989F62A7191}"/>
+          <p:cNvPr id="295" name="Rectángulo: esquinas superiores cortadas 294">
+            <a:extLst>
+              <a:ext uri="{FF2B5EF4-FFF2-40B4-BE49-F238E27FC236}">
+                <a16:creationId xmlns:a16="http://schemas.microsoft.com/office/drawing/2014/main" id="{55119F1F-86A8-4030-B875-D025A8AACC92}"/>
               </a:ext>
             </a:extLst>
           </p:cNvPr>
@@ -10244,10 +10245,10 @@
       </p:sp>
       <p:sp>
         <p:nvSpPr>
-          <p:cNvPr id="120" name="Elipse 119">
-            <a:extLst>
-              <a:ext uri="{FF2B5EF4-FFF2-40B4-BE49-F238E27FC236}">
-                <a16:creationId xmlns:a16="http://schemas.microsoft.com/office/drawing/2014/main" id="{693C4CEC-DC9B-4F9E-8862-F7F38D9E0690}"/>
+          <p:cNvPr id="296" name="Elipse 295">
+            <a:extLst>
+              <a:ext uri="{FF2B5EF4-FFF2-40B4-BE49-F238E27FC236}">
+                <a16:creationId xmlns:a16="http://schemas.microsoft.com/office/drawing/2014/main" id="{99765D4E-75E9-46FF-8FF7-6C163027848D}"/>
               </a:ext>
             </a:extLst>
           </p:cNvPr>
@@ -10293,10 +10294,10 @@
       </p:sp>
       <p:sp>
         <p:nvSpPr>
-          <p:cNvPr id="121" name="Elipse 120">
-            <a:extLst>
-              <a:ext uri="{FF2B5EF4-FFF2-40B4-BE49-F238E27FC236}">
-                <a16:creationId xmlns:a16="http://schemas.microsoft.com/office/drawing/2014/main" id="{634EA206-05CD-43E9-B15E-2E790B8191E7}"/>
+          <p:cNvPr id="297" name="Elipse 296">
+            <a:extLst>
+              <a:ext uri="{FF2B5EF4-FFF2-40B4-BE49-F238E27FC236}">
+                <a16:creationId xmlns:a16="http://schemas.microsoft.com/office/drawing/2014/main" id="{C46F9AA8-291E-4CBD-A130-7B8F1B62D965}"/>
               </a:ext>
             </a:extLst>
           </p:cNvPr>
@@ -10359,10 +10360,10 @@
       </p:sp>
       <p:sp>
         <p:nvSpPr>
-          <p:cNvPr id="122" name="Signo más 121">
-            <a:extLst>
-              <a:ext uri="{FF2B5EF4-FFF2-40B4-BE49-F238E27FC236}">
-                <a16:creationId xmlns:a16="http://schemas.microsoft.com/office/drawing/2014/main" id="{D2E41045-47C4-4BC7-9E20-1D623C71BC96}"/>
+          <p:cNvPr id="298" name="Signo más 297">
+            <a:extLst>
+              <a:ext uri="{FF2B5EF4-FFF2-40B4-BE49-F238E27FC236}">
+                <a16:creationId xmlns:a16="http://schemas.microsoft.com/office/drawing/2014/main" id="{5840D477-2CC7-4B7A-A75D-2CA2677BFB67}"/>
               </a:ext>
             </a:extLst>
           </p:cNvPr>
@@ -10431,10 +10432,10 @@
       </p:sp>
       <p:sp>
         <p:nvSpPr>
-          <p:cNvPr id="123" name="Rectángulo 122">
-            <a:extLst>
-              <a:ext uri="{FF2B5EF4-FFF2-40B4-BE49-F238E27FC236}">
-                <a16:creationId xmlns:a16="http://schemas.microsoft.com/office/drawing/2014/main" id="{FA91139C-E10E-4265-9FBB-5344B27FD160}"/>
+          <p:cNvPr id="299" name="Rectángulo 298">
+            <a:extLst>
+              <a:ext uri="{FF2B5EF4-FFF2-40B4-BE49-F238E27FC236}">
+                <a16:creationId xmlns:a16="http://schemas.microsoft.com/office/drawing/2014/main" id="{9B913F28-F694-4935-8AE8-BE64C8A92F23}"/>
               </a:ext>
             </a:extLst>
           </p:cNvPr>
@@ -10498,10 +10499,10 @@
       </p:sp>
       <p:sp>
         <p:nvSpPr>
-          <p:cNvPr id="124" name="Rectángulo 123">
-            <a:extLst>
-              <a:ext uri="{FF2B5EF4-FFF2-40B4-BE49-F238E27FC236}">
-                <a16:creationId xmlns:a16="http://schemas.microsoft.com/office/drawing/2014/main" id="{73E3A3F9-493B-4DD0-BF39-A62A77A5B81C}"/>
+          <p:cNvPr id="300" name="Rectángulo 299">
+            <a:extLst>
+              <a:ext uri="{FF2B5EF4-FFF2-40B4-BE49-F238E27FC236}">
+                <a16:creationId xmlns:a16="http://schemas.microsoft.com/office/drawing/2014/main" id="{48E29343-AEA1-4341-80E5-854CFA2F35B4}"/>
               </a:ext>
             </a:extLst>
           </p:cNvPr>
@@ -10565,10 +10566,10 @@
       </p:sp>
       <p:sp>
         <p:nvSpPr>
-          <p:cNvPr id="125" name="Rectángulo: esquinas superiores cortadas 124">
-            <a:extLst>
-              <a:ext uri="{FF2B5EF4-FFF2-40B4-BE49-F238E27FC236}">
-                <a16:creationId xmlns:a16="http://schemas.microsoft.com/office/drawing/2014/main" id="{8FBC997F-06C3-4CBE-A67E-CEEA39E13BAC}"/>
+          <p:cNvPr id="301" name="Rectángulo: esquinas superiores cortadas 300">
+            <a:extLst>
+              <a:ext uri="{FF2B5EF4-FFF2-40B4-BE49-F238E27FC236}">
+                <a16:creationId xmlns:a16="http://schemas.microsoft.com/office/drawing/2014/main" id="{D4676C97-3BC0-4280-BB67-467D97804F10}"/>
               </a:ext>
             </a:extLst>
           </p:cNvPr>
@@ -10621,10 +10622,10 @@
       </p:sp>
       <p:sp>
         <p:nvSpPr>
-          <p:cNvPr id="126" name="Elipse 125">
-            <a:extLst>
-              <a:ext uri="{FF2B5EF4-FFF2-40B4-BE49-F238E27FC236}">
-                <a16:creationId xmlns:a16="http://schemas.microsoft.com/office/drawing/2014/main" id="{E9B30277-6E1D-4D00-9B33-85A009E90249}"/>
+          <p:cNvPr id="302" name="Elipse 301">
+            <a:extLst>
+              <a:ext uri="{FF2B5EF4-FFF2-40B4-BE49-F238E27FC236}">
+                <a16:creationId xmlns:a16="http://schemas.microsoft.com/office/drawing/2014/main" id="{51BC8AF7-80E7-48BA-8E4D-35547542160C}"/>
               </a:ext>
             </a:extLst>
           </p:cNvPr>
@@ -10670,10 +10671,10 @@
       </p:sp>
       <p:sp>
         <p:nvSpPr>
-          <p:cNvPr id="127" name="Elipse 126">
-            <a:extLst>
-              <a:ext uri="{FF2B5EF4-FFF2-40B4-BE49-F238E27FC236}">
-                <a16:creationId xmlns:a16="http://schemas.microsoft.com/office/drawing/2014/main" id="{265F86D3-D881-4427-BB74-FBBF987194FE}"/>
+          <p:cNvPr id="303" name="Elipse 302">
+            <a:extLst>
+              <a:ext uri="{FF2B5EF4-FFF2-40B4-BE49-F238E27FC236}">
+                <a16:creationId xmlns:a16="http://schemas.microsoft.com/office/drawing/2014/main" id="{245BD8A5-6F50-4A21-9384-C57F87F7DF1F}"/>
               </a:ext>
             </a:extLst>
           </p:cNvPr>
@@ -10736,10 +10737,10 @@
       </p:sp>
       <p:sp>
         <p:nvSpPr>
-          <p:cNvPr id="128" name="Signo más 127">
-            <a:extLst>
-              <a:ext uri="{FF2B5EF4-FFF2-40B4-BE49-F238E27FC236}">
-                <a16:creationId xmlns:a16="http://schemas.microsoft.com/office/drawing/2014/main" id="{7EABD6E8-3BB1-487A-AF7C-B7CA81D6EACA}"/>
+          <p:cNvPr id="304" name="Signo más 303">
+            <a:extLst>
+              <a:ext uri="{FF2B5EF4-FFF2-40B4-BE49-F238E27FC236}">
+                <a16:creationId xmlns:a16="http://schemas.microsoft.com/office/drawing/2014/main" id="{614A70BB-D31F-4976-9C0D-3342FD2A7D6A}"/>
               </a:ext>
             </a:extLst>
           </p:cNvPr>
@@ -10808,10 +10809,10 @@
       </p:sp>
       <p:sp>
         <p:nvSpPr>
-          <p:cNvPr id="129" name="Rectángulo 128">
-            <a:extLst>
-              <a:ext uri="{FF2B5EF4-FFF2-40B4-BE49-F238E27FC236}">
-                <a16:creationId xmlns:a16="http://schemas.microsoft.com/office/drawing/2014/main" id="{2A770A9A-6121-4AB1-84D6-6CF33B57511B}"/>
+          <p:cNvPr id="305" name="Rectángulo 304">
+            <a:extLst>
+              <a:ext uri="{FF2B5EF4-FFF2-40B4-BE49-F238E27FC236}">
+                <a16:creationId xmlns:a16="http://schemas.microsoft.com/office/drawing/2014/main" id="{9953CCD9-39D9-4ABF-AF7B-A51DEC444132}"/>
               </a:ext>
             </a:extLst>
           </p:cNvPr>
@@ -10875,10 +10876,10 @@
       </p:sp>
       <p:sp>
         <p:nvSpPr>
-          <p:cNvPr id="130" name="Rectángulo 129">
-            <a:extLst>
-              <a:ext uri="{FF2B5EF4-FFF2-40B4-BE49-F238E27FC236}">
-                <a16:creationId xmlns:a16="http://schemas.microsoft.com/office/drawing/2014/main" id="{5CAD1FE4-0878-4E0D-997E-019DBB9AD73F}"/>
+          <p:cNvPr id="306" name="Rectángulo 305">
+            <a:extLst>
+              <a:ext uri="{FF2B5EF4-FFF2-40B4-BE49-F238E27FC236}">
+                <a16:creationId xmlns:a16="http://schemas.microsoft.com/office/drawing/2014/main" id="{D5179C5D-BED1-4EA6-AAEF-D824A59349BF}"/>
               </a:ext>
             </a:extLst>
           </p:cNvPr>
@@ -10942,10 +10943,10 @@
       </p:sp>
       <p:sp>
         <p:nvSpPr>
-          <p:cNvPr id="131" name="Rectángulo: esquinas superiores cortadas 130">
-            <a:extLst>
-              <a:ext uri="{FF2B5EF4-FFF2-40B4-BE49-F238E27FC236}">
-                <a16:creationId xmlns:a16="http://schemas.microsoft.com/office/drawing/2014/main" id="{62B768C4-8676-41C0-9753-1EBC0C20267F}"/>
+          <p:cNvPr id="307" name="Rectángulo: esquinas superiores cortadas 306">
+            <a:extLst>
+              <a:ext uri="{FF2B5EF4-FFF2-40B4-BE49-F238E27FC236}">
+                <a16:creationId xmlns:a16="http://schemas.microsoft.com/office/drawing/2014/main" id="{84A443FE-AE0D-41E9-A237-1FF10D24CF7F}"/>
               </a:ext>
             </a:extLst>
           </p:cNvPr>
@@ -10998,10 +10999,10 @@
       </p:sp>
       <p:sp>
         <p:nvSpPr>
-          <p:cNvPr id="132" name="Elipse 131">
-            <a:extLst>
-              <a:ext uri="{FF2B5EF4-FFF2-40B4-BE49-F238E27FC236}">
-                <a16:creationId xmlns:a16="http://schemas.microsoft.com/office/drawing/2014/main" id="{8A721B62-AF3B-4C67-BAAD-EB61A35FB0B1}"/>
+          <p:cNvPr id="308" name="Elipse 307">
+            <a:extLst>
+              <a:ext uri="{FF2B5EF4-FFF2-40B4-BE49-F238E27FC236}">
+                <a16:creationId xmlns:a16="http://schemas.microsoft.com/office/drawing/2014/main" id="{16683E61-9C40-478C-A77C-C19D7CB6F26C}"/>
               </a:ext>
             </a:extLst>
           </p:cNvPr>
@@ -11047,10 +11048,10 @@
       </p:sp>
       <p:sp>
         <p:nvSpPr>
-          <p:cNvPr id="133" name="Elipse 132">
-            <a:extLst>
-              <a:ext uri="{FF2B5EF4-FFF2-40B4-BE49-F238E27FC236}">
-                <a16:creationId xmlns:a16="http://schemas.microsoft.com/office/drawing/2014/main" id="{5748F54E-D3B5-448C-A655-34109C47EFBC}"/>
+          <p:cNvPr id="309" name="Elipse 308">
+            <a:extLst>
+              <a:ext uri="{FF2B5EF4-FFF2-40B4-BE49-F238E27FC236}">
+                <a16:creationId xmlns:a16="http://schemas.microsoft.com/office/drawing/2014/main" id="{1B2055E7-B7F4-43FA-9FE6-B626ED339D35}"/>
               </a:ext>
             </a:extLst>
           </p:cNvPr>
@@ -11113,10 +11114,10 @@
       </p:sp>
       <p:sp>
         <p:nvSpPr>
-          <p:cNvPr id="134" name="Signo más 133">
-            <a:extLst>
-              <a:ext uri="{FF2B5EF4-FFF2-40B4-BE49-F238E27FC236}">
-                <a16:creationId xmlns:a16="http://schemas.microsoft.com/office/drawing/2014/main" id="{7194F4B1-0E9A-4CC1-A848-33851F24DE80}"/>
+          <p:cNvPr id="310" name="Signo más 309">
+            <a:extLst>
+              <a:ext uri="{FF2B5EF4-FFF2-40B4-BE49-F238E27FC236}">
+                <a16:creationId xmlns:a16="http://schemas.microsoft.com/office/drawing/2014/main" id="{86E5426A-C23C-4EE5-B480-8C05899F6926}"/>
               </a:ext>
             </a:extLst>
           </p:cNvPr>
@@ -11185,10 +11186,10 @@
       </p:sp>
       <p:sp>
         <p:nvSpPr>
-          <p:cNvPr id="135" name="Rectángulo 134">
-            <a:extLst>
-              <a:ext uri="{FF2B5EF4-FFF2-40B4-BE49-F238E27FC236}">
-                <a16:creationId xmlns:a16="http://schemas.microsoft.com/office/drawing/2014/main" id="{54FD461C-629A-458B-BB1A-13AB5A7906C9}"/>
+          <p:cNvPr id="311" name="Rectángulo 310">
+            <a:extLst>
+              <a:ext uri="{FF2B5EF4-FFF2-40B4-BE49-F238E27FC236}">
+                <a16:creationId xmlns:a16="http://schemas.microsoft.com/office/drawing/2014/main" id="{62BB804B-934B-4F17-A0A9-EDEA2DEA0F31}"/>
               </a:ext>
             </a:extLst>
           </p:cNvPr>
@@ -11252,10 +11253,10 @@
       </p:sp>
       <p:sp>
         <p:nvSpPr>
-          <p:cNvPr id="136" name="Rectángulo 135">
-            <a:extLst>
-              <a:ext uri="{FF2B5EF4-FFF2-40B4-BE49-F238E27FC236}">
-                <a16:creationId xmlns:a16="http://schemas.microsoft.com/office/drawing/2014/main" id="{2E652B8C-DEAC-4F4F-B3CD-F3A8233ED762}"/>
+          <p:cNvPr id="312" name="Rectángulo 311">
+            <a:extLst>
+              <a:ext uri="{FF2B5EF4-FFF2-40B4-BE49-F238E27FC236}">
+                <a16:creationId xmlns:a16="http://schemas.microsoft.com/office/drawing/2014/main" id="{95B6F893-2158-41E0-A851-C87868290E59}"/>
               </a:ext>
             </a:extLst>
           </p:cNvPr>
@@ -11319,10 +11320,10 @@
       </p:sp>
       <p:sp>
         <p:nvSpPr>
-          <p:cNvPr id="137" name="Rectángulo: esquinas superiores cortadas 136">
-            <a:extLst>
-              <a:ext uri="{FF2B5EF4-FFF2-40B4-BE49-F238E27FC236}">
-                <a16:creationId xmlns:a16="http://schemas.microsoft.com/office/drawing/2014/main" id="{EE2A25FF-81FE-421C-9BE1-F076767A6BCC}"/>
+          <p:cNvPr id="313" name="Rectángulo: esquinas superiores cortadas 312">
+            <a:extLst>
+              <a:ext uri="{FF2B5EF4-FFF2-40B4-BE49-F238E27FC236}">
+                <a16:creationId xmlns:a16="http://schemas.microsoft.com/office/drawing/2014/main" id="{832F9CBE-E7EC-4675-B989-A26A1A8E82CB}"/>
               </a:ext>
             </a:extLst>
           </p:cNvPr>
@@ -11375,10 +11376,10 @@
       </p:sp>
       <p:sp>
         <p:nvSpPr>
-          <p:cNvPr id="138" name="Elipse 137">
-            <a:extLst>
-              <a:ext uri="{FF2B5EF4-FFF2-40B4-BE49-F238E27FC236}">
-                <a16:creationId xmlns:a16="http://schemas.microsoft.com/office/drawing/2014/main" id="{9AD8A0FC-D255-4C5F-8C9A-5B896267989C}"/>
+          <p:cNvPr id="314" name="Elipse 313">
+            <a:extLst>
+              <a:ext uri="{FF2B5EF4-FFF2-40B4-BE49-F238E27FC236}">
+                <a16:creationId xmlns:a16="http://schemas.microsoft.com/office/drawing/2014/main" id="{D8708E9E-3A5D-412B-9276-B04BDF2FD692}"/>
               </a:ext>
             </a:extLst>
           </p:cNvPr>
@@ -11424,10 +11425,10 @@
       </p:sp>
       <p:sp>
         <p:nvSpPr>
-          <p:cNvPr id="139" name="Elipse 138">
-            <a:extLst>
-              <a:ext uri="{FF2B5EF4-FFF2-40B4-BE49-F238E27FC236}">
-                <a16:creationId xmlns:a16="http://schemas.microsoft.com/office/drawing/2014/main" id="{63EE16A1-48C9-4F33-B527-98C78EB937F5}"/>
+          <p:cNvPr id="315" name="Elipse 314">
+            <a:extLst>
+              <a:ext uri="{FF2B5EF4-FFF2-40B4-BE49-F238E27FC236}">
+                <a16:creationId xmlns:a16="http://schemas.microsoft.com/office/drawing/2014/main" id="{8E4C0D0C-F008-4E94-A2F7-9A4816012699}"/>
               </a:ext>
             </a:extLst>
           </p:cNvPr>
@@ -11490,10 +11491,10 @@
       </p:sp>
       <p:sp>
         <p:nvSpPr>
-          <p:cNvPr id="140" name="Signo más 139">
-            <a:extLst>
-              <a:ext uri="{FF2B5EF4-FFF2-40B4-BE49-F238E27FC236}">
-                <a16:creationId xmlns:a16="http://schemas.microsoft.com/office/drawing/2014/main" id="{854A4EC3-8AAC-4452-B44D-8B78B8AB79D9}"/>
+          <p:cNvPr id="316" name="Signo más 315">
+            <a:extLst>
+              <a:ext uri="{FF2B5EF4-FFF2-40B4-BE49-F238E27FC236}">
+                <a16:creationId xmlns:a16="http://schemas.microsoft.com/office/drawing/2014/main" id="{A59FD69C-C400-4DBB-92F8-4F50BE0A4333}"/>
               </a:ext>
             </a:extLst>
           </p:cNvPr>
@@ -11562,10 +11563,10 @@
       </p:sp>
       <p:sp>
         <p:nvSpPr>
-          <p:cNvPr id="141" name="Rectángulo 140">
-            <a:extLst>
-              <a:ext uri="{FF2B5EF4-FFF2-40B4-BE49-F238E27FC236}">
-                <a16:creationId xmlns:a16="http://schemas.microsoft.com/office/drawing/2014/main" id="{1D526E04-86C5-44D3-85D7-995A6B76B334}"/>
+          <p:cNvPr id="317" name="Rectángulo 316">
+            <a:extLst>
+              <a:ext uri="{FF2B5EF4-FFF2-40B4-BE49-F238E27FC236}">
+                <a16:creationId xmlns:a16="http://schemas.microsoft.com/office/drawing/2014/main" id="{DA0FBA11-63BC-4148-88FD-41E0E06F1379}"/>
               </a:ext>
             </a:extLst>
           </p:cNvPr>
@@ -11629,10 +11630,10 @@
       </p:sp>
       <p:sp>
         <p:nvSpPr>
-          <p:cNvPr id="142" name="Rectángulo 141">
-            <a:extLst>
-              <a:ext uri="{FF2B5EF4-FFF2-40B4-BE49-F238E27FC236}">
-                <a16:creationId xmlns:a16="http://schemas.microsoft.com/office/drawing/2014/main" id="{5E12DC4C-4CB1-4BD5-BACA-56B5D078F8FD}"/>
+          <p:cNvPr id="318" name="Rectángulo 317">
+            <a:extLst>
+              <a:ext uri="{FF2B5EF4-FFF2-40B4-BE49-F238E27FC236}">
+                <a16:creationId xmlns:a16="http://schemas.microsoft.com/office/drawing/2014/main" id="{417C8A95-3592-4AAC-9E21-C09371EADA25}"/>
               </a:ext>
             </a:extLst>
           </p:cNvPr>
@@ -11696,10 +11697,10 @@
       </p:sp>
       <p:sp>
         <p:nvSpPr>
-          <p:cNvPr id="143" name="Rectángulo: esquinas superiores cortadas 142">
-            <a:extLst>
-              <a:ext uri="{FF2B5EF4-FFF2-40B4-BE49-F238E27FC236}">
-                <a16:creationId xmlns:a16="http://schemas.microsoft.com/office/drawing/2014/main" id="{990AB18A-65CB-4513-B546-D7ADA51E7892}"/>
+          <p:cNvPr id="319" name="Rectángulo: esquinas superiores cortadas 318">
+            <a:extLst>
+              <a:ext uri="{FF2B5EF4-FFF2-40B4-BE49-F238E27FC236}">
+                <a16:creationId xmlns:a16="http://schemas.microsoft.com/office/drawing/2014/main" id="{AAA6345E-0CED-4369-80F2-371430064D04}"/>
               </a:ext>
             </a:extLst>
           </p:cNvPr>
@@ -11752,10 +11753,10 @@
       </p:sp>
       <p:sp>
         <p:nvSpPr>
-          <p:cNvPr id="144" name="Elipse 143">
-            <a:extLst>
-              <a:ext uri="{FF2B5EF4-FFF2-40B4-BE49-F238E27FC236}">
-                <a16:creationId xmlns:a16="http://schemas.microsoft.com/office/drawing/2014/main" id="{40F0BBFD-9FF4-4414-A324-DB23D74D3E10}"/>
+          <p:cNvPr id="320" name="Elipse 319">
+            <a:extLst>
+              <a:ext uri="{FF2B5EF4-FFF2-40B4-BE49-F238E27FC236}">
+                <a16:creationId xmlns:a16="http://schemas.microsoft.com/office/drawing/2014/main" id="{C5BD3EE2-FFD2-4962-9E5E-61149B66E655}"/>
               </a:ext>
             </a:extLst>
           </p:cNvPr>
@@ -11801,10 +11802,10 @@
       </p:sp>
       <p:sp>
         <p:nvSpPr>
-          <p:cNvPr id="145" name="Elipse 144">
-            <a:extLst>
-              <a:ext uri="{FF2B5EF4-FFF2-40B4-BE49-F238E27FC236}">
-                <a16:creationId xmlns:a16="http://schemas.microsoft.com/office/drawing/2014/main" id="{A52BDF8C-F6FC-4092-9EA2-936AF39D0242}"/>
+          <p:cNvPr id="321" name="Elipse 320">
+            <a:extLst>
+              <a:ext uri="{FF2B5EF4-FFF2-40B4-BE49-F238E27FC236}">
+                <a16:creationId xmlns:a16="http://schemas.microsoft.com/office/drawing/2014/main" id="{469B6BF1-F1B1-41F4-B536-739755F4448B}"/>
               </a:ext>
             </a:extLst>
           </p:cNvPr>
@@ -11867,10 +11868,10 @@
       </p:sp>
       <p:sp>
         <p:nvSpPr>
-          <p:cNvPr id="146" name="Signo más 145">
-            <a:extLst>
-              <a:ext uri="{FF2B5EF4-FFF2-40B4-BE49-F238E27FC236}">
-                <a16:creationId xmlns:a16="http://schemas.microsoft.com/office/drawing/2014/main" id="{46B9DFA8-5A2C-4F59-BB22-DBD0ACF76906}"/>
+          <p:cNvPr id="322" name="Signo más 321">
+            <a:extLst>
+              <a:ext uri="{FF2B5EF4-FFF2-40B4-BE49-F238E27FC236}">
+                <a16:creationId xmlns:a16="http://schemas.microsoft.com/office/drawing/2014/main" id="{B10B374F-6F1F-4E9E-8893-B7608C5753BA}"/>
               </a:ext>
             </a:extLst>
           </p:cNvPr>
@@ -11939,10 +11940,10 @@
       </p:sp>
       <p:cxnSp>
         <p:nvCxnSpPr>
-          <p:cNvPr id="171" name="Conector recto 170">
-            <a:extLst>
-              <a:ext uri="{FF2B5EF4-FFF2-40B4-BE49-F238E27FC236}">
-                <a16:creationId xmlns:a16="http://schemas.microsoft.com/office/drawing/2014/main" id="{52324C20-8C7B-4644-90D7-0B0EFF456B5C}"/>
+          <p:cNvPr id="323" name="Conector recto 322">
+            <a:extLst>
+              <a:ext uri="{FF2B5EF4-FFF2-40B4-BE49-F238E27FC236}">
+                <a16:creationId xmlns:a16="http://schemas.microsoft.com/office/drawing/2014/main" id="{5FC68BA2-5320-4845-96C0-EDA8CF5418C5}"/>
               </a:ext>
             </a:extLst>
           </p:cNvPr>
@@ -11982,10 +11983,10 @@
       </p:cxnSp>
       <p:cxnSp>
         <p:nvCxnSpPr>
-          <p:cNvPr id="174" name="Conector recto 173">
-            <a:extLst>
-              <a:ext uri="{FF2B5EF4-FFF2-40B4-BE49-F238E27FC236}">
-                <a16:creationId xmlns:a16="http://schemas.microsoft.com/office/drawing/2014/main" id="{55B7C1AC-B620-4478-A519-F7299633E5B0}"/>
+          <p:cNvPr id="324" name="Conector recto 323">
+            <a:extLst>
+              <a:ext uri="{FF2B5EF4-FFF2-40B4-BE49-F238E27FC236}">
+                <a16:creationId xmlns:a16="http://schemas.microsoft.com/office/drawing/2014/main" id="{2232DA69-166E-4EE8-B845-AADDB81BD2B3}"/>
               </a:ext>
             </a:extLst>
           </p:cNvPr>
@@ -12027,10 +12028,10 @@
       </p:cxnSp>
       <p:cxnSp>
         <p:nvCxnSpPr>
-          <p:cNvPr id="177" name="Conector recto 176">
-            <a:extLst>
-              <a:ext uri="{FF2B5EF4-FFF2-40B4-BE49-F238E27FC236}">
-                <a16:creationId xmlns:a16="http://schemas.microsoft.com/office/drawing/2014/main" id="{C71805BA-3CB1-4ECA-9E6E-BA696B23D092}"/>
+          <p:cNvPr id="325" name="Conector recto 324">
+            <a:extLst>
+              <a:ext uri="{FF2B5EF4-FFF2-40B4-BE49-F238E27FC236}">
+                <a16:creationId xmlns:a16="http://schemas.microsoft.com/office/drawing/2014/main" id="{1EF4C39E-E8F6-4305-A36B-09509546432E}"/>
               </a:ext>
             </a:extLst>
           </p:cNvPr>
@@ -12070,10 +12071,10 @@
       </p:cxnSp>
       <p:cxnSp>
         <p:nvCxnSpPr>
-          <p:cNvPr id="179" name="Conector recto 178">
-            <a:extLst>
-              <a:ext uri="{FF2B5EF4-FFF2-40B4-BE49-F238E27FC236}">
-                <a16:creationId xmlns:a16="http://schemas.microsoft.com/office/drawing/2014/main" id="{44D9850B-71BA-4646-8E3C-A0D4852E0E94}"/>
+          <p:cNvPr id="326" name="Conector recto 325">
+            <a:extLst>
+              <a:ext uri="{FF2B5EF4-FFF2-40B4-BE49-F238E27FC236}">
+                <a16:creationId xmlns:a16="http://schemas.microsoft.com/office/drawing/2014/main" id="{3CA81918-64E6-43EB-A51F-3ECFDC42D2A7}"/>
               </a:ext>
             </a:extLst>
           </p:cNvPr>
@@ -12113,10 +12114,10 @@
       </p:cxnSp>
       <p:cxnSp>
         <p:nvCxnSpPr>
-          <p:cNvPr id="182" name="Conector recto 181">
-            <a:extLst>
-              <a:ext uri="{FF2B5EF4-FFF2-40B4-BE49-F238E27FC236}">
-                <a16:creationId xmlns:a16="http://schemas.microsoft.com/office/drawing/2014/main" id="{7EAA7F8E-C9D3-4266-BE57-CBD9E096C870}"/>
+          <p:cNvPr id="327" name="Conector recto 326">
+            <a:extLst>
+              <a:ext uri="{FF2B5EF4-FFF2-40B4-BE49-F238E27FC236}">
+                <a16:creationId xmlns:a16="http://schemas.microsoft.com/office/drawing/2014/main" id="{2B3BC773-0E19-4927-A85B-61FE46620FC3}"/>
               </a:ext>
             </a:extLst>
           </p:cNvPr>
@@ -12156,10 +12157,10 @@
       </p:cxnSp>
       <p:cxnSp>
         <p:nvCxnSpPr>
-          <p:cNvPr id="185" name="Conector recto 184">
-            <a:extLst>
-              <a:ext uri="{FF2B5EF4-FFF2-40B4-BE49-F238E27FC236}">
-                <a16:creationId xmlns:a16="http://schemas.microsoft.com/office/drawing/2014/main" id="{E23D6CE3-7EAF-4818-8F23-6B5FFB8EBC52}"/>
+          <p:cNvPr id="328" name="Conector recto 327">
+            <a:extLst>
+              <a:ext uri="{FF2B5EF4-FFF2-40B4-BE49-F238E27FC236}">
+                <a16:creationId xmlns:a16="http://schemas.microsoft.com/office/drawing/2014/main" id="{E643F5A2-BBD6-4E47-A379-0F1012E9DC6F}"/>
               </a:ext>
             </a:extLst>
           </p:cNvPr>
@@ -12201,10 +12202,10 @@
       </p:cxnSp>
       <p:cxnSp>
         <p:nvCxnSpPr>
-          <p:cNvPr id="201" name="Conector recto 200">
-            <a:extLst>
-              <a:ext uri="{FF2B5EF4-FFF2-40B4-BE49-F238E27FC236}">
-                <a16:creationId xmlns:a16="http://schemas.microsoft.com/office/drawing/2014/main" id="{40B008D4-417A-4D6C-9157-9F676DE1A850}"/>
+          <p:cNvPr id="329" name="Conector recto 328">
+            <a:extLst>
+              <a:ext uri="{FF2B5EF4-FFF2-40B4-BE49-F238E27FC236}">
+                <a16:creationId xmlns:a16="http://schemas.microsoft.com/office/drawing/2014/main" id="{8ACDCC26-0997-457D-A5F0-B8649C9C1706}"/>
               </a:ext>
             </a:extLst>
           </p:cNvPr>
@@ -12244,10 +12245,10 @@
       </p:cxnSp>
       <p:cxnSp>
         <p:nvCxnSpPr>
-          <p:cNvPr id="202" name="Conector recto 201">
-            <a:extLst>
-              <a:ext uri="{FF2B5EF4-FFF2-40B4-BE49-F238E27FC236}">
-                <a16:creationId xmlns:a16="http://schemas.microsoft.com/office/drawing/2014/main" id="{86AC38F8-2AB2-4D3D-BF62-9C55189F1FB1}"/>
+          <p:cNvPr id="330" name="Conector recto 329">
+            <a:extLst>
+              <a:ext uri="{FF2B5EF4-FFF2-40B4-BE49-F238E27FC236}">
+                <a16:creationId xmlns:a16="http://schemas.microsoft.com/office/drawing/2014/main" id="{8D8370DE-1A4A-4679-A9DE-3C12E1522718}"/>
               </a:ext>
             </a:extLst>
           </p:cNvPr>
@@ -12287,10 +12288,10 @@
       </p:cxnSp>
       <p:sp>
         <p:nvSpPr>
-          <p:cNvPr id="207" name="Rectángulo 206">
-            <a:extLst>
-              <a:ext uri="{FF2B5EF4-FFF2-40B4-BE49-F238E27FC236}">
-                <a16:creationId xmlns:a16="http://schemas.microsoft.com/office/drawing/2014/main" id="{B1701EC0-3C86-4B1E-A24C-8EFE94C79240}"/>
+          <p:cNvPr id="331" name="Rectángulo 330">
+            <a:extLst>
+              <a:ext uri="{FF2B5EF4-FFF2-40B4-BE49-F238E27FC236}">
+                <a16:creationId xmlns:a16="http://schemas.microsoft.com/office/drawing/2014/main" id="{3B6F929A-C724-42D4-894E-8D6342A78B3A}"/>
               </a:ext>
             </a:extLst>
           </p:cNvPr>
@@ -12339,10 +12340,10 @@
       </p:sp>
       <p:cxnSp>
         <p:nvCxnSpPr>
-          <p:cNvPr id="209" name="Conector recto 208">
-            <a:extLst>
-              <a:ext uri="{FF2B5EF4-FFF2-40B4-BE49-F238E27FC236}">
-                <a16:creationId xmlns:a16="http://schemas.microsoft.com/office/drawing/2014/main" id="{AA13FA46-EDCB-46A3-A71B-FFD32A816312}"/>
+          <p:cNvPr id="332" name="Conector recto 331">
+            <a:extLst>
+              <a:ext uri="{FF2B5EF4-FFF2-40B4-BE49-F238E27FC236}">
+                <a16:creationId xmlns:a16="http://schemas.microsoft.com/office/drawing/2014/main" id="{193C8B7B-EF08-41F5-99D6-DDA9C3E4D33B}"/>
               </a:ext>
             </a:extLst>
           </p:cNvPr>
@@ -12380,10 +12381,10 @@
       </p:cxnSp>
       <p:cxnSp>
         <p:nvCxnSpPr>
-          <p:cNvPr id="211" name="Conector recto 210">
-            <a:extLst>
-              <a:ext uri="{FF2B5EF4-FFF2-40B4-BE49-F238E27FC236}">
-                <a16:creationId xmlns:a16="http://schemas.microsoft.com/office/drawing/2014/main" id="{1BE94CC3-00EE-4DD7-BEEE-3D5C74CA6BD7}"/>
+          <p:cNvPr id="333" name="Conector recto 332">
+            <a:extLst>
+              <a:ext uri="{FF2B5EF4-FFF2-40B4-BE49-F238E27FC236}">
+                <a16:creationId xmlns:a16="http://schemas.microsoft.com/office/drawing/2014/main" id="{01A5ED85-5F50-4454-A950-8CE6FF25CC40}"/>
               </a:ext>
             </a:extLst>
           </p:cNvPr>
@@ -12423,10 +12424,10 @@
       </p:cxnSp>
       <p:cxnSp>
         <p:nvCxnSpPr>
-          <p:cNvPr id="213" name="Conector recto 212">
-            <a:extLst>
-              <a:ext uri="{FF2B5EF4-FFF2-40B4-BE49-F238E27FC236}">
-                <a16:creationId xmlns:a16="http://schemas.microsoft.com/office/drawing/2014/main" id="{4F44815C-5D7E-4F4D-8B5B-A804C20272A5}"/>
+          <p:cNvPr id="334" name="Conector recto 333">
+            <a:extLst>
+              <a:ext uri="{FF2B5EF4-FFF2-40B4-BE49-F238E27FC236}">
+                <a16:creationId xmlns:a16="http://schemas.microsoft.com/office/drawing/2014/main" id="{260676A1-8A96-4BB2-8834-A260E35473A4}"/>
               </a:ext>
             </a:extLst>
           </p:cNvPr>
@@ -12466,10 +12467,10 @@
       </p:cxnSp>
       <p:sp>
         <p:nvSpPr>
-          <p:cNvPr id="215" name="Rectángulo 214">
-            <a:extLst>
-              <a:ext uri="{FF2B5EF4-FFF2-40B4-BE49-F238E27FC236}">
-                <a16:creationId xmlns:a16="http://schemas.microsoft.com/office/drawing/2014/main" id="{60F02BC0-640B-43C0-B12D-0AAB60C3FC1D}"/>
+          <p:cNvPr id="335" name="Rectángulo 334">
+            <a:extLst>
+              <a:ext uri="{FF2B5EF4-FFF2-40B4-BE49-F238E27FC236}">
+                <a16:creationId xmlns:a16="http://schemas.microsoft.com/office/drawing/2014/main" id="{2F2434BF-93D2-4564-8575-735444EFE3A1}"/>
               </a:ext>
             </a:extLst>
           </p:cNvPr>
@@ -12533,10 +12534,10 @@
       </p:sp>
       <p:sp>
         <p:nvSpPr>
-          <p:cNvPr id="216" name="Rectángulo 215">
-            <a:extLst>
-              <a:ext uri="{FF2B5EF4-FFF2-40B4-BE49-F238E27FC236}">
-                <a16:creationId xmlns:a16="http://schemas.microsoft.com/office/drawing/2014/main" id="{9C6BEB98-7369-4D3B-A3E2-5ACDD1511FA6}"/>
+          <p:cNvPr id="336" name="Rectángulo 335">
+            <a:extLst>
+              <a:ext uri="{FF2B5EF4-FFF2-40B4-BE49-F238E27FC236}">
+                <a16:creationId xmlns:a16="http://schemas.microsoft.com/office/drawing/2014/main" id="{0E8E1F80-CDD3-4AB5-ADFD-BF17C88F067D}"/>
               </a:ext>
             </a:extLst>
           </p:cNvPr>
@@ -12600,10 +12601,10 @@
       </p:sp>
       <p:sp>
         <p:nvSpPr>
-          <p:cNvPr id="217" name="Rectángulo: esquinas superiores cortadas 216">
-            <a:extLst>
-              <a:ext uri="{FF2B5EF4-FFF2-40B4-BE49-F238E27FC236}">
-                <a16:creationId xmlns:a16="http://schemas.microsoft.com/office/drawing/2014/main" id="{0F40D2AD-820F-419D-9B02-120C3B93BE78}"/>
+          <p:cNvPr id="337" name="Rectángulo: esquinas superiores cortadas 336">
+            <a:extLst>
+              <a:ext uri="{FF2B5EF4-FFF2-40B4-BE49-F238E27FC236}">
+                <a16:creationId xmlns:a16="http://schemas.microsoft.com/office/drawing/2014/main" id="{ED7EF7D6-F4FC-4795-8168-3EC94B1E05CF}"/>
               </a:ext>
             </a:extLst>
           </p:cNvPr>
@@ -12656,10 +12657,10 @@
       </p:sp>
       <p:sp>
         <p:nvSpPr>
-          <p:cNvPr id="218" name="Elipse 217">
-            <a:extLst>
-              <a:ext uri="{FF2B5EF4-FFF2-40B4-BE49-F238E27FC236}">
-                <a16:creationId xmlns:a16="http://schemas.microsoft.com/office/drawing/2014/main" id="{DA136DB1-ABA8-4FD8-ABF0-B2C99FBC98CA}"/>
+          <p:cNvPr id="338" name="Elipse 337">
+            <a:extLst>
+              <a:ext uri="{FF2B5EF4-FFF2-40B4-BE49-F238E27FC236}">
+                <a16:creationId xmlns:a16="http://schemas.microsoft.com/office/drawing/2014/main" id="{0C2BBFC4-37D7-4C65-83D6-E1DD026279FB}"/>
               </a:ext>
             </a:extLst>
           </p:cNvPr>
@@ -12705,10 +12706,10 @@
       </p:sp>
       <p:sp>
         <p:nvSpPr>
-          <p:cNvPr id="219" name="Elipse 218">
-            <a:extLst>
-              <a:ext uri="{FF2B5EF4-FFF2-40B4-BE49-F238E27FC236}">
-                <a16:creationId xmlns:a16="http://schemas.microsoft.com/office/drawing/2014/main" id="{F326314D-98F0-4366-BDFE-6EAA07497409}"/>
+          <p:cNvPr id="339" name="Elipse 338">
+            <a:extLst>
+              <a:ext uri="{FF2B5EF4-FFF2-40B4-BE49-F238E27FC236}">
+                <a16:creationId xmlns:a16="http://schemas.microsoft.com/office/drawing/2014/main" id="{3C2D1718-3F55-4FDC-B59D-E6AD40C25AE9}"/>
               </a:ext>
             </a:extLst>
           </p:cNvPr>
@@ -12771,10 +12772,10 @@
       </p:sp>
       <p:sp>
         <p:nvSpPr>
-          <p:cNvPr id="220" name="Signo más 219">
-            <a:extLst>
-              <a:ext uri="{FF2B5EF4-FFF2-40B4-BE49-F238E27FC236}">
-                <a16:creationId xmlns:a16="http://schemas.microsoft.com/office/drawing/2014/main" id="{760434EF-AE0B-4399-8E6D-649C75E90F31}"/>
+          <p:cNvPr id="340" name="Signo más 339">
+            <a:extLst>
+              <a:ext uri="{FF2B5EF4-FFF2-40B4-BE49-F238E27FC236}">
+                <a16:creationId xmlns:a16="http://schemas.microsoft.com/office/drawing/2014/main" id="{1E91B8D1-E5E0-4A39-9E4F-9611F901EB17}"/>
               </a:ext>
             </a:extLst>
           </p:cNvPr>
@@ -12843,10 +12844,10 @@
       </p:sp>
       <p:sp>
         <p:nvSpPr>
-          <p:cNvPr id="221" name="Rectángulo 220">
-            <a:extLst>
-              <a:ext uri="{FF2B5EF4-FFF2-40B4-BE49-F238E27FC236}">
-                <a16:creationId xmlns:a16="http://schemas.microsoft.com/office/drawing/2014/main" id="{EADB29E9-29F2-4438-8A53-EB887E1D19EC}"/>
+          <p:cNvPr id="341" name="Rectángulo 340">
+            <a:extLst>
+              <a:ext uri="{FF2B5EF4-FFF2-40B4-BE49-F238E27FC236}">
+                <a16:creationId xmlns:a16="http://schemas.microsoft.com/office/drawing/2014/main" id="{1117E084-1CCC-4E2A-8289-B9523B5650B6}"/>
               </a:ext>
             </a:extLst>
           </p:cNvPr>
@@ -12910,10 +12911,10 @@
       </p:sp>
       <p:sp>
         <p:nvSpPr>
-          <p:cNvPr id="222" name="Rectángulo 221">
-            <a:extLst>
-              <a:ext uri="{FF2B5EF4-FFF2-40B4-BE49-F238E27FC236}">
-                <a16:creationId xmlns:a16="http://schemas.microsoft.com/office/drawing/2014/main" id="{78E7A511-90FA-4A09-851F-E030650845EA}"/>
+          <p:cNvPr id="342" name="Rectángulo 341">
+            <a:extLst>
+              <a:ext uri="{FF2B5EF4-FFF2-40B4-BE49-F238E27FC236}">
+                <a16:creationId xmlns:a16="http://schemas.microsoft.com/office/drawing/2014/main" id="{2BD95A07-5922-47D1-BCEC-DEF7C3F30187}"/>
               </a:ext>
             </a:extLst>
           </p:cNvPr>
@@ -12977,10 +12978,10 @@
       </p:sp>
       <p:sp>
         <p:nvSpPr>
-          <p:cNvPr id="223" name="Rectángulo: esquinas superiores cortadas 222">
-            <a:extLst>
-              <a:ext uri="{FF2B5EF4-FFF2-40B4-BE49-F238E27FC236}">
-                <a16:creationId xmlns:a16="http://schemas.microsoft.com/office/drawing/2014/main" id="{F1689964-7EC4-442A-A007-3B70D0825FA9}"/>
+          <p:cNvPr id="343" name="Rectángulo: esquinas superiores cortadas 342">
+            <a:extLst>
+              <a:ext uri="{FF2B5EF4-FFF2-40B4-BE49-F238E27FC236}">
+                <a16:creationId xmlns:a16="http://schemas.microsoft.com/office/drawing/2014/main" id="{B861A24F-9F45-4969-8A74-33D821FE4408}"/>
               </a:ext>
             </a:extLst>
           </p:cNvPr>
@@ -13033,10 +13034,10 @@
       </p:sp>
       <p:sp>
         <p:nvSpPr>
-          <p:cNvPr id="224" name="Elipse 223">
-            <a:extLst>
-              <a:ext uri="{FF2B5EF4-FFF2-40B4-BE49-F238E27FC236}">
-                <a16:creationId xmlns:a16="http://schemas.microsoft.com/office/drawing/2014/main" id="{DDDC1146-BD64-40FD-ADBF-2C93C11D1339}"/>
+          <p:cNvPr id="344" name="Elipse 343">
+            <a:extLst>
+              <a:ext uri="{FF2B5EF4-FFF2-40B4-BE49-F238E27FC236}">
+                <a16:creationId xmlns:a16="http://schemas.microsoft.com/office/drawing/2014/main" id="{4E09D761-5765-4F55-A41F-05DC903844A1}"/>
               </a:ext>
             </a:extLst>
           </p:cNvPr>
@@ -13082,10 +13083,10 @@
       </p:sp>
       <p:sp>
         <p:nvSpPr>
-          <p:cNvPr id="225" name="Elipse 224">
-            <a:extLst>
-              <a:ext uri="{FF2B5EF4-FFF2-40B4-BE49-F238E27FC236}">
-                <a16:creationId xmlns:a16="http://schemas.microsoft.com/office/drawing/2014/main" id="{B5273ABE-254E-4D0F-8045-C5F3431755E6}"/>
+          <p:cNvPr id="345" name="Elipse 344">
+            <a:extLst>
+              <a:ext uri="{FF2B5EF4-FFF2-40B4-BE49-F238E27FC236}">
+                <a16:creationId xmlns:a16="http://schemas.microsoft.com/office/drawing/2014/main" id="{5DDA8C61-D5A0-4E75-B081-7DF6808AB188}"/>
               </a:ext>
             </a:extLst>
           </p:cNvPr>
@@ -13148,10 +13149,10 @@
       </p:sp>
       <p:sp>
         <p:nvSpPr>
-          <p:cNvPr id="226" name="Signo más 225">
-            <a:extLst>
-              <a:ext uri="{FF2B5EF4-FFF2-40B4-BE49-F238E27FC236}">
-                <a16:creationId xmlns:a16="http://schemas.microsoft.com/office/drawing/2014/main" id="{3E4EFA4D-188A-4DE3-B95F-4388960C7651}"/>
+          <p:cNvPr id="346" name="Signo más 345">
+            <a:extLst>
+              <a:ext uri="{FF2B5EF4-FFF2-40B4-BE49-F238E27FC236}">
+                <a16:creationId xmlns:a16="http://schemas.microsoft.com/office/drawing/2014/main" id="{4E18A4A1-2ABF-416C-BEFC-ED6DF9A11888}"/>
               </a:ext>
             </a:extLst>
           </p:cNvPr>
@@ -13220,10 +13221,10 @@
       </p:sp>
       <p:sp>
         <p:nvSpPr>
-          <p:cNvPr id="227" name="Rectángulo 226">
-            <a:extLst>
-              <a:ext uri="{FF2B5EF4-FFF2-40B4-BE49-F238E27FC236}">
-                <a16:creationId xmlns:a16="http://schemas.microsoft.com/office/drawing/2014/main" id="{FC3A0375-0C72-4D3B-BB01-B1B8403116B3}"/>
+          <p:cNvPr id="347" name="Rectángulo 346">
+            <a:extLst>
+              <a:ext uri="{FF2B5EF4-FFF2-40B4-BE49-F238E27FC236}">
+                <a16:creationId xmlns:a16="http://schemas.microsoft.com/office/drawing/2014/main" id="{2CEB6D0F-EE5E-4FC2-8C9E-4276576A862A}"/>
               </a:ext>
             </a:extLst>
           </p:cNvPr>
@@ -13287,10 +13288,10 @@
       </p:sp>
       <p:sp>
         <p:nvSpPr>
-          <p:cNvPr id="228" name="Rectángulo 227">
-            <a:extLst>
-              <a:ext uri="{FF2B5EF4-FFF2-40B4-BE49-F238E27FC236}">
-                <a16:creationId xmlns:a16="http://schemas.microsoft.com/office/drawing/2014/main" id="{72D3885F-8A91-4944-8F3D-7F37750BCD19}"/>
+          <p:cNvPr id="348" name="Rectángulo 347">
+            <a:extLst>
+              <a:ext uri="{FF2B5EF4-FFF2-40B4-BE49-F238E27FC236}">
+                <a16:creationId xmlns:a16="http://schemas.microsoft.com/office/drawing/2014/main" id="{B0112EA5-01A0-47B3-8121-CC0051ACAC52}"/>
               </a:ext>
             </a:extLst>
           </p:cNvPr>
@@ -13354,10 +13355,10 @@
       </p:sp>
       <p:sp>
         <p:nvSpPr>
-          <p:cNvPr id="229" name="Rectángulo: esquinas superiores cortadas 228">
-            <a:extLst>
-              <a:ext uri="{FF2B5EF4-FFF2-40B4-BE49-F238E27FC236}">
-                <a16:creationId xmlns:a16="http://schemas.microsoft.com/office/drawing/2014/main" id="{2D5F8D60-3358-4F00-AD16-7B824B91EEFF}"/>
+          <p:cNvPr id="349" name="Rectángulo: esquinas superiores cortadas 348">
+            <a:extLst>
+              <a:ext uri="{FF2B5EF4-FFF2-40B4-BE49-F238E27FC236}">
+                <a16:creationId xmlns:a16="http://schemas.microsoft.com/office/drawing/2014/main" id="{E1F11D9E-9B02-434D-A4CC-29F07B08B2CD}"/>
               </a:ext>
             </a:extLst>
           </p:cNvPr>
@@ -13410,10 +13411,10 @@
       </p:sp>
       <p:sp>
         <p:nvSpPr>
-          <p:cNvPr id="230" name="Elipse 229">
-            <a:extLst>
-              <a:ext uri="{FF2B5EF4-FFF2-40B4-BE49-F238E27FC236}">
-                <a16:creationId xmlns:a16="http://schemas.microsoft.com/office/drawing/2014/main" id="{BA2374BD-9CDA-4013-8862-D49AE3C5E23B}"/>
+          <p:cNvPr id="350" name="Elipse 349">
+            <a:extLst>
+              <a:ext uri="{FF2B5EF4-FFF2-40B4-BE49-F238E27FC236}">
+                <a16:creationId xmlns:a16="http://schemas.microsoft.com/office/drawing/2014/main" id="{8D89B5A4-5BB0-4C56-AD86-BB51E4F16A88}"/>
               </a:ext>
             </a:extLst>
           </p:cNvPr>
@@ -13459,10 +13460,10 @@
       </p:sp>
       <p:sp>
         <p:nvSpPr>
-          <p:cNvPr id="231" name="Elipse 230">
-            <a:extLst>
-              <a:ext uri="{FF2B5EF4-FFF2-40B4-BE49-F238E27FC236}">
-                <a16:creationId xmlns:a16="http://schemas.microsoft.com/office/drawing/2014/main" id="{AECC7E3D-2FDA-4BF0-A3FB-B4BEB375C1B7}"/>
+          <p:cNvPr id="351" name="Elipse 350">
+            <a:extLst>
+              <a:ext uri="{FF2B5EF4-FFF2-40B4-BE49-F238E27FC236}">
+                <a16:creationId xmlns:a16="http://schemas.microsoft.com/office/drawing/2014/main" id="{3C4B7C0D-BCDE-43AA-BE4F-BAB42DC64E43}"/>
               </a:ext>
             </a:extLst>
           </p:cNvPr>
@@ -13525,10 +13526,10 @@
       </p:sp>
       <p:sp>
         <p:nvSpPr>
-          <p:cNvPr id="232" name="Signo más 231">
-            <a:extLst>
-              <a:ext uri="{FF2B5EF4-FFF2-40B4-BE49-F238E27FC236}">
-                <a16:creationId xmlns:a16="http://schemas.microsoft.com/office/drawing/2014/main" id="{5FFB8051-2BCF-4541-B6EA-8A36B0624211}"/>
+          <p:cNvPr id="352" name="Signo más 351">
+            <a:extLst>
+              <a:ext uri="{FF2B5EF4-FFF2-40B4-BE49-F238E27FC236}">
+                <a16:creationId xmlns:a16="http://schemas.microsoft.com/office/drawing/2014/main" id="{9C40B58F-9EF2-43D0-BAA0-D8053486858A}"/>
               </a:ext>
             </a:extLst>
           </p:cNvPr>
@@ -13597,10 +13598,10 @@
       </p:sp>
       <p:sp>
         <p:nvSpPr>
-          <p:cNvPr id="271" name="Rectángulo: esquinas redondeadas 270">
-            <a:extLst>
-              <a:ext uri="{FF2B5EF4-FFF2-40B4-BE49-F238E27FC236}">
-                <a16:creationId xmlns:a16="http://schemas.microsoft.com/office/drawing/2014/main" id="{ECC75C7B-ADA1-4A74-865E-CD3C50CD39B6}"/>
+          <p:cNvPr id="353" name="Rectángulo: esquinas redondeadas 352">
+            <a:extLst>
+              <a:ext uri="{FF2B5EF4-FFF2-40B4-BE49-F238E27FC236}">
+                <a16:creationId xmlns:a16="http://schemas.microsoft.com/office/drawing/2014/main" id="{98984039-51EE-4416-8ACA-EE4F1D0C20BB}"/>
               </a:ext>
             </a:extLst>
           </p:cNvPr>
@@ -13663,10 +13664,10 @@
       </p:sp>
       <p:sp>
         <p:nvSpPr>
-          <p:cNvPr id="270" name="Elipse 269">
-            <a:extLst>
-              <a:ext uri="{FF2B5EF4-FFF2-40B4-BE49-F238E27FC236}">
-                <a16:creationId xmlns:a16="http://schemas.microsoft.com/office/drawing/2014/main" id="{BB6858CD-48B8-4DF6-BFEF-F05AF039B4B6}"/>
+          <p:cNvPr id="354" name="Elipse 353">
+            <a:extLst>
+              <a:ext uri="{FF2B5EF4-FFF2-40B4-BE49-F238E27FC236}">
+                <a16:creationId xmlns:a16="http://schemas.microsoft.com/office/drawing/2014/main" id="{9C583B30-5405-455B-9643-03FAF1166674}"/>
               </a:ext>
             </a:extLst>
           </p:cNvPr>
@@ -13729,10 +13730,10 @@
       </p:sp>
       <p:sp>
         <p:nvSpPr>
-          <p:cNvPr id="272" name="Elipse 271">
-            <a:extLst>
-              <a:ext uri="{FF2B5EF4-FFF2-40B4-BE49-F238E27FC236}">
-                <a16:creationId xmlns:a16="http://schemas.microsoft.com/office/drawing/2014/main" id="{CADD2F1F-20E2-440F-9984-EB7ECC8EA170}"/>
+          <p:cNvPr id="355" name="Elipse 354">
+            <a:extLst>
+              <a:ext uri="{FF2B5EF4-FFF2-40B4-BE49-F238E27FC236}">
+                <a16:creationId xmlns:a16="http://schemas.microsoft.com/office/drawing/2014/main" id="{1D017ACB-6D6F-4C44-A2F5-ADB7E1BCEF36}"/>
               </a:ext>
             </a:extLst>
           </p:cNvPr>
@@ -13782,10 +13783,10 @@
       </p:sp>
       <p:sp>
         <p:nvSpPr>
-          <p:cNvPr id="273" name="Rectángulo: esquinas redondeadas 272">
-            <a:extLst>
-              <a:ext uri="{FF2B5EF4-FFF2-40B4-BE49-F238E27FC236}">
-                <a16:creationId xmlns:a16="http://schemas.microsoft.com/office/drawing/2014/main" id="{166CD7DC-7482-483A-BC48-3F7667A477FC}"/>
+          <p:cNvPr id="356" name="Rectángulo: esquinas redondeadas 355">
+            <a:extLst>
+              <a:ext uri="{FF2B5EF4-FFF2-40B4-BE49-F238E27FC236}">
+                <a16:creationId xmlns:a16="http://schemas.microsoft.com/office/drawing/2014/main" id="{5E61DB16-29FB-4199-A8A3-B68A0B172299}"/>
               </a:ext>
             </a:extLst>
           </p:cNvPr>
@@ -13835,10 +13836,10 @@
       </p:sp>
       <p:sp>
         <p:nvSpPr>
-          <p:cNvPr id="274" name="Rectángulo: esquinas redondeadas 273">
-            <a:extLst>
-              <a:ext uri="{FF2B5EF4-FFF2-40B4-BE49-F238E27FC236}">
-                <a16:creationId xmlns:a16="http://schemas.microsoft.com/office/drawing/2014/main" id="{A1BA9D6E-A605-496A-A096-CD0413C733EA}"/>
+          <p:cNvPr id="357" name="Rectángulo: esquinas redondeadas 356">
+            <a:extLst>
+              <a:ext uri="{FF2B5EF4-FFF2-40B4-BE49-F238E27FC236}">
+                <a16:creationId xmlns:a16="http://schemas.microsoft.com/office/drawing/2014/main" id="{23D240F8-9379-446B-B954-C179D26D6B46}"/>
               </a:ext>
             </a:extLst>
           </p:cNvPr>
@@ -13901,10 +13902,10 @@
       </p:sp>
       <p:sp>
         <p:nvSpPr>
-          <p:cNvPr id="275" name="Elipse 274">
-            <a:extLst>
-              <a:ext uri="{FF2B5EF4-FFF2-40B4-BE49-F238E27FC236}">
-                <a16:creationId xmlns:a16="http://schemas.microsoft.com/office/drawing/2014/main" id="{25B3A219-9F74-4E6E-82EF-52EA3503FB31}"/>
+          <p:cNvPr id="358" name="Elipse 357">
+            <a:extLst>
+              <a:ext uri="{FF2B5EF4-FFF2-40B4-BE49-F238E27FC236}">
+                <a16:creationId xmlns:a16="http://schemas.microsoft.com/office/drawing/2014/main" id="{A9B7F8FF-0528-401F-B0C5-09351B13C467}"/>
               </a:ext>
             </a:extLst>
           </p:cNvPr>
@@ -13967,10 +13968,10 @@
       </p:sp>
       <p:sp>
         <p:nvSpPr>
-          <p:cNvPr id="276" name="Elipse 275">
-            <a:extLst>
-              <a:ext uri="{FF2B5EF4-FFF2-40B4-BE49-F238E27FC236}">
-                <a16:creationId xmlns:a16="http://schemas.microsoft.com/office/drawing/2014/main" id="{2C639BF4-CCDE-466B-97EE-505734183B67}"/>
+          <p:cNvPr id="359" name="Elipse 358">
+            <a:extLst>
+              <a:ext uri="{FF2B5EF4-FFF2-40B4-BE49-F238E27FC236}">
+                <a16:creationId xmlns:a16="http://schemas.microsoft.com/office/drawing/2014/main" id="{1A07E9F5-976D-4A2B-843B-9F5EBE451BBB}"/>
               </a:ext>
             </a:extLst>
           </p:cNvPr>
@@ -14020,10 +14021,10 @@
       </p:sp>
       <p:sp>
         <p:nvSpPr>
-          <p:cNvPr id="277" name="Rectángulo: esquinas redondeadas 276">
-            <a:extLst>
-              <a:ext uri="{FF2B5EF4-FFF2-40B4-BE49-F238E27FC236}">
-                <a16:creationId xmlns:a16="http://schemas.microsoft.com/office/drawing/2014/main" id="{2D44ADBB-49EB-4C47-B1AE-25A1A7541A9A}"/>
+          <p:cNvPr id="360" name="Rectángulo: esquinas redondeadas 359">
+            <a:extLst>
+              <a:ext uri="{FF2B5EF4-FFF2-40B4-BE49-F238E27FC236}">
+                <a16:creationId xmlns:a16="http://schemas.microsoft.com/office/drawing/2014/main" id="{0C35CA44-A9B1-4B77-85E6-BF7AE1FAAEDC}"/>
               </a:ext>
             </a:extLst>
           </p:cNvPr>
@@ -14073,10 +14074,10 @@
       </p:sp>
       <p:sp>
         <p:nvSpPr>
-          <p:cNvPr id="278" name="Rectángulo 277">
-            <a:extLst>
-              <a:ext uri="{FF2B5EF4-FFF2-40B4-BE49-F238E27FC236}">
-                <a16:creationId xmlns:a16="http://schemas.microsoft.com/office/drawing/2014/main" id="{8CAB13C6-A6EF-49C6-8202-365A0D1AC4CF}"/>
+          <p:cNvPr id="361" name="Rectángulo 360">
+            <a:extLst>
+              <a:ext uri="{FF2B5EF4-FFF2-40B4-BE49-F238E27FC236}">
+                <a16:creationId xmlns:a16="http://schemas.microsoft.com/office/drawing/2014/main" id="{5F9718E6-08B2-4139-8159-2549E05DE4D2}"/>
               </a:ext>
             </a:extLst>
           </p:cNvPr>
@@ -14143,10 +14144,10 @@
       </p:sp>
       <p:sp>
         <p:nvSpPr>
-          <p:cNvPr id="279" name="Rectángulo 278">
-            <a:extLst>
-              <a:ext uri="{FF2B5EF4-FFF2-40B4-BE49-F238E27FC236}">
-                <a16:creationId xmlns:a16="http://schemas.microsoft.com/office/drawing/2014/main" id="{F9CDA49C-18D9-4B7B-9449-DC50D8CAD129}"/>
+          <p:cNvPr id="362" name="Rectángulo 361">
+            <a:extLst>
+              <a:ext uri="{FF2B5EF4-FFF2-40B4-BE49-F238E27FC236}">
+                <a16:creationId xmlns:a16="http://schemas.microsoft.com/office/drawing/2014/main" id="{D246539E-EABB-42D5-BF83-CCFF5BC9BA08}"/>
               </a:ext>
             </a:extLst>
           </p:cNvPr>
@@ -14213,10 +14214,10 @@
       </p:sp>
       <p:sp>
         <p:nvSpPr>
-          <p:cNvPr id="283" name="Lágrima 282">
-            <a:extLst>
-              <a:ext uri="{FF2B5EF4-FFF2-40B4-BE49-F238E27FC236}">
-                <a16:creationId xmlns:a16="http://schemas.microsoft.com/office/drawing/2014/main" id="{F9A1F769-C564-4EAA-A31E-1D7EC9830239}"/>
+          <p:cNvPr id="363" name="Lágrima 362">
+            <a:extLst>
+              <a:ext uri="{FF2B5EF4-FFF2-40B4-BE49-F238E27FC236}">
+                <a16:creationId xmlns:a16="http://schemas.microsoft.com/office/drawing/2014/main" id="{2393717E-B1C9-486E-940B-B34752943D71}"/>
               </a:ext>
             </a:extLst>
           </p:cNvPr>
@@ -14267,10 +14268,10 @@
       </p:sp>
       <p:sp>
         <p:nvSpPr>
-          <p:cNvPr id="284" name="Cuerda 283">
-            <a:extLst>
-              <a:ext uri="{FF2B5EF4-FFF2-40B4-BE49-F238E27FC236}">
-                <a16:creationId xmlns:a16="http://schemas.microsoft.com/office/drawing/2014/main" id="{C452E9E2-9F24-4910-A6BA-3F57079680D6}"/>
+          <p:cNvPr id="364" name="Cuerda 363">
+            <a:extLst>
+              <a:ext uri="{FF2B5EF4-FFF2-40B4-BE49-F238E27FC236}">
+                <a16:creationId xmlns:a16="http://schemas.microsoft.com/office/drawing/2014/main" id="{5D7EBFBD-6BDA-4BB4-A385-F1430DBA80F0}"/>
               </a:ext>
             </a:extLst>
           </p:cNvPr>
@@ -14324,10 +14325,10 @@
       </p:sp>
       <p:sp>
         <p:nvSpPr>
-          <p:cNvPr id="2" name="Rectángulo 1">
-            <a:extLst>
-              <a:ext uri="{FF2B5EF4-FFF2-40B4-BE49-F238E27FC236}">
-                <a16:creationId xmlns:a16="http://schemas.microsoft.com/office/drawing/2014/main" id="{6FCAB5E0-88A1-42CB-BE18-5EB35D842819}"/>
+          <p:cNvPr id="365" name="Rectángulo 364">
+            <a:extLst>
+              <a:ext uri="{FF2B5EF4-FFF2-40B4-BE49-F238E27FC236}">
+                <a16:creationId xmlns:a16="http://schemas.microsoft.com/office/drawing/2014/main" id="{1AD23691-C2B9-48CB-80A3-4949F8CE70D3}"/>
               </a:ext>
             </a:extLst>
           </p:cNvPr>
@@ -14376,10 +14377,10 @@
       </p:sp>
       <p:sp>
         <p:nvSpPr>
-          <p:cNvPr id="147" name="Rectángulo 146">
-            <a:extLst>
-              <a:ext uri="{FF2B5EF4-FFF2-40B4-BE49-F238E27FC236}">
-                <a16:creationId xmlns:a16="http://schemas.microsoft.com/office/drawing/2014/main" id="{CA58A6AF-BFE0-4AEC-95BC-1C4B061CD1F4}"/>
+          <p:cNvPr id="366" name="Rectángulo 365">
+            <a:extLst>
+              <a:ext uri="{FF2B5EF4-FFF2-40B4-BE49-F238E27FC236}">
+                <a16:creationId xmlns:a16="http://schemas.microsoft.com/office/drawing/2014/main" id="{04DAC36C-D272-4CCF-B897-41883277E440}"/>
               </a:ext>
             </a:extLst>
           </p:cNvPr>
@@ -14428,10 +14429,10 @@
       </p:sp>
       <p:sp>
         <p:nvSpPr>
-          <p:cNvPr id="148" name="Rectángulo 147">
-            <a:extLst>
-              <a:ext uri="{FF2B5EF4-FFF2-40B4-BE49-F238E27FC236}">
-                <a16:creationId xmlns:a16="http://schemas.microsoft.com/office/drawing/2014/main" id="{0842ACCF-E4A2-4607-B943-7C1631B7D9B0}"/>
+          <p:cNvPr id="367" name="Rectángulo 366">
+            <a:extLst>
+              <a:ext uri="{FF2B5EF4-FFF2-40B4-BE49-F238E27FC236}">
+                <a16:creationId xmlns:a16="http://schemas.microsoft.com/office/drawing/2014/main" id="{B4D20F8F-12BA-4A3C-9019-5B0B6779D6EB}"/>
               </a:ext>
             </a:extLst>
           </p:cNvPr>
@@ -14480,10 +14481,10 @@
       </p:sp>
       <p:sp>
         <p:nvSpPr>
-          <p:cNvPr id="149" name="Rectángulo 148">
-            <a:extLst>
-              <a:ext uri="{FF2B5EF4-FFF2-40B4-BE49-F238E27FC236}">
-                <a16:creationId xmlns:a16="http://schemas.microsoft.com/office/drawing/2014/main" id="{23047540-EBCB-4969-A5BE-B8DAFE05A465}"/>
+          <p:cNvPr id="368" name="Rectángulo 367">
+            <a:extLst>
+              <a:ext uri="{FF2B5EF4-FFF2-40B4-BE49-F238E27FC236}">
+                <a16:creationId xmlns:a16="http://schemas.microsoft.com/office/drawing/2014/main" id="{2834A842-A419-4E46-9689-39DC20D7D135}"/>
               </a:ext>
             </a:extLst>
           </p:cNvPr>
@@ -14532,10 +14533,10 @@
       </p:sp>
       <p:sp>
         <p:nvSpPr>
-          <p:cNvPr id="150" name="Rectángulo 149">
-            <a:extLst>
-              <a:ext uri="{FF2B5EF4-FFF2-40B4-BE49-F238E27FC236}">
-                <a16:creationId xmlns:a16="http://schemas.microsoft.com/office/drawing/2014/main" id="{2666187A-8BBF-4510-8283-C9F434D8BC8D}"/>
+          <p:cNvPr id="369" name="Rectángulo 368">
+            <a:extLst>
+              <a:ext uri="{FF2B5EF4-FFF2-40B4-BE49-F238E27FC236}">
+                <a16:creationId xmlns:a16="http://schemas.microsoft.com/office/drawing/2014/main" id="{423AEE93-7254-424A-9847-F53EA277BDB9}"/>
               </a:ext>
             </a:extLst>
           </p:cNvPr>
@@ -14584,10 +14585,10 @@
       </p:sp>
       <p:sp>
         <p:nvSpPr>
-          <p:cNvPr id="157" name="Rectángulo 156">
-            <a:extLst>
-              <a:ext uri="{FF2B5EF4-FFF2-40B4-BE49-F238E27FC236}">
-                <a16:creationId xmlns:a16="http://schemas.microsoft.com/office/drawing/2014/main" id="{B5E15E06-7E02-4DD9-88A7-5FCBF16D94A1}"/>
+          <p:cNvPr id="370" name="Rectángulo 369">
+            <a:extLst>
+              <a:ext uri="{FF2B5EF4-FFF2-40B4-BE49-F238E27FC236}">
+                <a16:creationId xmlns:a16="http://schemas.microsoft.com/office/drawing/2014/main" id="{675CE880-6D58-4C1C-99B3-55487D0B0C4B}"/>
               </a:ext>
             </a:extLst>
           </p:cNvPr>
@@ -14636,10 +14637,10 @@
       </p:sp>
       <p:sp>
         <p:nvSpPr>
-          <p:cNvPr id="158" name="Rectángulo 157">
-            <a:extLst>
-              <a:ext uri="{FF2B5EF4-FFF2-40B4-BE49-F238E27FC236}">
-                <a16:creationId xmlns:a16="http://schemas.microsoft.com/office/drawing/2014/main" id="{4B02671C-2A92-472A-BE56-DD7782743BF8}"/>
+          <p:cNvPr id="371" name="Rectángulo 370">
+            <a:extLst>
+              <a:ext uri="{FF2B5EF4-FFF2-40B4-BE49-F238E27FC236}">
+                <a16:creationId xmlns:a16="http://schemas.microsoft.com/office/drawing/2014/main" id="{C038B3AD-7C75-4945-B268-49076278F85F}"/>
               </a:ext>
             </a:extLst>
           </p:cNvPr>
@@ -14688,10 +14689,10 @@
       </p:sp>
       <p:sp>
         <p:nvSpPr>
-          <p:cNvPr id="159" name="Rectángulo 158">
-            <a:extLst>
-              <a:ext uri="{FF2B5EF4-FFF2-40B4-BE49-F238E27FC236}">
-                <a16:creationId xmlns:a16="http://schemas.microsoft.com/office/drawing/2014/main" id="{AF8ABE11-5C0F-4D96-B5AF-50707993D8CA}"/>
+          <p:cNvPr id="372" name="Rectángulo 371">
+            <a:extLst>
+              <a:ext uri="{FF2B5EF4-FFF2-40B4-BE49-F238E27FC236}">
+                <a16:creationId xmlns:a16="http://schemas.microsoft.com/office/drawing/2014/main" id="{68A374BD-7C76-4611-88DA-909F834CB2A9}"/>
               </a:ext>
             </a:extLst>
           </p:cNvPr>
@@ -14740,10 +14741,10 @@
       </p:sp>
       <p:sp>
         <p:nvSpPr>
-          <p:cNvPr id="160" name="Rectángulo 159">
-            <a:extLst>
-              <a:ext uri="{FF2B5EF4-FFF2-40B4-BE49-F238E27FC236}">
-                <a16:creationId xmlns:a16="http://schemas.microsoft.com/office/drawing/2014/main" id="{FCDAA3A9-8E44-4B3A-BC8C-AF11F143E674}"/>
+          <p:cNvPr id="373" name="Rectángulo 372">
+            <a:extLst>
+              <a:ext uri="{FF2B5EF4-FFF2-40B4-BE49-F238E27FC236}">
+                <a16:creationId xmlns:a16="http://schemas.microsoft.com/office/drawing/2014/main" id="{CE03351C-E680-4FF4-B944-CCF6CC418082}"/>
               </a:ext>
             </a:extLst>
           </p:cNvPr>
@@ -14792,10 +14793,10 @@
       </p:sp>
       <p:sp>
         <p:nvSpPr>
-          <p:cNvPr id="161" name="Rectángulo 160">
-            <a:extLst>
-              <a:ext uri="{FF2B5EF4-FFF2-40B4-BE49-F238E27FC236}">
-                <a16:creationId xmlns:a16="http://schemas.microsoft.com/office/drawing/2014/main" id="{901E22DB-F5EF-4CF5-8CD3-2D7BE8CB6BE7}"/>
+          <p:cNvPr id="374" name="Rectángulo 373">
+            <a:extLst>
+              <a:ext uri="{FF2B5EF4-FFF2-40B4-BE49-F238E27FC236}">
+                <a16:creationId xmlns:a16="http://schemas.microsoft.com/office/drawing/2014/main" id="{AFDFB291-4DF6-411A-935E-2E721E232026}"/>
               </a:ext>
             </a:extLst>
           </p:cNvPr>
@@ -14844,10 +14845,10 @@
       </p:sp>
       <p:sp>
         <p:nvSpPr>
-          <p:cNvPr id="162" name="Rectángulo 161">
-            <a:extLst>
-              <a:ext uri="{FF2B5EF4-FFF2-40B4-BE49-F238E27FC236}">
-                <a16:creationId xmlns:a16="http://schemas.microsoft.com/office/drawing/2014/main" id="{05581390-A80F-467B-AF82-28C3F964FB10}"/>
+          <p:cNvPr id="375" name="Rectángulo 374">
+            <a:extLst>
+              <a:ext uri="{FF2B5EF4-FFF2-40B4-BE49-F238E27FC236}">
+                <a16:creationId xmlns:a16="http://schemas.microsoft.com/office/drawing/2014/main" id="{DB0BADA1-5FE7-4CBD-99B1-273533C85511}"/>
               </a:ext>
             </a:extLst>
           </p:cNvPr>
@@ -14896,10 +14897,10 @@
       </p:sp>
       <p:sp>
         <p:nvSpPr>
-          <p:cNvPr id="163" name="Rectángulo 162">
-            <a:extLst>
-              <a:ext uri="{FF2B5EF4-FFF2-40B4-BE49-F238E27FC236}">
-                <a16:creationId xmlns:a16="http://schemas.microsoft.com/office/drawing/2014/main" id="{68A454FA-0B0D-4FB3-A52D-5987D2A4E798}"/>
+          <p:cNvPr id="376" name="Rectángulo 375">
+            <a:extLst>
+              <a:ext uri="{FF2B5EF4-FFF2-40B4-BE49-F238E27FC236}">
+                <a16:creationId xmlns:a16="http://schemas.microsoft.com/office/drawing/2014/main" id="{45FC2F3C-EC0E-49F2-9FD5-AC0537397E56}"/>
               </a:ext>
             </a:extLst>
           </p:cNvPr>
@@ -14948,10 +14949,10 @@
       </p:sp>
       <p:sp>
         <p:nvSpPr>
-          <p:cNvPr id="164" name="Rectángulo 163">
-            <a:extLst>
-              <a:ext uri="{FF2B5EF4-FFF2-40B4-BE49-F238E27FC236}">
-                <a16:creationId xmlns:a16="http://schemas.microsoft.com/office/drawing/2014/main" id="{2DAD1308-8AD0-4793-AFDF-44AD1882F107}"/>
+          <p:cNvPr id="377" name="Rectángulo 376">
+            <a:extLst>
+              <a:ext uri="{FF2B5EF4-FFF2-40B4-BE49-F238E27FC236}">
+                <a16:creationId xmlns:a16="http://schemas.microsoft.com/office/drawing/2014/main" id="{6B457427-6793-4198-906D-06646F6489E4}"/>
               </a:ext>
             </a:extLst>
           </p:cNvPr>
@@ -15012,10 +15013,10 @@
       </p:sp>
       <p:sp>
         <p:nvSpPr>
-          <p:cNvPr id="165" name="Rectángulo 164">
-            <a:extLst>
-              <a:ext uri="{FF2B5EF4-FFF2-40B4-BE49-F238E27FC236}">
-                <a16:creationId xmlns:a16="http://schemas.microsoft.com/office/drawing/2014/main" id="{D64E557B-B88B-41B8-B666-D799098C35C5}"/>
+          <p:cNvPr id="378" name="Rectángulo 377">
+            <a:extLst>
+              <a:ext uri="{FF2B5EF4-FFF2-40B4-BE49-F238E27FC236}">
+                <a16:creationId xmlns:a16="http://schemas.microsoft.com/office/drawing/2014/main" id="{C242B6FB-D804-47BB-9BC4-878D113FD557}"/>
               </a:ext>
             </a:extLst>
           </p:cNvPr>
@@ -15092,10 +15093,10 @@
       </p:sp>
       <p:sp>
         <p:nvSpPr>
-          <p:cNvPr id="166" name="Rectángulo 165">
-            <a:extLst>
-              <a:ext uri="{FF2B5EF4-FFF2-40B4-BE49-F238E27FC236}">
-                <a16:creationId xmlns:a16="http://schemas.microsoft.com/office/drawing/2014/main" id="{3E04B062-CC0C-4DDD-9E04-4D693520C85B}"/>
+          <p:cNvPr id="379" name="Rectángulo 378">
+            <a:extLst>
+              <a:ext uri="{FF2B5EF4-FFF2-40B4-BE49-F238E27FC236}">
+                <a16:creationId xmlns:a16="http://schemas.microsoft.com/office/drawing/2014/main" id="{F5591467-4398-4EAF-A8D7-D6A98AB4F1BD}"/>
               </a:ext>
             </a:extLst>
           </p:cNvPr>
@@ -15172,10 +15173,10 @@
       </p:sp>
       <p:sp>
         <p:nvSpPr>
-          <p:cNvPr id="167" name="Rectángulo 166">
-            <a:extLst>
-              <a:ext uri="{FF2B5EF4-FFF2-40B4-BE49-F238E27FC236}">
-                <a16:creationId xmlns:a16="http://schemas.microsoft.com/office/drawing/2014/main" id="{678C57F1-0AC8-412E-AD30-1DD390F0BAC6}"/>
+          <p:cNvPr id="380" name="Rectángulo 379">
+            <a:extLst>
+              <a:ext uri="{FF2B5EF4-FFF2-40B4-BE49-F238E27FC236}">
+                <a16:creationId xmlns:a16="http://schemas.microsoft.com/office/drawing/2014/main" id="{2949AAC3-4BB3-41D7-9ABE-0807FB1B24CF}"/>
               </a:ext>
             </a:extLst>
           </p:cNvPr>
@@ -15252,10 +15253,10 @@
       </p:sp>
       <p:sp>
         <p:nvSpPr>
-          <p:cNvPr id="168" name="Rectángulo 167">
-            <a:extLst>
-              <a:ext uri="{FF2B5EF4-FFF2-40B4-BE49-F238E27FC236}">
-                <a16:creationId xmlns:a16="http://schemas.microsoft.com/office/drawing/2014/main" id="{C36A0AA0-9D5B-49B1-BFFF-C5F8676CB4F5}"/>
+          <p:cNvPr id="381" name="Rectángulo 380">
+            <a:extLst>
+              <a:ext uri="{FF2B5EF4-FFF2-40B4-BE49-F238E27FC236}">
+                <a16:creationId xmlns:a16="http://schemas.microsoft.com/office/drawing/2014/main" id="{02A3427D-8F1B-4A73-BF27-DF4467B78104}"/>
               </a:ext>
             </a:extLst>
           </p:cNvPr>
@@ -15332,10 +15333,10 @@
       </p:sp>
       <p:sp>
         <p:nvSpPr>
-          <p:cNvPr id="169" name="Rectángulo 168">
-            <a:extLst>
-              <a:ext uri="{FF2B5EF4-FFF2-40B4-BE49-F238E27FC236}">
-                <a16:creationId xmlns:a16="http://schemas.microsoft.com/office/drawing/2014/main" id="{1CD27997-D068-4567-90E3-24C8CBDBC9AA}"/>
+          <p:cNvPr id="382" name="Rectángulo 381">
+            <a:extLst>
+              <a:ext uri="{FF2B5EF4-FFF2-40B4-BE49-F238E27FC236}">
+                <a16:creationId xmlns:a16="http://schemas.microsoft.com/office/drawing/2014/main" id="{7E3A8251-CC85-4CC9-A1A4-012086A814A6}"/>
               </a:ext>
             </a:extLst>
           </p:cNvPr>
@@ -15412,10 +15413,10 @@
       </p:sp>
       <p:sp>
         <p:nvSpPr>
-          <p:cNvPr id="172" name="Rectángulo 171">
-            <a:extLst>
-              <a:ext uri="{FF2B5EF4-FFF2-40B4-BE49-F238E27FC236}">
-                <a16:creationId xmlns:a16="http://schemas.microsoft.com/office/drawing/2014/main" id="{3E9FFE70-A970-4F4E-B541-CF935591C369}"/>
+          <p:cNvPr id="383" name="Rectángulo 382">
+            <a:extLst>
+              <a:ext uri="{FF2B5EF4-FFF2-40B4-BE49-F238E27FC236}">
+                <a16:creationId xmlns:a16="http://schemas.microsoft.com/office/drawing/2014/main" id="{EE6352EC-7921-4C7C-82E1-E2A1388C1B40}"/>
               </a:ext>
             </a:extLst>
           </p:cNvPr>
@@ -15492,10 +15493,10 @@
       </p:sp>
       <p:sp>
         <p:nvSpPr>
-          <p:cNvPr id="173" name="Rectángulo 172">
-            <a:extLst>
-              <a:ext uri="{FF2B5EF4-FFF2-40B4-BE49-F238E27FC236}">
-                <a16:creationId xmlns:a16="http://schemas.microsoft.com/office/drawing/2014/main" id="{32C5255A-6F33-4D57-A0F3-3E27C0D71B8A}"/>
+          <p:cNvPr id="384" name="Rectángulo 383">
+            <a:extLst>
+              <a:ext uri="{FF2B5EF4-FFF2-40B4-BE49-F238E27FC236}">
+                <a16:creationId xmlns:a16="http://schemas.microsoft.com/office/drawing/2014/main" id="{402019FD-1B8B-4CCC-9150-9653A1029730}"/>
               </a:ext>
             </a:extLst>
           </p:cNvPr>
@@ -15572,10 +15573,10 @@
       </p:sp>
       <p:sp>
         <p:nvSpPr>
-          <p:cNvPr id="151" name="Elipse 150">
-            <a:extLst>
-              <a:ext uri="{FF2B5EF4-FFF2-40B4-BE49-F238E27FC236}">
-                <a16:creationId xmlns:a16="http://schemas.microsoft.com/office/drawing/2014/main" id="{174B66F0-67CC-421F-B335-189B88A0A2C3}"/>
+          <p:cNvPr id="385" name="Elipse 384">
+            <a:extLst>
+              <a:ext uri="{FF2B5EF4-FFF2-40B4-BE49-F238E27FC236}">
+                <a16:creationId xmlns:a16="http://schemas.microsoft.com/office/drawing/2014/main" id="{7517A007-C89D-4635-8080-DBF0D93CDF32}"/>
               </a:ext>
             </a:extLst>
           </p:cNvPr>
@@ -15638,10 +15639,10 @@
       </p:sp>
       <p:sp>
         <p:nvSpPr>
-          <p:cNvPr id="152" name="Elipse 151">
-            <a:extLst>
-              <a:ext uri="{FF2B5EF4-FFF2-40B4-BE49-F238E27FC236}">
-                <a16:creationId xmlns:a16="http://schemas.microsoft.com/office/drawing/2014/main" id="{7562AD2C-8A43-4646-A122-3B3C21D5DC5F}"/>
+          <p:cNvPr id="386" name="Elipse 385">
+            <a:extLst>
+              <a:ext uri="{FF2B5EF4-FFF2-40B4-BE49-F238E27FC236}">
+                <a16:creationId xmlns:a16="http://schemas.microsoft.com/office/drawing/2014/main" id="{AACB1D09-DC4A-41DF-9EA8-C8BA712CEBC7}"/>
               </a:ext>
             </a:extLst>
           </p:cNvPr>
@@ -15702,10 +15703,10 @@
       </p:sp>
       <p:sp>
         <p:nvSpPr>
-          <p:cNvPr id="153" name="Elipse 152">
-            <a:extLst>
-              <a:ext uri="{FF2B5EF4-FFF2-40B4-BE49-F238E27FC236}">
-                <a16:creationId xmlns:a16="http://schemas.microsoft.com/office/drawing/2014/main" id="{110D01AB-9FDC-4329-9365-DAC830467355}"/>
+          <p:cNvPr id="387" name="Elipse 386">
+            <a:extLst>
+              <a:ext uri="{FF2B5EF4-FFF2-40B4-BE49-F238E27FC236}">
+                <a16:creationId xmlns:a16="http://schemas.microsoft.com/office/drawing/2014/main" id="{79258936-6921-43B8-9561-18CC1CBAACFD}"/>
               </a:ext>
             </a:extLst>
           </p:cNvPr>
@@ -15768,10 +15769,10 @@
       </p:sp>
       <p:sp>
         <p:nvSpPr>
-          <p:cNvPr id="154" name="Elipse 153">
-            <a:extLst>
-              <a:ext uri="{FF2B5EF4-FFF2-40B4-BE49-F238E27FC236}">
-                <a16:creationId xmlns:a16="http://schemas.microsoft.com/office/drawing/2014/main" id="{DD836608-6A4F-4F7B-961B-1C6401058B75}"/>
+          <p:cNvPr id="388" name="Elipse 387">
+            <a:extLst>
+              <a:ext uri="{FF2B5EF4-FFF2-40B4-BE49-F238E27FC236}">
+                <a16:creationId xmlns:a16="http://schemas.microsoft.com/office/drawing/2014/main" id="{D3582BDF-2B0A-4CDC-BE6E-730BDFB54682}"/>
               </a:ext>
             </a:extLst>
           </p:cNvPr>
@@ -15834,10 +15835,10 @@
       </p:sp>
       <p:sp>
         <p:nvSpPr>
-          <p:cNvPr id="155" name="Signo más 154">
-            <a:extLst>
-              <a:ext uri="{FF2B5EF4-FFF2-40B4-BE49-F238E27FC236}">
-                <a16:creationId xmlns:a16="http://schemas.microsoft.com/office/drawing/2014/main" id="{F5E951F6-8225-4E28-8BF1-2BFCC43565DD}"/>
+          <p:cNvPr id="389" name="Signo más 388">
+            <a:extLst>
+              <a:ext uri="{FF2B5EF4-FFF2-40B4-BE49-F238E27FC236}">
+                <a16:creationId xmlns:a16="http://schemas.microsoft.com/office/drawing/2014/main" id="{AE6E0729-8727-41DD-B58C-017BE2CA811C}"/>
               </a:ext>
             </a:extLst>
           </p:cNvPr>
@@ -15906,10 +15907,10 @@
       </p:sp>
       <p:sp>
         <p:nvSpPr>
-          <p:cNvPr id="156" name="Elipse 155">
-            <a:extLst>
-              <a:ext uri="{FF2B5EF4-FFF2-40B4-BE49-F238E27FC236}">
-                <a16:creationId xmlns:a16="http://schemas.microsoft.com/office/drawing/2014/main" id="{D4826ECA-993F-4708-9C45-47DC67C6E179}"/>
+          <p:cNvPr id="390" name="Elipse 389">
+            <a:extLst>
+              <a:ext uri="{FF2B5EF4-FFF2-40B4-BE49-F238E27FC236}">
+                <a16:creationId xmlns:a16="http://schemas.microsoft.com/office/drawing/2014/main" id="{3F2BA658-C269-4FA3-8E6F-9C7538AEF0F4}"/>
               </a:ext>
             </a:extLst>
           </p:cNvPr>
@@ -15972,10 +15973,10 @@
       </p:sp>
       <p:sp>
         <p:nvSpPr>
-          <p:cNvPr id="170" name="Elipse 169">
-            <a:extLst>
-              <a:ext uri="{FF2B5EF4-FFF2-40B4-BE49-F238E27FC236}">
-                <a16:creationId xmlns:a16="http://schemas.microsoft.com/office/drawing/2014/main" id="{AECAEDE9-2F21-4F09-8337-67A75E18EE09}"/>
+          <p:cNvPr id="391" name="Elipse 390">
+            <a:extLst>
+              <a:ext uri="{FF2B5EF4-FFF2-40B4-BE49-F238E27FC236}">
+                <a16:creationId xmlns:a16="http://schemas.microsoft.com/office/drawing/2014/main" id="{76F4B1E8-CD08-42F1-BCA1-2C01415517B1}"/>
               </a:ext>
             </a:extLst>
           </p:cNvPr>
@@ -16036,10 +16037,10 @@
       </p:sp>
       <p:sp>
         <p:nvSpPr>
-          <p:cNvPr id="175" name="Elipse 174">
-            <a:extLst>
-              <a:ext uri="{FF2B5EF4-FFF2-40B4-BE49-F238E27FC236}">
-                <a16:creationId xmlns:a16="http://schemas.microsoft.com/office/drawing/2014/main" id="{25397833-B9AE-44B0-943B-763A58AF1936}"/>
+          <p:cNvPr id="392" name="Elipse 391">
+            <a:extLst>
+              <a:ext uri="{FF2B5EF4-FFF2-40B4-BE49-F238E27FC236}">
+                <a16:creationId xmlns:a16="http://schemas.microsoft.com/office/drawing/2014/main" id="{456F2E93-F719-4073-BF9B-FA357B469F8C}"/>
               </a:ext>
             </a:extLst>
           </p:cNvPr>
@@ -16102,10 +16103,10 @@
       </p:sp>
       <p:sp>
         <p:nvSpPr>
-          <p:cNvPr id="176" name="Elipse 175">
-            <a:extLst>
-              <a:ext uri="{FF2B5EF4-FFF2-40B4-BE49-F238E27FC236}">
-                <a16:creationId xmlns:a16="http://schemas.microsoft.com/office/drawing/2014/main" id="{F4B5D44D-2293-4F03-9455-0B46777DC90B}"/>
+          <p:cNvPr id="393" name="Elipse 392">
+            <a:extLst>
+              <a:ext uri="{FF2B5EF4-FFF2-40B4-BE49-F238E27FC236}">
+                <a16:creationId xmlns:a16="http://schemas.microsoft.com/office/drawing/2014/main" id="{11A83B52-5FA3-480F-B529-29BB4EEFD82A}"/>
               </a:ext>
             </a:extLst>
           </p:cNvPr>
@@ -16168,10 +16169,10 @@
       </p:sp>
       <p:sp>
         <p:nvSpPr>
-          <p:cNvPr id="178" name="Signo más 177">
-            <a:extLst>
-              <a:ext uri="{FF2B5EF4-FFF2-40B4-BE49-F238E27FC236}">
-                <a16:creationId xmlns:a16="http://schemas.microsoft.com/office/drawing/2014/main" id="{5F679180-B1A3-42E6-80BD-D5DC3881D4D4}"/>
+          <p:cNvPr id="394" name="Signo más 393">
+            <a:extLst>
+              <a:ext uri="{FF2B5EF4-FFF2-40B4-BE49-F238E27FC236}">
+                <a16:creationId xmlns:a16="http://schemas.microsoft.com/office/drawing/2014/main" id="{BD3FD74E-EBD2-4557-BBD6-801E2B99DA72}"/>
               </a:ext>
             </a:extLst>
           </p:cNvPr>
@@ -16240,10 +16241,10 @@
       </p:sp>
       <p:sp>
         <p:nvSpPr>
-          <p:cNvPr id="180" name="Elipse 179">
-            <a:extLst>
-              <a:ext uri="{FF2B5EF4-FFF2-40B4-BE49-F238E27FC236}">
-                <a16:creationId xmlns:a16="http://schemas.microsoft.com/office/drawing/2014/main" id="{E1DF391C-96C2-426B-9020-005E310798E8}"/>
+          <p:cNvPr id="395" name="Elipse 394">
+            <a:extLst>
+              <a:ext uri="{FF2B5EF4-FFF2-40B4-BE49-F238E27FC236}">
+                <a16:creationId xmlns:a16="http://schemas.microsoft.com/office/drawing/2014/main" id="{EB37D9ED-6E4B-46D7-9A77-88C09E9A413D}"/>
               </a:ext>
             </a:extLst>
           </p:cNvPr>
@@ -16306,10 +16307,10 @@
       </p:sp>
       <p:sp>
         <p:nvSpPr>
-          <p:cNvPr id="181" name="Elipse 180">
-            <a:extLst>
-              <a:ext uri="{FF2B5EF4-FFF2-40B4-BE49-F238E27FC236}">
-                <a16:creationId xmlns:a16="http://schemas.microsoft.com/office/drawing/2014/main" id="{CC0AC63B-E905-4241-8989-BE933C043BAC}"/>
+          <p:cNvPr id="396" name="Elipse 395">
+            <a:extLst>
+              <a:ext uri="{FF2B5EF4-FFF2-40B4-BE49-F238E27FC236}">
+                <a16:creationId xmlns:a16="http://schemas.microsoft.com/office/drawing/2014/main" id="{9A5008C5-A5E3-4B7F-A068-2E13A124A56C}"/>
               </a:ext>
             </a:extLst>
           </p:cNvPr>
@@ -16370,10 +16371,10 @@
       </p:sp>
       <p:sp>
         <p:nvSpPr>
-          <p:cNvPr id="183" name="Elipse 182">
-            <a:extLst>
-              <a:ext uri="{FF2B5EF4-FFF2-40B4-BE49-F238E27FC236}">
-                <a16:creationId xmlns:a16="http://schemas.microsoft.com/office/drawing/2014/main" id="{C042F827-3130-48D5-A18F-803A4EB25107}"/>
+          <p:cNvPr id="397" name="Elipse 396">
+            <a:extLst>
+              <a:ext uri="{FF2B5EF4-FFF2-40B4-BE49-F238E27FC236}">
+                <a16:creationId xmlns:a16="http://schemas.microsoft.com/office/drawing/2014/main" id="{1FDF4408-AA44-48B3-AE3F-91641F3D9A2E}"/>
               </a:ext>
             </a:extLst>
           </p:cNvPr>
@@ -16436,10 +16437,10 @@
       </p:sp>
       <p:sp>
         <p:nvSpPr>
-          <p:cNvPr id="184" name="Elipse 183">
-            <a:extLst>
-              <a:ext uri="{FF2B5EF4-FFF2-40B4-BE49-F238E27FC236}">
-                <a16:creationId xmlns:a16="http://schemas.microsoft.com/office/drawing/2014/main" id="{458B1891-3779-4CC1-982D-6366EC2CA9FD}"/>
+          <p:cNvPr id="398" name="Elipse 397">
+            <a:extLst>
+              <a:ext uri="{FF2B5EF4-FFF2-40B4-BE49-F238E27FC236}">
+                <a16:creationId xmlns:a16="http://schemas.microsoft.com/office/drawing/2014/main" id="{1ECFAD04-D320-456B-A276-B844D139CEC4}"/>
               </a:ext>
             </a:extLst>
           </p:cNvPr>
@@ -16502,10 +16503,10 @@
       </p:sp>
       <p:sp>
         <p:nvSpPr>
-          <p:cNvPr id="186" name="Signo más 185">
-            <a:extLst>
-              <a:ext uri="{FF2B5EF4-FFF2-40B4-BE49-F238E27FC236}">
-                <a16:creationId xmlns:a16="http://schemas.microsoft.com/office/drawing/2014/main" id="{5AE47508-059C-4D39-86C1-20616CB59DE3}"/>
+          <p:cNvPr id="399" name="Signo más 398">
+            <a:extLst>
+              <a:ext uri="{FF2B5EF4-FFF2-40B4-BE49-F238E27FC236}">
+                <a16:creationId xmlns:a16="http://schemas.microsoft.com/office/drawing/2014/main" id="{CE7EB902-2DEC-4DD8-9EF0-76F0C40688DC}"/>
               </a:ext>
             </a:extLst>
           </p:cNvPr>
@@ -16574,10 +16575,10 @@
       </p:sp>
       <p:sp>
         <p:nvSpPr>
-          <p:cNvPr id="187" name="Elipse 186">
-            <a:extLst>
-              <a:ext uri="{FF2B5EF4-FFF2-40B4-BE49-F238E27FC236}">
-                <a16:creationId xmlns:a16="http://schemas.microsoft.com/office/drawing/2014/main" id="{28925997-104F-47FF-B3CD-434A209D4D5B}"/>
+          <p:cNvPr id="400" name="Elipse 399">
+            <a:extLst>
+              <a:ext uri="{FF2B5EF4-FFF2-40B4-BE49-F238E27FC236}">
+                <a16:creationId xmlns:a16="http://schemas.microsoft.com/office/drawing/2014/main" id="{88344BF0-6F8E-4910-8DF4-725F33BE7FD3}"/>
               </a:ext>
             </a:extLst>
           </p:cNvPr>
@@ -16640,10 +16641,10 @@
       </p:sp>
       <p:sp>
         <p:nvSpPr>
-          <p:cNvPr id="188" name="Elipse 187">
-            <a:extLst>
-              <a:ext uri="{FF2B5EF4-FFF2-40B4-BE49-F238E27FC236}">
-                <a16:creationId xmlns:a16="http://schemas.microsoft.com/office/drawing/2014/main" id="{7D41382F-9890-4985-B6DB-8B5E0A140F6F}"/>
+          <p:cNvPr id="401" name="Elipse 400">
+            <a:extLst>
+              <a:ext uri="{FF2B5EF4-FFF2-40B4-BE49-F238E27FC236}">
+                <a16:creationId xmlns:a16="http://schemas.microsoft.com/office/drawing/2014/main" id="{0FD58926-680B-4A5A-BCBB-8E214DCCD01D}"/>
               </a:ext>
             </a:extLst>
           </p:cNvPr>
@@ -16704,10 +16705,10 @@
       </p:sp>
       <p:sp>
         <p:nvSpPr>
-          <p:cNvPr id="189" name="Elipse 188">
-            <a:extLst>
-              <a:ext uri="{FF2B5EF4-FFF2-40B4-BE49-F238E27FC236}">
-                <a16:creationId xmlns:a16="http://schemas.microsoft.com/office/drawing/2014/main" id="{BA83D826-2BA3-4EAB-A4E8-577D8C369FE3}"/>
+          <p:cNvPr id="402" name="Elipse 401">
+            <a:extLst>
+              <a:ext uri="{FF2B5EF4-FFF2-40B4-BE49-F238E27FC236}">
+                <a16:creationId xmlns:a16="http://schemas.microsoft.com/office/drawing/2014/main" id="{D0DCA547-D039-4C1D-9559-8A0CA364DE39}"/>
               </a:ext>
             </a:extLst>
           </p:cNvPr>
@@ -16770,10 +16771,10 @@
       </p:sp>
       <p:sp>
         <p:nvSpPr>
-          <p:cNvPr id="190" name="Elipse 189">
-            <a:extLst>
-              <a:ext uri="{FF2B5EF4-FFF2-40B4-BE49-F238E27FC236}">
-                <a16:creationId xmlns:a16="http://schemas.microsoft.com/office/drawing/2014/main" id="{BE157BD8-5AD0-4AA1-A75C-3EF588C52DD6}"/>
+          <p:cNvPr id="403" name="Elipse 402">
+            <a:extLst>
+              <a:ext uri="{FF2B5EF4-FFF2-40B4-BE49-F238E27FC236}">
+                <a16:creationId xmlns:a16="http://schemas.microsoft.com/office/drawing/2014/main" id="{4A6FF0EA-762A-40B4-8088-616D9915AD74}"/>
               </a:ext>
             </a:extLst>
           </p:cNvPr>
@@ -16836,10 +16837,10 @@
       </p:sp>
       <p:sp>
         <p:nvSpPr>
-          <p:cNvPr id="191" name="Signo más 190">
-            <a:extLst>
-              <a:ext uri="{FF2B5EF4-FFF2-40B4-BE49-F238E27FC236}">
-                <a16:creationId xmlns:a16="http://schemas.microsoft.com/office/drawing/2014/main" id="{AD135D17-2E63-4F07-BB32-73FEC6E6587C}"/>
+          <p:cNvPr id="404" name="Signo más 403">
+            <a:extLst>
+              <a:ext uri="{FF2B5EF4-FFF2-40B4-BE49-F238E27FC236}">
+                <a16:creationId xmlns:a16="http://schemas.microsoft.com/office/drawing/2014/main" id="{CEE11804-0ECC-4F2C-BA88-FF6D06227EA1}"/>
               </a:ext>
             </a:extLst>
           </p:cNvPr>
@@ -16908,10 +16909,10 @@
       </p:sp>
       <p:sp>
         <p:nvSpPr>
-          <p:cNvPr id="265" name="Rectángulo: esquinas redondeadas 264">
-            <a:extLst>
-              <a:ext uri="{FF2B5EF4-FFF2-40B4-BE49-F238E27FC236}">
-                <a16:creationId xmlns:a16="http://schemas.microsoft.com/office/drawing/2014/main" id="{D3285C25-6DF7-4C04-8872-49D9C54A1BCF}"/>
+          <p:cNvPr id="405" name="Rectángulo: esquinas redondeadas 404">
+            <a:extLst>
+              <a:ext uri="{FF2B5EF4-FFF2-40B4-BE49-F238E27FC236}">
+                <a16:creationId xmlns:a16="http://schemas.microsoft.com/office/drawing/2014/main" id="{7BE60B32-7E56-46D4-9EE6-EDDC5E4D395D}"/>
               </a:ext>
             </a:extLst>
           </p:cNvPr>
@@ -16974,10 +16975,10 @@
       </p:sp>
       <p:sp>
         <p:nvSpPr>
-          <p:cNvPr id="266" name="Rectángulo: esquinas redondeadas 265">
-            <a:extLst>
-              <a:ext uri="{FF2B5EF4-FFF2-40B4-BE49-F238E27FC236}">
-                <a16:creationId xmlns:a16="http://schemas.microsoft.com/office/drawing/2014/main" id="{FDAF69F2-DA8C-47AE-9B0C-D078E740034A}"/>
+          <p:cNvPr id="406" name="Rectángulo: esquinas redondeadas 405">
+            <a:extLst>
+              <a:ext uri="{FF2B5EF4-FFF2-40B4-BE49-F238E27FC236}">
+                <a16:creationId xmlns:a16="http://schemas.microsoft.com/office/drawing/2014/main" id="{3B83AC9C-384D-4533-A519-39718DF33C99}"/>
               </a:ext>
             </a:extLst>
           </p:cNvPr>
@@ -17027,10 +17028,10 @@
       </p:sp>
       <p:sp>
         <p:nvSpPr>
-          <p:cNvPr id="267" name="Rectángulo: esquinas redondeadas 266">
-            <a:extLst>
-              <a:ext uri="{FF2B5EF4-FFF2-40B4-BE49-F238E27FC236}">
-                <a16:creationId xmlns:a16="http://schemas.microsoft.com/office/drawing/2014/main" id="{B9D70F2E-A3D4-48E3-849A-90D0CCCA416A}"/>
+          <p:cNvPr id="407" name="Rectángulo: esquinas redondeadas 406">
+            <a:extLst>
+              <a:ext uri="{FF2B5EF4-FFF2-40B4-BE49-F238E27FC236}">
+                <a16:creationId xmlns:a16="http://schemas.microsoft.com/office/drawing/2014/main" id="{3D1C0658-E354-41D1-AB73-A3D6D2776FCF}"/>
               </a:ext>
             </a:extLst>
           </p:cNvPr>
@@ -17093,10 +17094,10 @@
       </p:sp>
       <p:sp>
         <p:nvSpPr>
-          <p:cNvPr id="268" name="Rectángulo: esquinas redondeadas 267">
-            <a:extLst>
-              <a:ext uri="{FF2B5EF4-FFF2-40B4-BE49-F238E27FC236}">
-                <a16:creationId xmlns:a16="http://schemas.microsoft.com/office/drawing/2014/main" id="{52EE674D-60F1-4B85-9523-FD60A0691687}"/>
+          <p:cNvPr id="408" name="Rectángulo: esquinas redondeadas 407">
+            <a:extLst>
+              <a:ext uri="{FF2B5EF4-FFF2-40B4-BE49-F238E27FC236}">
+                <a16:creationId xmlns:a16="http://schemas.microsoft.com/office/drawing/2014/main" id="{5DBE8B3A-EF4D-413F-A169-8A98089AB385}"/>
               </a:ext>
             </a:extLst>
           </p:cNvPr>
@@ -17146,10 +17147,10 @@
       </p:sp>
       <p:sp>
         <p:nvSpPr>
-          <p:cNvPr id="269" name="Rectángulo: esquinas redondeadas 268">
-            <a:extLst>
-              <a:ext uri="{FF2B5EF4-FFF2-40B4-BE49-F238E27FC236}">
-                <a16:creationId xmlns:a16="http://schemas.microsoft.com/office/drawing/2014/main" id="{E9EC839A-9039-4AB0-A4AD-41169A2E39F8}"/>
+          <p:cNvPr id="409" name="Rectángulo: esquinas redondeadas 408">
+            <a:extLst>
+              <a:ext uri="{FF2B5EF4-FFF2-40B4-BE49-F238E27FC236}">
+                <a16:creationId xmlns:a16="http://schemas.microsoft.com/office/drawing/2014/main" id="{7DFEBC33-051B-4FEF-89CE-B9D20BE665DD}"/>
               </a:ext>
             </a:extLst>
           </p:cNvPr>
@@ -17212,10 +17213,10 @@
       </p:sp>
       <p:sp>
         <p:nvSpPr>
-          <p:cNvPr id="280" name="Rectángulo: esquinas redondeadas 279">
-            <a:extLst>
-              <a:ext uri="{FF2B5EF4-FFF2-40B4-BE49-F238E27FC236}">
-                <a16:creationId xmlns:a16="http://schemas.microsoft.com/office/drawing/2014/main" id="{106B2326-FD88-4FD1-94F9-EB62AC606D8C}"/>
+          <p:cNvPr id="410" name="Rectángulo: esquinas redondeadas 409">
+            <a:extLst>
+              <a:ext uri="{FF2B5EF4-FFF2-40B4-BE49-F238E27FC236}">
+                <a16:creationId xmlns:a16="http://schemas.microsoft.com/office/drawing/2014/main" id="{A988D4B5-8A8C-43B5-B74A-DCBB174557DE}"/>
               </a:ext>
             </a:extLst>
           </p:cNvPr>
@@ -17265,10 +17266,10 @@
       </p:sp>
       <p:sp>
         <p:nvSpPr>
-          <p:cNvPr id="281" name="Rectángulo: esquinas redondeadas 280">
-            <a:extLst>
-              <a:ext uri="{FF2B5EF4-FFF2-40B4-BE49-F238E27FC236}">
-                <a16:creationId xmlns:a16="http://schemas.microsoft.com/office/drawing/2014/main" id="{2E730ADD-62F0-4B45-B986-9A53BD15C6DD}"/>
+          <p:cNvPr id="411" name="Rectángulo: esquinas redondeadas 410">
+            <a:extLst>
+              <a:ext uri="{FF2B5EF4-FFF2-40B4-BE49-F238E27FC236}">
+                <a16:creationId xmlns:a16="http://schemas.microsoft.com/office/drawing/2014/main" id="{7B08D971-126F-48E8-81FB-74C5A0893554}"/>
               </a:ext>
             </a:extLst>
           </p:cNvPr>
@@ -17331,10 +17332,10 @@
       </p:sp>
       <p:sp>
         <p:nvSpPr>
-          <p:cNvPr id="282" name="Rectángulo: esquinas redondeadas 281">
-            <a:extLst>
-              <a:ext uri="{FF2B5EF4-FFF2-40B4-BE49-F238E27FC236}">
-                <a16:creationId xmlns:a16="http://schemas.microsoft.com/office/drawing/2014/main" id="{96B5DEE7-BCDB-40AE-8C58-2BC94FF3DF73}"/>
+          <p:cNvPr id="412" name="Rectángulo: esquinas redondeadas 411">
+            <a:extLst>
+              <a:ext uri="{FF2B5EF4-FFF2-40B4-BE49-F238E27FC236}">
+                <a16:creationId xmlns:a16="http://schemas.microsoft.com/office/drawing/2014/main" id="{F551F6F3-5295-4609-BD8F-132ECCA1EA0F}"/>
               </a:ext>
             </a:extLst>
           </p:cNvPr>
@@ -17384,10 +17385,10 @@
       </p:sp>
       <p:sp>
         <p:nvSpPr>
-          <p:cNvPr id="285" name="Rectángulo: esquinas redondeadas 284">
-            <a:extLst>
-              <a:ext uri="{FF2B5EF4-FFF2-40B4-BE49-F238E27FC236}">
-                <a16:creationId xmlns:a16="http://schemas.microsoft.com/office/drawing/2014/main" id="{2606352E-DC0F-49C5-BDFB-067C6E03BCF8}"/>
+          <p:cNvPr id="413" name="Rectángulo: esquinas redondeadas 412">
+            <a:extLst>
+              <a:ext uri="{FF2B5EF4-FFF2-40B4-BE49-F238E27FC236}">
+                <a16:creationId xmlns:a16="http://schemas.microsoft.com/office/drawing/2014/main" id="{1FCBB09D-8ED4-49B8-8EDC-AF719BB8CAAB}"/>
               </a:ext>
             </a:extLst>
           </p:cNvPr>
@@ -17450,10 +17451,10 @@
       </p:sp>
       <p:sp>
         <p:nvSpPr>
-          <p:cNvPr id="286" name="Rectángulo: esquinas redondeadas 285">
-            <a:extLst>
-              <a:ext uri="{FF2B5EF4-FFF2-40B4-BE49-F238E27FC236}">
-                <a16:creationId xmlns:a16="http://schemas.microsoft.com/office/drawing/2014/main" id="{9BBEF56F-E7E1-4419-9E79-C0199D6209C6}"/>
+          <p:cNvPr id="414" name="Rectángulo: esquinas redondeadas 413">
+            <a:extLst>
+              <a:ext uri="{FF2B5EF4-FFF2-40B4-BE49-F238E27FC236}">
+                <a16:creationId xmlns:a16="http://schemas.microsoft.com/office/drawing/2014/main" id="{B1231493-F8D8-4182-AF27-1CF3C8723724}"/>
               </a:ext>
             </a:extLst>
           </p:cNvPr>
@@ -17503,10 +17504,10 @@
       </p:sp>
       <p:sp>
         <p:nvSpPr>
-          <p:cNvPr id="287" name="Rectángulo: esquinas redondeadas 286">
-            <a:extLst>
-              <a:ext uri="{FF2B5EF4-FFF2-40B4-BE49-F238E27FC236}">
-                <a16:creationId xmlns:a16="http://schemas.microsoft.com/office/drawing/2014/main" id="{444B92CB-B612-4651-9E51-EE506A67A0C6}"/>
+          <p:cNvPr id="415" name="Rectángulo: esquinas redondeadas 414">
+            <a:extLst>
+              <a:ext uri="{FF2B5EF4-FFF2-40B4-BE49-F238E27FC236}">
+                <a16:creationId xmlns:a16="http://schemas.microsoft.com/office/drawing/2014/main" id="{0F4BE45E-F11A-44D6-9530-D644BA53B55F}"/>
               </a:ext>
             </a:extLst>
           </p:cNvPr>
@@ -17569,10 +17570,10 @@
       </p:sp>
       <p:sp>
         <p:nvSpPr>
-          <p:cNvPr id="288" name="Rectángulo: esquinas redondeadas 287">
-            <a:extLst>
-              <a:ext uri="{FF2B5EF4-FFF2-40B4-BE49-F238E27FC236}">
-                <a16:creationId xmlns:a16="http://schemas.microsoft.com/office/drawing/2014/main" id="{2CA1F8D5-5E4B-4433-A17A-ECA9E023CF5D}"/>
+          <p:cNvPr id="416" name="Rectángulo: esquinas redondeadas 415">
+            <a:extLst>
+              <a:ext uri="{FF2B5EF4-FFF2-40B4-BE49-F238E27FC236}">
+                <a16:creationId xmlns:a16="http://schemas.microsoft.com/office/drawing/2014/main" id="{C9FC26B5-0DDE-4A30-A034-D694D62B2D94}"/>
               </a:ext>
             </a:extLst>
           </p:cNvPr>
@@ -17617,6 +17618,67 @@
           <a:p>
             <a:pPr algn="ctr"/>
             <a:endParaRPr lang="es-CO"/>
+          </a:p>
+        </p:txBody>
+      </p:sp>
+      <p:sp>
+        <p:nvSpPr>
+          <p:cNvPr id="417" name="Rectángulo 416">
+            <a:extLst>
+              <a:ext uri="{FF2B5EF4-FFF2-40B4-BE49-F238E27FC236}">
+                <a16:creationId xmlns:a16="http://schemas.microsoft.com/office/drawing/2014/main" id="{429BF449-A2DB-4959-A432-0BC1ABB1E173}"/>
+              </a:ext>
+            </a:extLst>
+          </p:cNvPr>
+          <p:cNvSpPr/>
+          <p:nvPr/>
+        </p:nvSpPr>
+        <p:spPr>
+          <a:xfrm>
+            <a:off x="4590560" y="3370000"/>
+            <a:ext cx="3595619" cy="338554"/>
+          </a:xfrm>
+          <a:prstGeom prst="rect">
+            <a:avLst/>
+          </a:prstGeom>
+          <a:noFill/>
+        </p:spPr>
+        <p:txBody>
+          <a:bodyPr wrap="square" lIns="91440" tIns="45720" rIns="91440" bIns="45720">
+            <a:spAutoFit/>
+          </a:bodyPr>
+          <a:lstStyle/>
+          <a:p>
+            <a:pPr algn="ctr"/>
+            <a:r>
+              <a:rPr lang="es-ES" sz="1600" dirty="0">
+                <a:ln w="0"/>
+                <a:solidFill>
+                  <a:schemeClr val="bg1"/>
+                </a:solidFill>
+                <a:effectLst>
+                  <a:outerShdw blurRad="38100" dist="19050" dir="2700000" algn="tl" rotWithShape="0">
+                    <a:schemeClr val="dk1">
+                      <a:alpha val="40000"/>
+                    </a:schemeClr>
+                  </a:outerShdw>
+                </a:effectLst>
+              </a:rPr>
+              <a:t>________ OUT ________</a:t>
+            </a:r>
+            <a:endParaRPr lang="es-ES" sz="1600" b="0" cap="none" spc="0" dirty="0">
+              <a:ln w="0"/>
+              <a:solidFill>
+                <a:schemeClr val="bg1"/>
+              </a:solidFill>
+              <a:effectLst>
+                <a:outerShdw blurRad="38100" dist="19050" dir="2700000" algn="tl" rotWithShape="0">
+                  <a:schemeClr val="dk1">
+                    <a:alpha val="40000"/>
+                  </a:schemeClr>
+                </a:outerShdw>
+              </a:effectLst>
+            </a:endParaRPr>
           </a:p>
         </p:txBody>
       </p:sp>
@@ -17652,10 +17714,10 @@
       </p:grpSpPr>
       <p:sp>
         <p:nvSpPr>
-          <p:cNvPr id="12" name="Rectángulo 11">
-            <a:extLst>
-              <a:ext uri="{FF2B5EF4-FFF2-40B4-BE49-F238E27FC236}">
-                <a16:creationId xmlns:a16="http://schemas.microsoft.com/office/drawing/2014/main" id="{4DE6F12B-BD38-4145-AF20-08B693FCAC89}"/>
+          <p:cNvPr id="49" name="Rectángulo 48">
+            <a:extLst>
+              <a:ext uri="{FF2B5EF4-FFF2-40B4-BE49-F238E27FC236}">
+                <a16:creationId xmlns:a16="http://schemas.microsoft.com/office/drawing/2014/main" id="{0B84E7EB-579F-4231-A8EF-3CFBF299169E}"/>
               </a:ext>
             </a:extLst>
           </p:cNvPr>
@@ -17725,10 +17787,10 @@
       </p:sp>
       <p:sp>
         <p:nvSpPr>
-          <p:cNvPr id="25" name="Rectángulo 24">
-            <a:extLst>
-              <a:ext uri="{FF2B5EF4-FFF2-40B4-BE49-F238E27FC236}">
-                <a16:creationId xmlns:a16="http://schemas.microsoft.com/office/drawing/2014/main" id="{EE715E1B-361A-447E-A311-74B7E2ADD0ED}"/>
+          <p:cNvPr id="50" name="Rectángulo 49">
+            <a:extLst>
+              <a:ext uri="{FF2B5EF4-FFF2-40B4-BE49-F238E27FC236}">
+                <a16:creationId xmlns:a16="http://schemas.microsoft.com/office/drawing/2014/main" id="{6B39AED9-6FE5-44D5-8437-0E8B88FEE57C}"/>
               </a:ext>
             </a:extLst>
           </p:cNvPr>
@@ -17794,10 +17856,10 @@
       </p:sp>
       <p:sp>
         <p:nvSpPr>
-          <p:cNvPr id="26" name="Rectángulo: esquinas redondeadas 25">
-            <a:extLst>
-              <a:ext uri="{FF2B5EF4-FFF2-40B4-BE49-F238E27FC236}">
-                <a16:creationId xmlns:a16="http://schemas.microsoft.com/office/drawing/2014/main" id="{348B8A0B-1C1D-4262-81B7-8D635E53E1A0}"/>
+          <p:cNvPr id="51" name="Rectángulo: esquinas redondeadas 50">
+            <a:extLst>
+              <a:ext uri="{FF2B5EF4-FFF2-40B4-BE49-F238E27FC236}">
+                <a16:creationId xmlns:a16="http://schemas.microsoft.com/office/drawing/2014/main" id="{2BCEBD9B-7FFB-4EE1-A069-F266E8F0D43C}"/>
               </a:ext>
             </a:extLst>
           </p:cNvPr>
@@ -17866,20 +17928,20 @@
       </p:sp>
       <p:sp>
         <p:nvSpPr>
-          <p:cNvPr id="27" name="Cuerda 26">
-            <a:extLst>
-              <a:ext uri="{FF2B5EF4-FFF2-40B4-BE49-F238E27FC236}">
-                <a16:creationId xmlns:a16="http://schemas.microsoft.com/office/drawing/2014/main" id="{FACB51E3-6295-4DE8-ABBC-56C89F8088A4}"/>
-              </a:ext>
-            </a:extLst>
-          </p:cNvPr>
-          <p:cNvSpPr/>
-          <p:nvPr/>
-        </p:nvSpPr>
-        <p:spPr>
-          <a:xfrm rot="5400000">
-            <a:off x="6445736" y="5390176"/>
-            <a:ext cx="691122" cy="45719"/>
+          <p:cNvPr id="52" name="Cuerda 51">
+            <a:extLst>
+              <a:ext uri="{FF2B5EF4-FFF2-40B4-BE49-F238E27FC236}">
+                <a16:creationId xmlns:a16="http://schemas.microsoft.com/office/drawing/2014/main" id="{8A2B2AE5-2D1B-4AE0-A535-0D924D04AC24}"/>
+              </a:ext>
+            </a:extLst>
+          </p:cNvPr>
+          <p:cNvSpPr/>
+          <p:nvPr/>
+        </p:nvSpPr>
+        <p:spPr>
+          <a:xfrm flipH="1">
+            <a:off x="6679527" y="4385413"/>
+            <a:ext cx="186964" cy="682061"/>
           </a:xfrm>
           <a:prstGeom prst="chord">
             <a:avLst>
@@ -17941,160 +18003,10 @@
       </p:sp>
       <p:sp>
         <p:nvSpPr>
-          <p:cNvPr id="28" name="Cuerda 27">
-            <a:extLst>
-              <a:ext uri="{FF2B5EF4-FFF2-40B4-BE49-F238E27FC236}">
-                <a16:creationId xmlns:a16="http://schemas.microsoft.com/office/drawing/2014/main" id="{B2295FAC-7C5F-4BB2-BFBA-4F07A2C8C34A}"/>
-              </a:ext>
-            </a:extLst>
-          </p:cNvPr>
-          <p:cNvSpPr/>
-          <p:nvPr/>
-        </p:nvSpPr>
-        <p:spPr>
-          <a:xfrm rot="16200000" flipV="1">
-            <a:off x="6445736" y="4016992"/>
-            <a:ext cx="691122" cy="45719"/>
-          </a:xfrm>
-          <a:prstGeom prst="chord">
-            <a:avLst>
-              <a:gd name="adj1" fmla="val 5423028"/>
-              <a:gd name="adj2" fmla="val 16079857"/>
-            </a:avLst>
-          </a:prstGeom>
-          <a:solidFill>
-            <a:schemeClr val="accent1">
-              <a:lumMod val="50000"/>
-            </a:schemeClr>
-          </a:solidFill>
-          <a:ln>
-            <a:noFill/>
-          </a:ln>
-          <a:effectLst>
-            <a:outerShdw blurRad="44450" dist="27940" dir="5400000" algn="ctr">
-              <a:srgbClr val="000000">
-                <a:alpha val="32000"/>
-              </a:srgbClr>
-            </a:outerShdw>
-          </a:effectLst>
-          <a:scene3d>
-            <a:camera prst="orthographicFront">
-              <a:rot lat="0" lon="0" rev="0"/>
-            </a:camera>
-            <a:lightRig rig="balanced" dir="t">
-              <a:rot lat="0" lon="0" rev="8700000"/>
-            </a:lightRig>
-          </a:scene3d>
-          <a:sp3d>
-            <a:bevelT w="190500" h="38100" prst="hardEdge"/>
-          </a:sp3d>
-        </p:spPr>
-        <p:style>
-          <a:lnRef idx="2">
-            <a:schemeClr val="accent1">
-              <a:shade val="50000"/>
-            </a:schemeClr>
-          </a:lnRef>
-          <a:fillRef idx="1">
-            <a:schemeClr val="accent1"/>
-          </a:fillRef>
-          <a:effectRef idx="0">
-            <a:schemeClr val="accent1"/>
-          </a:effectRef>
-          <a:fontRef idx="minor">
-            <a:schemeClr val="lt1"/>
-          </a:fontRef>
-        </p:style>
-        <p:txBody>
-          <a:bodyPr rtlCol="0" anchor="ctr"/>
-          <a:lstStyle/>
-          <a:p>
-            <a:pPr algn="ctr"/>
-            <a:endParaRPr lang="es-CO"/>
-          </a:p>
-        </p:txBody>
-      </p:sp>
-      <p:sp>
-        <p:nvSpPr>
-          <p:cNvPr id="29" name="Cuerda 28">
-            <a:extLst>
-              <a:ext uri="{FF2B5EF4-FFF2-40B4-BE49-F238E27FC236}">
-                <a16:creationId xmlns:a16="http://schemas.microsoft.com/office/drawing/2014/main" id="{3B68CE17-BC8D-4439-B8B7-B06C1C658E57}"/>
-              </a:ext>
-            </a:extLst>
-          </p:cNvPr>
-          <p:cNvSpPr/>
-          <p:nvPr/>
-        </p:nvSpPr>
-        <p:spPr>
-          <a:xfrm flipH="1">
-            <a:off x="6679527" y="4385413"/>
-            <a:ext cx="186964" cy="682061"/>
-          </a:xfrm>
-          <a:prstGeom prst="chord">
-            <a:avLst>
-              <a:gd name="adj1" fmla="val 5423028"/>
-              <a:gd name="adj2" fmla="val 16079857"/>
-            </a:avLst>
-          </a:prstGeom>
-          <a:solidFill>
-            <a:schemeClr val="accent1">
-              <a:lumMod val="50000"/>
-            </a:schemeClr>
-          </a:solidFill>
-          <a:ln>
-            <a:noFill/>
-          </a:ln>
-          <a:effectLst>
-            <a:outerShdw blurRad="44450" dist="27940" dir="5400000" algn="ctr">
-              <a:srgbClr val="000000">
-                <a:alpha val="32000"/>
-              </a:srgbClr>
-            </a:outerShdw>
-          </a:effectLst>
-          <a:scene3d>
-            <a:camera prst="orthographicFront">
-              <a:rot lat="0" lon="0" rev="0"/>
-            </a:camera>
-            <a:lightRig rig="balanced" dir="t">
-              <a:rot lat="0" lon="0" rev="8700000"/>
-            </a:lightRig>
-          </a:scene3d>
-          <a:sp3d>
-            <a:bevelT w="190500" h="38100" prst="hardEdge"/>
-          </a:sp3d>
-        </p:spPr>
-        <p:style>
-          <a:lnRef idx="2">
-            <a:schemeClr val="accent1">
-              <a:shade val="50000"/>
-            </a:schemeClr>
-          </a:lnRef>
-          <a:fillRef idx="1">
-            <a:schemeClr val="accent1"/>
-          </a:fillRef>
-          <a:effectRef idx="0">
-            <a:schemeClr val="accent1"/>
-          </a:effectRef>
-          <a:fontRef idx="minor">
-            <a:schemeClr val="lt1"/>
-          </a:fontRef>
-        </p:style>
-        <p:txBody>
-          <a:bodyPr rtlCol="0" anchor="ctr"/>
-          <a:lstStyle/>
-          <a:p>
-            <a:pPr algn="ctr"/>
-            <a:endParaRPr lang="es-CO"/>
-          </a:p>
-        </p:txBody>
-      </p:sp>
-      <p:sp>
-        <p:nvSpPr>
-          <p:cNvPr id="4" name="Rectángulo: esquinas redondeadas 3">
-            <a:extLst>
-              <a:ext uri="{FF2B5EF4-FFF2-40B4-BE49-F238E27FC236}">
-                <a16:creationId xmlns:a16="http://schemas.microsoft.com/office/drawing/2014/main" id="{7B58DBB6-1C18-4AE1-9AB7-D3D5C87F7CB1}"/>
+          <p:cNvPr id="53" name="Rectángulo: esquinas redondeadas 52">
+            <a:extLst>
+              <a:ext uri="{FF2B5EF4-FFF2-40B4-BE49-F238E27FC236}">
+                <a16:creationId xmlns:a16="http://schemas.microsoft.com/office/drawing/2014/main" id="{44DDB1D3-D4A4-40AD-B363-0911A3A18EB4}"/>
               </a:ext>
             </a:extLst>
           </p:cNvPr>
@@ -18157,10 +18069,10 @@
       </p:sp>
       <p:sp>
         <p:nvSpPr>
-          <p:cNvPr id="5" name="Rectángulo 4">
-            <a:extLst>
-              <a:ext uri="{FF2B5EF4-FFF2-40B4-BE49-F238E27FC236}">
-                <a16:creationId xmlns:a16="http://schemas.microsoft.com/office/drawing/2014/main" id="{A57B96C6-FAB6-4355-B50C-0134D0D1ED2C}"/>
+          <p:cNvPr id="54" name="Rectángulo 53">
+            <a:extLst>
+              <a:ext uri="{FF2B5EF4-FFF2-40B4-BE49-F238E27FC236}">
+                <a16:creationId xmlns:a16="http://schemas.microsoft.com/office/drawing/2014/main" id="{A3B60ED1-1FD4-4C1C-82FF-E3C0D2DC281B}"/>
               </a:ext>
             </a:extLst>
           </p:cNvPr>
@@ -18224,10 +18136,10 @@
       </p:sp>
       <p:sp>
         <p:nvSpPr>
-          <p:cNvPr id="6" name="Rectángulo: esquinas superiores cortadas 5">
-            <a:extLst>
-              <a:ext uri="{FF2B5EF4-FFF2-40B4-BE49-F238E27FC236}">
-                <a16:creationId xmlns:a16="http://schemas.microsoft.com/office/drawing/2014/main" id="{3CBC2ABC-4B60-4F87-9512-5382061BD9D3}"/>
+          <p:cNvPr id="55" name="Rectángulo: esquinas superiores cortadas 54">
+            <a:extLst>
+              <a:ext uri="{FF2B5EF4-FFF2-40B4-BE49-F238E27FC236}">
+                <a16:creationId xmlns:a16="http://schemas.microsoft.com/office/drawing/2014/main" id="{7228A207-1A30-4B9C-8397-242A2D479CA2}"/>
               </a:ext>
             </a:extLst>
           </p:cNvPr>
@@ -18281,10 +18193,10 @@
       </p:sp>
       <p:sp>
         <p:nvSpPr>
-          <p:cNvPr id="8" name="Rectángulo 7">
-            <a:extLst>
-              <a:ext uri="{FF2B5EF4-FFF2-40B4-BE49-F238E27FC236}">
-                <a16:creationId xmlns:a16="http://schemas.microsoft.com/office/drawing/2014/main" id="{1A50F002-E0C5-4D13-BD45-A8972CF08B40}"/>
+          <p:cNvPr id="56" name="Rectángulo 55">
+            <a:extLst>
+              <a:ext uri="{FF2B5EF4-FFF2-40B4-BE49-F238E27FC236}">
+                <a16:creationId xmlns:a16="http://schemas.microsoft.com/office/drawing/2014/main" id="{92DA8E31-94BD-402C-8DEC-C9E5B255B18A}"/>
               </a:ext>
             </a:extLst>
           </p:cNvPr>
@@ -18347,10 +18259,10 @@
       </p:sp>
       <p:sp>
         <p:nvSpPr>
-          <p:cNvPr id="9" name="Rectángulo 8">
-            <a:extLst>
-              <a:ext uri="{FF2B5EF4-FFF2-40B4-BE49-F238E27FC236}">
-                <a16:creationId xmlns:a16="http://schemas.microsoft.com/office/drawing/2014/main" id="{37283CD1-AEC1-4BA0-8BBE-B24EF2A94338}"/>
+          <p:cNvPr id="57" name="Rectángulo 56">
+            <a:extLst>
+              <a:ext uri="{FF2B5EF4-FFF2-40B4-BE49-F238E27FC236}">
+                <a16:creationId xmlns:a16="http://schemas.microsoft.com/office/drawing/2014/main" id="{84F30117-152D-4F31-B56C-9424A41A5B4D}"/>
               </a:ext>
             </a:extLst>
           </p:cNvPr>
@@ -18413,10 +18325,10 @@
       </p:sp>
       <p:sp>
         <p:nvSpPr>
-          <p:cNvPr id="10" name="Rectángulo 9">
-            <a:extLst>
-              <a:ext uri="{FF2B5EF4-FFF2-40B4-BE49-F238E27FC236}">
-                <a16:creationId xmlns:a16="http://schemas.microsoft.com/office/drawing/2014/main" id="{46582DAD-50AE-49DB-A744-1716D7A195DF}"/>
+          <p:cNvPr id="58" name="Rectángulo 57">
+            <a:extLst>
+              <a:ext uri="{FF2B5EF4-FFF2-40B4-BE49-F238E27FC236}">
+                <a16:creationId xmlns:a16="http://schemas.microsoft.com/office/drawing/2014/main" id="{791B3331-39AD-4EEF-851D-823365742AF6}"/>
               </a:ext>
             </a:extLst>
           </p:cNvPr>
@@ -18479,10 +18391,10 @@
       </p:sp>
       <p:sp>
         <p:nvSpPr>
-          <p:cNvPr id="11" name="Rectángulo 10">
-            <a:extLst>
-              <a:ext uri="{FF2B5EF4-FFF2-40B4-BE49-F238E27FC236}">
-                <a16:creationId xmlns:a16="http://schemas.microsoft.com/office/drawing/2014/main" id="{98C51BDF-A37D-45B4-A9D0-BFC7F8256B97}"/>
+          <p:cNvPr id="59" name="Rectángulo 58">
+            <a:extLst>
+              <a:ext uri="{FF2B5EF4-FFF2-40B4-BE49-F238E27FC236}">
+                <a16:creationId xmlns:a16="http://schemas.microsoft.com/office/drawing/2014/main" id="{3332BB7E-DDBC-40CB-8E6A-BFBAA8DCEF8F}"/>
               </a:ext>
             </a:extLst>
           </p:cNvPr>
@@ -18545,10 +18457,10 @@
       </p:sp>
       <p:sp>
         <p:nvSpPr>
-          <p:cNvPr id="7" name="Rectángulo 6">
-            <a:extLst>
-              <a:ext uri="{FF2B5EF4-FFF2-40B4-BE49-F238E27FC236}">
-                <a16:creationId xmlns:a16="http://schemas.microsoft.com/office/drawing/2014/main" id="{BAFCFC6D-FB6F-4553-B5D9-E2B87F9739AB}"/>
+          <p:cNvPr id="60" name="Rectángulo 59">
+            <a:extLst>
+              <a:ext uri="{FF2B5EF4-FFF2-40B4-BE49-F238E27FC236}">
+                <a16:creationId xmlns:a16="http://schemas.microsoft.com/office/drawing/2014/main" id="{7AE2716E-F341-4999-A377-4FEA5235B942}"/>
               </a:ext>
             </a:extLst>
           </p:cNvPr>
@@ -18615,10 +18527,10 @@
       </p:sp>
       <p:sp>
         <p:nvSpPr>
-          <p:cNvPr id="13" name="Rectángulo 12">
-            <a:extLst>
-              <a:ext uri="{FF2B5EF4-FFF2-40B4-BE49-F238E27FC236}">
-                <a16:creationId xmlns:a16="http://schemas.microsoft.com/office/drawing/2014/main" id="{131A4C84-909B-4C10-BB6A-8312820B8AE3}"/>
+          <p:cNvPr id="61" name="Rectángulo 60">
+            <a:extLst>
+              <a:ext uri="{FF2B5EF4-FFF2-40B4-BE49-F238E27FC236}">
+                <a16:creationId xmlns:a16="http://schemas.microsoft.com/office/drawing/2014/main" id="{45E16995-5529-4A00-A93D-D4DB4A860BC0}"/>
               </a:ext>
             </a:extLst>
           </p:cNvPr>
@@ -18682,10 +18594,10 @@
       </p:sp>
       <p:sp>
         <p:nvSpPr>
-          <p:cNvPr id="20" name="Elipse 19">
-            <a:extLst>
-              <a:ext uri="{FF2B5EF4-FFF2-40B4-BE49-F238E27FC236}">
-                <a16:creationId xmlns:a16="http://schemas.microsoft.com/office/drawing/2014/main" id="{32DEB439-EC36-4736-8DC3-3D810244B990}"/>
+          <p:cNvPr id="62" name="Elipse 61">
+            <a:extLst>
+              <a:ext uri="{FF2B5EF4-FFF2-40B4-BE49-F238E27FC236}">
+                <a16:creationId xmlns:a16="http://schemas.microsoft.com/office/drawing/2014/main" id="{7824E4BD-4090-43B3-B146-88BF1096731E}"/>
               </a:ext>
             </a:extLst>
           </p:cNvPr>
@@ -18742,10 +18654,10 @@
       </p:sp>
       <p:sp>
         <p:nvSpPr>
-          <p:cNvPr id="21" name="Elipse 20">
-            <a:extLst>
-              <a:ext uri="{FF2B5EF4-FFF2-40B4-BE49-F238E27FC236}">
-                <a16:creationId xmlns:a16="http://schemas.microsoft.com/office/drawing/2014/main" id="{6E2FF87B-BA2F-47B4-A3F6-FB939A25DDAC}"/>
+          <p:cNvPr id="63" name="Elipse 62">
+            <a:extLst>
+              <a:ext uri="{FF2B5EF4-FFF2-40B4-BE49-F238E27FC236}">
+                <a16:creationId xmlns:a16="http://schemas.microsoft.com/office/drawing/2014/main" id="{9DD69CE0-48E0-4C1D-819F-1211FBD93838}"/>
               </a:ext>
             </a:extLst>
           </p:cNvPr>
@@ -18796,10 +18708,10 @@
       </p:sp>
       <p:sp>
         <p:nvSpPr>
-          <p:cNvPr id="22" name="Elipse 21">
-            <a:extLst>
-              <a:ext uri="{FF2B5EF4-FFF2-40B4-BE49-F238E27FC236}">
-                <a16:creationId xmlns:a16="http://schemas.microsoft.com/office/drawing/2014/main" id="{E24D51C9-EEC2-4682-A578-82C17AB90197}"/>
+          <p:cNvPr id="64" name="Elipse 63">
+            <a:extLst>
+              <a:ext uri="{FF2B5EF4-FFF2-40B4-BE49-F238E27FC236}">
+                <a16:creationId xmlns:a16="http://schemas.microsoft.com/office/drawing/2014/main" id="{4093C6E9-8401-4DCC-B926-6DCF5BD5872F}"/>
               </a:ext>
             </a:extLst>
           </p:cNvPr>
@@ -18868,10 +18780,10 @@
       </p:sp>
       <p:sp>
         <p:nvSpPr>
-          <p:cNvPr id="23" name="Rectángulo 22">
-            <a:extLst>
-              <a:ext uri="{FF2B5EF4-FFF2-40B4-BE49-F238E27FC236}">
-                <a16:creationId xmlns:a16="http://schemas.microsoft.com/office/drawing/2014/main" id="{97FECB9A-4308-4194-9101-7A4424F0562F}"/>
+          <p:cNvPr id="65" name="Rectángulo 64">
+            <a:extLst>
+              <a:ext uri="{FF2B5EF4-FFF2-40B4-BE49-F238E27FC236}">
+                <a16:creationId xmlns:a16="http://schemas.microsoft.com/office/drawing/2014/main" id="{F0E6B7BF-A167-4D35-B83B-2715C1B2003E}"/>
               </a:ext>
             </a:extLst>
           </p:cNvPr>
@@ -18934,10 +18846,10 @@
       </p:sp>
       <p:pic>
         <p:nvPicPr>
-          <p:cNvPr id="31" name="Imagen 30">
-            <a:extLst>
-              <a:ext uri="{FF2B5EF4-FFF2-40B4-BE49-F238E27FC236}">
-                <a16:creationId xmlns:a16="http://schemas.microsoft.com/office/drawing/2014/main" id="{6481ECAB-7936-4DA9-B884-1278874B3B3A}"/>
+          <p:cNvPr id="66" name="Imagen 65">
+            <a:extLst>
+              <a:ext uri="{FF2B5EF4-FFF2-40B4-BE49-F238E27FC236}">
+                <a16:creationId xmlns:a16="http://schemas.microsoft.com/office/drawing/2014/main" id="{083B8A6C-F9DD-49C4-9D74-5412A0B2696E}"/>
               </a:ext>
             </a:extLst>
           </p:cNvPr>
@@ -18970,19 +18882,19 @@
       </p:pic>
       <p:sp>
         <p:nvSpPr>
-          <p:cNvPr id="32" name="Rectángulo 31">
-            <a:extLst>
-              <a:ext uri="{FF2B5EF4-FFF2-40B4-BE49-F238E27FC236}">
-                <a16:creationId xmlns:a16="http://schemas.microsoft.com/office/drawing/2014/main" id="{CE87B4B5-266A-4402-94DE-A9994FDC5282}"/>
-              </a:ext>
-            </a:extLst>
-          </p:cNvPr>
-          <p:cNvSpPr/>
-          <p:nvPr/>
-        </p:nvSpPr>
-        <p:spPr>
-          <a:xfrm>
-            <a:off x="4298190" y="4022090"/>
+          <p:cNvPr id="67" name="Rectángulo 66">
+            <a:extLst>
+              <a:ext uri="{FF2B5EF4-FFF2-40B4-BE49-F238E27FC236}">
+                <a16:creationId xmlns:a16="http://schemas.microsoft.com/office/drawing/2014/main" id="{2CCED0FA-A08B-4F3F-9C37-F9F097BE9F32}"/>
+              </a:ext>
+            </a:extLst>
+          </p:cNvPr>
+          <p:cNvSpPr/>
+          <p:nvPr/>
+        </p:nvSpPr>
+        <p:spPr>
+          <a:xfrm>
+            <a:off x="4298190" y="3987688"/>
             <a:ext cx="3595619" cy="430887"/>
           </a:xfrm>
           <a:prstGeom prst="rect">

--- a/CONTROL INV.pptx
+++ b/CONTROL INV.pptx
@@ -6173,7 +6173,7 @@
         </p:nvSpPr>
         <p:spPr>
           <a:xfrm>
-            <a:off x="3237211" y="1134900"/>
+            <a:off x="3270461" y="1134900"/>
             <a:ext cx="2536119" cy="338554"/>
           </a:xfrm>
           <a:prstGeom prst="rect">

--- a/CONTROL INV.pptx
+++ b/CONTROL INV.pptx
@@ -263,7 +263,7 @@
           <a:p>
             <a:fld id="{FD2E03ED-9E76-4CE6-93DC-3D9652C6A756}" type="datetimeFigureOut">
               <a:rPr lang="es-CO" smtClean="0"/>
-              <a:t>15/01/2020</a:t>
+              <a:t>21/01/2020</a:t>
             </a:fld>
             <a:endParaRPr lang="es-CO"/>
           </a:p>
@@ -463,7 +463,7 @@
           <a:p>
             <a:fld id="{FD2E03ED-9E76-4CE6-93DC-3D9652C6A756}" type="datetimeFigureOut">
               <a:rPr lang="es-CO" smtClean="0"/>
-              <a:t>15/01/2020</a:t>
+              <a:t>21/01/2020</a:t>
             </a:fld>
             <a:endParaRPr lang="es-CO"/>
           </a:p>
@@ -673,7 +673,7 @@
           <a:p>
             <a:fld id="{FD2E03ED-9E76-4CE6-93DC-3D9652C6A756}" type="datetimeFigureOut">
               <a:rPr lang="es-CO" smtClean="0"/>
-              <a:t>15/01/2020</a:t>
+              <a:t>21/01/2020</a:t>
             </a:fld>
             <a:endParaRPr lang="es-CO"/>
           </a:p>
@@ -873,7 +873,7 @@
           <a:p>
             <a:fld id="{FD2E03ED-9E76-4CE6-93DC-3D9652C6A756}" type="datetimeFigureOut">
               <a:rPr lang="es-CO" smtClean="0"/>
-              <a:t>15/01/2020</a:t>
+              <a:t>21/01/2020</a:t>
             </a:fld>
             <a:endParaRPr lang="es-CO"/>
           </a:p>
@@ -1149,7 +1149,7 @@
           <a:p>
             <a:fld id="{FD2E03ED-9E76-4CE6-93DC-3D9652C6A756}" type="datetimeFigureOut">
               <a:rPr lang="es-CO" smtClean="0"/>
-              <a:t>15/01/2020</a:t>
+              <a:t>21/01/2020</a:t>
             </a:fld>
             <a:endParaRPr lang="es-CO"/>
           </a:p>
@@ -1417,7 +1417,7 @@
           <a:p>
             <a:fld id="{FD2E03ED-9E76-4CE6-93DC-3D9652C6A756}" type="datetimeFigureOut">
               <a:rPr lang="es-CO" smtClean="0"/>
-              <a:t>15/01/2020</a:t>
+              <a:t>21/01/2020</a:t>
             </a:fld>
             <a:endParaRPr lang="es-CO"/>
           </a:p>
@@ -1832,7 +1832,7 @@
           <a:p>
             <a:fld id="{FD2E03ED-9E76-4CE6-93DC-3D9652C6A756}" type="datetimeFigureOut">
               <a:rPr lang="es-CO" smtClean="0"/>
-              <a:t>15/01/2020</a:t>
+              <a:t>21/01/2020</a:t>
             </a:fld>
             <a:endParaRPr lang="es-CO"/>
           </a:p>
@@ -1974,7 +1974,7 @@
           <a:p>
             <a:fld id="{FD2E03ED-9E76-4CE6-93DC-3D9652C6A756}" type="datetimeFigureOut">
               <a:rPr lang="es-CO" smtClean="0"/>
-              <a:t>15/01/2020</a:t>
+              <a:t>21/01/2020</a:t>
             </a:fld>
             <a:endParaRPr lang="es-CO"/>
           </a:p>
@@ -2087,7 +2087,7 @@
           <a:p>
             <a:fld id="{FD2E03ED-9E76-4CE6-93DC-3D9652C6A756}" type="datetimeFigureOut">
               <a:rPr lang="es-CO" smtClean="0"/>
-              <a:t>15/01/2020</a:t>
+              <a:t>21/01/2020</a:t>
             </a:fld>
             <a:endParaRPr lang="es-CO"/>
           </a:p>
@@ -2400,7 +2400,7 @@
           <a:p>
             <a:fld id="{FD2E03ED-9E76-4CE6-93DC-3D9652C6A756}" type="datetimeFigureOut">
               <a:rPr lang="es-CO" smtClean="0"/>
-              <a:t>15/01/2020</a:t>
+              <a:t>21/01/2020</a:t>
             </a:fld>
             <a:endParaRPr lang="es-CO"/>
           </a:p>
@@ -2689,7 +2689,7 @@
           <a:p>
             <a:fld id="{FD2E03ED-9E76-4CE6-93DC-3D9652C6A756}" type="datetimeFigureOut">
               <a:rPr lang="es-CO" smtClean="0"/>
-              <a:t>15/01/2020</a:t>
+              <a:t>21/01/2020</a:t>
             </a:fld>
             <a:endParaRPr lang="es-CO"/>
           </a:p>
@@ -2932,7 +2932,7 @@
           <a:p>
             <a:fld id="{FD2E03ED-9E76-4CE6-93DC-3D9652C6A756}" type="datetimeFigureOut">
               <a:rPr lang="es-CO" smtClean="0"/>
-              <a:t>15/01/2020</a:t>
+              <a:t>21/01/2020</a:t>
             </a:fld>
             <a:endParaRPr lang="es-CO"/>
           </a:p>
@@ -6743,6 +6743,81 @@
       </p:sp>
       <p:sp>
         <p:nvSpPr>
+          <p:cNvPr id="361" name="Rectángulo 360">
+            <a:extLst>
+              <a:ext uri="{FF2B5EF4-FFF2-40B4-BE49-F238E27FC236}">
+                <a16:creationId xmlns:a16="http://schemas.microsoft.com/office/drawing/2014/main" id="{5F9718E6-08B2-4139-8159-2549E05DE4D2}"/>
+              </a:ext>
+            </a:extLst>
+          </p:cNvPr>
+          <p:cNvSpPr/>
+          <p:nvPr/>
+        </p:nvSpPr>
+        <p:spPr>
+          <a:xfrm>
+            <a:off x="3139197" y="4145957"/>
+            <a:ext cx="4410524" cy="1060134"/>
+          </a:xfrm>
+          <a:prstGeom prst="rect">
+            <a:avLst/>
+          </a:prstGeom>
+          <a:solidFill>
+            <a:schemeClr val="tx1">
+              <a:lumMod val="95000"/>
+              <a:lumOff val="5000"/>
+            </a:schemeClr>
+          </a:solidFill>
+          <a:ln>
+            <a:solidFill>
+              <a:schemeClr val="tx1">
+                <a:lumMod val="95000"/>
+                <a:lumOff val="5000"/>
+              </a:schemeClr>
+            </a:solidFill>
+          </a:ln>
+          <a:effectLst>
+            <a:outerShdw blurRad="50800" dist="38100" dir="18900000" algn="bl" rotWithShape="0">
+              <a:prstClr val="black">
+                <a:alpha val="40000"/>
+              </a:prstClr>
+            </a:outerShdw>
+            <a:softEdge rad="31750"/>
+          </a:effectLst>
+          <a:scene3d>
+            <a:camera prst="obliqueTopLeft"/>
+            <a:lightRig rig="threePt" dir="t"/>
+          </a:scene3d>
+          <a:sp3d>
+            <a:bevelT w="114300" prst="hardEdge"/>
+          </a:sp3d>
+        </p:spPr>
+        <p:style>
+          <a:lnRef idx="2">
+            <a:schemeClr val="accent1">
+              <a:shade val="50000"/>
+            </a:schemeClr>
+          </a:lnRef>
+          <a:fillRef idx="1">
+            <a:schemeClr val="accent1"/>
+          </a:fillRef>
+          <a:effectRef idx="0">
+            <a:schemeClr val="accent1"/>
+          </a:effectRef>
+          <a:fontRef idx="minor">
+            <a:schemeClr val="lt1"/>
+          </a:fontRef>
+        </p:style>
+        <p:txBody>
+          <a:bodyPr rtlCol="0" anchor="ctr"/>
+          <a:lstStyle/>
+          <a:p>
+            <a:pPr algn="ctr"/>
+            <a:endParaRPr lang="es-CO"/>
+          </a:p>
+        </p:txBody>
+      </p:sp>
+      <p:sp>
+        <p:nvSpPr>
           <p:cNvPr id="193" name="Rectángulo 192">
             <a:extLst>
               <a:ext uri="{FF2B5EF4-FFF2-40B4-BE49-F238E27FC236}">
@@ -6755,8 +6830,8 @@
         </p:nvSpPr>
         <p:spPr>
           <a:xfrm>
-            <a:off x="4829720" y="3685973"/>
-            <a:ext cx="497677" cy="492443"/>
+            <a:off x="4829720" y="3670071"/>
+            <a:ext cx="497677" cy="430887"/>
           </a:xfrm>
           <a:prstGeom prst="rect">
             <a:avLst/>
@@ -6771,7 +6846,7 @@
           <a:p>
             <a:pPr algn="ctr"/>
             <a:r>
-              <a:rPr lang="es-ES" sz="1200" dirty="0">
+              <a:rPr lang="es-ES" sz="1100" dirty="0">
                 <a:ln w="0"/>
                 <a:solidFill>
                   <a:schemeClr val="bg1"/>
@@ -6784,10 +6859,13 @@
                   </a:outerShdw>
                 </a:effectLst>
               </a:rPr>
-              <a:t>24VAC</a:t>
+              <a:t>24V</a:t>
             </a:r>
+          </a:p>
+          <a:p>
+            <a:pPr algn="ctr"/>
             <a:r>
-              <a:rPr lang="es-ES" sz="1400" b="0" cap="none" spc="0" dirty="0">
+              <a:rPr lang="es-ES" sz="1100" dirty="0">
                 <a:ln w="0"/>
                 <a:solidFill>
                   <a:schemeClr val="bg1"/>
@@ -6800,10 +6878,10 @@
                   </a:outerShdw>
                 </a:effectLst>
               </a:rPr>
-              <a:t> </a:t>
+              <a:t>AC</a:t>
             </a:r>
             <a:r>
-              <a:rPr lang="es-ES" sz="1200" b="0" cap="none" spc="0" dirty="0">
+              <a:rPr lang="es-ES" sz="1100" b="0" cap="none" spc="0" dirty="0">
                 <a:ln w="0"/>
                 <a:solidFill>
                   <a:schemeClr val="bg1"/>
@@ -6816,7 +6894,7 @@
                   </a:outerShdw>
                 </a:effectLst>
               </a:rPr>
-              <a:t>          </a:t>
+              <a:t>           </a:t>
             </a:r>
           </a:p>
         </p:txBody>
@@ -6836,34 +6914,32 @@
         <p:spPr>
           <a:xfrm>
             <a:off x="3213620" y="4212999"/>
-            <a:ext cx="4272401" cy="563176"/>
+            <a:ext cx="4272401" cy="993092"/>
           </a:xfrm>
           <a:prstGeom prst="rect">
             <a:avLst/>
           </a:prstGeom>
-          <a:noFill/>
-          <a:ln>
-            <a:solidFill>
-              <a:schemeClr val="tx1">
-                <a:lumMod val="95000"/>
-                <a:lumOff val="5000"/>
-              </a:schemeClr>
-            </a:solidFill>
+          <a:solidFill>
+            <a:schemeClr val="bg2">
+              <a:lumMod val="10000"/>
+            </a:schemeClr>
+          </a:solidFill>
+          <a:ln>
+            <a:noFill/>
           </a:ln>
           <a:effectLst>
-            <a:outerShdw blurRad="50800" dist="38100" dir="18900000" algn="bl" rotWithShape="0">
-              <a:prstClr val="black">
-                <a:alpha val="40000"/>
-              </a:prstClr>
-            </a:outerShdw>
             <a:softEdge rad="31750"/>
           </a:effectLst>
           <a:scene3d>
-            <a:camera prst="orthographicFront"/>
-            <a:lightRig rig="threePt" dir="t"/>
+            <a:camera prst="orthographicFront">
+              <a:rot lat="0" lon="0" rev="0"/>
+            </a:camera>
+            <a:lightRig rig="contrasting" dir="t">
+              <a:rot lat="0" lon="0" rev="7800000"/>
+            </a:lightRig>
           </a:scene3d>
           <a:sp3d>
-            <a:bevelT w="114300" prst="hardEdge"/>
+            <a:bevelT w="139700" h="139700"/>
           </a:sp3d>
         </p:spPr>
         <p:style>
@@ -11954,7 +12030,7 @@
         </p:nvCxnSpPr>
         <p:spPr>
           <a:xfrm>
-            <a:off x="3453481" y="3843521"/>
+            <a:off x="3453481" y="3803766"/>
             <a:ext cx="188320" cy="0"/>
           </a:xfrm>
           <a:prstGeom prst="line">
@@ -11997,7 +12073,7 @@
         </p:nvCxnSpPr>
         <p:spPr>
           <a:xfrm>
-            <a:off x="3636805" y="3843521"/>
+            <a:off x="3636805" y="3803766"/>
             <a:ext cx="0" cy="117423"/>
           </a:xfrm>
           <a:prstGeom prst="line">
@@ -12042,7 +12118,7 @@
         </p:nvCxnSpPr>
         <p:spPr>
           <a:xfrm>
-            <a:off x="3452459" y="3903482"/>
+            <a:off x="3452459" y="3863727"/>
             <a:ext cx="330148" cy="0"/>
           </a:xfrm>
           <a:prstGeom prst="line">
@@ -12085,7 +12161,7 @@
         </p:nvCxnSpPr>
         <p:spPr>
           <a:xfrm>
-            <a:off x="3300423" y="3903482"/>
+            <a:off x="3300423" y="3863727"/>
             <a:ext cx="102498" cy="0"/>
           </a:xfrm>
           <a:prstGeom prst="line">
@@ -12128,7 +12204,7 @@
         </p:nvCxnSpPr>
         <p:spPr>
           <a:xfrm>
-            <a:off x="3402921" y="3873504"/>
+            <a:off x="3402921" y="3833749"/>
             <a:ext cx="191408" cy="0"/>
           </a:xfrm>
           <a:prstGeom prst="line">
@@ -12171,7 +12247,7 @@
         </p:nvCxnSpPr>
         <p:spPr>
           <a:xfrm>
-            <a:off x="3402921" y="3873504"/>
+            <a:off x="3402921" y="3833749"/>
             <a:ext cx="0" cy="59960"/>
           </a:xfrm>
           <a:prstGeom prst="line">
@@ -12216,7 +12292,7 @@
         </p:nvCxnSpPr>
         <p:spPr>
           <a:xfrm>
-            <a:off x="3402921" y="3933464"/>
+            <a:off x="3402921" y="3893709"/>
             <a:ext cx="191408" cy="0"/>
           </a:xfrm>
           <a:prstGeom prst="line">
@@ -12259,7 +12335,7 @@
         </p:nvCxnSpPr>
         <p:spPr>
           <a:xfrm>
-            <a:off x="3453481" y="3960944"/>
+            <a:off x="3453481" y="3921189"/>
             <a:ext cx="188320" cy="0"/>
           </a:xfrm>
           <a:prstGeom prst="line">
@@ -12300,7 +12376,7 @@
         </p:nvSpPr>
         <p:spPr>
           <a:xfrm>
-            <a:off x="3904995" y="3867548"/>
+            <a:off x="3904995" y="3827793"/>
             <a:ext cx="293785" cy="89917"/>
           </a:xfrm>
           <a:prstGeom prst="rect">
@@ -12352,7 +12428,7 @@
         </p:nvCxnSpPr>
         <p:spPr>
           <a:xfrm>
-            <a:off x="3969313" y="3817279"/>
+            <a:off x="3969313" y="3777524"/>
             <a:ext cx="196049" cy="183227"/>
           </a:xfrm>
           <a:prstGeom prst="line">
@@ -12395,7 +12471,7 @@
         </p:nvCxnSpPr>
         <p:spPr>
           <a:xfrm>
-            <a:off x="4200334" y="3915072"/>
+            <a:off x="4200334" y="3875317"/>
             <a:ext cx="45919" cy="0"/>
           </a:xfrm>
           <a:prstGeom prst="line">
@@ -12438,7 +12514,7 @@
         </p:nvCxnSpPr>
         <p:spPr>
           <a:xfrm>
-            <a:off x="3859076" y="3915072"/>
+            <a:off x="3859076" y="3875317"/>
             <a:ext cx="45919" cy="0"/>
           </a:xfrm>
           <a:prstGeom prst="line">
@@ -14074,20 +14150,20 @@
       </p:sp>
       <p:sp>
         <p:nvSpPr>
-          <p:cNvPr id="361" name="Rectángulo 360">
-            <a:extLst>
-              <a:ext uri="{FF2B5EF4-FFF2-40B4-BE49-F238E27FC236}">
-                <a16:creationId xmlns:a16="http://schemas.microsoft.com/office/drawing/2014/main" id="{5F9718E6-08B2-4139-8159-2549E05DE4D2}"/>
-              </a:ext>
-            </a:extLst>
-          </p:cNvPr>
-          <p:cNvSpPr/>
-          <p:nvPr/>
-        </p:nvSpPr>
-        <p:spPr>
-          <a:xfrm>
-            <a:off x="3139197" y="4145957"/>
-            <a:ext cx="4410524" cy="706783"/>
+          <p:cNvPr id="362" name="Rectángulo 361">
+            <a:extLst>
+              <a:ext uri="{FF2B5EF4-FFF2-40B4-BE49-F238E27FC236}">
+                <a16:creationId xmlns:a16="http://schemas.microsoft.com/office/drawing/2014/main" id="{D246539E-EABB-42D5-BF83-CCFF5BC9BA08}"/>
+              </a:ext>
+            </a:extLst>
+          </p:cNvPr>
+          <p:cNvSpPr/>
+          <p:nvPr/>
+        </p:nvSpPr>
+        <p:spPr>
+          <a:xfrm>
+            <a:off x="3290410" y="4279955"/>
+            <a:ext cx="4128741" cy="417017"/>
           </a:xfrm>
           <a:prstGeom prst="rect">
             <a:avLst/>
@@ -14144,76 +14220,6 @@
       </p:sp>
       <p:sp>
         <p:nvSpPr>
-          <p:cNvPr id="362" name="Rectángulo 361">
-            <a:extLst>
-              <a:ext uri="{FF2B5EF4-FFF2-40B4-BE49-F238E27FC236}">
-                <a16:creationId xmlns:a16="http://schemas.microsoft.com/office/drawing/2014/main" id="{D246539E-EABB-42D5-BF83-CCFF5BC9BA08}"/>
-              </a:ext>
-            </a:extLst>
-          </p:cNvPr>
-          <p:cNvSpPr/>
-          <p:nvPr/>
-        </p:nvSpPr>
-        <p:spPr>
-          <a:xfrm>
-            <a:off x="3290410" y="4279955"/>
-            <a:ext cx="4128741" cy="417017"/>
-          </a:xfrm>
-          <a:prstGeom prst="rect">
-            <a:avLst/>
-          </a:prstGeom>
-          <a:noFill/>
-          <a:ln>
-            <a:solidFill>
-              <a:schemeClr val="tx1">
-                <a:lumMod val="95000"/>
-                <a:lumOff val="5000"/>
-              </a:schemeClr>
-            </a:solidFill>
-          </a:ln>
-          <a:effectLst>
-            <a:outerShdw blurRad="50800" dist="38100" dir="18900000" algn="bl" rotWithShape="0">
-              <a:prstClr val="black">
-                <a:alpha val="40000"/>
-              </a:prstClr>
-            </a:outerShdw>
-            <a:softEdge rad="31750"/>
-          </a:effectLst>
-          <a:scene3d>
-            <a:camera prst="orthographicFront"/>
-            <a:lightRig rig="threePt" dir="t"/>
-          </a:scene3d>
-          <a:sp3d>
-            <a:bevelT w="114300" prst="hardEdge"/>
-          </a:sp3d>
-        </p:spPr>
-        <p:style>
-          <a:lnRef idx="2">
-            <a:schemeClr val="accent1">
-              <a:shade val="50000"/>
-            </a:schemeClr>
-          </a:lnRef>
-          <a:fillRef idx="1">
-            <a:schemeClr val="accent1"/>
-          </a:fillRef>
-          <a:effectRef idx="0">
-            <a:schemeClr val="accent1"/>
-          </a:effectRef>
-          <a:fontRef idx="minor">
-            <a:schemeClr val="lt1"/>
-          </a:fontRef>
-        </p:style>
-        <p:txBody>
-          <a:bodyPr rtlCol="0" anchor="ctr"/>
-          <a:lstStyle/>
-          <a:p>
-            <a:pPr algn="ctr"/>
-            <a:endParaRPr lang="es-CO"/>
-          </a:p>
-        </p:txBody>
-      </p:sp>
-      <p:sp>
-        <p:nvSpPr>
           <p:cNvPr id="363" name="Lágrima 362">
             <a:extLst>
               <a:ext uri="{FF2B5EF4-FFF2-40B4-BE49-F238E27FC236}">
@@ -14226,7 +14232,7 @@
         </p:nvSpPr>
         <p:spPr>
           <a:xfrm rot="18904337">
-            <a:off x="4517256" y="3866484"/>
+            <a:off x="4517256" y="3826729"/>
             <a:ext cx="112744" cy="113318"/>
           </a:xfrm>
           <a:prstGeom prst="teardrop">
@@ -14280,7 +14286,7 @@
         </p:nvSpPr>
         <p:spPr>
           <a:xfrm>
-            <a:off x="4515739" y="3877920"/>
+            <a:off x="4515739" y="3838165"/>
             <a:ext cx="112744" cy="100590"/>
           </a:xfrm>
           <a:prstGeom prst="chord">
@@ -14337,7 +14343,7 @@
         </p:nvSpPr>
         <p:spPr>
           <a:xfrm>
-            <a:off x="3280544" y="3727731"/>
+            <a:off x="3280544" y="3687976"/>
             <a:ext cx="510525" cy="382640"/>
           </a:xfrm>
           <a:prstGeom prst="rect">
@@ -14389,7 +14395,7 @@
         </p:nvSpPr>
         <p:spPr>
           <a:xfrm>
-            <a:off x="3791666" y="3726531"/>
+            <a:off x="3791666" y="3686776"/>
             <a:ext cx="510525" cy="383840"/>
           </a:xfrm>
           <a:prstGeom prst="rect">
@@ -14441,7 +14447,7 @@
         </p:nvSpPr>
         <p:spPr>
           <a:xfrm>
-            <a:off x="4302191" y="3726531"/>
+            <a:off x="4302191" y="3686776"/>
             <a:ext cx="510525" cy="383840"/>
           </a:xfrm>
           <a:prstGeom prst="rect">
@@ -14493,7 +14499,7 @@
         </p:nvSpPr>
         <p:spPr>
           <a:xfrm>
-            <a:off x="4812716" y="3726531"/>
+            <a:off x="4812716" y="3686776"/>
             <a:ext cx="510525" cy="383840"/>
           </a:xfrm>
           <a:prstGeom prst="rect">
@@ -14545,7 +14551,7 @@
         </p:nvSpPr>
         <p:spPr>
           <a:xfrm>
-            <a:off x="5334558" y="3726581"/>
+            <a:off x="5334558" y="3686826"/>
             <a:ext cx="262003" cy="383840"/>
           </a:xfrm>
           <a:prstGeom prst="rect">
@@ -14597,7 +14603,7 @@
         </p:nvSpPr>
         <p:spPr>
           <a:xfrm>
-            <a:off x="5595735" y="3727563"/>
+            <a:off x="5595735" y="3687808"/>
             <a:ext cx="262003" cy="383840"/>
           </a:xfrm>
           <a:prstGeom prst="rect">
@@ -14649,7 +14655,7 @@
         </p:nvSpPr>
         <p:spPr>
           <a:xfrm>
-            <a:off x="5853222" y="3727563"/>
+            <a:off x="5853222" y="3687808"/>
             <a:ext cx="262003" cy="383840"/>
           </a:xfrm>
           <a:prstGeom prst="rect">
@@ -14701,7 +14707,7 @@
         </p:nvSpPr>
         <p:spPr>
           <a:xfrm>
-            <a:off x="6108818" y="3727563"/>
+            <a:off x="6108818" y="3687808"/>
             <a:ext cx="262003" cy="383840"/>
           </a:xfrm>
           <a:prstGeom prst="rect">
@@ -14753,7 +14759,7 @@
         </p:nvSpPr>
         <p:spPr>
           <a:xfrm>
-            <a:off x="6376313" y="3727563"/>
+            <a:off x="6376313" y="3687808"/>
             <a:ext cx="262003" cy="383840"/>
           </a:xfrm>
           <a:prstGeom prst="rect">
@@ -14805,7 +14811,7 @@
         </p:nvSpPr>
         <p:spPr>
           <a:xfrm>
-            <a:off x="6640370" y="3727563"/>
+            <a:off x="6640370" y="3687808"/>
             <a:ext cx="262003" cy="383840"/>
           </a:xfrm>
           <a:prstGeom prst="rect">
@@ -14857,7 +14863,7 @@
         </p:nvSpPr>
         <p:spPr>
           <a:xfrm>
-            <a:off x="6900737" y="3727563"/>
+            <a:off x="6900737" y="3687808"/>
             <a:ext cx="262003" cy="383840"/>
           </a:xfrm>
           <a:prstGeom prst="rect">
@@ -14909,7 +14915,7 @@
         </p:nvSpPr>
         <p:spPr>
           <a:xfrm>
-            <a:off x="7163806" y="3727563"/>
+            <a:off x="7163806" y="3687808"/>
             <a:ext cx="262003" cy="383840"/>
           </a:xfrm>
           <a:prstGeom prst="rect">
@@ -14961,7 +14967,7 @@
         </p:nvSpPr>
         <p:spPr>
           <a:xfrm>
-            <a:off x="5343228" y="3770350"/>
+            <a:off x="5343228" y="3730595"/>
             <a:ext cx="251172" cy="307777"/>
           </a:xfrm>
           <a:prstGeom prst="rect">
@@ -15025,7 +15031,7 @@
         </p:nvSpPr>
         <p:spPr>
           <a:xfrm>
-            <a:off x="5601059" y="3767931"/>
+            <a:off x="5601059" y="3728176"/>
             <a:ext cx="251172" cy="307777"/>
           </a:xfrm>
           <a:prstGeom prst="rect">
@@ -15105,7 +15111,7 @@
         </p:nvSpPr>
         <p:spPr>
           <a:xfrm>
-            <a:off x="5857378" y="3769134"/>
+            <a:off x="5857378" y="3729379"/>
             <a:ext cx="251172" cy="307777"/>
           </a:xfrm>
           <a:prstGeom prst="rect">
@@ -15185,7 +15191,7 @@
         </p:nvSpPr>
         <p:spPr>
           <a:xfrm>
-            <a:off x="6122376" y="3768962"/>
+            <a:off x="6122376" y="3729207"/>
             <a:ext cx="251172" cy="307777"/>
           </a:xfrm>
           <a:prstGeom prst="rect">
@@ -15265,7 +15271,7 @@
         </p:nvSpPr>
         <p:spPr>
           <a:xfrm>
-            <a:off x="6388370" y="3768962"/>
+            <a:off x="6388370" y="3729207"/>
             <a:ext cx="251172" cy="307777"/>
           </a:xfrm>
           <a:prstGeom prst="rect">
@@ -15345,7 +15351,7 @@
         </p:nvSpPr>
         <p:spPr>
           <a:xfrm>
-            <a:off x="6644725" y="3767937"/>
+            <a:off x="6644725" y="3728182"/>
             <a:ext cx="251172" cy="307777"/>
           </a:xfrm>
           <a:prstGeom prst="rect">
@@ -15425,7 +15431,7 @@
         </p:nvSpPr>
         <p:spPr>
           <a:xfrm>
-            <a:off x="6908136" y="3767931"/>
+            <a:off x="6908136" y="3728176"/>
             <a:ext cx="251172" cy="307777"/>
           </a:xfrm>
           <a:prstGeom prst="rect">
@@ -15505,7 +15511,7 @@
         </p:nvSpPr>
         <p:spPr>
           <a:xfrm>
-            <a:off x="7160915" y="3768023"/>
+            <a:off x="7160915" y="3728268"/>
             <a:ext cx="251172" cy="307777"/>
           </a:xfrm>
           <a:prstGeom prst="rect">
@@ -17679,6 +17685,70 @@
                 </a:outerShdw>
               </a:effectLst>
             </a:endParaRPr>
+          </a:p>
+        </p:txBody>
+      </p:sp>
+      <p:sp>
+        <p:nvSpPr>
+          <p:cNvPr id="180" name="Rectángulo 179">
+            <a:extLst>
+              <a:ext uri="{FF2B5EF4-FFF2-40B4-BE49-F238E27FC236}">
+                <a16:creationId xmlns:a16="http://schemas.microsoft.com/office/drawing/2014/main" id="{F0184761-43D7-4DEE-AAEF-91728716927E}"/>
+              </a:ext>
+            </a:extLst>
+          </p:cNvPr>
+          <p:cNvSpPr/>
+          <p:nvPr/>
+        </p:nvSpPr>
+        <p:spPr>
+          <a:xfrm>
+            <a:off x="3297068" y="4364263"/>
+            <a:ext cx="4128741" cy="367263"/>
+          </a:xfrm>
+          <a:prstGeom prst="rect">
+            <a:avLst/>
+          </a:prstGeom>
+          <a:noFill/>
+          <a:ln>
+            <a:noFill/>
+          </a:ln>
+          <a:effectLst>
+            <a:softEdge rad="31750"/>
+          </a:effectLst>
+          <a:scene3d>
+            <a:camera prst="orthographicFront">
+              <a:rot lat="0" lon="0" rev="0"/>
+            </a:camera>
+            <a:lightRig rig="contrasting" dir="t">
+              <a:rot lat="0" lon="0" rev="7800000"/>
+            </a:lightRig>
+          </a:scene3d>
+          <a:sp3d>
+            <a:bevelT w="139700" h="139700"/>
+          </a:sp3d>
+        </p:spPr>
+        <p:style>
+          <a:lnRef idx="2">
+            <a:schemeClr val="accent1">
+              <a:shade val="50000"/>
+            </a:schemeClr>
+          </a:lnRef>
+          <a:fillRef idx="1">
+            <a:schemeClr val="accent1"/>
+          </a:fillRef>
+          <a:effectRef idx="0">
+            <a:schemeClr val="accent1"/>
+          </a:effectRef>
+          <a:fontRef idx="minor">
+            <a:schemeClr val="lt1"/>
+          </a:fontRef>
+        </p:style>
+        <p:txBody>
+          <a:bodyPr rtlCol="0" anchor="ctr"/>
+          <a:lstStyle/>
+          <a:p>
+            <a:pPr algn="ctr"/>
+            <a:endParaRPr lang="es-CO"/>
           </a:p>
         </p:txBody>
       </p:sp>
